--- a/ee-css-intermediate/demos/aa-text-styling/docs/COMP 1017 - Day 19 (Styling Text).pptx
+++ b/ee-css-intermediate/demos/aa-text-styling/docs/COMP 1017 - Day 19 (Styling Text).pptx
@@ -1,68 +1,74 @@
 
 <file path=ppt/presentation.xml><?xml version="1.0" encoding="utf-8"?>
-<p:presentation xmlns:a="http://schemas.openxmlformats.org/drawingml/2006/main" xmlns:r="http://schemas.openxmlformats.org/officeDocument/2006/relationships" xmlns:mc="http://schemas.openxmlformats.org/markup-compatibility/2006" xmlns:mv="urn:schemas-microsoft-com:mac:vml" xmlns:p="http://schemas.openxmlformats.org/presentationml/2006/main" xmlns:c="http://schemas.openxmlformats.org/drawingml/2006/chart" xmlns:dgm="http://schemas.openxmlformats.org/drawingml/2006/diagram" xmlns:o="urn:schemas-microsoft-com:office:office" xmlns:v="urn:schemas-microsoft-com:vml" xmlns:pvml="urn:schemas-microsoft-com:office:powerpoint" xmlns:com="http://schemas.openxmlformats.org/drawingml/2006/compatibility" xmlns:p14="http://schemas.microsoft.com/office/powerpoint/2010/main" xmlns:p15="http://schemas.microsoft.com/office/powerpoint/2012/main" xmlns:ahyp="http://schemas.microsoft.com/office/drawing/2018/hyperlinkcolor" autoCompressPictures="0" embedTrueTypeFonts="1" strictFirstAndLastChars="0" saveSubsetFonts="1">
+<p:presentation xmlns:a="http://schemas.openxmlformats.org/drawingml/2006/main" xmlns:r="http://schemas.openxmlformats.org/officeDocument/2006/relationships" xmlns:p="http://schemas.openxmlformats.org/presentationml/2006/main" strictFirstAndLastChars="0" embedTrueTypeFonts="1" saveSubsetFonts="1" autoCompressPictures="0">
   <p:sldMasterIdLst>
     <p:sldMasterId id="2147483659" r:id="rId4"/>
   </p:sldMasterIdLst>
   <p:notesMasterIdLst>
-    <p:notesMasterId r:id="rId5"/>
+    <p:notesMasterId r:id="rId45"/>
   </p:notesMasterIdLst>
   <p:sldIdLst>
-    <p:sldId id="256" r:id="rId6"/>
-    <p:sldId id="257" r:id="rId7"/>
-    <p:sldId id="258" r:id="rId8"/>
-    <p:sldId id="259" r:id="rId9"/>
-    <p:sldId id="260" r:id="rId10"/>
-    <p:sldId id="261" r:id="rId11"/>
-    <p:sldId id="262" r:id="rId12"/>
-    <p:sldId id="263" r:id="rId13"/>
-    <p:sldId id="264" r:id="rId14"/>
-    <p:sldId id="265" r:id="rId15"/>
-    <p:sldId id="266" r:id="rId16"/>
-    <p:sldId id="267" r:id="rId17"/>
-    <p:sldId id="268" r:id="rId18"/>
-    <p:sldId id="269" r:id="rId19"/>
-    <p:sldId id="270" r:id="rId20"/>
-    <p:sldId id="271" r:id="rId21"/>
-    <p:sldId id="272" r:id="rId22"/>
-    <p:sldId id="273" r:id="rId23"/>
-    <p:sldId id="274" r:id="rId24"/>
-    <p:sldId id="275" r:id="rId25"/>
-    <p:sldId id="276" r:id="rId26"/>
-    <p:sldId id="277" r:id="rId27"/>
-    <p:sldId id="278" r:id="rId28"/>
-    <p:sldId id="279" r:id="rId29"/>
-    <p:sldId id="280" r:id="rId30"/>
-    <p:sldId id="281" r:id="rId31"/>
-    <p:sldId id="282" r:id="rId32"/>
-    <p:sldId id="283" r:id="rId33"/>
-    <p:sldId id="284" r:id="rId34"/>
-    <p:sldId id="285" r:id="rId35"/>
-    <p:sldId id="286" r:id="rId36"/>
-    <p:sldId id="287" r:id="rId37"/>
-    <p:sldId id="288" r:id="rId38"/>
-    <p:sldId id="289" r:id="rId39"/>
-    <p:sldId id="290" r:id="rId40"/>
-    <p:sldId id="291" r:id="rId41"/>
-    <p:sldId id="292" r:id="rId42"/>
-    <p:sldId id="293" r:id="rId43"/>
-    <p:sldId id="294" r:id="rId44"/>
-    <p:sldId id="295" r:id="rId45"/>
-    <p:sldId id="296" r:id="rId46"/>
+    <p:sldId id="256" r:id="rId5"/>
+    <p:sldId id="257" r:id="rId6"/>
+    <p:sldId id="258" r:id="rId7"/>
+    <p:sldId id="259" r:id="rId8"/>
+    <p:sldId id="260" r:id="rId9"/>
+    <p:sldId id="261" r:id="rId10"/>
+    <p:sldId id="262" r:id="rId11"/>
+    <p:sldId id="263" r:id="rId12"/>
+    <p:sldId id="264" r:id="rId13"/>
+    <p:sldId id="265" r:id="rId14"/>
+    <p:sldId id="266" r:id="rId15"/>
+    <p:sldId id="267" r:id="rId16"/>
+    <p:sldId id="268" r:id="rId17"/>
+    <p:sldId id="269" r:id="rId18"/>
+    <p:sldId id="270" r:id="rId19"/>
+    <p:sldId id="271" r:id="rId20"/>
+    <p:sldId id="272" r:id="rId21"/>
+    <p:sldId id="273" r:id="rId22"/>
+    <p:sldId id="274" r:id="rId23"/>
+    <p:sldId id="275" r:id="rId24"/>
+    <p:sldId id="276" r:id="rId25"/>
+    <p:sldId id="277" r:id="rId26"/>
+    <p:sldId id="278" r:id="rId27"/>
+    <p:sldId id="279" r:id="rId28"/>
+    <p:sldId id="280" r:id="rId29"/>
+    <p:sldId id="281" r:id="rId30"/>
+    <p:sldId id="282" r:id="rId31"/>
+    <p:sldId id="283" r:id="rId32"/>
+    <p:sldId id="284" r:id="rId33"/>
+    <p:sldId id="285" r:id="rId34"/>
+    <p:sldId id="286" r:id="rId35"/>
+    <p:sldId id="287" r:id="rId36"/>
+    <p:sldId id="288" r:id="rId37"/>
+    <p:sldId id="289" r:id="rId38"/>
+    <p:sldId id="290" r:id="rId39"/>
+    <p:sldId id="291" r:id="rId40"/>
+    <p:sldId id="292" r:id="rId41"/>
+    <p:sldId id="293" r:id="rId42"/>
+    <p:sldId id="294" r:id="rId43"/>
+    <p:sldId id="295" r:id="rId44"/>
   </p:sldIdLst>
-  <p:sldSz cy="5143500" cx="9144000"/>
+  <p:sldSz cx="9144000" cy="5143500" type="screen16x9"/>
   <p:notesSz cx="6858000" cy="9144000"/>
   <p:embeddedFontLst>
     <p:embeddedFont>
-      <p:font typeface="Roboto Mono"/>
-      <p:regular r:id="rId47"/>
-      <p:bold r:id="rId48"/>
-      <p:italic r:id="rId49"/>
-      <p:boldItalic r:id="rId50"/>
+      <p:font typeface="Consolas" panose="020B0609020204030204" pitchFamily="49" charset="0"/>
+      <p:regular r:id="rId46"/>
+      <p:bold r:id="rId47"/>
+      <p:italic r:id="rId48"/>
+      <p:boldItalic r:id="rId49"/>
+    </p:embeddedFont>
+    <p:embeddedFont>
+      <p:font typeface="Roboto Mono" panose="020B0604020202020204" charset="0"/>
+      <p:regular r:id="rId50"/>
+      <p:bold r:id="rId51"/>
+      <p:italic r:id="rId52"/>
+      <p:boldItalic r:id="rId53"/>
     </p:embeddedFont>
   </p:embeddedFontLst>
   <p:defaultTextStyle>
-    <a:defPPr lvl="0" marR="0" rtl="0" algn="l">
+    <a:defPPr marR="0" lvl="0" algn="l" rtl="0">
       <a:lnSpc>
         <a:spcPct val="100000"/>
       </a:lnSpc>
@@ -73,7 +79,7 @@
         <a:spcPts val="0"/>
       </a:spcAft>
     </a:defPPr>
-    <a:lvl1pPr lvl="0" marR="0" rtl="0" algn="l">
+    <a:lvl1pPr marR="0" lvl="0" algn="l" rtl="0">
       <a:lnSpc>
         <a:spcPct val="100000"/>
       </a:lnSpc>
@@ -87,7 +93,7 @@
         <a:srgbClr val="000000"/>
       </a:buClr>
       <a:buFont typeface="Arial"/>
-      <a:defRPr b="0" i="0" sz="1400" u="none" cap="none" strike="noStrike">
+      <a:defRPr sz="1400" b="0" i="0" u="none" strike="noStrike" cap="none">
         <a:solidFill>
           <a:srgbClr val="000000"/>
         </a:solidFill>
@@ -97,7 +103,7 @@
         <a:sym typeface="Arial"/>
       </a:defRPr>
     </a:lvl1pPr>
-    <a:lvl2pPr lvl="1" marR="0" rtl="0" algn="l">
+    <a:lvl2pPr marR="0" lvl="1" algn="l" rtl="0">
       <a:lnSpc>
         <a:spcPct val="100000"/>
       </a:lnSpc>
@@ -111,7 +117,7 @@
         <a:srgbClr val="000000"/>
       </a:buClr>
       <a:buFont typeface="Arial"/>
-      <a:defRPr b="0" i="0" sz="1400" u="none" cap="none" strike="noStrike">
+      <a:defRPr sz="1400" b="0" i="0" u="none" strike="noStrike" cap="none">
         <a:solidFill>
           <a:srgbClr val="000000"/>
         </a:solidFill>
@@ -121,7 +127,7 @@
         <a:sym typeface="Arial"/>
       </a:defRPr>
     </a:lvl2pPr>
-    <a:lvl3pPr lvl="2" marR="0" rtl="0" algn="l">
+    <a:lvl3pPr marR="0" lvl="2" algn="l" rtl="0">
       <a:lnSpc>
         <a:spcPct val="100000"/>
       </a:lnSpc>
@@ -135,7 +141,7 @@
         <a:srgbClr val="000000"/>
       </a:buClr>
       <a:buFont typeface="Arial"/>
-      <a:defRPr b="0" i="0" sz="1400" u="none" cap="none" strike="noStrike">
+      <a:defRPr sz="1400" b="0" i="0" u="none" strike="noStrike" cap="none">
         <a:solidFill>
           <a:srgbClr val="000000"/>
         </a:solidFill>
@@ -145,7 +151,7 @@
         <a:sym typeface="Arial"/>
       </a:defRPr>
     </a:lvl3pPr>
-    <a:lvl4pPr lvl="3" marR="0" rtl="0" algn="l">
+    <a:lvl4pPr marR="0" lvl="3" algn="l" rtl="0">
       <a:lnSpc>
         <a:spcPct val="100000"/>
       </a:lnSpc>
@@ -159,7 +165,7 @@
         <a:srgbClr val="000000"/>
       </a:buClr>
       <a:buFont typeface="Arial"/>
-      <a:defRPr b="0" i="0" sz="1400" u="none" cap="none" strike="noStrike">
+      <a:defRPr sz="1400" b="0" i="0" u="none" strike="noStrike" cap="none">
         <a:solidFill>
           <a:srgbClr val="000000"/>
         </a:solidFill>
@@ -169,7 +175,7 @@
         <a:sym typeface="Arial"/>
       </a:defRPr>
     </a:lvl4pPr>
-    <a:lvl5pPr lvl="4" marR="0" rtl="0" algn="l">
+    <a:lvl5pPr marR="0" lvl="4" algn="l" rtl="0">
       <a:lnSpc>
         <a:spcPct val="100000"/>
       </a:lnSpc>
@@ -183,7 +189,7 @@
         <a:srgbClr val="000000"/>
       </a:buClr>
       <a:buFont typeface="Arial"/>
-      <a:defRPr b="0" i="0" sz="1400" u="none" cap="none" strike="noStrike">
+      <a:defRPr sz="1400" b="0" i="0" u="none" strike="noStrike" cap="none">
         <a:solidFill>
           <a:srgbClr val="000000"/>
         </a:solidFill>
@@ -193,7 +199,7 @@
         <a:sym typeface="Arial"/>
       </a:defRPr>
     </a:lvl5pPr>
-    <a:lvl6pPr lvl="5" marR="0" rtl="0" algn="l">
+    <a:lvl6pPr marR="0" lvl="5" algn="l" rtl="0">
       <a:lnSpc>
         <a:spcPct val="100000"/>
       </a:lnSpc>
@@ -207,7 +213,7 @@
         <a:srgbClr val="000000"/>
       </a:buClr>
       <a:buFont typeface="Arial"/>
-      <a:defRPr b="0" i="0" sz="1400" u="none" cap="none" strike="noStrike">
+      <a:defRPr sz="1400" b="0" i="0" u="none" strike="noStrike" cap="none">
         <a:solidFill>
           <a:srgbClr val="000000"/>
         </a:solidFill>
@@ -217,7 +223,7 @@
         <a:sym typeface="Arial"/>
       </a:defRPr>
     </a:lvl6pPr>
-    <a:lvl7pPr lvl="6" marR="0" rtl="0" algn="l">
+    <a:lvl7pPr marR="0" lvl="6" algn="l" rtl="0">
       <a:lnSpc>
         <a:spcPct val="100000"/>
       </a:lnSpc>
@@ -231,7 +237,7 @@
         <a:srgbClr val="000000"/>
       </a:buClr>
       <a:buFont typeface="Arial"/>
-      <a:defRPr b="0" i="0" sz="1400" u="none" cap="none" strike="noStrike">
+      <a:defRPr sz="1400" b="0" i="0" u="none" strike="noStrike" cap="none">
         <a:solidFill>
           <a:srgbClr val="000000"/>
         </a:solidFill>
@@ -241,7 +247,7 @@
         <a:sym typeface="Arial"/>
       </a:defRPr>
     </a:lvl7pPr>
-    <a:lvl8pPr lvl="7" marR="0" rtl="0" algn="l">
+    <a:lvl8pPr marR="0" lvl="7" algn="l" rtl="0">
       <a:lnSpc>
         <a:spcPct val="100000"/>
       </a:lnSpc>
@@ -255,7 +261,7 @@
         <a:srgbClr val="000000"/>
       </a:buClr>
       <a:buFont typeface="Arial"/>
-      <a:defRPr b="0" i="0" sz="1400" u="none" cap="none" strike="noStrike">
+      <a:defRPr sz="1400" b="0" i="0" u="none" strike="noStrike" cap="none">
         <a:solidFill>
           <a:srgbClr val="000000"/>
         </a:solidFill>
@@ -265,7 +271,7 @@
         <a:sym typeface="Arial"/>
       </a:defRPr>
     </a:lvl8pPr>
-    <a:lvl9pPr lvl="8" marR="0" rtl="0" algn="l">
+    <a:lvl9pPr marR="0" lvl="8" algn="l" rtl="0">
       <a:lnSpc>
         <a:spcPct val="100000"/>
       </a:lnSpc>
@@ -279,7 +285,7 @@
         <a:srgbClr val="000000"/>
       </a:buClr>
       <a:buFont typeface="Arial"/>
-      <a:defRPr b="0" i="0" sz="1400" u="none" cap="none" strike="noStrike">
+      <a:defRPr sz="1400" b="0" i="0" u="none" strike="noStrike" cap="none">
         <a:solidFill>
           <a:srgbClr val="000000"/>
         </a:solidFill>
@@ -292,7 +298,7 @@
   </p:defaultTextStyle>
   <p:extLst>
     <p:ext uri="{EFAFB233-063F-42B5-8137-9DF3F51BA10A}">
-      <p15:sldGuideLst>
+      <p15:sldGuideLst xmlns:p15="http://schemas.microsoft.com/office/powerpoint/2012/main">
         <p15:guide id="1" orient="horz" pos="1620">
           <p15:clr>
             <a:srgbClr val="A4A3A4"/>
@@ -310,11 +316,16 @@
 </file>
 
 <file path=ppt/notesMasters/notesMaster1.xml><?xml version="1.0" encoding="utf-8"?>
-<p:notesMaster xmlns:a="http://schemas.openxmlformats.org/drawingml/2006/main" xmlns:r="http://schemas.openxmlformats.org/officeDocument/2006/relationships" xmlns:mc="http://schemas.openxmlformats.org/markup-compatibility/2006" xmlns:mv="urn:schemas-microsoft-com:mac:vml" xmlns:p="http://schemas.openxmlformats.org/presentationml/2006/main" xmlns:c="http://schemas.openxmlformats.org/drawingml/2006/chart" xmlns:dgm="http://schemas.openxmlformats.org/drawingml/2006/diagram" xmlns:o="urn:schemas-microsoft-com:office:office" xmlns:v="urn:schemas-microsoft-com:vml" xmlns:pvml="urn:schemas-microsoft-com:office:powerpoint" xmlns:com="http://schemas.openxmlformats.org/drawingml/2006/compatibility" xmlns:p14="http://schemas.microsoft.com/office/powerpoint/2010/main" xmlns:p15="http://schemas.microsoft.com/office/powerpoint/2012/main" xmlns:ahyp="http://schemas.microsoft.com/office/drawing/2018/hyperlinkcolor">
+<p:notesMaster xmlns:a="http://schemas.openxmlformats.org/drawingml/2006/main" xmlns:r="http://schemas.openxmlformats.org/officeDocument/2006/relationships" xmlns:p="http://schemas.openxmlformats.org/presentationml/2006/main">
   <p:cSld>
+    <p:bg>
+      <p:bgRef idx="1001">
+        <a:schemeClr val="bg1"/>
+      </p:bgRef>
+    </p:bg>
     <p:spTree>
       <p:nvGrpSpPr>
-        <p:cNvPr id="2" name="Shape 2"/>
+        <p:cNvPr id="1" name="Shape 2"/>
         <p:cNvGrpSpPr/>
         <p:nvPr/>
       </p:nvGrpSpPr>
@@ -329,9 +340,11 @@
       <p:sp>
         <p:nvSpPr>
           <p:cNvPr id="3" name="Google Shape;3;n"/>
-          <p:cNvSpPr/>
+          <p:cNvSpPr>
+            <a:spLocks noGrp="1" noRot="1" noChangeAspect="1"/>
+          </p:cNvSpPr>
           <p:nvPr>
-            <p:ph idx="2" type="sldImg"/>
+            <p:ph type="sldImg" idx="2"/>
           </p:nvPr>
         </p:nvSpPr>
         <p:spPr>
@@ -340,9 +353,13 @@
             <a:ext cx="6096075" cy="3429000"/>
           </a:xfrm>
           <a:custGeom>
-            <a:rect b="b" l="l" r="r" t="t"/>
+            <a:avLst/>
+            <a:gdLst/>
+            <a:ahLst/>
+            <a:cxnLst/>
+            <a:rect l="l" t="t" r="r" b="b"/>
             <a:pathLst>
-              <a:path extrusionOk="0" h="120000" w="120000">
+              <a:path w="120000" h="120000" extrusionOk="0">
                 <a:moveTo>
                   <a:pt x="0" y="0"/>
                 </a:moveTo>
@@ -360,23 +377,25 @@
             </a:pathLst>
           </a:custGeom>
           <a:noFill/>
-          <a:ln cap="flat" cmpd="sng" w="9525">
+          <a:ln w="9525" cap="flat" cmpd="sng">
             <a:solidFill>
               <a:srgbClr val="000000"/>
             </a:solidFill>
             <a:prstDash val="solid"/>
             <a:round/>
-            <a:headEnd len="sm" w="sm" type="none"/>
-            <a:tailEnd len="sm" w="sm" type="none"/>
+            <a:headEnd type="none" w="sm" len="sm"/>
+            <a:tailEnd type="none" w="sm" len="sm"/>
           </a:ln>
         </p:spPr>
       </p:sp>
       <p:sp>
         <p:nvSpPr>
           <p:cNvPr id="4" name="Google Shape;4;n"/>
-          <p:cNvSpPr txBox="1"/>
+          <p:cNvSpPr txBox="1">
+            <a:spLocks noGrp="1"/>
+          </p:cNvSpPr>
           <p:nvPr>
-            <p:ph idx="1" type="body"/>
+            <p:ph type="body" idx="1"/>
           </p:nvPr>
         </p:nvSpPr>
         <p:spPr>
@@ -393,11 +412,11 @@
           </a:ln>
         </p:spPr>
         <p:txBody>
-          <a:bodyPr anchorCtr="0" anchor="t" bIns="91425" lIns="91425" spcFirstLastPara="1" rIns="91425" wrap="square" tIns="91425">
+          <a:bodyPr spcFirstLastPara="1" wrap="square" lIns="91425" tIns="91425" rIns="91425" bIns="91425" anchor="t" anchorCtr="0">
             <a:noAutofit/>
           </a:bodyPr>
           <a:lstStyle>
-            <a:lvl1pPr indent="-298450" lvl="0" marL="457200">
+            <a:lvl1pPr marL="457200" lvl="0" indent="-298450">
               <a:spcBef>
                 <a:spcPts val="0"/>
               </a:spcBef>
@@ -408,7 +427,7 @@
               <a:buChar char="●"/>
               <a:defRPr sz="1100"/>
             </a:lvl1pPr>
-            <a:lvl2pPr indent="-298450" lvl="1" marL="914400">
+            <a:lvl2pPr marL="914400" lvl="1" indent="-298450">
               <a:spcBef>
                 <a:spcPts val="0"/>
               </a:spcBef>
@@ -419,7 +438,7 @@
               <a:buChar char="○"/>
               <a:defRPr sz="1100"/>
             </a:lvl2pPr>
-            <a:lvl3pPr indent="-298450" lvl="2" marL="1371600">
+            <a:lvl3pPr marL="1371600" lvl="2" indent="-298450">
               <a:spcBef>
                 <a:spcPts val="0"/>
               </a:spcBef>
@@ -430,7 +449,7 @@
               <a:buChar char="■"/>
               <a:defRPr sz="1100"/>
             </a:lvl3pPr>
-            <a:lvl4pPr indent="-298450" lvl="3" marL="1828800">
+            <a:lvl4pPr marL="1828800" lvl="3" indent="-298450">
               <a:spcBef>
                 <a:spcPts val="0"/>
               </a:spcBef>
@@ -441,7 +460,7 @@
               <a:buChar char="●"/>
               <a:defRPr sz="1100"/>
             </a:lvl4pPr>
-            <a:lvl5pPr indent="-298450" lvl="4" marL="2286000">
+            <a:lvl5pPr marL="2286000" lvl="4" indent="-298450">
               <a:spcBef>
                 <a:spcPts val="0"/>
               </a:spcBef>
@@ -452,7 +471,7 @@
               <a:buChar char="○"/>
               <a:defRPr sz="1100"/>
             </a:lvl5pPr>
-            <a:lvl6pPr indent="-298450" lvl="5" marL="2743200">
+            <a:lvl6pPr marL="2743200" lvl="5" indent="-298450">
               <a:spcBef>
                 <a:spcPts val="0"/>
               </a:spcBef>
@@ -463,7 +482,7 @@
               <a:buChar char="■"/>
               <a:defRPr sz="1100"/>
             </a:lvl6pPr>
-            <a:lvl7pPr indent="-298450" lvl="6" marL="3200400">
+            <a:lvl7pPr marL="3200400" lvl="6" indent="-298450">
               <a:spcBef>
                 <a:spcPts val="0"/>
               </a:spcBef>
@@ -474,7 +493,7 @@
               <a:buChar char="●"/>
               <a:defRPr sz="1100"/>
             </a:lvl7pPr>
-            <a:lvl8pPr indent="-298450" lvl="7" marL="3657600">
+            <a:lvl8pPr marL="3657600" lvl="7" indent="-298450">
               <a:spcBef>
                 <a:spcPts val="0"/>
               </a:spcBef>
@@ -485,7 +504,7 @@
               <a:buChar char="○"/>
               <a:defRPr sz="1100"/>
             </a:lvl8pPr>
-            <a:lvl9pPr indent="-298450" lvl="8" marL="4114800">
+            <a:lvl9pPr marL="4114800" lvl="8" indent="-298450">
               <a:spcBef>
                 <a:spcPts val="0"/>
               </a:spcBef>
@@ -497,14 +516,16 @@
               <a:defRPr sz="1100"/>
             </a:lvl9pPr>
           </a:lstStyle>
-          <a:p/>
+          <a:p>
+            <a:endParaRPr/>
+          </a:p>
         </p:txBody>
       </p:sp>
     </p:spTree>
   </p:cSld>
-  <p:clrMap accent1="accent1" accent2="accent2" accent3="accent3" accent4="accent4" accent5="accent5" accent6="accent6" bg1="lt1" bg2="dk2" tx1="dk1" tx2="lt2" folHlink="folHlink" hlink="hlink"/>
+  <p:clrMap bg1="lt1" tx1="dk1" bg2="dk2" tx2="lt2" accent1="accent1" accent2="accent2" accent3="accent3" accent4="accent4" accent5="accent5" accent6="accent6" hlink="hlink" folHlink="folHlink"/>
   <p:notesStyle>
-    <a:defPPr lvl="0" marR="0" rtl="0" algn="l">
+    <a:defPPr marR="0" lvl="0" algn="l" rtl="0">
       <a:lnSpc>
         <a:spcPct val="100000"/>
       </a:lnSpc>
@@ -515,7 +536,7 @@
         <a:spcPts val="0"/>
       </a:spcAft>
     </a:defPPr>
-    <a:lvl1pPr lvl="0" marR="0" rtl="0" algn="l">
+    <a:lvl1pPr marR="0" lvl="0" algn="l" rtl="0">
       <a:lnSpc>
         <a:spcPct val="100000"/>
       </a:lnSpc>
@@ -529,7 +550,7 @@
         <a:srgbClr val="000000"/>
       </a:buClr>
       <a:buFont typeface="Arial"/>
-      <a:defRPr b="0" i="0" sz="1400" u="none" cap="none" strike="noStrike">
+      <a:defRPr sz="1400" b="0" i="0" u="none" strike="noStrike" cap="none">
         <a:solidFill>
           <a:srgbClr val="000000"/>
         </a:solidFill>
@@ -539,7 +560,7 @@
         <a:sym typeface="Arial"/>
       </a:defRPr>
     </a:lvl1pPr>
-    <a:lvl2pPr lvl="1" marR="0" rtl="0" algn="l">
+    <a:lvl2pPr marR="0" lvl="1" algn="l" rtl="0">
       <a:lnSpc>
         <a:spcPct val="100000"/>
       </a:lnSpc>
@@ -553,7 +574,7 @@
         <a:srgbClr val="000000"/>
       </a:buClr>
       <a:buFont typeface="Arial"/>
-      <a:defRPr b="0" i="0" sz="1400" u="none" cap="none" strike="noStrike">
+      <a:defRPr sz="1400" b="0" i="0" u="none" strike="noStrike" cap="none">
         <a:solidFill>
           <a:srgbClr val="000000"/>
         </a:solidFill>
@@ -563,7 +584,7 @@
         <a:sym typeface="Arial"/>
       </a:defRPr>
     </a:lvl2pPr>
-    <a:lvl3pPr lvl="2" marR="0" rtl="0" algn="l">
+    <a:lvl3pPr marR="0" lvl="2" algn="l" rtl="0">
       <a:lnSpc>
         <a:spcPct val="100000"/>
       </a:lnSpc>
@@ -577,7 +598,7 @@
         <a:srgbClr val="000000"/>
       </a:buClr>
       <a:buFont typeface="Arial"/>
-      <a:defRPr b="0" i="0" sz="1400" u="none" cap="none" strike="noStrike">
+      <a:defRPr sz="1400" b="0" i="0" u="none" strike="noStrike" cap="none">
         <a:solidFill>
           <a:srgbClr val="000000"/>
         </a:solidFill>
@@ -587,7 +608,7 @@
         <a:sym typeface="Arial"/>
       </a:defRPr>
     </a:lvl3pPr>
-    <a:lvl4pPr lvl="3" marR="0" rtl="0" algn="l">
+    <a:lvl4pPr marR="0" lvl="3" algn="l" rtl="0">
       <a:lnSpc>
         <a:spcPct val="100000"/>
       </a:lnSpc>
@@ -601,7 +622,7 @@
         <a:srgbClr val="000000"/>
       </a:buClr>
       <a:buFont typeface="Arial"/>
-      <a:defRPr b="0" i="0" sz="1400" u="none" cap="none" strike="noStrike">
+      <a:defRPr sz="1400" b="0" i="0" u="none" strike="noStrike" cap="none">
         <a:solidFill>
           <a:srgbClr val="000000"/>
         </a:solidFill>
@@ -611,7 +632,7 @@
         <a:sym typeface="Arial"/>
       </a:defRPr>
     </a:lvl4pPr>
-    <a:lvl5pPr lvl="4" marR="0" rtl="0" algn="l">
+    <a:lvl5pPr marR="0" lvl="4" algn="l" rtl="0">
       <a:lnSpc>
         <a:spcPct val="100000"/>
       </a:lnSpc>
@@ -625,7 +646,7 @@
         <a:srgbClr val="000000"/>
       </a:buClr>
       <a:buFont typeface="Arial"/>
-      <a:defRPr b="0" i="0" sz="1400" u="none" cap="none" strike="noStrike">
+      <a:defRPr sz="1400" b="0" i="0" u="none" strike="noStrike" cap="none">
         <a:solidFill>
           <a:srgbClr val="000000"/>
         </a:solidFill>
@@ -635,7 +656,7 @@
         <a:sym typeface="Arial"/>
       </a:defRPr>
     </a:lvl5pPr>
-    <a:lvl6pPr lvl="5" marR="0" rtl="0" algn="l">
+    <a:lvl6pPr marR="0" lvl="5" algn="l" rtl="0">
       <a:lnSpc>
         <a:spcPct val="100000"/>
       </a:lnSpc>
@@ -649,7 +670,7 @@
         <a:srgbClr val="000000"/>
       </a:buClr>
       <a:buFont typeface="Arial"/>
-      <a:defRPr b="0" i="0" sz="1400" u="none" cap="none" strike="noStrike">
+      <a:defRPr sz="1400" b="0" i="0" u="none" strike="noStrike" cap="none">
         <a:solidFill>
           <a:srgbClr val="000000"/>
         </a:solidFill>
@@ -659,7 +680,7 @@
         <a:sym typeface="Arial"/>
       </a:defRPr>
     </a:lvl6pPr>
-    <a:lvl7pPr lvl="6" marR="0" rtl="0" algn="l">
+    <a:lvl7pPr marR="0" lvl="6" algn="l" rtl="0">
       <a:lnSpc>
         <a:spcPct val="100000"/>
       </a:lnSpc>
@@ -673,7 +694,7 @@
         <a:srgbClr val="000000"/>
       </a:buClr>
       <a:buFont typeface="Arial"/>
-      <a:defRPr b="0" i="0" sz="1400" u="none" cap="none" strike="noStrike">
+      <a:defRPr sz="1400" b="0" i="0" u="none" strike="noStrike" cap="none">
         <a:solidFill>
           <a:srgbClr val="000000"/>
         </a:solidFill>
@@ -683,7 +704,7 @@
         <a:sym typeface="Arial"/>
       </a:defRPr>
     </a:lvl7pPr>
-    <a:lvl8pPr lvl="7" marR="0" rtl="0" algn="l">
+    <a:lvl8pPr marR="0" lvl="7" algn="l" rtl="0">
       <a:lnSpc>
         <a:spcPct val="100000"/>
       </a:lnSpc>
@@ -697,7 +718,7 @@
         <a:srgbClr val="000000"/>
       </a:buClr>
       <a:buFont typeface="Arial"/>
-      <a:defRPr b="0" i="0" sz="1400" u="none" cap="none" strike="noStrike">
+      <a:defRPr sz="1400" b="0" i="0" u="none" strike="noStrike" cap="none">
         <a:solidFill>
           <a:srgbClr val="000000"/>
         </a:solidFill>
@@ -707,7 +728,7 @@
         <a:sym typeface="Arial"/>
       </a:defRPr>
     </a:lvl8pPr>
-    <a:lvl9pPr lvl="8" marR="0" rtl="0" algn="l">
+    <a:lvl9pPr marR="0" lvl="8" algn="l" rtl="0">
       <a:lnSpc>
         <a:spcPct val="100000"/>
       </a:lnSpc>
@@ -721,7 +742,7 @@
         <a:srgbClr val="000000"/>
       </a:buClr>
       <a:buFont typeface="Arial"/>
-      <a:defRPr b="0" i="0" sz="1400" u="none" cap="none" strike="noStrike">
+      <a:defRPr sz="1400" b="0" i="0" u="none" strike="noStrike" cap="none">
         <a:solidFill>
           <a:srgbClr val="000000"/>
         </a:solidFill>
@@ -736,11 +757,11 @@
 </file>
 
 <file path=ppt/notesSlides/notesSlide1.xml><?xml version="1.0" encoding="utf-8"?>
-<p:notes xmlns:a="http://schemas.openxmlformats.org/drawingml/2006/main" xmlns:r="http://schemas.openxmlformats.org/officeDocument/2006/relationships" xmlns:mc="http://schemas.openxmlformats.org/markup-compatibility/2006" xmlns:mv="urn:schemas-microsoft-com:mac:vml" xmlns:p="http://schemas.openxmlformats.org/presentationml/2006/main" xmlns:c="http://schemas.openxmlformats.org/drawingml/2006/chart" xmlns:dgm="http://schemas.openxmlformats.org/drawingml/2006/diagram" xmlns:o="urn:schemas-microsoft-com:office:office" xmlns:v="urn:schemas-microsoft-com:vml" xmlns:pvml="urn:schemas-microsoft-com:office:powerpoint" xmlns:com="http://schemas.openxmlformats.org/drawingml/2006/compatibility" xmlns:p14="http://schemas.microsoft.com/office/powerpoint/2010/main" xmlns:p15="http://schemas.microsoft.com/office/powerpoint/2012/main" xmlns:ahyp="http://schemas.microsoft.com/office/drawing/2018/hyperlinkcolor" showMasterPhAnim="0" showMasterSp="0">
+<p:notes xmlns:a="http://schemas.openxmlformats.org/drawingml/2006/main" xmlns:r="http://schemas.openxmlformats.org/officeDocument/2006/relationships" xmlns:p="http://schemas.openxmlformats.org/presentationml/2006/main" showMasterSp="0" showMasterPhAnim="0">
   <p:cSld>
     <p:spTree>
       <p:nvGrpSpPr>
-        <p:cNvPr id="50" name="Shape 50"/>
+        <p:cNvPr id="1" name="Shape 50"/>
         <p:cNvGrpSpPr/>
         <p:nvPr/>
       </p:nvGrpSpPr>
@@ -755,9 +776,11 @@
       <p:sp>
         <p:nvSpPr>
           <p:cNvPr id="51" name="Google Shape;51;p:notes"/>
-          <p:cNvSpPr/>
+          <p:cNvSpPr>
+            <a:spLocks noGrp="1" noRot="1" noChangeAspect="1"/>
+          </p:cNvSpPr>
           <p:nvPr>
-            <p:ph idx="2" type="sldImg"/>
+            <p:ph type="sldImg" idx="2"/>
           </p:nvPr>
         </p:nvSpPr>
         <p:spPr>
@@ -766,9 +789,13 @@
             <a:ext cx="6096000" cy="3429000"/>
           </a:xfrm>
           <a:custGeom>
-            <a:rect b="b" l="l" r="r" t="t"/>
+            <a:avLst/>
+            <a:gdLst/>
+            <a:ahLst/>
+            <a:cxnLst/>
+            <a:rect l="l" t="t" r="r" b="b"/>
             <a:pathLst>
-              <a:path extrusionOk="0" h="120000" w="120000">
+              <a:path w="120000" h="120000" extrusionOk="0">
                 <a:moveTo>
                   <a:pt x="0" y="0"/>
                 </a:moveTo>
@@ -790,9 +817,11 @@
       <p:sp>
         <p:nvSpPr>
           <p:cNvPr id="52" name="Google Shape;52;p:notes"/>
-          <p:cNvSpPr txBox="1"/>
+          <p:cNvSpPr txBox="1">
+            <a:spLocks noGrp="1"/>
+          </p:cNvSpPr>
           <p:nvPr>
-            <p:ph idx="1" type="body"/>
+            <p:ph type="body" idx="1"/>
           </p:nvPr>
         </p:nvSpPr>
         <p:spPr>
@@ -805,12 +834,12 @@
           </a:prstGeom>
         </p:spPr>
         <p:txBody>
-          <a:bodyPr anchorCtr="0" anchor="t" bIns="91425" lIns="91425" spcFirstLastPara="1" rIns="91425" wrap="square" tIns="91425">
+          <a:bodyPr spcFirstLastPara="1" wrap="square" lIns="91425" tIns="91425" rIns="91425" bIns="91425" anchor="t" anchorCtr="0">
             <a:noAutofit/>
           </a:bodyPr>
           <a:lstStyle/>
           <a:p>
-            <a:pPr indent="0" lvl="0" marL="0" rtl="0" algn="l">
+            <a:pPr marL="0" lvl="0" indent="0" algn="l" rtl="0">
               <a:spcBef>
                 <a:spcPts val="0"/>
               </a:spcBef>
@@ -819,9 +848,6 @@
               </a:spcAft>
               <a:buNone/>
             </a:pPr>
-            <a:r>
-              <a:t/>
-            </a:r>
             <a:endParaRPr/>
           </a:p>
         </p:txBody>
@@ -835,11 +861,11 @@
 </file>
 
 <file path=ppt/notesSlides/notesSlide10.xml><?xml version="1.0" encoding="utf-8"?>
-<p:notes xmlns:a="http://schemas.openxmlformats.org/drawingml/2006/main" xmlns:r="http://schemas.openxmlformats.org/officeDocument/2006/relationships" xmlns:mc="http://schemas.openxmlformats.org/markup-compatibility/2006" xmlns:mv="urn:schemas-microsoft-com:mac:vml" xmlns:p="http://schemas.openxmlformats.org/presentationml/2006/main" xmlns:c="http://schemas.openxmlformats.org/drawingml/2006/chart" xmlns:dgm="http://schemas.openxmlformats.org/drawingml/2006/diagram" xmlns:o="urn:schemas-microsoft-com:office:office" xmlns:v="urn:schemas-microsoft-com:vml" xmlns:pvml="urn:schemas-microsoft-com:office:powerpoint" xmlns:com="http://schemas.openxmlformats.org/drawingml/2006/compatibility" xmlns:p14="http://schemas.microsoft.com/office/powerpoint/2010/main" xmlns:p15="http://schemas.microsoft.com/office/powerpoint/2012/main" xmlns:ahyp="http://schemas.microsoft.com/office/drawing/2018/hyperlinkcolor" showMasterPhAnim="0" showMasterSp="0">
+<p:notes xmlns:a="http://schemas.openxmlformats.org/drawingml/2006/main" xmlns:r="http://schemas.openxmlformats.org/officeDocument/2006/relationships" xmlns:p="http://schemas.openxmlformats.org/presentationml/2006/main" showMasterSp="0" showMasterPhAnim="0">
   <p:cSld>
     <p:spTree>
       <p:nvGrpSpPr>
-        <p:cNvPr id="97" name="Shape 97"/>
+        <p:cNvPr id="1" name="Shape 97"/>
         <p:cNvGrpSpPr/>
         <p:nvPr/>
       </p:nvGrpSpPr>
@@ -854,9 +880,11 @@
       <p:sp>
         <p:nvSpPr>
           <p:cNvPr id="98" name="Google Shape;98;g6fc4d32752_0_197:notes"/>
-          <p:cNvSpPr/>
+          <p:cNvSpPr>
+            <a:spLocks noGrp="1" noRot="1" noChangeAspect="1"/>
+          </p:cNvSpPr>
           <p:nvPr>
-            <p:ph idx="2" type="sldImg"/>
+            <p:ph type="sldImg" idx="2"/>
           </p:nvPr>
         </p:nvSpPr>
         <p:spPr>
@@ -865,9 +893,13 @@
             <a:ext cx="6096000" cy="3429000"/>
           </a:xfrm>
           <a:custGeom>
-            <a:rect b="b" l="l" r="r" t="t"/>
+            <a:avLst/>
+            <a:gdLst/>
+            <a:ahLst/>
+            <a:cxnLst/>
+            <a:rect l="l" t="t" r="r" b="b"/>
             <a:pathLst>
-              <a:path extrusionOk="0" h="120000" w="120000">
+              <a:path w="120000" h="120000" extrusionOk="0">
                 <a:moveTo>
                   <a:pt x="0" y="0"/>
                 </a:moveTo>
@@ -889,9 +921,11 @@
       <p:sp>
         <p:nvSpPr>
           <p:cNvPr id="99" name="Google Shape;99;g6fc4d32752_0_197:notes"/>
-          <p:cNvSpPr txBox="1"/>
+          <p:cNvSpPr txBox="1">
+            <a:spLocks noGrp="1"/>
+          </p:cNvSpPr>
           <p:nvPr>
-            <p:ph idx="1" type="body"/>
+            <p:ph type="body" idx="1"/>
           </p:nvPr>
         </p:nvSpPr>
         <p:spPr>
@@ -904,12 +938,12 @@
           </a:prstGeom>
         </p:spPr>
         <p:txBody>
-          <a:bodyPr anchorCtr="0" anchor="t" bIns="91425" lIns="91425" spcFirstLastPara="1" rIns="91425" wrap="square" tIns="91425">
+          <a:bodyPr spcFirstLastPara="1" wrap="square" lIns="91425" tIns="91425" rIns="91425" bIns="91425" anchor="t" anchorCtr="0">
             <a:noAutofit/>
           </a:bodyPr>
           <a:lstStyle/>
           <a:p>
-            <a:pPr indent="0" lvl="0" marL="0" rtl="0" algn="l">
+            <a:pPr marL="0" lvl="0" indent="0" algn="l" rtl="0">
               <a:spcBef>
                 <a:spcPts val="0"/>
               </a:spcBef>
@@ -918,9 +952,6 @@
               </a:spcAft>
               <a:buNone/>
             </a:pPr>
-            <a:r>
-              <a:t/>
-            </a:r>
             <a:endParaRPr/>
           </a:p>
         </p:txBody>
@@ -934,11 +965,11 @@
 </file>
 
 <file path=ppt/notesSlides/notesSlide11.xml><?xml version="1.0" encoding="utf-8"?>
-<p:notes xmlns:a="http://schemas.openxmlformats.org/drawingml/2006/main" xmlns:r="http://schemas.openxmlformats.org/officeDocument/2006/relationships" xmlns:mc="http://schemas.openxmlformats.org/markup-compatibility/2006" xmlns:mv="urn:schemas-microsoft-com:mac:vml" xmlns:p="http://schemas.openxmlformats.org/presentationml/2006/main" xmlns:c="http://schemas.openxmlformats.org/drawingml/2006/chart" xmlns:dgm="http://schemas.openxmlformats.org/drawingml/2006/diagram" xmlns:o="urn:schemas-microsoft-com:office:office" xmlns:v="urn:schemas-microsoft-com:vml" xmlns:pvml="urn:schemas-microsoft-com:office:powerpoint" xmlns:com="http://schemas.openxmlformats.org/drawingml/2006/compatibility" xmlns:p14="http://schemas.microsoft.com/office/powerpoint/2010/main" xmlns:p15="http://schemas.microsoft.com/office/powerpoint/2012/main" xmlns:ahyp="http://schemas.microsoft.com/office/drawing/2018/hyperlinkcolor" showMasterPhAnim="0" showMasterSp="0">
+<p:notes xmlns:a="http://schemas.openxmlformats.org/drawingml/2006/main" xmlns:r="http://schemas.openxmlformats.org/officeDocument/2006/relationships" xmlns:p="http://schemas.openxmlformats.org/presentationml/2006/main" showMasterSp="0" showMasterPhAnim="0">
   <p:cSld>
     <p:spTree>
       <p:nvGrpSpPr>
-        <p:cNvPr id="102" name="Shape 102"/>
+        <p:cNvPr id="1" name="Shape 102"/>
         <p:cNvGrpSpPr/>
         <p:nvPr/>
       </p:nvGrpSpPr>
@@ -953,9 +984,11 @@
       <p:sp>
         <p:nvSpPr>
           <p:cNvPr id="103" name="Google Shape;103;g6fc4d32752_0_201:notes"/>
-          <p:cNvSpPr/>
+          <p:cNvSpPr>
+            <a:spLocks noGrp="1" noRot="1" noChangeAspect="1"/>
+          </p:cNvSpPr>
           <p:nvPr>
-            <p:ph idx="2" type="sldImg"/>
+            <p:ph type="sldImg" idx="2"/>
           </p:nvPr>
         </p:nvSpPr>
         <p:spPr>
@@ -964,9 +997,13 @@
             <a:ext cx="6096000" cy="3429000"/>
           </a:xfrm>
           <a:custGeom>
-            <a:rect b="b" l="l" r="r" t="t"/>
+            <a:avLst/>
+            <a:gdLst/>
+            <a:ahLst/>
+            <a:cxnLst/>
+            <a:rect l="l" t="t" r="r" b="b"/>
             <a:pathLst>
-              <a:path extrusionOk="0" h="120000" w="120000">
+              <a:path w="120000" h="120000" extrusionOk="0">
                 <a:moveTo>
                   <a:pt x="0" y="0"/>
                 </a:moveTo>
@@ -988,9 +1025,11 @@
       <p:sp>
         <p:nvSpPr>
           <p:cNvPr id="104" name="Google Shape;104;g6fc4d32752_0_201:notes"/>
-          <p:cNvSpPr txBox="1"/>
+          <p:cNvSpPr txBox="1">
+            <a:spLocks noGrp="1"/>
+          </p:cNvSpPr>
           <p:nvPr>
-            <p:ph idx="1" type="body"/>
+            <p:ph type="body" idx="1"/>
           </p:nvPr>
         </p:nvSpPr>
         <p:spPr>
@@ -1003,12 +1042,12 @@
           </a:prstGeom>
         </p:spPr>
         <p:txBody>
-          <a:bodyPr anchorCtr="0" anchor="t" bIns="91425" lIns="91425" spcFirstLastPara="1" rIns="91425" wrap="square" tIns="91425">
+          <a:bodyPr spcFirstLastPara="1" wrap="square" lIns="91425" tIns="91425" rIns="91425" bIns="91425" anchor="t" anchorCtr="0">
             <a:noAutofit/>
           </a:bodyPr>
           <a:lstStyle/>
           <a:p>
-            <a:pPr indent="0" lvl="0" marL="0" rtl="0" algn="l">
+            <a:pPr marL="0" lvl="0" indent="0" algn="l" rtl="0">
               <a:spcBef>
                 <a:spcPts val="0"/>
               </a:spcBef>
@@ -1017,9 +1056,6 @@
               </a:spcAft>
               <a:buNone/>
             </a:pPr>
-            <a:r>
-              <a:t/>
-            </a:r>
             <a:endParaRPr/>
           </a:p>
         </p:txBody>
@@ -1033,11 +1069,11 @@
 </file>
 
 <file path=ppt/notesSlides/notesSlide12.xml><?xml version="1.0" encoding="utf-8"?>
-<p:notes xmlns:a="http://schemas.openxmlformats.org/drawingml/2006/main" xmlns:r="http://schemas.openxmlformats.org/officeDocument/2006/relationships" xmlns:mc="http://schemas.openxmlformats.org/markup-compatibility/2006" xmlns:mv="urn:schemas-microsoft-com:mac:vml" xmlns:p="http://schemas.openxmlformats.org/presentationml/2006/main" xmlns:c="http://schemas.openxmlformats.org/drawingml/2006/chart" xmlns:dgm="http://schemas.openxmlformats.org/drawingml/2006/diagram" xmlns:o="urn:schemas-microsoft-com:office:office" xmlns:v="urn:schemas-microsoft-com:vml" xmlns:pvml="urn:schemas-microsoft-com:office:powerpoint" xmlns:com="http://schemas.openxmlformats.org/drawingml/2006/compatibility" xmlns:p14="http://schemas.microsoft.com/office/powerpoint/2010/main" xmlns:p15="http://schemas.microsoft.com/office/powerpoint/2012/main" xmlns:ahyp="http://schemas.microsoft.com/office/drawing/2018/hyperlinkcolor" showMasterPhAnim="0" showMasterSp="0">
+<p:notes xmlns:a="http://schemas.openxmlformats.org/drawingml/2006/main" xmlns:r="http://schemas.openxmlformats.org/officeDocument/2006/relationships" xmlns:p="http://schemas.openxmlformats.org/presentationml/2006/main" showMasterSp="0" showMasterPhAnim="0">
   <p:cSld>
     <p:spTree>
       <p:nvGrpSpPr>
-        <p:cNvPr id="107" name="Shape 107"/>
+        <p:cNvPr id="1" name="Shape 107"/>
         <p:cNvGrpSpPr/>
         <p:nvPr/>
       </p:nvGrpSpPr>
@@ -1052,9 +1088,11 @@
       <p:sp>
         <p:nvSpPr>
           <p:cNvPr id="108" name="Google Shape;108;g6fc4d32752_0_209:notes"/>
-          <p:cNvSpPr/>
+          <p:cNvSpPr>
+            <a:spLocks noGrp="1" noRot="1" noChangeAspect="1"/>
+          </p:cNvSpPr>
           <p:nvPr>
-            <p:ph idx="2" type="sldImg"/>
+            <p:ph type="sldImg" idx="2"/>
           </p:nvPr>
         </p:nvSpPr>
         <p:spPr>
@@ -1063,9 +1101,13 @@
             <a:ext cx="6096000" cy="3429000"/>
           </a:xfrm>
           <a:custGeom>
-            <a:rect b="b" l="l" r="r" t="t"/>
+            <a:avLst/>
+            <a:gdLst/>
+            <a:ahLst/>
+            <a:cxnLst/>
+            <a:rect l="l" t="t" r="r" b="b"/>
             <a:pathLst>
-              <a:path extrusionOk="0" h="120000" w="120000">
+              <a:path w="120000" h="120000" extrusionOk="0">
                 <a:moveTo>
                   <a:pt x="0" y="0"/>
                 </a:moveTo>
@@ -1087,9 +1129,11 @@
       <p:sp>
         <p:nvSpPr>
           <p:cNvPr id="109" name="Google Shape;109;g6fc4d32752_0_209:notes"/>
-          <p:cNvSpPr txBox="1"/>
+          <p:cNvSpPr txBox="1">
+            <a:spLocks noGrp="1"/>
+          </p:cNvSpPr>
           <p:nvPr>
-            <p:ph idx="1" type="body"/>
+            <p:ph type="body" idx="1"/>
           </p:nvPr>
         </p:nvSpPr>
         <p:spPr>
@@ -1102,12 +1146,12 @@
           </a:prstGeom>
         </p:spPr>
         <p:txBody>
-          <a:bodyPr anchorCtr="0" anchor="t" bIns="91425" lIns="91425" spcFirstLastPara="1" rIns="91425" wrap="square" tIns="91425">
+          <a:bodyPr spcFirstLastPara="1" wrap="square" lIns="91425" tIns="91425" rIns="91425" bIns="91425" anchor="t" anchorCtr="0">
             <a:noAutofit/>
           </a:bodyPr>
           <a:lstStyle/>
           <a:p>
-            <a:pPr indent="0" lvl="0" marL="0" rtl="0" algn="l">
+            <a:pPr marL="0" lvl="0" indent="0" algn="l" rtl="0">
               <a:spcBef>
                 <a:spcPts val="0"/>
               </a:spcBef>
@@ -1116,9 +1160,6 @@
               </a:spcAft>
               <a:buNone/>
             </a:pPr>
-            <a:r>
-              <a:t/>
-            </a:r>
             <a:endParaRPr/>
           </a:p>
         </p:txBody>
@@ -1132,11 +1173,11 @@
 </file>
 
 <file path=ppt/notesSlides/notesSlide13.xml><?xml version="1.0" encoding="utf-8"?>
-<p:notes xmlns:a="http://schemas.openxmlformats.org/drawingml/2006/main" xmlns:r="http://schemas.openxmlformats.org/officeDocument/2006/relationships" xmlns:mc="http://schemas.openxmlformats.org/markup-compatibility/2006" xmlns:mv="urn:schemas-microsoft-com:mac:vml" xmlns:p="http://schemas.openxmlformats.org/presentationml/2006/main" xmlns:c="http://schemas.openxmlformats.org/drawingml/2006/chart" xmlns:dgm="http://schemas.openxmlformats.org/drawingml/2006/diagram" xmlns:o="urn:schemas-microsoft-com:office:office" xmlns:v="urn:schemas-microsoft-com:vml" xmlns:pvml="urn:schemas-microsoft-com:office:powerpoint" xmlns:com="http://schemas.openxmlformats.org/drawingml/2006/compatibility" xmlns:p14="http://schemas.microsoft.com/office/powerpoint/2010/main" xmlns:p15="http://schemas.microsoft.com/office/powerpoint/2012/main" xmlns:ahyp="http://schemas.microsoft.com/office/drawing/2018/hyperlinkcolor" showMasterPhAnim="0" showMasterSp="0">
+<p:notes xmlns:a="http://schemas.openxmlformats.org/drawingml/2006/main" xmlns:r="http://schemas.openxmlformats.org/officeDocument/2006/relationships" xmlns:p="http://schemas.openxmlformats.org/presentationml/2006/main" showMasterSp="0" showMasterPhAnim="0">
   <p:cSld>
     <p:spTree>
       <p:nvGrpSpPr>
-        <p:cNvPr id="112" name="Shape 112"/>
+        <p:cNvPr id="1" name="Shape 112"/>
         <p:cNvGrpSpPr/>
         <p:nvPr/>
       </p:nvGrpSpPr>
@@ -1151,9 +1192,11 @@
       <p:sp>
         <p:nvSpPr>
           <p:cNvPr id="113" name="Google Shape;113;g6fc4d32752_0_272:notes"/>
-          <p:cNvSpPr/>
+          <p:cNvSpPr>
+            <a:spLocks noGrp="1" noRot="1" noChangeAspect="1"/>
+          </p:cNvSpPr>
           <p:nvPr>
-            <p:ph idx="2" type="sldImg"/>
+            <p:ph type="sldImg" idx="2"/>
           </p:nvPr>
         </p:nvSpPr>
         <p:spPr>
@@ -1162,9 +1205,13 @@
             <a:ext cx="6096000" cy="3429000"/>
           </a:xfrm>
           <a:custGeom>
-            <a:rect b="b" l="l" r="r" t="t"/>
+            <a:avLst/>
+            <a:gdLst/>
+            <a:ahLst/>
+            <a:cxnLst/>
+            <a:rect l="l" t="t" r="r" b="b"/>
             <a:pathLst>
-              <a:path extrusionOk="0" h="120000" w="120000">
+              <a:path w="120000" h="120000" extrusionOk="0">
                 <a:moveTo>
                   <a:pt x="0" y="0"/>
                 </a:moveTo>
@@ -1186,9 +1233,11 @@
       <p:sp>
         <p:nvSpPr>
           <p:cNvPr id="114" name="Google Shape;114;g6fc4d32752_0_272:notes"/>
-          <p:cNvSpPr txBox="1"/>
+          <p:cNvSpPr txBox="1">
+            <a:spLocks noGrp="1"/>
+          </p:cNvSpPr>
           <p:nvPr>
-            <p:ph idx="1" type="body"/>
+            <p:ph type="body" idx="1"/>
           </p:nvPr>
         </p:nvSpPr>
         <p:spPr>
@@ -1201,12 +1250,12 @@
           </a:prstGeom>
         </p:spPr>
         <p:txBody>
-          <a:bodyPr anchorCtr="0" anchor="t" bIns="91425" lIns="91425" spcFirstLastPara="1" rIns="91425" wrap="square" tIns="91425">
+          <a:bodyPr spcFirstLastPara="1" wrap="square" lIns="91425" tIns="91425" rIns="91425" bIns="91425" anchor="t" anchorCtr="0">
             <a:noAutofit/>
           </a:bodyPr>
           <a:lstStyle/>
           <a:p>
-            <a:pPr indent="0" lvl="0" marL="0" rtl="0" algn="l">
+            <a:pPr marL="0" lvl="0" indent="0" algn="l" rtl="0">
               <a:spcBef>
                 <a:spcPts val="0"/>
               </a:spcBef>
@@ -1215,9 +1264,6 @@
               </a:spcAft>
               <a:buNone/>
             </a:pPr>
-            <a:r>
-              <a:t/>
-            </a:r>
             <a:endParaRPr/>
           </a:p>
         </p:txBody>
@@ -1231,11 +1277,11 @@
 </file>
 
 <file path=ppt/notesSlides/notesSlide14.xml><?xml version="1.0" encoding="utf-8"?>
-<p:notes xmlns:a="http://schemas.openxmlformats.org/drawingml/2006/main" xmlns:r="http://schemas.openxmlformats.org/officeDocument/2006/relationships" xmlns:mc="http://schemas.openxmlformats.org/markup-compatibility/2006" xmlns:mv="urn:schemas-microsoft-com:mac:vml" xmlns:p="http://schemas.openxmlformats.org/presentationml/2006/main" xmlns:c="http://schemas.openxmlformats.org/drawingml/2006/chart" xmlns:dgm="http://schemas.openxmlformats.org/drawingml/2006/diagram" xmlns:o="urn:schemas-microsoft-com:office:office" xmlns:v="urn:schemas-microsoft-com:vml" xmlns:pvml="urn:schemas-microsoft-com:office:powerpoint" xmlns:com="http://schemas.openxmlformats.org/drawingml/2006/compatibility" xmlns:p14="http://schemas.microsoft.com/office/powerpoint/2010/main" xmlns:p15="http://schemas.microsoft.com/office/powerpoint/2012/main" xmlns:ahyp="http://schemas.microsoft.com/office/drawing/2018/hyperlinkcolor" showMasterPhAnim="0" showMasterSp="0">
+<p:notes xmlns:a="http://schemas.openxmlformats.org/drawingml/2006/main" xmlns:r="http://schemas.openxmlformats.org/officeDocument/2006/relationships" xmlns:p="http://schemas.openxmlformats.org/presentationml/2006/main" showMasterSp="0" showMasterPhAnim="0">
   <p:cSld>
     <p:spTree>
       <p:nvGrpSpPr>
-        <p:cNvPr id="117" name="Shape 117"/>
+        <p:cNvPr id="1" name="Shape 117"/>
         <p:cNvGrpSpPr/>
         <p:nvPr/>
       </p:nvGrpSpPr>
@@ -1250,9 +1296,11 @@
       <p:sp>
         <p:nvSpPr>
           <p:cNvPr id="118" name="Google Shape;118;g6fc4d32752_0_276:notes"/>
-          <p:cNvSpPr/>
+          <p:cNvSpPr>
+            <a:spLocks noGrp="1" noRot="1" noChangeAspect="1"/>
+          </p:cNvSpPr>
           <p:nvPr>
-            <p:ph idx="2" type="sldImg"/>
+            <p:ph type="sldImg" idx="2"/>
           </p:nvPr>
         </p:nvSpPr>
         <p:spPr>
@@ -1261,9 +1309,13 @@
             <a:ext cx="6096000" cy="3429000"/>
           </a:xfrm>
           <a:custGeom>
-            <a:rect b="b" l="l" r="r" t="t"/>
+            <a:avLst/>
+            <a:gdLst/>
+            <a:ahLst/>
+            <a:cxnLst/>
+            <a:rect l="l" t="t" r="r" b="b"/>
             <a:pathLst>
-              <a:path extrusionOk="0" h="120000" w="120000">
+              <a:path w="120000" h="120000" extrusionOk="0">
                 <a:moveTo>
                   <a:pt x="0" y="0"/>
                 </a:moveTo>
@@ -1285,9 +1337,11 @@
       <p:sp>
         <p:nvSpPr>
           <p:cNvPr id="119" name="Google Shape;119;g6fc4d32752_0_276:notes"/>
-          <p:cNvSpPr txBox="1"/>
+          <p:cNvSpPr txBox="1">
+            <a:spLocks noGrp="1"/>
+          </p:cNvSpPr>
           <p:nvPr>
-            <p:ph idx="1" type="body"/>
+            <p:ph type="body" idx="1"/>
           </p:nvPr>
         </p:nvSpPr>
         <p:spPr>
@@ -1300,12 +1354,12 @@
           </a:prstGeom>
         </p:spPr>
         <p:txBody>
-          <a:bodyPr anchorCtr="0" anchor="t" bIns="91425" lIns="91425" spcFirstLastPara="1" rIns="91425" wrap="square" tIns="91425">
+          <a:bodyPr spcFirstLastPara="1" wrap="square" lIns="91425" tIns="91425" rIns="91425" bIns="91425" anchor="t" anchorCtr="0">
             <a:noAutofit/>
           </a:bodyPr>
           <a:lstStyle/>
           <a:p>
-            <a:pPr indent="0" lvl="0" marL="0" rtl="0" algn="l">
+            <a:pPr marL="0" lvl="0" indent="0" algn="l" rtl="0">
               <a:spcBef>
                 <a:spcPts val="0"/>
               </a:spcBef>
@@ -1314,9 +1368,6 @@
               </a:spcAft>
               <a:buNone/>
             </a:pPr>
-            <a:r>
-              <a:t/>
-            </a:r>
             <a:endParaRPr/>
           </a:p>
         </p:txBody>
@@ -1330,11 +1381,11 @@
 </file>
 
 <file path=ppt/notesSlides/notesSlide15.xml><?xml version="1.0" encoding="utf-8"?>
-<p:notes xmlns:a="http://schemas.openxmlformats.org/drawingml/2006/main" xmlns:r="http://schemas.openxmlformats.org/officeDocument/2006/relationships" xmlns:mc="http://schemas.openxmlformats.org/markup-compatibility/2006" xmlns:mv="urn:schemas-microsoft-com:mac:vml" xmlns:p="http://schemas.openxmlformats.org/presentationml/2006/main" xmlns:c="http://schemas.openxmlformats.org/drawingml/2006/chart" xmlns:dgm="http://schemas.openxmlformats.org/drawingml/2006/diagram" xmlns:o="urn:schemas-microsoft-com:office:office" xmlns:v="urn:schemas-microsoft-com:vml" xmlns:pvml="urn:schemas-microsoft-com:office:powerpoint" xmlns:com="http://schemas.openxmlformats.org/drawingml/2006/compatibility" xmlns:p14="http://schemas.microsoft.com/office/powerpoint/2010/main" xmlns:p15="http://schemas.microsoft.com/office/powerpoint/2012/main" xmlns:ahyp="http://schemas.microsoft.com/office/drawing/2018/hyperlinkcolor" showMasterPhAnim="0" showMasterSp="0">
+<p:notes xmlns:a="http://schemas.openxmlformats.org/drawingml/2006/main" xmlns:r="http://schemas.openxmlformats.org/officeDocument/2006/relationships" xmlns:p="http://schemas.openxmlformats.org/presentationml/2006/main" showMasterSp="0" showMasterPhAnim="0">
   <p:cSld>
     <p:spTree>
       <p:nvGrpSpPr>
-        <p:cNvPr id="122" name="Shape 122"/>
+        <p:cNvPr id="1" name="Shape 122"/>
         <p:cNvGrpSpPr/>
         <p:nvPr/>
       </p:nvGrpSpPr>
@@ -1349,9 +1400,11 @@
       <p:sp>
         <p:nvSpPr>
           <p:cNvPr id="123" name="Google Shape;123;g6fc4d32752_0_280:notes"/>
-          <p:cNvSpPr/>
+          <p:cNvSpPr>
+            <a:spLocks noGrp="1" noRot="1" noChangeAspect="1"/>
+          </p:cNvSpPr>
           <p:nvPr>
-            <p:ph idx="2" type="sldImg"/>
+            <p:ph type="sldImg" idx="2"/>
           </p:nvPr>
         </p:nvSpPr>
         <p:spPr>
@@ -1360,9 +1413,13 @@
             <a:ext cx="6096000" cy="3429000"/>
           </a:xfrm>
           <a:custGeom>
-            <a:rect b="b" l="l" r="r" t="t"/>
+            <a:avLst/>
+            <a:gdLst/>
+            <a:ahLst/>
+            <a:cxnLst/>
+            <a:rect l="l" t="t" r="r" b="b"/>
             <a:pathLst>
-              <a:path extrusionOk="0" h="120000" w="120000">
+              <a:path w="120000" h="120000" extrusionOk="0">
                 <a:moveTo>
                   <a:pt x="0" y="0"/>
                 </a:moveTo>
@@ -1384,9 +1441,11 @@
       <p:sp>
         <p:nvSpPr>
           <p:cNvPr id="124" name="Google Shape;124;g6fc4d32752_0_280:notes"/>
-          <p:cNvSpPr txBox="1"/>
+          <p:cNvSpPr txBox="1">
+            <a:spLocks noGrp="1"/>
+          </p:cNvSpPr>
           <p:nvPr>
-            <p:ph idx="1" type="body"/>
+            <p:ph type="body" idx="1"/>
           </p:nvPr>
         </p:nvSpPr>
         <p:spPr>
@@ -1399,12 +1458,12 @@
           </a:prstGeom>
         </p:spPr>
         <p:txBody>
-          <a:bodyPr anchorCtr="0" anchor="t" bIns="91425" lIns="91425" spcFirstLastPara="1" rIns="91425" wrap="square" tIns="91425">
+          <a:bodyPr spcFirstLastPara="1" wrap="square" lIns="91425" tIns="91425" rIns="91425" bIns="91425" anchor="t" anchorCtr="0">
             <a:noAutofit/>
           </a:bodyPr>
           <a:lstStyle/>
           <a:p>
-            <a:pPr indent="0" lvl="0" marL="0" rtl="0" algn="l">
+            <a:pPr marL="0" lvl="0" indent="0" algn="l" rtl="0">
               <a:spcBef>
                 <a:spcPts val="0"/>
               </a:spcBef>
@@ -1413,9 +1472,6 @@
               </a:spcAft>
               <a:buNone/>
             </a:pPr>
-            <a:r>
-              <a:t/>
-            </a:r>
             <a:endParaRPr/>
           </a:p>
         </p:txBody>
@@ -1429,11 +1485,11 @@
 </file>
 
 <file path=ppt/notesSlides/notesSlide16.xml><?xml version="1.0" encoding="utf-8"?>
-<p:notes xmlns:a="http://schemas.openxmlformats.org/drawingml/2006/main" xmlns:r="http://schemas.openxmlformats.org/officeDocument/2006/relationships" xmlns:mc="http://schemas.openxmlformats.org/markup-compatibility/2006" xmlns:mv="urn:schemas-microsoft-com:mac:vml" xmlns:p="http://schemas.openxmlformats.org/presentationml/2006/main" xmlns:c="http://schemas.openxmlformats.org/drawingml/2006/chart" xmlns:dgm="http://schemas.openxmlformats.org/drawingml/2006/diagram" xmlns:o="urn:schemas-microsoft-com:office:office" xmlns:v="urn:schemas-microsoft-com:vml" xmlns:pvml="urn:schemas-microsoft-com:office:powerpoint" xmlns:com="http://schemas.openxmlformats.org/drawingml/2006/compatibility" xmlns:p14="http://schemas.microsoft.com/office/powerpoint/2010/main" xmlns:p15="http://schemas.microsoft.com/office/powerpoint/2012/main" xmlns:ahyp="http://schemas.microsoft.com/office/drawing/2018/hyperlinkcolor" showMasterPhAnim="0" showMasterSp="0">
+<p:notes xmlns:a="http://schemas.openxmlformats.org/drawingml/2006/main" xmlns:r="http://schemas.openxmlformats.org/officeDocument/2006/relationships" xmlns:p="http://schemas.openxmlformats.org/presentationml/2006/main" showMasterSp="0" showMasterPhAnim="0">
   <p:cSld>
     <p:spTree>
       <p:nvGrpSpPr>
-        <p:cNvPr id="127" name="Shape 127"/>
+        <p:cNvPr id="1" name="Shape 127"/>
         <p:cNvGrpSpPr/>
         <p:nvPr/>
       </p:nvGrpSpPr>
@@ -1448,9 +1504,11 @@
       <p:sp>
         <p:nvSpPr>
           <p:cNvPr id="128" name="Google Shape;128;g6fc4d32752_0_288:notes"/>
-          <p:cNvSpPr/>
+          <p:cNvSpPr>
+            <a:spLocks noGrp="1" noRot="1" noChangeAspect="1"/>
+          </p:cNvSpPr>
           <p:nvPr>
-            <p:ph idx="2" type="sldImg"/>
+            <p:ph type="sldImg" idx="2"/>
           </p:nvPr>
         </p:nvSpPr>
         <p:spPr>
@@ -1459,9 +1517,13 @@
             <a:ext cx="6096000" cy="3429000"/>
           </a:xfrm>
           <a:custGeom>
-            <a:rect b="b" l="l" r="r" t="t"/>
+            <a:avLst/>
+            <a:gdLst/>
+            <a:ahLst/>
+            <a:cxnLst/>
+            <a:rect l="l" t="t" r="r" b="b"/>
             <a:pathLst>
-              <a:path extrusionOk="0" h="120000" w="120000">
+              <a:path w="120000" h="120000" extrusionOk="0">
                 <a:moveTo>
                   <a:pt x="0" y="0"/>
                 </a:moveTo>
@@ -1483,9 +1545,11 @@
       <p:sp>
         <p:nvSpPr>
           <p:cNvPr id="129" name="Google Shape;129;g6fc4d32752_0_288:notes"/>
-          <p:cNvSpPr txBox="1"/>
+          <p:cNvSpPr txBox="1">
+            <a:spLocks noGrp="1"/>
+          </p:cNvSpPr>
           <p:nvPr>
-            <p:ph idx="1" type="body"/>
+            <p:ph type="body" idx="1"/>
           </p:nvPr>
         </p:nvSpPr>
         <p:spPr>
@@ -1498,12 +1562,12 @@
           </a:prstGeom>
         </p:spPr>
         <p:txBody>
-          <a:bodyPr anchorCtr="0" anchor="t" bIns="91425" lIns="91425" spcFirstLastPara="1" rIns="91425" wrap="square" tIns="91425">
+          <a:bodyPr spcFirstLastPara="1" wrap="square" lIns="91425" tIns="91425" rIns="91425" bIns="91425" anchor="t" anchorCtr="0">
             <a:noAutofit/>
           </a:bodyPr>
           <a:lstStyle/>
           <a:p>
-            <a:pPr indent="0" lvl="0" marL="0" rtl="0" algn="l">
+            <a:pPr marL="0" lvl="0" indent="0" algn="l" rtl="0">
               <a:spcBef>
                 <a:spcPts val="0"/>
               </a:spcBef>
@@ -1512,9 +1576,6 @@
               </a:spcAft>
               <a:buNone/>
             </a:pPr>
-            <a:r>
-              <a:t/>
-            </a:r>
             <a:endParaRPr/>
           </a:p>
         </p:txBody>
@@ -1528,11 +1589,11 @@
 </file>
 
 <file path=ppt/notesSlides/notesSlide17.xml><?xml version="1.0" encoding="utf-8"?>
-<p:notes xmlns:a="http://schemas.openxmlformats.org/drawingml/2006/main" xmlns:r="http://schemas.openxmlformats.org/officeDocument/2006/relationships" xmlns:mc="http://schemas.openxmlformats.org/markup-compatibility/2006" xmlns:mv="urn:schemas-microsoft-com:mac:vml" xmlns:p="http://schemas.openxmlformats.org/presentationml/2006/main" xmlns:c="http://schemas.openxmlformats.org/drawingml/2006/chart" xmlns:dgm="http://schemas.openxmlformats.org/drawingml/2006/diagram" xmlns:o="urn:schemas-microsoft-com:office:office" xmlns:v="urn:schemas-microsoft-com:vml" xmlns:pvml="urn:schemas-microsoft-com:office:powerpoint" xmlns:com="http://schemas.openxmlformats.org/drawingml/2006/compatibility" xmlns:p14="http://schemas.microsoft.com/office/powerpoint/2010/main" xmlns:p15="http://schemas.microsoft.com/office/powerpoint/2012/main" xmlns:ahyp="http://schemas.microsoft.com/office/drawing/2018/hyperlinkcolor" showMasterPhAnim="0" showMasterSp="0">
+<p:notes xmlns:a="http://schemas.openxmlformats.org/drawingml/2006/main" xmlns:r="http://schemas.openxmlformats.org/officeDocument/2006/relationships" xmlns:p="http://schemas.openxmlformats.org/presentationml/2006/main" showMasterSp="0" showMasterPhAnim="0">
   <p:cSld>
     <p:spTree>
       <p:nvGrpSpPr>
-        <p:cNvPr id="132" name="Shape 132"/>
+        <p:cNvPr id="1" name="Shape 132"/>
         <p:cNvGrpSpPr/>
         <p:nvPr/>
       </p:nvGrpSpPr>
@@ -1547,9 +1608,11 @@
       <p:sp>
         <p:nvSpPr>
           <p:cNvPr id="133" name="Google Shape;133;g6fc4d32752_0_297:notes"/>
-          <p:cNvSpPr/>
+          <p:cNvSpPr>
+            <a:spLocks noGrp="1" noRot="1" noChangeAspect="1"/>
+          </p:cNvSpPr>
           <p:nvPr>
-            <p:ph idx="2" type="sldImg"/>
+            <p:ph type="sldImg" idx="2"/>
           </p:nvPr>
         </p:nvSpPr>
         <p:spPr>
@@ -1558,9 +1621,13 @@
             <a:ext cx="6096000" cy="3429000"/>
           </a:xfrm>
           <a:custGeom>
-            <a:rect b="b" l="l" r="r" t="t"/>
+            <a:avLst/>
+            <a:gdLst/>
+            <a:ahLst/>
+            <a:cxnLst/>
+            <a:rect l="l" t="t" r="r" b="b"/>
             <a:pathLst>
-              <a:path extrusionOk="0" h="120000" w="120000">
+              <a:path w="120000" h="120000" extrusionOk="0">
                 <a:moveTo>
                   <a:pt x="0" y="0"/>
                 </a:moveTo>
@@ -1582,9 +1649,11 @@
       <p:sp>
         <p:nvSpPr>
           <p:cNvPr id="134" name="Google Shape;134;g6fc4d32752_0_297:notes"/>
-          <p:cNvSpPr txBox="1"/>
+          <p:cNvSpPr txBox="1">
+            <a:spLocks noGrp="1"/>
+          </p:cNvSpPr>
           <p:nvPr>
-            <p:ph idx="1" type="body"/>
+            <p:ph type="body" idx="1"/>
           </p:nvPr>
         </p:nvSpPr>
         <p:spPr>
@@ -1597,12 +1666,12 @@
           </a:prstGeom>
         </p:spPr>
         <p:txBody>
-          <a:bodyPr anchorCtr="0" anchor="t" bIns="91425" lIns="91425" spcFirstLastPara="1" rIns="91425" wrap="square" tIns="91425">
+          <a:bodyPr spcFirstLastPara="1" wrap="square" lIns="91425" tIns="91425" rIns="91425" bIns="91425" anchor="t" anchorCtr="0">
             <a:noAutofit/>
           </a:bodyPr>
           <a:lstStyle/>
           <a:p>
-            <a:pPr indent="0" lvl="0" marL="0" rtl="0" algn="l">
+            <a:pPr marL="0" lvl="0" indent="0" algn="l" rtl="0">
               <a:spcBef>
                 <a:spcPts val="0"/>
               </a:spcBef>
@@ -1611,9 +1680,6 @@
               </a:spcAft>
               <a:buNone/>
             </a:pPr>
-            <a:r>
-              <a:t/>
-            </a:r>
             <a:endParaRPr/>
           </a:p>
         </p:txBody>
@@ -1627,11 +1693,11 @@
 </file>
 
 <file path=ppt/notesSlides/notesSlide18.xml><?xml version="1.0" encoding="utf-8"?>
-<p:notes xmlns:a="http://schemas.openxmlformats.org/drawingml/2006/main" xmlns:r="http://schemas.openxmlformats.org/officeDocument/2006/relationships" xmlns:mc="http://schemas.openxmlformats.org/markup-compatibility/2006" xmlns:mv="urn:schemas-microsoft-com:mac:vml" xmlns:p="http://schemas.openxmlformats.org/presentationml/2006/main" xmlns:c="http://schemas.openxmlformats.org/drawingml/2006/chart" xmlns:dgm="http://schemas.openxmlformats.org/drawingml/2006/diagram" xmlns:o="urn:schemas-microsoft-com:office:office" xmlns:v="urn:schemas-microsoft-com:vml" xmlns:pvml="urn:schemas-microsoft-com:office:powerpoint" xmlns:com="http://schemas.openxmlformats.org/drawingml/2006/compatibility" xmlns:p14="http://schemas.microsoft.com/office/powerpoint/2010/main" xmlns:p15="http://schemas.microsoft.com/office/powerpoint/2012/main" xmlns:ahyp="http://schemas.microsoft.com/office/drawing/2018/hyperlinkcolor" showMasterPhAnim="0" showMasterSp="0">
+<p:notes xmlns:a="http://schemas.openxmlformats.org/drawingml/2006/main" xmlns:r="http://schemas.openxmlformats.org/officeDocument/2006/relationships" xmlns:p="http://schemas.openxmlformats.org/presentationml/2006/main" showMasterSp="0" showMasterPhAnim="0">
   <p:cSld>
     <p:spTree>
       <p:nvGrpSpPr>
-        <p:cNvPr id="137" name="Shape 137"/>
+        <p:cNvPr id="1" name="Shape 137"/>
         <p:cNvGrpSpPr/>
         <p:nvPr/>
       </p:nvGrpSpPr>
@@ -1646,9 +1712,11 @@
       <p:sp>
         <p:nvSpPr>
           <p:cNvPr id="138" name="Google Shape;138;g6fc4d32752_0_301:notes"/>
-          <p:cNvSpPr/>
+          <p:cNvSpPr>
+            <a:spLocks noGrp="1" noRot="1" noChangeAspect="1"/>
+          </p:cNvSpPr>
           <p:nvPr>
-            <p:ph idx="2" type="sldImg"/>
+            <p:ph type="sldImg" idx="2"/>
           </p:nvPr>
         </p:nvSpPr>
         <p:spPr>
@@ -1657,9 +1725,13 @@
             <a:ext cx="6096000" cy="3429000"/>
           </a:xfrm>
           <a:custGeom>
-            <a:rect b="b" l="l" r="r" t="t"/>
+            <a:avLst/>
+            <a:gdLst/>
+            <a:ahLst/>
+            <a:cxnLst/>
+            <a:rect l="l" t="t" r="r" b="b"/>
             <a:pathLst>
-              <a:path extrusionOk="0" h="120000" w="120000">
+              <a:path w="120000" h="120000" extrusionOk="0">
                 <a:moveTo>
                   <a:pt x="0" y="0"/>
                 </a:moveTo>
@@ -1681,9 +1753,11 @@
       <p:sp>
         <p:nvSpPr>
           <p:cNvPr id="139" name="Google Shape;139;g6fc4d32752_0_301:notes"/>
-          <p:cNvSpPr txBox="1"/>
+          <p:cNvSpPr txBox="1">
+            <a:spLocks noGrp="1"/>
+          </p:cNvSpPr>
           <p:nvPr>
-            <p:ph idx="1" type="body"/>
+            <p:ph type="body" idx="1"/>
           </p:nvPr>
         </p:nvSpPr>
         <p:spPr>
@@ -1696,12 +1770,12 @@
           </a:prstGeom>
         </p:spPr>
         <p:txBody>
-          <a:bodyPr anchorCtr="0" anchor="t" bIns="91425" lIns="91425" spcFirstLastPara="1" rIns="91425" wrap="square" tIns="91425">
+          <a:bodyPr spcFirstLastPara="1" wrap="square" lIns="91425" tIns="91425" rIns="91425" bIns="91425" anchor="t" anchorCtr="0">
             <a:noAutofit/>
           </a:bodyPr>
           <a:lstStyle/>
           <a:p>
-            <a:pPr indent="0" lvl="0" marL="0" rtl="0" algn="l">
+            <a:pPr marL="0" lvl="0" indent="0" algn="l" rtl="0">
               <a:spcBef>
                 <a:spcPts val="0"/>
               </a:spcBef>
@@ -1710,9 +1784,6 @@
               </a:spcAft>
               <a:buNone/>
             </a:pPr>
-            <a:r>
-              <a:t/>
-            </a:r>
             <a:endParaRPr/>
           </a:p>
         </p:txBody>
@@ -1726,11 +1797,11 @@
 </file>
 
 <file path=ppt/notesSlides/notesSlide19.xml><?xml version="1.0" encoding="utf-8"?>
-<p:notes xmlns:a="http://schemas.openxmlformats.org/drawingml/2006/main" xmlns:r="http://schemas.openxmlformats.org/officeDocument/2006/relationships" xmlns:mc="http://schemas.openxmlformats.org/markup-compatibility/2006" xmlns:mv="urn:schemas-microsoft-com:mac:vml" xmlns:p="http://schemas.openxmlformats.org/presentationml/2006/main" xmlns:c="http://schemas.openxmlformats.org/drawingml/2006/chart" xmlns:dgm="http://schemas.openxmlformats.org/drawingml/2006/diagram" xmlns:o="urn:schemas-microsoft-com:office:office" xmlns:v="urn:schemas-microsoft-com:vml" xmlns:pvml="urn:schemas-microsoft-com:office:powerpoint" xmlns:com="http://schemas.openxmlformats.org/drawingml/2006/compatibility" xmlns:p14="http://schemas.microsoft.com/office/powerpoint/2010/main" xmlns:p15="http://schemas.microsoft.com/office/powerpoint/2012/main" xmlns:ahyp="http://schemas.microsoft.com/office/drawing/2018/hyperlinkcolor" showMasterPhAnim="0" showMasterSp="0">
+<p:notes xmlns:a="http://schemas.openxmlformats.org/drawingml/2006/main" xmlns:r="http://schemas.openxmlformats.org/officeDocument/2006/relationships" xmlns:p="http://schemas.openxmlformats.org/presentationml/2006/main" showMasterSp="0" showMasterPhAnim="0">
   <p:cSld>
     <p:spTree>
       <p:nvGrpSpPr>
-        <p:cNvPr id="142" name="Shape 142"/>
+        <p:cNvPr id="1" name="Shape 142"/>
         <p:cNvGrpSpPr/>
         <p:nvPr/>
       </p:nvGrpSpPr>
@@ -1745,9 +1816,11 @@
       <p:sp>
         <p:nvSpPr>
           <p:cNvPr id="143" name="Google Shape;143;g6fc4d32752_0_306:notes"/>
-          <p:cNvSpPr/>
+          <p:cNvSpPr>
+            <a:spLocks noGrp="1" noRot="1" noChangeAspect="1"/>
+          </p:cNvSpPr>
           <p:nvPr>
-            <p:ph idx="2" type="sldImg"/>
+            <p:ph type="sldImg" idx="2"/>
           </p:nvPr>
         </p:nvSpPr>
         <p:spPr>
@@ -1756,9 +1829,13 @@
             <a:ext cx="6096000" cy="3429000"/>
           </a:xfrm>
           <a:custGeom>
-            <a:rect b="b" l="l" r="r" t="t"/>
+            <a:avLst/>
+            <a:gdLst/>
+            <a:ahLst/>
+            <a:cxnLst/>
+            <a:rect l="l" t="t" r="r" b="b"/>
             <a:pathLst>
-              <a:path extrusionOk="0" h="120000" w="120000">
+              <a:path w="120000" h="120000" extrusionOk="0">
                 <a:moveTo>
                   <a:pt x="0" y="0"/>
                 </a:moveTo>
@@ -1780,9 +1857,11 @@
       <p:sp>
         <p:nvSpPr>
           <p:cNvPr id="144" name="Google Shape;144;g6fc4d32752_0_306:notes"/>
-          <p:cNvSpPr txBox="1"/>
+          <p:cNvSpPr txBox="1">
+            <a:spLocks noGrp="1"/>
+          </p:cNvSpPr>
           <p:nvPr>
-            <p:ph idx="1" type="body"/>
+            <p:ph type="body" idx="1"/>
           </p:nvPr>
         </p:nvSpPr>
         <p:spPr>
@@ -1795,12 +1874,12 @@
           </a:prstGeom>
         </p:spPr>
         <p:txBody>
-          <a:bodyPr anchorCtr="0" anchor="t" bIns="91425" lIns="91425" spcFirstLastPara="1" rIns="91425" wrap="square" tIns="91425">
+          <a:bodyPr spcFirstLastPara="1" wrap="square" lIns="91425" tIns="91425" rIns="91425" bIns="91425" anchor="t" anchorCtr="0">
             <a:noAutofit/>
           </a:bodyPr>
           <a:lstStyle/>
           <a:p>
-            <a:pPr indent="0" lvl="0" marL="0" rtl="0" algn="l">
+            <a:pPr marL="0" lvl="0" indent="0" algn="l" rtl="0">
               <a:spcBef>
                 <a:spcPts val="0"/>
               </a:spcBef>
@@ -1809,9 +1888,6 @@
               </a:spcAft>
               <a:buNone/>
             </a:pPr>
-            <a:r>
-              <a:t/>
-            </a:r>
             <a:endParaRPr/>
           </a:p>
         </p:txBody>
@@ -1825,11 +1901,11 @@
 </file>
 
 <file path=ppt/notesSlides/notesSlide2.xml><?xml version="1.0" encoding="utf-8"?>
-<p:notes xmlns:a="http://schemas.openxmlformats.org/drawingml/2006/main" xmlns:r="http://schemas.openxmlformats.org/officeDocument/2006/relationships" xmlns:mc="http://schemas.openxmlformats.org/markup-compatibility/2006" xmlns:mv="urn:schemas-microsoft-com:mac:vml" xmlns:p="http://schemas.openxmlformats.org/presentationml/2006/main" xmlns:c="http://schemas.openxmlformats.org/drawingml/2006/chart" xmlns:dgm="http://schemas.openxmlformats.org/drawingml/2006/diagram" xmlns:o="urn:schemas-microsoft-com:office:office" xmlns:v="urn:schemas-microsoft-com:vml" xmlns:pvml="urn:schemas-microsoft-com:office:powerpoint" xmlns:com="http://schemas.openxmlformats.org/drawingml/2006/compatibility" xmlns:p14="http://schemas.microsoft.com/office/powerpoint/2010/main" xmlns:p15="http://schemas.microsoft.com/office/powerpoint/2012/main" xmlns:ahyp="http://schemas.microsoft.com/office/drawing/2018/hyperlinkcolor" showMasterPhAnim="0" showMasterSp="0">
+<p:notes xmlns:a="http://schemas.openxmlformats.org/drawingml/2006/main" xmlns:r="http://schemas.openxmlformats.org/officeDocument/2006/relationships" xmlns:p="http://schemas.openxmlformats.org/presentationml/2006/main" showMasterSp="0" showMasterPhAnim="0">
   <p:cSld>
     <p:spTree>
       <p:nvGrpSpPr>
-        <p:cNvPr id="56" name="Shape 56"/>
+        <p:cNvPr id="1" name="Shape 56"/>
         <p:cNvGrpSpPr/>
         <p:nvPr/>
       </p:nvGrpSpPr>
@@ -1844,9 +1920,11 @@
       <p:sp>
         <p:nvSpPr>
           <p:cNvPr id="57" name="Google Shape;57;g613e68b6a1_0_173:notes"/>
-          <p:cNvSpPr/>
+          <p:cNvSpPr>
+            <a:spLocks noGrp="1" noRot="1" noChangeAspect="1"/>
+          </p:cNvSpPr>
           <p:nvPr>
-            <p:ph idx="2" type="sldImg"/>
+            <p:ph type="sldImg" idx="2"/>
           </p:nvPr>
         </p:nvSpPr>
         <p:spPr>
@@ -1855,9 +1933,13 @@
             <a:ext cx="6096000" cy="3429000"/>
           </a:xfrm>
           <a:custGeom>
-            <a:rect b="b" l="l" r="r" t="t"/>
+            <a:avLst/>
+            <a:gdLst/>
+            <a:ahLst/>
+            <a:cxnLst/>
+            <a:rect l="l" t="t" r="r" b="b"/>
             <a:pathLst>
-              <a:path extrusionOk="0" h="120000" w="120000">
+              <a:path w="120000" h="120000" extrusionOk="0">
                 <a:moveTo>
                   <a:pt x="0" y="0"/>
                 </a:moveTo>
@@ -1879,9 +1961,11 @@
       <p:sp>
         <p:nvSpPr>
           <p:cNvPr id="58" name="Google Shape;58;g613e68b6a1_0_173:notes"/>
-          <p:cNvSpPr txBox="1"/>
+          <p:cNvSpPr txBox="1">
+            <a:spLocks noGrp="1"/>
+          </p:cNvSpPr>
           <p:nvPr>
-            <p:ph idx="1" type="body"/>
+            <p:ph type="body" idx="1"/>
           </p:nvPr>
         </p:nvSpPr>
         <p:spPr>
@@ -1894,12 +1978,12 @@
           </a:prstGeom>
         </p:spPr>
         <p:txBody>
-          <a:bodyPr anchorCtr="0" anchor="t" bIns="91425" lIns="91425" spcFirstLastPara="1" rIns="91425" wrap="square" tIns="91425">
+          <a:bodyPr spcFirstLastPara="1" wrap="square" lIns="91425" tIns="91425" rIns="91425" bIns="91425" anchor="t" anchorCtr="0">
             <a:noAutofit/>
           </a:bodyPr>
           <a:lstStyle/>
           <a:p>
-            <a:pPr indent="0" lvl="0" marL="0" rtl="0" algn="l">
+            <a:pPr marL="0" lvl="0" indent="0" algn="l" rtl="0">
               <a:spcBef>
                 <a:spcPts val="0"/>
               </a:spcBef>
@@ -1908,9 +1992,6 @@
               </a:spcAft>
               <a:buNone/>
             </a:pPr>
-            <a:r>
-              <a:t/>
-            </a:r>
             <a:endParaRPr/>
           </a:p>
         </p:txBody>
@@ -1924,11 +2005,11 @@
 </file>
 
 <file path=ppt/notesSlides/notesSlide20.xml><?xml version="1.0" encoding="utf-8"?>
-<p:notes xmlns:a="http://schemas.openxmlformats.org/drawingml/2006/main" xmlns:r="http://schemas.openxmlformats.org/officeDocument/2006/relationships" xmlns:mc="http://schemas.openxmlformats.org/markup-compatibility/2006" xmlns:mv="urn:schemas-microsoft-com:mac:vml" xmlns:p="http://schemas.openxmlformats.org/presentationml/2006/main" xmlns:c="http://schemas.openxmlformats.org/drawingml/2006/chart" xmlns:dgm="http://schemas.openxmlformats.org/drawingml/2006/diagram" xmlns:o="urn:schemas-microsoft-com:office:office" xmlns:v="urn:schemas-microsoft-com:vml" xmlns:pvml="urn:schemas-microsoft-com:office:powerpoint" xmlns:com="http://schemas.openxmlformats.org/drawingml/2006/compatibility" xmlns:p14="http://schemas.microsoft.com/office/powerpoint/2010/main" xmlns:p15="http://schemas.microsoft.com/office/powerpoint/2012/main" xmlns:ahyp="http://schemas.microsoft.com/office/drawing/2018/hyperlinkcolor" showMasterPhAnim="0" showMasterSp="0">
+<p:notes xmlns:a="http://schemas.openxmlformats.org/drawingml/2006/main" xmlns:r="http://schemas.openxmlformats.org/officeDocument/2006/relationships" xmlns:p="http://schemas.openxmlformats.org/presentationml/2006/main" showMasterSp="0" showMasterPhAnim="0">
   <p:cSld>
     <p:spTree>
       <p:nvGrpSpPr>
-        <p:cNvPr id="147" name="Shape 147"/>
+        <p:cNvPr id="1" name="Shape 147"/>
         <p:cNvGrpSpPr/>
         <p:nvPr/>
       </p:nvGrpSpPr>
@@ -1943,20 +2024,26 @@
       <p:sp>
         <p:nvSpPr>
           <p:cNvPr id="148" name="Google Shape;148;g6fc4d32752_0_176:notes"/>
-          <p:cNvSpPr/>
+          <p:cNvSpPr>
+            <a:spLocks noGrp="1" noRot="1" noChangeAspect="1"/>
+          </p:cNvSpPr>
           <p:nvPr>
-            <p:ph idx="2" type="sldImg"/>
+            <p:ph type="sldImg" idx="2"/>
           </p:nvPr>
         </p:nvSpPr>
         <p:spPr>
           <a:xfrm>
-            <a:off x="381300" y="685800"/>
+            <a:off x="381000" y="685800"/>
             <a:ext cx="6096000" cy="3429000"/>
           </a:xfrm>
           <a:custGeom>
-            <a:rect b="b" l="l" r="r" t="t"/>
+            <a:avLst/>
+            <a:gdLst/>
+            <a:ahLst/>
+            <a:cxnLst/>
+            <a:rect l="l" t="t" r="r" b="b"/>
             <a:pathLst>
-              <a:path extrusionOk="0" h="120000" w="120000">
+              <a:path w="120000" h="120000" extrusionOk="0">
                 <a:moveTo>
                   <a:pt x="0" y="0"/>
                 </a:moveTo>
@@ -1978,9 +2065,11 @@
       <p:sp>
         <p:nvSpPr>
           <p:cNvPr id="149" name="Google Shape;149;g6fc4d32752_0_176:notes"/>
-          <p:cNvSpPr txBox="1"/>
+          <p:cNvSpPr txBox="1">
+            <a:spLocks noGrp="1"/>
+          </p:cNvSpPr>
           <p:nvPr>
-            <p:ph idx="1" type="body"/>
+            <p:ph type="body" idx="1"/>
           </p:nvPr>
         </p:nvSpPr>
         <p:spPr>
@@ -1993,12 +2082,12 @@
           </a:prstGeom>
         </p:spPr>
         <p:txBody>
-          <a:bodyPr anchorCtr="0" anchor="t" bIns="91425" lIns="91425" spcFirstLastPara="1" rIns="91425" wrap="square" tIns="91425">
+          <a:bodyPr spcFirstLastPara="1" wrap="square" lIns="91425" tIns="91425" rIns="91425" bIns="91425" anchor="t" anchorCtr="0">
             <a:noAutofit/>
           </a:bodyPr>
           <a:lstStyle/>
           <a:p>
-            <a:pPr indent="0" lvl="0" marL="0" rtl="0" algn="l">
+            <a:pPr marL="0" lvl="0" indent="0" algn="l" rtl="0">
               <a:spcBef>
                 <a:spcPts val="0"/>
               </a:spcBef>
@@ -2007,9 +2096,6 @@
               </a:spcAft>
               <a:buNone/>
             </a:pPr>
-            <a:r>
-              <a:t/>
-            </a:r>
             <a:endParaRPr/>
           </a:p>
         </p:txBody>
@@ -2023,11 +2109,11 @@
 </file>
 
 <file path=ppt/notesSlides/notesSlide21.xml><?xml version="1.0" encoding="utf-8"?>
-<p:notes xmlns:a="http://schemas.openxmlformats.org/drawingml/2006/main" xmlns:r="http://schemas.openxmlformats.org/officeDocument/2006/relationships" xmlns:mc="http://schemas.openxmlformats.org/markup-compatibility/2006" xmlns:mv="urn:schemas-microsoft-com:mac:vml" xmlns:p="http://schemas.openxmlformats.org/presentationml/2006/main" xmlns:c="http://schemas.openxmlformats.org/drawingml/2006/chart" xmlns:dgm="http://schemas.openxmlformats.org/drawingml/2006/diagram" xmlns:o="urn:schemas-microsoft-com:office:office" xmlns:v="urn:schemas-microsoft-com:vml" xmlns:pvml="urn:schemas-microsoft-com:office:powerpoint" xmlns:com="http://schemas.openxmlformats.org/drawingml/2006/compatibility" xmlns:p14="http://schemas.microsoft.com/office/powerpoint/2010/main" xmlns:p15="http://schemas.microsoft.com/office/powerpoint/2012/main" xmlns:ahyp="http://schemas.microsoft.com/office/drawing/2018/hyperlinkcolor" showMasterPhAnim="0" showMasterSp="0">
+<p:notes xmlns:a="http://schemas.openxmlformats.org/drawingml/2006/main" xmlns:r="http://schemas.openxmlformats.org/officeDocument/2006/relationships" xmlns:p="http://schemas.openxmlformats.org/presentationml/2006/main" showMasterSp="0" showMasterPhAnim="0">
   <p:cSld>
     <p:spTree>
       <p:nvGrpSpPr>
-        <p:cNvPr id="153" name="Shape 153"/>
+        <p:cNvPr id="1" name="Shape 153"/>
         <p:cNvGrpSpPr/>
         <p:nvPr/>
       </p:nvGrpSpPr>
@@ -2042,9 +2128,11 @@
       <p:sp>
         <p:nvSpPr>
           <p:cNvPr id="154" name="Google Shape;154;g6fc4d32752_0_8:notes"/>
-          <p:cNvSpPr/>
+          <p:cNvSpPr>
+            <a:spLocks noGrp="1" noRot="1" noChangeAspect="1"/>
+          </p:cNvSpPr>
           <p:nvPr>
-            <p:ph idx="2" type="sldImg"/>
+            <p:ph type="sldImg" idx="2"/>
           </p:nvPr>
         </p:nvSpPr>
         <p:spPr>
@@ -2053,9 +2141,13 @@
             <a:ext cx="6096000" cy="3429000"/>
           </a:xfrm>
           <a:custGeom>
-            <a:rect b="b" l="l" r="r" t="t"/>
+            <a:avLst/>
+            <a:gdLst/>
+            <a:ahLst/>
+            <a:cxnLst/>
+            <a:rect l="l" t="t" r="r" b="b"/>
             <a:pathLst>
-              <a:path extrusionOk="0" h="120000" w="120000">
+              <a:path w="120000" h="120000" extrusionOk="0">
                 <a:moveTo>
                   <a:pt x="0" y="0"/>
                 </a:moveTo>
@@ -2077,9 +2169,11 @@
       <p:sp>
         <p:nvSpPr>
           <p:cNvPr id="155" name="Google Shape;155;g6fc4d32752_0_8:notes"/>
-          <p:cNvSpPr txBox="1"/>
+          <p:cNvSpPr txBox="1">
+            <a:spLocks noGrp="1"/>
+          </p:cNvSpPr>
           <p:nvPr>
-            <p:ph idx="1" type="body"/>
+            <p:ph type="body" idx="1"/>
           </p:nvPr>
         </p:nvSpPr>
         <p:spPr>
@@ -2092,12 +2186,12 @@
           </a:prstGeom>
         </p:spPr>
         <p:txBody>
-          <a:bodyPr anchorCtr="0" anchor="t" bIns="91425" lIns="91425" spcFirstLastPara="1" rIns="91425" wrap="square" tIns="91425">
+          <a:bodyPr spcFirstLastPara="1" wrap="square" lIns="91425" tIns="91425" rIns="91425" bIns="91425" anchor="t" anchorCtr="0">
             <a:noAutofit/>
           </a:bodyPr>
           <a:lstStyle/>
           <a:p>
-            <a:pPr indent="0" lvl="0" marL="0" rtl="0" algn="l">
+            <a:pPr marL="0" lvl="0" indent="0" algn="l" rtl="0">
               <a:spcBef>
                 <a:spcPts val="0"/>
               </a:spcBef>
@@ -2106,9 +2200,6 @@
               </a:spcAft>
               <a:buNone/>
             </a:pPr>
-            <a:r>
-              <a:t/>
-            </a:r>
             <a:endParaRPr/>
           </a:p>
         </p:txBody>
@@ -2122,11 +2213,11 @@
 </file>
 
 <file path=ppt/notesSlides/notesSlide22.xml><?xml version="1.0" encoding="utf-8"?>
-<p:notes xmlns:a="http://schemas.openxmlformats.org/drawingml/2006/main" xmlns:r="http://schemas.openxmlformats.org/officeDocument/2006/relationships" xmlns:mc="http://schemas.openxmlformats.org/markup-compatibility/2006" xmlns:mv="urn:schemas-microsoft-com:mac:vml" xmlns:p="http://schemas.openxmlformats.org/presentationml/2006/main" xmlns:c="http://schemas.openxmlformats.org/drawingml/2006/chart" xmlns:dgm="http://schemas.openxmlformats.org/drawingml/2006/diagram" xmlns:o="urn:schemas-microsoft-com:office:office" xmlns:v="urn:schemas-microsoft-com:vml" xmlns:pvml="urn:schemas-microsoft-com:office:powerpoint" xmlns:com="http://schemas.openxmlformats.org/drawingml/2006/compatibility" xmlns:p14="http://schemas.microsoft.com/office/powerpoint/2010/main" xmlns:p15="http://schemas.microsoft.com/office/powerpoint/2012/main" xmlns:ahyp="http://schemas.microsoft.com/office/drawing/2018/hyperlinkcolor" showMasterPhAnim="0" showMasterSp="0">
+<p:notes xmlns:a="http://schemas.openxmlformats.org/drawingml/2006/main" xmlns:r="http://schemas.openxmlformats.org/officeDocument/2006/relationships" xmlns:p="http://schemas.openxmlformats.org/presentationml/2006/main" showMasterSp="0" showMasterPhAnim="0">
   <p:cSld>
     <p:spTree>
       <p:nvGrpSpPr>
-        <p:cNvPr id="158" name="Shape 158"/>
+        <p:cNvPr id="1" name="Shape 158"/>
         <p:cNvGrpSpPr/>
         <p:nvPr/>
       </p:nvGrpSpPr>
@@ -2141,9 +2232,11 @@
       <p:sp>
         <p:nvSpPr>
           <p:cNvPr id="159" name="Google Shape;159;g6fc4d32752_0_310:notes"/>
-          <p:cNvSpPr/>
+          <p:cNvSpPr>
+            <a:spLocks noGrp="1" noRot="1" noChangeAspect="1"/>
+          </p:cNvSpPr>
           <p:nvPr>
-            <p:ph idx="2" type="sldImg"/>
+            <p:ph type="sldImg" idx="2"/>
           </p:nvPr>
         </p:nvSpPr>
         <p:spPr>
@@ -2152,9 +2245,13 @@
             <a:ext cx="6096000" cy="3429000"/>
           </a:xfrm>
           <a:custGeom>
-            <a:rect b="b" l="l" r="r" t="t"/>
+            <a:avLst/>
+            <a:gdLst/>
+            <a:ahLst/>
+            <a:cxnLst/>
+            <a:rect l="l" t="t" r="r" b="b"/>
             <a:pathLst>
-              <a:path extrusionOk="0" h="120000" w="120000">
+              <a:path w="120000" h="120000" extrusionOk="0">
                 <a:moveTo>
                   <a:pt x="0" y="0"/>
                 </a:moveTo>
@@ -2176,9 +2273,11 @@
       <p:sp>
         <p:nvSpPr>
           <p:cNvPr id="160" name="Google Shape;160;g6fc4d32752_0_310:notes"/>
-          <p:cNvSpPr txBox="1"/>
+          <p:cNvSpPr txBox="1">
+            <a:spLocks noGrp="1"/>
+          </p:cNvSpPr>
           <p:nvPr>
-            <p:ph idx="1" type="body"/>
+            <p:ph type="body" idx="1"/>
           </p:nvPr>
         </p:nvSpPr>
         <p:spPr>
@@ -2191,12 +2290,12 @@
           </a:prstGeom>
         </p:spPr>
         <p:txBody>
-          <a:bodyPr anchorCtr="0" anchor="t" bIns="91425" lIns="91425" spcFirstLastPara="1" rIns="91425" wrap="square" tIns="91425">
+          <a:bodyPr spcFirstLastPara="1" wrap="square" lIns="91425" tIns="91425" rIns="91425" bIns="91425" anchor="t" anchorCtr="0">
             <a:noAutofit/>
           </a:bodyPr>
           <a:lstStyle/>
           <a:p>
-            <a:pPr indent="0" lvl="0" marL="0" rtl="0" algn="l">
+            <a:pPr marL="0" lvl="0" indent="0" algn="l" rtl="0">
               <a:spcBef>
                 <a:spcPts val="0"/>
               </a:spcBef>
@@ -2205,9 +2304,6 @@
               </a:spcAft>
               <a:buNone/>
             </a:pPr>
-            <a:r>
-              <a:t/>
-            </a:r>
             <a:endParaRPr/>
           </a:p>
         </p:txBody>
@@ -2221,11 +2317,11 @@
 </file>
 
 <file path=ppt/notesSlides/notesSlide23.xml><?xml version="1.0" encoding="utf-8"?>
-<p:notes xmlns:a="http://schemas.openxmlformats.org/drawingml/2006/main" xmlns:r="http://schemas.openxmlformats.org/officeDocument/2006/relationships" xmlns:mc="http://schemas.openxmlformats.org/markup-compatibility/2006" xmlns:mv="urn:schemas-microsoft-com:mac:vml" xmlns:p="http://schemas.openxmlformats.org/presentationml/2006/main" xmlns:c="http://schemas.openxmlformats.org/drawingml/2006/chart" xmlns:dgm="http://schemas.openxmlformats.org/drawingml/2006/diagram" xmlns:o="urn:schemas-microsoft-com:office:office" xmlns:v="urn:schemas-microsoft-com:vml" xmlns:pvml="urn:schemas-microsoft-com:office:powerpoint" xmlns:com="http://schemas.openxmlformats.org/drawingml/2006/compatibility" xmlns:p14="http://schemas.microsoft.com/office/powerpoint/2010/main" xmlns:p15="http://schemas.microsoft.com/office/powerpoint/2012/main" xmlns:ahyp="http://schemas.microsoft.com/office/drawing/2018/hyperlinkcolor" showMasterPhAnim="0" showMasterSp="0">
+<p:notes xmlns:a="http://schemas.openxmlformats.org/drawingml/2006/main" xmlns:r="http://schemas.openxmlformats.org/officeDocument/2006/relationships" xmlns:p="http://schemas.openxmlformats.org/presentationml/2006/main" showMasterSp="0" showMasterPhAnim="0">
   <p:cSld>
     <p:spTree>
       <p:nvGrpSpPr>
-        <p:cNvPr id="163" name="Shape 163"/>
+        <p:cNvPr id="1" name="Shape 163"/>
         <p:cNvGrpSpPr/>
         <p:nvPr/>
       </p:nvGrpSpPr>
@@ -2240,9 +2336,11 @@
       <p:sp>
         <p:nvSpPr>
           <p:cNvPr id="164" name="Google Shape;164;g6fc4d32752_0_12:notes"/>
-          <p:cNvSpPr/>
+          <p:cNvSpPr>
+            <a:spLocks noGrp="1" noRot="1" noChangeAspect="1"/>
+          </p:cNvSpPr>
           <p:nvPr>
-            <p:ph idx="2" type="sldImg"/>
+            <p:ph type="sldImg" idx="2"/>
           </p:nvPr>
         </p:nvSpPr>
         <p:spPr>
@@ -2251,9 +2349,13 @@
             <a:ext cx="6096000" cy="3429000"/>
           </a:xfrm>
           <a:custGeom>
-            <a:rect b="b" l="l" r="r" t="t"/>
+            <a:avLst/>
+            <a:gdLst/>
+            <a:ahLst/>
+            <a:cxnLst/>
+            <a:rect l="l" t="t" r="r" b="b"/>
             <a:pathLst>
-              <a:path extrusionOk="0" h="120000" w="120000">
+              <a:path w="120000" h="120000" extrusionOk="0">
                 <a:moveTo>
                   <a:pt x="0" y="0"/>
                 </a:moveTo>
@@ -2275,9 +2377,11 @@
       <p:sp>
         <p:nvSpPr>
           <p:cNvPr id="165" name="Google Shape;165;g6fc4d32752_0_12:notes"/>
-          <p:cNvSpPr txBox="1"/>
+          <p:cNvSpPr txBox="1">
+            <a:spLocks noGrp="1"/>
+          </p:cNvSpPr>
           <p:nvPr>
-            <p:ph idx="1" type="body"/>
+            <p:ph type="body" idx="1"/>
           </p:nvPr>
         </p:nvSpPr>
         <p:spPr>
@@ -2290,12 +2394,12 @@
           </a:prstGeom>
         </p:spPr>
         <p:txBody>
-          <a:bodyPr anchorCtr="0" anchor="t" bIns="91425" lIns="91425" spcFirstLastPara="1" rIns="91425" wrap="square" tIns="91425">
+          <a:bodyPr spcFirstLastPara="1" wrap="square" lIns="91425" tIns="91425" rIns="91425" bIns="91425" anchor="t" anchorCtr="0">
             <a:noAutofit/>
           </a:bodyPr>
           <a:lstStyle/>
           <a:p>
-            <a:pPr indent="0" lvl="0" marL="0" rtl="0" algn="l">
+            <a:pPr marL="0" lvl="0" indent="0" algn="l" rtl="0">
               <a:spcBef>
                 <a:spcPts val="0"/>
               </a:spcBef>
@@ -2304,9 +2408,6 @@
               </a:spcAft>
               <a:buNone/>
             </a:pPr>
-            <a:r>
-              <a:t/>
-            </a:r>
             <a:endParaRPr/>
           </a:p>
         </p:txBody>
@@ -2320,11 +2421,11 @@
 </file>
 
 <file path=ppt/notesSlides/notesSlide24.xml><?xml version="1.0" encoding="utf-8"?>
-<p:notes xmlns:a="http://schemas.openxmlformats.org/drawingml/2006/main" xmlns:r="http://schemas.openxmlformats.org/officeDocument/2006/relationships" xmlns:mc="http://schemas.openxmlformats.org/markup-compatibility/2006" xmlns:mv="urn:schemas-microsoft-com:mac:vml" xmlns:p="http://schemas.openxmlformats.org/presentationml/2006/main" xmlns:c="http://schemas.openxmlformats.org/drawingml/2006/chart" xmlns:dgm="http://schemas.openxmlformats.org/drawingml/2006/diagram" xmlns:o="urn:schemas-microsoft-com:office:office" xmlns:v="urn:schemas-microsoft-com:vml" xmlns:pvml="urn:schemas-microsoft-com:office:powerpoint" xmlns:com="http://schemas.openxmlformats.org/drawingml/2006/compatibility" xmlns:p14="http://schemas.microsoft.com/office/powerpoint/2010/main" xmlns:p15="http://schemas.microsoft.com/office/powerpoint/2012/main" xmlns:ahyp="http://schemas.microsoft.com/office/drawing/2018/hyperlinkcolor" showMasterPhAnim="0" showMasterSp="0">
+<p:notes xmlns:a="http://schemas.openxmlformats.org/drawingml/2006/main" xmlns:r="http://schemas.openxmlformats.org/officeDocument/2006/relationships" xmlns:p="http://schemas.openxmlformats.org/presentationml/2006/main" showMasterSp="0" showMasterPhAnim="0">
   <p:cSld>
     <p:spTree>
       <p:nvGrpSpPr>
-        <p:cNvPr id="168" name="Shape 168"/>
+        <p:cNvPr id="1" name="Shape 168"/>
         <p:cNvGrpSpPr/>
         <p:nvPr/>
       </p:nvGrpSpPr>
@@ -2339,9 +2440,11 @@
       <p:sp>
         <p:nvSpPr>
           <p:cNvPr id="169" name="Google Shape;169;g6fc4d32752_0_62:notes"/>
-          <p:cNvSpPr/>
+          <p:cNvSpPr>
+            <a:spLocks noGrp="1" noRot="1" noChangeAspect="1"/>
+          </p:cNvSpPr>
           <p:nvPr>
-            <p:ph idx="2" type="sldImg"/>
+            <p:ph type="sldImg" idx="2"/>
           </p:nvPr>
         </p:nvSpPr>
         <p:spPr>
@@ -2350,9 +2453,13 @@
             <a:ext cx="6096000" cy="3429000"/>
           </a:xfrm>
           <a:custGeom>
-            <a:rect b="b" l="l" r="r" t="t"/>
+            <a:avLst/>
+            <a:gdLst/>
+            <a:ahLst/>
+            <a:cxnLst/>
+            <a:rect l="l" t="t" r="r" b="b"/>
             <a:pathLst>
-              <a:path extrusionOk="0" h="120000" w="120000">
+              <a:path w="120000" h="120000" extrusionOk="0">
                 <a:moveTo>
                   <a:pt x="0" y="0"/>
                 </a:moveTo>
@@ -2374,9 +2481,11 @@
       <p:sp>
         <p:nvSpPr>
           <p:cNvPr id="170" name="Google Shape;170;g6fc4d32752_0_62:notes"/>
-          <p:cNvSpPr txBox="1"/>
+          <p:cNvSpPr txBox="1">
+            <a:spLocks noGrp="1"/>
+          </p:cNvSpPr>
           <p:nvPr>
-            <p:ph idx="1" type="body"/>
+            <p:ph type="body" idx="1"/>
           </p:nvPr>
         </p:nvSpPr>
         <p:spPr>
@@ -2389,12 +2498,12 @@
           </a:prstGeom>
         </p:spPr>
         <p:txBody>
-          <a:bodyPr anchorCtr="0" anchor="t" bIns="91425" lIns="91425" spcFirstLastPara="1" rIns="91425" wrap="square" tIns="91425">
+          <a:bodyPr spcFirstLastPara="1" wrap="square" lIns="91425" tIns="91425" rIns="91425" bIns="91425" anchor="t" anchorCtr="0">
             <a:noAutofit/>
           </a:bodyPr>
           <a:lstStyle/>
           <a:p>
-            <a:pPr indent="0" lvl="0" marL="0" rtl="0" algn="l">
+            <a:pPr marL="0" lvl="0" indent="0" algn="l" rtl="0">
               <a:spcBef>
                 <a:spcPts val="0"/>
               </a:spcBef>
@@ -2403,9 +2512,6 @@
               </a:spcAft>
               <a:buNone/>
             </a:pPr>
-            <a:r>
-              <a:t/>
-            </a:r>
             <a:endParaRPr/>
           </a:p>
         </p:txBody>
@@ -2419,11 +2525,11 @@
 </file>
 
 <file path=ppt/notesSlides/notesSlide25.xml><?xml version="1.0" encoding="utf-8"?>
-<p:notes xmlns:a="http://schemas.openxmlformats.org/drawingml/2006/main" xmlns:r="http://schemas.openxmlformats.org/officeDocument/2006/relationships" xmlns:mc="http://schemas.openxmlformats.org/markup-compatibility/2006" xmlns:mv="urn:schemas-microsoft-com:mac:vml" xmlns:p="http://schemas.openxmlformats.org/presentationml/2006/main" xmlns:c="http://schemas.openxmlformats.org/drawingml/2006/chart" xmlns:dgm="http://schemas.openxmlformats.org/drawingml/2006/diagram" xmlns:o="urn:schemas-microsoft-com:office:office" xmlns:v="urn:schemas-microsoft-com:vml" xmlns:pvml="urn:schemas-microsoft-com:office:powerpoint" xmlns:com="http://schemas.openxmlformats.org/drawingml/2006/compatibility" xmlns:p14="http://schemas.microsoft.com/office/powerpoint/2010/main" xmlns:p15="http://schemas.microsoft.com/office/powerpoint/2012/main" xmlns:ahyp="http://schemas.microsoft.com/office/drawing/2018/hyperlinkcolor" showMasterPhAnim="0" showMasterSp="0">
+<p:notes xmlns:a="http://schemas.openxmlformats.org/drawingml/2006/main" xmlns:r="http://schemas.openxmlformats.org/officeDocument/2006/relationships" xmlns:p="http://schemas.openxmlformats.org/presentationml/2006/main" showMasterSp="0" showMasterPhAnim="0">
   <p:cSld>
     <p:spTree>
       <p:nvGrpSpPr>
-        <p:cNvPr id="173" name="Shape 173"/>
+        <p:cNvPr id="1" name="Shape 173"/>
         <p:cNvGrpSpPr/>
         <p:nvPr/>
       </p:nvGrpSpPr>
@@ -2438,9 +2544,11 @@
       <p:sp>
         <p:nvSpPr>
           <p:cNvPr id="174" name="Google Shape;174;g6fc4d32752_0_70:notes"/>
-          <p:cNvSpPr/>
+          <p:cNvSpPr>
+            <a:spLocks noGrp="1" noRot="1" noChangeAspect="1"/>
+          </p:cNvSpPr>
           <p:nvPr>
-            <p:ph idx="2" type="sldImg"/>
+            <p:ph type="sldImg" idx="2"/>
           </p:nvPr>
         </p:nvSpPr>
         <p:spPr>
@@ -2449,9 +2557,13 @@
             <a:ext cx="6096000" cy="3429000"/>
           </a:xfrm>
           <a:custGeom>
-            <a:rect b="b" l="l" r="r" t="t"/>
+            <a:avLst/>
+            <a:gdLst/>
+            <a:ahLst/>
+            <a:cxnLst/>
+            <a:rect l="l" t="t" r="r" b="b"/>
             <a:pathLst>
-              <a:path extrusionOk="0" h="120000" w="120000">
+              <a:path w="120000" h="120000" extrusionOk="0">
                 <a:moveTo>
                   <a:pt x="0" y="0"/>
                 </a:moveTo>
@@ -2473,9 +2585,11 @@
       <p:sp>
         <p:nvSpPr>
           <p:cNvPr id="175" name="Google Shape;175;g6fc4d32752_0_70:notes"/>
-          <p:cNvSpPr txBox="1"/>
+          <p:cNvSpPr txBox="1">
+            <a:spLocks noGrp="1"/>
+          </p:cNvSpPr>
           <p:nvPr>
-            <p:ph idx="1" type="body"/>
+            <p:ph type="body" idx="1"/>
           </p:nvPr>
         </p:nvSpPr>
         <p:spPr>
@@ -2488,12 +2602,12 @@
           </a:prstGeom>
         </p:spPr>
         <p:txBody>
-          <a:bodyPr anchorCtr="0" anchor="t" bIns="91425" lIns="91425" spcFirstLastPara="1" rIns="91425" wrap="square" tIns="91425">
+          <a:bodyPr spcFirstLastPara="1" wrap="square" lIns="91425" tIns="91425" rIns="91425" bIns="91425" anchor="t" anchorCtr="0">
             <a:noAutofit/>
           </a:bodyPr>
           <a:lstStyle/>
           <a:p>
-            <a:pPr indent="0" lvl="0" marL="0" rtl="0" algn="l">
+            <a:pPr marL="0" lvl="0" indent="0" algn="l" rtl="0">
               <a:spcBef>
                 <a:spcPts val="0"/>
               </a:spcBef>
@@ -2502,9 +2616,6 @@
               </a:spcAft>
               <a:buNone/>
             </a:pPr>
-            <a:r>
-              <a:t/>
-            </a:r>
             <a:endParaRPr/>
           </a:p>
         </p:txBody>
@@ -2518,11 +2629,11 @@
 </file>
 
 <file path=ppt/notesSlides/notesSlide26.xml><?xml version="1.0" encoding="utf-8"?>
-<p:notes xmlns:a="http://schemas.openxmlformats.org/drawingml/2006/main" xmlns:r="http://schemas.openxmlformats.org/officeDocument/2006/relationships" xmlns:mc="http://schemas.openxmlformats.org/markup-compatibility/2006" xmlns:mv="urn:schemas-microsoft-com:mac:vml" xmlns:p="http://schemas.openxmlformats.org/presentationml/2006/main" xmlns:c="http://schemas.openxmlformats.org/drawingml/2006/chart" xmlns:dgm="http://schemas.openxmlformats.org/drawingml/2006/diagram" xmlns:o="urn:schemas-microsoft-com:office:office" xmlns:v="urn:schemas-microsoft-com:vml" xmlns:pvml="urn:schemas-microsoft-com:office:powerpoint" xmlns:com="http://schemas.openxmlformats.org/drawingml/2006/compatibility" xmlns:p14="http://schemas.microsoft.com/office/powerpoint/2010/main" xmlns:p15="http://schemas.microsoft.com/office/powerpoint/2012/main" xmlns:ahyp="http://schemas.microsoft.com/office/drawing/2018/hyperlinkcolor" showMasterPhAnim="0" showMasterSp="0">
+<p:notes xmlns:a="http://schemas.openxmlformats.org/drawingml/2006/main" xmlns:r="http://schemas.openxmlformats.org/officeDocument/2006/relationships" xmlns:p="http://schemas.openxmlformats.org/presentationml/2006/main" showMasterSp="0" showMasterPhAnim="0">
   <p:cSld>
     <p:spTree>
       <p:nvGrpSpPr>
-        <p:cNvPr id="178" name="Shape 178"/>
+        <p:cNvPr id="1" name="Shape 178"/>
         <p:cNvGrpSpPr/>
         <p:nvPr/>
       </p:nvGrpSpPr>
@@ -2537,9 +2648,11 @@
       <p:sp>
         <p:nvSpPr>
           <p:cNvPr id="179" name="Google Shape;179;g6fc4d32752_0_119:notes"/>
-          <p:cNvSpPr/>
+          <p:cNvSpPr>
+            <a:spLocks noGrp="1" noRot="1" noChangeAspect="1"/>
+          </p:cNvSpPr>
           <p:nvPr>
-            <p:ph idx="2" type="sldImg"/>
+            <p:ph type="sldImg" idx="2"/>
           </p:nvPr>
         </p:nvSpPr>
         <p:spPr>
@@ -2548,9 +2661,13 @@
             <a:ext cx="6096000" cy="3429000"/>
           </a:xfrm>
           <a:custGeom>
-            <a:rect b="b" l="l" r="r" t="t"/>
+            <a:avLst/>
+            <a:gdLst/>
+            <a:ahLst/>
+            <a:cxnLst/>
+            <a:rect l="l" t="t" r="r" b="b"/>
             <a:pathLst>
-              <a:path extrusionOk="0" h="120000" w="120000">
+              <a:path w="120000" h="120000" extrusionOk="0">
                 <a:moveTo>
                   <a:pt x="0" y="0"/>
                 </a:moveTo>
@@ -2572,9 +2689,11 @@
       <p:sp>
         <p:nvSpPr>
           <p:cNvPr id="180" name="Google Shape;180;g6fc4d32752_0_119:notes"/>
-          <p:cNvSpPr txBox="1"/>
+          <p:cNvSpPr txBox="1">
+            <a:spLocks noGrp="1"/>
+          </p:cNvSpPr>
           <p:nvPr>
-            <p:ph idx="1" type="body"/>
+            <p:ph type="body" idx="1"/>
           </p:nvPr>
         </p:nvSpPr>
         <p:spPr>
@@ -2587,12 +2706,12 @@
           </a:prstGeom>
         </p:spPr>
         <p:txBody>
-          <a:bodyPr anchorCtr="0" anchor="t" bIns="91425" lIns="91425" spcFirstLastPara="1" rIns="91425" wrap="square" tIns="91425">
+          <a:bodyPr spcFirstLastPara="1" wrap="square" lIns="91425" tIns="91425" rIns="91425" bIns="91425" anchor="t" anchorCtr="0">
             <a:noAutofit/>
           </a:bodyPr>
           <a:lstStyle/>
           <a:p>
-            <a:pPr indent="0" lvl="0" marL="0" rtl="0" algn="l">
+            <a:pPr marL="0" lvl="0" indent="0" algn="l" rtl="0">
               <a:spcBef>
                 <a:spcPts val="0"/>
               </a:spcBef>
@@ -2601,9 +2720,6 @@
               </a:spcAft>
               <a:buNone/>
             </a:pPr>
-            <a:r>
-              <a:t/>
-            </a:r>
             <a:endParaRPr/>
           </a:p>
         </p:txBody>
@@ -2617,11 +2733,11 @@
 </file>
 
 <file path=ppt/notesSlides/notesSlide27.xml><?xml version="1.0" encoding="utf-8"?>
-<p:notes xmlns:a="http://schemas.openxmlformats.org/drawingml/2006/main" xmlns:r="http://schemas.openxmlformats.org/officeDocument/2006/relationships" xmlns:mc="http://schemas.openxmlformats.org/markup-compatibility/2006" xmlns:mv="urn:schemas-microsoft-com:mac:vml" xmlns:p="http://schemas.openxmlformats.org/presentationml/2006/main" xmlns:c="http://schemas.openxmlformats.org/drawingml/2006/chart" xmlns:dgm="http://schemas.openxmlformats.org/drawingml/2006/diagram" xmlns:o="urn:schemas-microsoft-com:office:office" xmlns:v="urn:schemas-microsoft-com:vml" xmlns:pvml="urn:schemas-microsoft-com:office:powerpoint" xmlns:com="http://schemas.openxmlformats.org/drawingml/2006/compatibility" xmlns:p14="http://schemas.microsoft.com/office/powerpoint/2010/main" xmlns:p15="http://schemas.microsoft.com/office/powerpoint/2012/main" xmlns:ahyp="http://schemas.microsoft.com/office/drawing/2018/hyperlinkcolor" showMasterPhAnim="0" showMasterSp="0">
+<p:notes xmlns:a="http://schemas.openxmlformats.org/drawingml/2006/main" xmlns:r="http://schemas.openxmlformats.org/officeDocument/2006/relationships" xmlns:p="http://schemas.openxmlformats.org/presentationml/2006/main" showMasterSp="0" showMasterPhAnim="0">
   <p:cSld>
     <p:spTree>
       <p:nvGrpSpPr>
-        <p:cNvPr id="183" name="Shape 183"/>
+        <p:cNvPr id="1" name="Shape 183"/>
         <p:cNvGrpSpPr/>
         <p:nvPr/>
       </p:nvGrpSpPr>
@@ -2636,9 +2752,11 @@
       <p:sp>
         <p:nvSpPr>
           <p:cNvPr id="184" name="Google Shape;184;g6fc4d32752_0_172:notes"/>
-          <p:cNvSpPr/>
+          <p:cNvSpPr>
+            <a:spLocks noGrp="1" noRot="1" noChangeAspect="1"/>
+          </p:cNvSpPr>
           <p:nvPr>
-            <p:ph idx="2" type="sldImg"/>
+            <p:ph type="sldImg" idx="2"/>
           </p:nvPr>
         </p:nvSpPr>
         <p:spPr>
@@ -2647,9 +2765,13 @@
             <a:ext cx="6096000" cy="3429000"/>
           </a:xfrm>
           <a:custGeom>
-            <a:rect b="b" l="l" r="r" t="t"/>
+            <a:avLst/>
+            <a:gdLst/>
+            <a:ahLst/>
+            <a:cxnLst/>
+            <a:rect l="l" t="t" r="r" b="b"/>
             <a:pathLst>
-              <a:path extrusionOk="0" h="120000" w="120000">
+              <a:path w="120000" h="120000" extrusionOk="0">
                 <a:moveTo>
                   <a:pt x="0" y="0"/>
                 </a:moveTo>
@@ -2671,9 +2793,11 @@
       <p:sp>
         <p:nvSpPr>
           <p:cNvPr id="185" name="Google Shape;185;g6fc4d32752_0_172:notes"/>
-          <p:cNvSpPr txBox="1"/>
+          <p:cNvSpPr txBox="1">
+            <a:spLocks noGrp="1"/>
+          </p:cNvSpPr>
           <p:nvPr>
-            <p:ph idx="1" type="body"/>
+            <p:ph type="body" idx="1"/>
           </p:nvPr>
         </p:nvSpPr>
         <p:spPr>
@@ -2686,12 +2810,12 @@
           </a:prstGeom>
         </p:spPr>
         <p:txBody>
-          <a:bodyPr anchorCtr="0" anchor="t" bIns="91425" lIns="91425" spcFirstLastPara="1" rIns="91425" wrap="square" tIns="91425">
+          <a:bodyPr spcFirstLastPara="1" wrap="square" lIns="91425" tIns="91425" rIns="91425" bIns="91425" anchor="t" anchorCtr="0">
             <a:noAutofit/>
           </a:bodyPr>
           <a:lstStyle/>
           <a:p>
-            <a:pPr indent="0" lvl="0" marL="0" rtl="0" algn="l">
+            <a:pPr marL="0" lvl="0" indent="0" algn="l" rtl="0">
               <a:spcBef>
                 <a:spcPts val="0"/>
               </a:spcBef>
@@ -2700,9 +2824,6 @@
               </a:spcAft>
               <a:buNone/>
             </a:pPr>
-            <a:r>
-              <a:t/>
-            </a:r>
             <a:endParaRPr/>
           </a:p>
         </p:txBody>
@@ -2716,11 +2837,11 @@
 </file>
 
 <file path=ppt/notesSlides/notesSlide28.xml><?xml version="1.0" encoding="utf-8"?>
-<p:notes xmlns:a="http://schemas.openxmlformats.org/drawingml/2006/main" xmlns:r="http://schemas.openxmlformats.org/officeDocument/2006/relationships" xmlns:mc="http://schemas.openxmlformats.org/markup-compatibility/2006" xmlns:mv="urn:schemas-microsoft-com:mac:vml" xmlns:p="http://schemas.openxmlformats.org/presentationml/2006/main" xmlns:c="http://schemas.openxmlformats.org/drawingml/2006/chart" xmlns:dgm="http://schemas.openxmlformats.org/drawingml/2006/diagram" xmlns:o="urn:schemas-microsoft-com:office:office" xmlns:v="urn:schemas-microsoft-com:vml" xmlns:pvml="urn:schemas-microsoft-com:office:powerpoint" xmlns:com="http://schemas.openxmlformats.org/drawingml/2006/compatibility" xmlns:p14="http://schemas.microsoft.com/office/powerpoint/2010/main" xmlns:p15="http://schemas.microsoft.com/office/powerpoint/2012/main" xmlns:ahyp="http://schemas.microsoft.com/office/drawing/2018/hyperlinkcolor" showMasterPhAnim="0" showMasterSp="0">
+<p:notes xmlns:a="http://schemas.openxmlformats.org/drawingml/2006/main" xmlns:r="http://schemas.openxmlformats.org/officeDocument/2006/relationships" xmlns:p="http://schemas.openxmlformats.org/presentationml/2006/main" showMasterSp="0" showMasterPhAnim="0">
   <p:cSld>
     <p:spTree>
       <p:nvGrpSpPr>
-        <p:cNvPr id="188" name="Shape 188"/>
+        <p:cNvPr id="1" name="Shape 188"/>
         <p:cNvGrpSpPr/>
         <p:nvPr/>
       </p:nvGrpSpPr>
@@ -2735,9 +2856,11 @@
       <p:sp>
         <p:nvSpPr>
           <p:cNvPr id="189" name="Google Shape;189;g6fc4d32752_0_314:notes"/>
-          <p:cNvSpPr/>
+          <p:cNvSpPr>
+            <a:spLocks noGrp="1" noRot="1" noChangeAspect="1"/>
+          </p:cNvSpPr>
           <p:nvPr>
-            <p:ph idx="2" type="sldImg"/>
+            <p:ph type="sldImg" idx="2"/>
           </p:nvPr>
         </p:nvSpPr>
         <p:spPr>
@@ -2746,9 +2869,13 @@
             <a:ext cx="6096000" cy="3429000"/>
           </a:xfrm>
           <a:custGeom>
-            <a:rect b="b" l="l" r="r" t="t"/>
+            <a:avLst/>
+            <a:gdLst/>
+            <a:ahLst/>
+            <a:cxnLst/>
+            <a:rect l="l" t="t" r="r" b="b"/>
             <a:pathLst>
-              <a:path extrusionOk="0" h="120000" w="120000">
+              <a:path w="120000" h="120000" extrusionOk="0">
                 <a:moveTo>
                   <a:pt x="0" y="0"/>
                 </a:moveTo>
@@ -2770,9 +2897,11 @@
       <p:sp>
         <p:nvSpPr>
           <p:cNvPr id="190" name="Google Shape;190;g6fc4d32752_0_314:notes"/>
-          <p:cNvSpPr txBox="1"/>
+          <p:cNvSpPr txBox="1">
+            <a:spLocks noGrp="1"/>
+          </p:cNvSpPr>
           <p:nvPr>
-            <p:ph idx="1" type="body"/>
+            <p:ph type="body" idx="1"/>
           </p:nvPr>
         </p:nvSpPr>
         <p:spPr>
@@ -2785,12 +2914,12 @@
           </a:prstGeom>
         </p:spPr>
         <p:txBody>
-          <a:bodyPr anchorCtr="0" anchor="t" bIns="91425" lIns="91425" spcFirstLastPara="1" rIns="91425" wrap="square" tIns="91425">
+          <a:bodyPr spcFirstLastPara="1" wrap="square" lIns="91425" tIns="91425" rIns="91425" bIns="91425" anchor="t" anchorCtr="0">
             <a:noAutofit/>
           </a:bodyPr>
           <a:lstStyle/>
           <a:p>
-            <a:pPr indent="0" lvl="0" marL="0" rtl="0" algn="l">
+            <a:pPr marL="0" lvl="0" indent="0" algn="l" rtl="0">
               <a:spcBef>
                 <a:spcPts val="0"/>
               </a:spcBef>
@@ -2799,9 +2928,6 @@
               </a:spcAft>
               <a:buNone/>
             </a:pPr>
-            <a:r>
-              <a:t/>
-            </a:r>
             <a:endParaRPr/>
           </a:p>
         </p:txBody>
@@ -2815,11 +2941,11 @@
 </file>
 
 <file path=ppt/notesSlides/notesSlide29.xml><?xml version="1.0" encoding="utf-8"?>
-<p:notes xmlns:a="http://schemas.openxmlformats.org/drawingml/2006/main" xmlns:r="http://schemas.openxmlformats.org/officeDocument/2006/relationships" xmlns:mc="http://schemas.openxmlformats.org/markup-compatibility/2006" xmlns:mv="urn:schemas-microsoft-com:mac:vml" xmlns:p="http://schemas.openxmlformats.org/presentationml/2006/main" xmlns:c="http://schemas.openxmlformats.org/drawingml/2006/chart" xmlns:dgm="http://schemas.openxmlformats.org/drawingml/2006/diagram" xmlns:o="urn:schemas-microsoft-com:office:office" xmlns:v="urn:schemas-microsoft-com:vml" xmlns:pvml="urn:schemas-microsoft-com:office:powerpoint" xmlns:com="http://schemas.openxmlformats.org/drawingml/2006/compatibility" xmlns:p14="http://schemas.microsoft.com/office/powerpoint/2010/main" xmlns:p15="http://schemas.microsoft.com/office/powerpoint/2012/main" xmlns:ahyp="http://schemas.microsoft.com/office/drawing/2018/hyperlinkcolor" showMasterPhAnim="0" showMasterSp="0">
+<p:notes xmlns:a="http://schemas.openxmlformats.org/drawingml/2006/main" xmlns:r="http://schemas.openxmlformats.org/officeDocument/2006/relationships" xmlns:p="http://schemas.openxmlformats.org/presentationml/2006/main" showMasterSp="0" showMasterPhAnim="0">
   <p:cSld>
     <p:spTree>
       <p:nvGrpSpPr>
-        <p:cNvPr id="193" name="Shape 193"/>
+        <p:cNvPr id="1" name="Shape 193"/>
         <p:cNvGrpSpPr/>
         <p:nvPr/>
       </p:nvGrpSpPr>
@@ -2834,9 +2960,11 @@
       <p:sp>
         <p:nvSpPr>
           <p:cNvPr id="194" name="Google Shape;194;g6fc4d32752_0_318:notes"/>
-          <p:cNvSpPr/>
+          <p:cNvSpPr>
+            <a:spLocks noGrp="1" noRot="1" noChangeAspect="1"/>
+          </p:cNvSpPr>
           <p:nvPr>
-            <p:ph idx="2" type="sldImg"/>
+            <p:ph type="sldImg" idx="2"/>
           </p:nvPr>
         </p:nvSpPr>
         <p:spPr>
@@ -2845,9 +2973,13 @@
             <a:ext cx="6096000" cy="3429000"/>
           </a:xfrm>
           <a:custGeom>
-            <a:rect b="b" l="l" r="r" t="t"/>
+            <a:avLst/>
+            <a:gdLst/>
+            <a:ahLst/>
+            <a:cxnLst/>
+            <a:rect l="l" t="t" r="r" b="b"/>
             <a:pathLst>
-              <a:path extrusionOk="0" h="120000" w="120000">
+              <a:path w="120000" h="120000" extrusionOk="0">
                 <a:moveTo>
                   <a:pt x="0" y="0"/>
                 </a:moveTo>
@@ -2869,9 +3001,11 @@
       <p:sp>
         <p:nvSpPr>
           <p:cNvPr id="195" name="Google Shape;195;g6fc4d32752_0_318:notes"/>
-          <p:cNvSpPr txBox="1"/>
+          <p:cNvSpPr txBox="1">
+            <a:spLocks noGrp="1"/>
+          </p:cNvSpPr>
           <p:nvPr>
-            <p:ph idx="1" type="body"/>
+            <p:ph type="body" idx="1"/>
           </p:nvPr>
         </p:nvSpPr>
         <p:spPr>
@@ -2884,12 +3018,12 @@
           </a:prstGeom>
         </p:spPr>
         <p:txBody>
-          <a:bodyPr anchorCtr="0" anchor="t" bIns="91425" lIns="91425" spcFirstLastPara="1" rIns="91425" wrap="square" tIns="91425">
+          <a:bodyPr spcFirstLastPara="1" wrap="square" lIns="91425" tIns="91425" rIns="91425" bIns="91425" anchor="t" anchorCtr="0">
             <a:noAutofit/>
           </a:bodyPr>
           <a:lstStyle/>
           <a:p>
-            <a:pPr indent="0" lvl="0" marL="0" rtl="0" algn="l">
+            <a:pPr marL="0" lvl="0" indent="0" algn="l" rtl="0">
               <a:spcBef>
                 <a:spcPts val="0"/>
               </a:spcBef>
@@ -2898,9 +3032,6 @@
               </a:spcAft>
               <a:buNone/>
             </a:pPr>
-            <a:r>
-              <a:t/>
-            </a:r>
             <a:endParaRPr/>
           </a:p>
         </p:txBody>
@@ -2914,11 +3045,11 @@
 </file>
 
 <file path=ppt/notesSlides/notesSlide3.xml><?xml version="1.0" encoding="utf-8"?>
-<p:notes xmlns:a="http://schemas.openxmlformats.org/drawingml/2006/main" xmlns:r="http://schemas.openxmlformats.org/officeDocument/2006/relationships" xmlns:mc="http://schemas.openxmlformats.org/markup-compatibility/2006" xmlns:mv="urn:schemas-microsoft-com:mac:vml" xmlns:p="http://schemas.openxmlformats.org/presentationml/2006/main" xmlns:c="http://schemas.openxmlformats.org/drawingml/2006/chart" xmlns:dgm="http://schemas.openxmlformats.org/drawingml/2006/diagram" xmlns:o="urn:schemas-microsoft-com:office:office" xmlns:v="urn:schemas-microsoft-com:vml" xmlns:pvml="urn:schemas-microsoft-com:office:powerpoint" xmlns:com="http://schemas.openxmlformats.org/drawingml/2006/compatibility" xmlns:p14="http://schemas.microsoft.com/office/powerpoint/2010/main" xmlns:p15="http://schemas.microsoft.com/office/powerpoint/2012/main" xmlns:ahyp="http://schemas.microsoft.com/office/drawing/2018/hyperlinkcolor" showMasterPhAnim="0" showMasterSp="0">
+<p:notes xmlns:a="http://schemas.openxmlformats.org/drawingml/2006/main" xmlns:r="http://schemas.openxmlformats.org/officeDocument/2006/relationships" xmlns:p="http://schemas.openxmlformats.org/presentationml/2006/main" showMasterSp="0" showMasterPhAnim="0">
   <p:cSld>
     <p:spTree>
       <p:nvGrpSpPr>
-        <p:cNvPr id="61" name="Shape 61"/>
+        <p:cNvPr id="1" name="Shape 61"/>
         <p:cNvGrpSpPr/>
         <p:nvPr/>
       </p:nvGrpSpPr>
@@ -2933,9 +3064,11 @@
       <p:sp>
         <p:nvSpPr>
           <p:cNvPr id="62" name="Google Shape;62;g6fc4d32752_0_0:notes"/>
-          <p:cNvSpPr/>
+          <p:cNvSpPr>
+            <a:spLocks noGrp="1" noRot="1" noChangeAspect="1"/>
+          </p:cNvSpPr>
           <p:nvPr>
-            <p:ph idx="2" type="sldImg"/>
+            <p:ph type="sldImg" idx="2"/>
           </p:nvPr>
         </p:nvSpPr>
         <p:spPr>
@@ -2944,9 +3077,13 @@
             <a:ext cx="6096000" cy="3429000"/>
           </a:xfrm>
           <a:custGeom>
-            <a:rect b="b" l="l" r="r" t="t"/>
+            <a:avLst/>
+            <a:gdLst/>
+            <a:ahLst/>
+            <a:cxnLst/>
+            <a:rect l="l" t="t" r="r" b="b"/>
             <a:pathLst>
-              <a:path extrusionOk="0" h="120000" w="120000">
+              <a:path w="120000" h="120000" extrusionOk="0">
                 <a:moveTo>
                   <a:pt x="0" y="0"/>
                 </a:moveTo>
@@ -2968,9 +3105,11 @@
       <p:sp>
         <p:nvSpPr>
           <p:cNvPr id="63" name="Google Shape;63;g6fc4d32752_0_0:notes"/>
-          <p:cNvSpPr txBox="1"/>
+          <p:cNvSpPr txBox="1">
+            <a:spLocks noGrp="1"/>
+          </p:cNvSpPr>
           <p:nvPr>
-            <p:ph idx="1" type="body"/>
+            <p:ph type="body" idx="1"/>
           </p:nvPr>
         </p:nvSpPr>
         <p:spPr>
@@ -2983,12 +3122,12 @@
           </a:prstGeom>
         </p:spPr>
         <p:txBody>
-          <a:bodyPr anchorCtr="0" anchor="t" bIns="91425" lIns="91425" spcFirstLastPara="1" rIns="91425" wrap="square" tIns="91425">
+          <a:bodyPr spcFirstLastPara="1" wrap="square" lIns="91425" tIns="91425" rIns="91425" bIns="91425" anchor="t" anchorCtr="0">
             <a:noAutofit/>
           </a:bodyPr>
           <a:lstStyle/>
           <a:p>
-            <a:pPr indent="0" lvl="0" marL="0" rtl="0" algn="l">
+            <a:pPr marL="0" lvl="0" indent="0" algn="l" rtl="0">
               <a:spcBef>
                 <a:spcPts val="0"/>
               </a:spcBef>
@@ -2997,9 +3136,6 @@
               </a:spcAft>
               <a:buNone/>
             </a:pPr>
-            <a:r>
-              <a:t/>
-            </a:r>
             <a:endParaRPr/>
           </a:p>
         </p:txBody>
@@ -3013,11 +3149,11 @@
 </file>
 
 <file path=ppt/notesSlides/notesSlide30.xml><?xml version="1.0" encoding="utf-8"?>
-<p:notes xmlns:a="http://schemas.openxmlformats.org/drawingml/2006/main" xmlns:r="http://schemas.openxmlformats.org/officeDocument/2006/relationships" xmlns:mc="http://schemas.openxmlformats.org/markup-compatibility/2006" xmlns:mv="urn:schemas-microsoft-com:mac:vml" xmlns:p="http://schemas.openxmlformats.org/presentationml/2006/main" xmlns:c="http://schemas.openxmlformats.org/drawingml/2006/chart" xmlns:dgm="http://schemas.openxmlformats.org/drawingml/2006/diagram" xmlns:o="urn:schemas-microsoft-com:office:office" xmlns:v="urn:schemas-microsoft-com:vml" xmlns:pvml="urn:schemas-microsoft-com:office:powerpoint" xmlns:com="http://schemas.openxmlformats.org/drawingml/2006/compatibility" xmlns:p14="http://schemas.microsoft.com/office/powerpoint/2010/main" xmlns:p15="http://schemas.microsoft.com/office/powerpoint/2012/main" xmlns:ahyp="http://schemas.microsoft.com/office/drawing/2018/hyperlinkcolor" showMasterPhAnim="0" showMasterSp="0">
+<p:notes xmlns:a="http://schemas.openxmlformats.org/drawingml/2006/main" xmlns:r="http://schemas.openxmlformats.org/officeDocument/2006/relationships" xmlns:p="http://schemas.openxmlformats.org/presentationml/2006/main" showMasterSp="0" showMasterPhAnim="0">
   <p:cSld>
     <p:spTree>
       <p:nvGrpSpPr>
-        <p:cNvPr id="198" name="Shape 198"/>
+        <p:cNvPr id="1" name="Shape 198"/>
         <p:cNvGrpSpPr/>
         <p:nvPr/>
       </p:nvGrpSpPr>
@@ -3032,9 +3168,11 @@
       <p:sp>
         <p:nvSpPr>
           <p:cNvPr id="199" name="Google Shape;199;g6fc4d32752_0_322:notes"/>
-          <p:cNvSpPr/>
+          <p:cNvSpPr>
+            <a:spLocks noGrp="1" noRot="1" noChangeAspect="1"/>
+          </p:cNvSpPr>
           <p:nvPr>
-            <p:ph idx="2" type="sldImg"/>
+            <p:ph type="sldImg" idx="2"/>
           </p:nvPr>
         </p:nvSpPr>
         <p:spPr>
@@ -3043,9 +3181,13 @@
             <a:ext cx="6096000" cy="3429000"/>
           </a:xfrm>
           <a:custGeom>
-            <a:rect b="b" l="l" r="r" t="t"/>
+            <a:avLst/>
+            <a:gdLst/>
+            <a:ahLst/>
+            <a:cxnLst/>
+            <a:rect l="l" t="t" r="r" b="b"/>
             <a:pathLst>
-              <a:path extrusionOk="0" h="120000" w="120000">
+              <a:path w="120000" h="120000" extrusionOk="0">
                 <a:moveTo>
                   <a:pt x="0" y="0"/>
                 </a:moveTo>
@@ -3067,9 +3209,11 @@
       <p:sp>
         <p:nvSpPr>
           <p:cNvPr id="200" name="Google Shape;200;g6fc4d32752_0_322:notes"/>
-          <p:cNvSpPr txBox="1"/>
+          <p:cNvSpPr txBox="1">
+            <a:spLocks noGrp="1"/>
+          </p:cNvSpPr>
           <p:nvPr>
-            <p:ph idx="1" type="body"/>
+            <p:ph type="body" idx="1"/>
           </p:nvPr>
         </p:nvSpPr>
         <p:spPr>
@@ -3082,12 +3226,12 @@
           </a:prstGeom>
         </p:spPr>
         <p:txBody>
-          <a:bodyPr anchorCtr="0" anchor="t" bIns="91425" lIns="91425" spcFirstLastPara="1" rIns="91425" wrap="square" tIns="91425">
+          <a:bodyPr spcFirstLastPara="1" wrap="square" lIns="91425" tIns="91425" rIns="91425" bIns="91425" anchor="t" anchorCtr="0">
             <a:noAutofit/>
           </a:bodyPr>
           <a:lstStyle/>
           <a:p>
-            <a:pPr indent="0" lvl="0" marL="0" rtl="0" algn="l">
+            <a:pPr marL="0" lvl="0" indent="0" algn="l" rtl="0">
               <a:spcBef>
                 <a:spcPts val="0"/>
               </a:spcBef>
@@ -3096,9 +3240,6 @@
               </a:spcAft>
               <a:buNone/>
             </a:pPr>
-            <a:r>
-              <a:t/>
-            </a:r>
             <a:endParaRPr/>
           </a:p>
         </p:txBody>
@@ -3112,11 +3253,11 @@
 </file>
 
 <file path=ppt/notesSlides/notesSlide31.xml><?xml version="1.0" encoding="utf-8"?>
-<p:notes xmlns:a="http://schemas.openxmlformats.org/drawingml/2006/main" xmlns:r="http://schemas.openxmlformats.org/officeDocument/2006/relationships" xmlns:mc="http://schemas.openxmlformats.org/markup-compatibility/2006" xmlns:mv="urn:schemas-microsoft-com:mac:vml" xmlns:p="http://schemas.openxmlformats.org/presentationml/2006/main" xmlns:c="http://schemas.openxmlformats.org/drawingml/2006/chart" xmlns:dgm="http://schemas.openxmlformats.org/drawingml/2006/diagram" xmlns:o="urn:schemas-microsoft-com:office:office" xmlns:v="urn:schemas-microsoft-com:vml" xmlns:pvml="urn:schemas-microsoft-com:office:powerpoint" xmlns:com="http://schemas.openxmlformats.org/drawingml/2006/compatibility" xmlns:p14="http://schemas.microsoft.com/office/powerpoint/2010/main" xmlns:p15="http://schemas.microsoft.com/office/powerpoint/2012/main" xmlns:ahyp="http://schemas.microsoft.com/office/drawing/2018/hyperlinkcolor" showMasterPhAnim="0" showMasterSp="0">
+<p:notes xmlns:a="http://schemas.openxmlformats.org/drawingml/2006/main" xmlns:r="http://schemas.openxmlformats.org/officeDocument/2006/relationships" xmlns:p="http://schemas.openxmlformats.org/presentationml/2006/main" showMasterSp="0" showMasterPhAnim="0">
   <p:cSld>
     <p:spTree>
       <p:nvGrpSpPr>
-        <p:cNvPr id="203" name="Shape 203"/>
+        <p:cNvPr id="1" name="Shape 203"/>
         <p:cNvGrpSpPr/>
         <p:nvPr/>
       </p:nvGrpSpPr>
@@ -3131,9 +3272,11 @@
       <p:sp>
         <p:nvSpPr>
           <p:cNvPr id="204" name="Google Shape;204;g6fc4d32752_0_326:notes"/>
-          <p:cNvSpPr/>
+          <p:cNvSpPr>
+            <a:spLocks noGrp="1" noRot="1" noChangeAspect="1"/>
+          </p:cNvSpPr>
           <p:nvPr>
-            <p:ph idx="2" type="sldImg"/>
+            <p:ph type="sldImg" idx="2"/>
           </p:nvPr>
         </p:nvSpPr>
         <p:spPr>
@@ -3142,9 +3285,13 @@
             <a:ext cx="6096000" cy="3429000"/>
           </a:xfrm>
           <a:custGeom>
-            <a:rect b="b" l="l" r="r" t="t"/>
+            <a:avLst/>
+            <a:gdLst/>
+            <a:ahLst/>
+            <a:cxnLst/>
+            <a:rect l="l" t="t" r="r" b="b"/>
             <a:pathLst>
-              <a:path extrusionOk="0" h="120000" w="120000">
+              <a:path w="120000" h="120000" extrusionOk="0">
                 <a:moveTo>
                   <a:pt x="0" y="0"/>
                 </a:moveTo>
@@ -3166,9 +3313,11 @@
       <p:sp>
         <p:nvSpPr>
           <p:cNvPr id="205" name="Google Shape;205;g6fc4d32752_0_326:notes"/>
-          <p:cNvSpPr txBox="1"/>
+          <p:cNvSpPr txBox="1">
+            <a:spLocks noGrp="1"/>
+          </p:cNvSpPr>
           <p:nvPr>
-            <p:ph idx="1" type="body"/>
+            <p:ph type="body" idx="1"/>
           </p:nvPr>
         </p:nvSpPr>
         <p:spPr>
@@ -3181,12 +3330,12 @@
           </a:prstGeom>
         </p:spPr>
         <p:txBody>
-          <a:bodyPr anchorCtr="0" anchor="t" bIns="91425" lIns="91425" spcFirstLastPara="1" rIns="91425" wrap="square" tIns="91425">
+          <a:bodyPr spcFirstLastPara="1" wrap="square" lIns="91425" tIns="91425" rIns="91425" bIns="91425" anchor="t" anchorCtr="0">
             <a:noAutofit/>
           </a:bodyPr>
           <a:lstStyle/>
           <a:p>
-            <a:pPr indent="0" lvl="0" marL="0" rtl="0" algn="l">
+            <a:pPr marL="0" lvl="0" indent="0" algn="l" rtl="0">
               <a:spcBef>
                 <a:spcPts val="0"/>
               </a:spcBef>
@@ -3195,9 +3344,6 @@
               </a:spcAft>
               <a:buNone/>
             </a:pPr>
-            <a:r>
-              <a:t/>
-            </a:r>
             <a:endParaRPr/>
           </a:p>
         </p:txBody>
@@ -3211,11 +3357,11 @@
 </file>
 
 <file path=ppt/notesSlides/notesSlide32.xml><?xml version="1.0" encoding="utf-8"?>
-<p:notes xmlns:a="http://schemas.openxmlformats.org/drawingml/2006/main" xmlns:r="http://schemas.openxmlformats.org/officeDocument/2006/relationships" xmlns:mc="http://schemas.openxmlformats.org/markup-compatibility/2006" xmlns:mv="urn:schemas-microsoft-com:mac:vml" xmlns:p="http://schemas.openxmlformats.org/presentationml/2006/main" xmlns:c="http://schemas.openxmlformats.org/drawingml/2006/chart" xmlns:dgm="http://schemas.openxmlformats.org/drawingml/2006/diagram" xmlns:o="urn:schemas-microsoft-com:office:office" xmlns:v="urn:schemas-microsoft-com:vml" xmlns:pvml="urn:schemas-microsoft-com:office:powerpoint" xmlns:com="http://schemas.openxmlformats.org/drawingml/2006/compatibility" xmlns:p14="http://schemas.microsoft.com/office/powerpoint/2010/main" xmlns:p15="http://schemas.microsoft.com/office/powerpoint/2012/main" xmlns:ahyp="http://schemas.microsoft.com/office/drawing/2018/hyperlinkcolor" showMasterPhAnim="0" showMasterSp="0">
+<p:notes xmlns:a="http://schemas.openxmlformats.org/drawingml/2006/main" xmlns:r="http://schemas.openxmlformats.org/officeDocument/2006/relationships" xmlns:p="http://schemas.openxmlformats.org/presentationml/2006/main" showMasterSp="0" showMasterPhAnim="0">
   <p:cSld>
     <p:spTree>
       <p:nvGrpSpPr>
-        <p:cNvPr id="208" name="Shape 208"/>
+        <p:cNvPr id="1" name="Shape 208"/>
         <p:cNvGrpSpPr/>
         <p:nvPr/>
       </p:nvGrpSpPr>
@@ -3230,9 +3376,11 @@
       <p:sp>
         <p:nvSpPr>
           <p:cNvPr id="209" name="Google Shape;209;g6fc4d32752_0_330:notes"/>
-          <p:cNvSpPr/>
+          <p:cNvSpPr>
+            <a:spLocks noGrp="1" noRot="1" noChangeAspect="1"/>
+          </p:cNvSpPr>
           <p:nvPr>
-            <p:ph idx="2" type="sldImg"/>
+            <p:ph type="sldImg" idx="2"/>
           </p:nvPr>
         </p:nvSpPr>
         <p:spPr>
@@ -3241,9 +3389,13 @@
             <a:ext cx="6096000" cy="3429000"/>
           </a:xfrm>
           <a:custGeom>
-            <a:rect b="b" l="l" r="r" t="t"/>
+            <a:avLst/>
+            <a:gdLst/>
+            <a:ahLst/>
+            <a:cxnLst/>
+            <a:rect l="l" t="t" r="r" b="b"/>
             <a:pathLst>
-              <a:path extrusionOk="0" h="120000" w="120000">
+              <a:path w="120000" h="120000" extrusionOk="0">
                 <a:moveTo>
                   <a:pt x="0" y="0"/>
                 </a:moveTo>
@@ -3265,9 +3417,11 @@
       <p:sp>
         <p:nvSpPr>
           <p:cNvPr id="210" name="Google Shape;210;g6fc4d32752_0_330:notes"/>
-          <p:cNvSpPr txBox="1"/>
+          <p:cNvSpPr txBox="1">
+            <a:spLocks noGrp="1"/>
+          </p:cNvSpPr>
           <p:nvPr>
-            <p:ph idx="1" type="body"/>
+            <p:ph type="body" idx="1"/>
           </p:nvPr>
         </p:nvSpPr>
         <p:spPr>
@@ -3280,12 +3434,12 @@
           </a:prstGeom>
         </p:spPr>
         <p:txBody>
-          <a:bodyPr anchorCtr="0" anchor="t" bIns="91425" lIns="91425" spcFirstLastPara="1" rIns="91425" wrap="square" tIns="91425">
+          <a:bodyPr spcFirstLastPara="1" wrap="square" lIns="91425" tIns="91425" rIns="91425" bIns="91425" anchor="t" anchorCtr="0">
             <a:noAutofit/>
           </a:bodyPr>
           <a:lstStyle/>
           <a:p>
-            <a:pPr indent="0" lvl="0" marL="0" rtl="0" algn="l">
+            <a:pPr marL="0" lvl="0" indent="0" algn="l" rtl="0">
               <a:spcBef>
                 <a:spcPts val="0"/>
               </a:spcBef>
@@ -3294,9 +3448,6 @@
               </a:spcAft>
               <a:buNone/>
             </a:pPr>
-            <a:r>
-              <a:t/>
-            </a:r>
             <a:endParaRPr/>
           </a:p>
         </p:txBody>
@@ -3310,11 +3461,11 @@
 </file>
 
 <file path=ppt/notesSlides/notesSlide33.xml><?xml version="1.0" encoding="utf-8"?>
-<p:notes xmlns:a="http://schemas.openxmlformats.org/drawingml/2006/main" xmlns:r="http://schemas.openxmlformats.org/officeDocument/2006/relationships" xmlns:mc="http://schemas.openxmlformats.org/markup-compatibility/2006" xmlns:mv="urn:schemas-microsoft-com:mac:vml" xmlns:p="http://schemas.openxmlformats.org/presentationml/2006/main" xmlns:c="http://schemas.openxmlformats.org/drawingml/2006/chart" xmlns:dgm="http://schemas.openxmlformats.org/drawingml/2006/diagram" xmlns:o="urn:schemas-microsoft-com:office:office" xmlns:v="urn:schemas-microsoft-com:vml" xmlns:pvml="urn:schemas-microsoft-com:office:powerpoint" xmlns:com="http://schemas.openxmlformats.org/drawingml/2006/compatibility" xmlns:p14="http://schemas.microsoft.com/office/powerpoint/2010/main" xmlns:p15="http://schemas.microsoft.com/office/powerpoint/2012/main" xmlns:ahyp="http://schemas.microsoft.com/office/drawing/2018/hyperlinkcolor" showMasterPhAnim="0" showMasterSp="0">
+<p:notes xmlns:a="http://schemas.openxmlformats.org/drawingml/2006/main" xmlns:r="http://schemas.openxmlformats.org/officeDocument/2006/relationships" xmlns:p="http://schemas.openxmlformats.org/presentationml/2006/main" showMasterSp="0" showMasterPhAnim="0">
   <p:cSld>
     <p:spTree>
       <p:nvGrpSpPr>
-        <p:cNvPr id="213" name="Shape 213"/>
+        <p:cNvPr id="1" name="Shape 213"/>
         <p:cNvGrpSpPr/>
         <p:nvPr/>
       </p:nvGrpSpPr>
@@ -3329,9 +3480,11 @@
       <p:sp>
         <p:nvSpPr>
           <p:cNvPr id="214" name="Google Shape;214;g6fc4d32752_0_335:notes"/>
-          <p:cNvSpPr/>
+          <p:cNvSpPr>
+            <a:spLocks noGrp="1" noRot="1" noChangeAspect="1"/>
+          </p:cNvSpPr>
           <p:nvPr>
-            <p:ph idx="2" type="sldImg"/>
+            <p:ph type="sldImg" idx="2"/>
           </p:nvPr>
         </p:nvSpPr>
         <p:spPr>
@@ -3340,9 +3493,13 @@
             <a:ext cx="6096000" cy="3429000"/>
           </a:xfrm>
           <a:custGeom>
-            <a:rect b="b" l="l" r="r" t="t"/>
+            <a:avLst/>
+            <a:gdLst/>
+            <a:ahLst/>
+            <a:cxnLst/>
+            <a:rect l="l" t="t" r="r" b="b"/>
             <a:pathLst>
-              <a:path extrusionOk="0" h="120000" w="120000">
+              <a:path w="120000" h="120000" extrusionOk="0">
                 <a:moveTo>
                   <a:pt x="0" y="0"/>
                 </a:moveTo>
@@ -3364,9 +3521,11 @@
       <p:sp>
         <p:nvSpPr>
           <p:cNvPr id="215" name="Google Shape;215;g6fc4d32752_0_335:notes"/>
-          <p:cNvSpPr txBox="1"/>
+          <p:cNvSpPr txBox="1">
+            <a:spLocks noGrp="1"/>
+          </p:cNvSpPr>
           <p:nvPr>
-            <p:ph idx="1" type="body"/>
+            <p:ph type="body" idx="1"/>
           </p:nvPr>
         </p:nvSpPr>
         <p:spPr>
@@ -3379,12 +3538,12 @@
           </a:prstGeom>
         </p:spPr>
         <p:txBody>
-          <a:bodyPr anchorCtr="0" anchor="t" bIns="91425" lIns="91425" spcFirstLastPara="1" rIns="91425" wrap="square" tIns="91425">
+          <a:bodyPr spcFirstLastPara="1" wrap="square" lIns="91425" tIns="91425" rIns="91425" bIns="91425" anchor="t" anchorCtr="0">
             <a:noAutofit/>
           </a:bodyPr>
           <a:lstStyle/>
           <a:p>
-            <a:pPr indent="0" lvl="0" marL="0" rtl="0" algn="l">
+            <a:pPr marL="0" lvl="0" indent="0" algn="l" rtl="0">
               <a:spcBef>
                 <a:spcPts val="0"/>
               </a:spcBef>
@@ -3393,9 +3552,6 @@
               </a:spcAft>
               <a:buNone/>
             </a:pPr>
-            <a:r>
-              <a:t/>
-            </a:r>
             <a:endParaRPr/>
           </a:p>
         </p:txBody>
@@ -3409,11 +3565,11 @@
 </file>
 
 <file path=ppt/notesSlides/notesSlide34.xml><?xml version="1.0" encoding="utf-8"?>
-<p:notes xmlns:a="http://schemas.openxmlformats.org/drawingml/2006/main" xmlns:r="http://schemas.openxmlformats.org/officeDocument/2006/relationships" xmlns:mc="http://schemas.openxmlformats.org/markup-compatibility/2006" xmlns:mv="urn:schemas-microsoft-com:mac:vml" xmlns:p="http://schemas.openxmlformats.org/presentationml/2006/main" xmlns:c="http://schemas.openxmlformats.org/drawingml/2006/chart" xmlns:dgm="http://schemas.openxmlformats.org/drawingml/2006/diagram" xmlns:o="urn:schemas-microsoft-com:office:office" xmlns:v="urn:schemas-microsoft-com:vml" xmlns:pvml="urn:schemas-microsoft-com:office:powerpoint" xmlns:com="http://schemas.openxmlformats.org/drawingml/2006/compatibility" xmlns:p14="http://schemas.microsoft.com/office/powerpoint/2010/main" xmlns:p15="http://schemas.microsoft.com/office/powerpoint/2012/main" xmlns:ahyp="http://schemas.microsoft.com/office/drawing/2018/hyperlinkcolor" showMasterPhAnim="0" showMasterSp="0">
+<p:notes xmlns:a="http://schemas.openxmlformats.org/drawingml/2006/main" xmlns:r="http://schemas.openxmlformats.org/officeDocument/2006/relationships" xmlns:p="http://schemas.openxmlformats.org/presentationml/2006/main" showMasterSp="0" showMasterPhAnim="0">
   <p:cSld>
     <p:spTree>
       <p:nvGrpSpPr>
-        <p:cNvPr id="218" name="Shape 218"/>
+        <p:cNvPr id="1" name="Shape 218"/>
         <p:cNvGrpSpPr/>
         <p:nvPr/>
       </p:nvGrpSpPr>
@@ -3428,9 +3584,11 @@
       <p:sp>
         <p:nvSpPr>
           <p:cNvPr id="219" name="Google Shape;219;g6fc4d32752_0_339:notes"/>
-          <p:cNvSpPr/>
+          <p:cNvSpPr>
+            <a:spLocks noGrp="1" noRot="1" noChangeAspect="1"/>
+          </p:cNvSpPr>
           <p:nvPr>
-            <p:ph idx="2" type="sldImg"/>
+            <p:ph type="sldImg" idx="2"/>
           </p:nvPr>
         </p:nvSpPr>
         <p:spPr>
@@ -3439,9 +3597,13 @@
             <a:ext cx="6096000" cy="3429000"/>
           </a:xfrm>
           <a:custGeom>
-            <a:rect b="b" l="l" r="r" t="t"/>
+            <a:avLst/>
+            <a:gdLst/>
+            <a:ahLst/>
+            <a:cxnLst/>
+            <a:rect l="l" t="t" r="r" b="b"/>
             <a:pathLst>
-              <a:path extrusionOk="0" h="120000" w="120000">
+              <a:path w="120000" h="120000" extrusionOk="0">
                 <a:moveTo>
                   <a:pt x="0" y="0"/>
                 </a:moveTo>
@@ -3463,9 +3625,11 @@
       <p:sp>
         <p:nvSpPr>
           <p:cNvPr id="220" name="Google Shape;220;g6fc4d32752_0_339:notes"/>
-          <p:cNvSpPr txBox="1"/>
+          <p:cNvSpPr txBox="1">
+            <a:spLocks noGrp="1"/>
+          </p:cNvSpPr>
           <p:nvPr>
-            <p:ph idx="1" type="body"/>
+            <p:ph type="body" idx="1"/>
           </p:nvPr>
         </p:nvSpPr>
         <p:spPr>
@@ -3478,12 +3642,12 @@
           </a:prstGeom>
         </p:spPr>
         <p:txBody>
-          <a:bodyPr anchorCtr="0" anchor="t" bIns="91425" lIns="91425" spcFirstLastPara="1" rIns="91425" wrap="square" tIns="91425">
+          <a:bodyPr spcFirstLastPara="1" wrap="square" lIns="91425" tIns="91425" rIns="91425" bIns="91425" anchor="t" anchorCtr="0">
             <a:noAutofit/>
           </a:bodyPr>
           <a:lstStyle/>
           <a:p>
-            <a:pPr indent="0" lvl="0" marL="0" rtl="0" algn="l">
+            <a:pPr marL="0" lvl="0" indent="0" algn="l" rtl="0">
               <a:spcBef>
                 <a:spcPts val="0"/>
               </a:spcBef>
@@ -3492,9 +3656,6 @@
               </a:spcAft>
               <a:buNone/>
             </a:pPr>
-            <a:r>
-              <a:t/>
-            </a:r>
             <a:endParaRPr/>
           </a:p>
         </p:txBody>
@@ -3508,11 +3669,11 @@
 </file>
 
 <file path=ppt/notesSlides/notesSlide35.xml><?xml version="1.0" encoding="utf-8"?>
-<p:notes xmlns:a="http://schemas.openxmlformats.org/drawingml/2006/main" xmlns:r="http://schemas.openxmlformats.org/officeDocument/2006/relationships" xmlns:mc="http://schemas.openxmlformats.org/markup-compatibility/2006" xmlns:mv="urn:schemas-microsoft-com:mac:vml" xmlns:p="http://schemas.openxmlformats.org/presentationml/2006/main" xmlns:c="http://schemas.openxmlformats.org/drawingml/2006/chart" xmlns:dgm="http://schemas.openxmlformats.org/drawingml/2006/diagram" xmlns:o="urn:schemas-microsoft-com:office:office" xmlns:v="urn:schemas-microsoft-com:vml" xmlns:pvml="urn:schemas-microsoft-com:office:powerpoint" xmlns:com="http://schemas.openxmlformats.org/drawingml/2006/compatibility" xmlns:p14="http://schemas.microsoft.com/office/powerpoint/2010/main" xmlns:p15="http://schemas.microsoft.com/office/powerpoint/2012/main" xmlns:ahyp="http://schemas.microsoft.com/office/drawing/2018/hyperlinkcolor" showMasterPhAnim="0" showMasterSp="0">
+<p:notes xmlns:a="http://schemas.openxmlformats.org/drawingml/2006/main" xmlns:r="http://schemas.openxmlformats.org/officeDocument/2006/relationships" xmlns:p="http://schemas.openxmlformats.org/presentationml/2006/main" showMasterSp="0" showMasterPhAnim="0">
   <p:cSld>
     <p:spTree>
       <p:nvGrpSpPr>
-        <p:cNvPr id="223" name="Shape 223"/>
+        <p:cNvPr id="1" name="Shape 223"/>
         <p:cNvGrpSpPr/>
         <p:nvPr/>
       </p:nvGrpSpPr>
@@ -3527,9 +3688,11 @@
       <p:sp>
         <p:nvSpPr>
           <p:cNvPr id="224" name="Google Shape;224;g6fc4d32752_0_343:notes"/>
-          <p:cNvSpPr/>
+          <p:cNvSpPr>
+            <a:spLocks noGrp="1" noRot="1" noChangeAspect="1"/>
+          </p:cNvSpPr>
           <p:nvPr>
-            <p:ph idx="2" type="sldImg"/>
+            <p:ph type="sldImg" idx="2"/>
           </p:nvPr>
         </p:nvSpPr>
         <p:spPr>
@@ -3538,9 +3701,13 @@
             <a:ext cx="6096000" cy="3429000"/>
           </a:xfrm>
           <a:custGeom>
-            <a:rect b="b" l="l" r="r" t="t"/>
+            <a:avLst/>
+            <a:gdLst/>
+            <a:ahLst/>
+            <a:cxnLst/>
+            <a:rect l="l" t="t" r="r" b="b"/>
             <a:pathLst>
-              <a:path extrusionOk="0" h="120000" w="120000">
+              <a:path w="120000" h="120000" extrusionOk="0">
                 <a:moveTo>
                   <a:pt x="0" y="0"/>
                 </a:moveTo>
@@ -3562,9 +3729,11 @@
       <p:sp>
         <p:nvSpPr>
           <p:cNvPr id="225" name="Google Shape;225;g6fc4d32752_0_343:notes"/>
-          <p:cNvSpPr txBox="1"/>
+          <p:cNvSpPr txBox="1">
+            <a:spLocks noGrp="1"/>
+          </p:cNvSpPr>
           <p:nvPr>
-            <p:ph idx="1" type="body"/>
+            <p:ph type="body" idx="1"/>
           </p:nvPr>
         </p:nvSpPr>
         <p:spPr>
@@ -3577,12 +3746,12 @@
           </a:prstGeom>
         </p:spPr>
         <p:txBody>
-          <a:bodyPr anchorCtr="0" anchor="t" bIns="91425" lIns="91425" spcFirstLastPara="1" rIns="91425" wrap="square" tIns="91425">
+          <a:bodyPr spcFirstLastPara="1" wrap="square" lIns="91425" tIns="91425" rIns="91425" bIns="91425" anchor="t" anchorCtr="0">
             <a:noAutofit/>
           </a:bodyPr>
           <a:lstStyle/>
           <a:p>
-            <a:pPr indent="0" lvl="0" marL="0" rtl="0" algn="l">
+            <a:pPr marL="0" lvl="0" indent="0" algn="l" rtl="0">
               <a:spcBef>
                 <a:spcPts val="0"/>
               </a:spcBef>
@@ -3591,9 +3760,6 @@
               </a:spcAft>
               <a:buNone/>
             </a:pPr>
-            <a:r>
-              <a:t/>
-            </a:r>
             <a:endParaRPr/>
           </a:p>
         </p:txBody>
@@ -3607,11 +3773,11 @@
 </file>
 
 <file path=ppt/notesSlides/notesSlide36.xml><?xml version="1.0" encoding="utf-8"?>
-<p:notes xmlns:a="http://schemas.openxmlformats.org/drawingml/2006/main" xmlns:r="http://schemas.openxmlformats.org/officeDocument/2006/relationships" xmlns:mc="http://schemas.openxmlformats.org/markup-compatibility/2006" xmlns:mv="urn:schemas-microsoft-com:mac:vml" xmlns:p="http://schemas.openxmlformats.org/presentationml/2006/main" xmlns:c="http://schemas.openxmlformats.org/drawingml/2006/chart" xmlns:dgm="http://schemas.openxmlformats.org/drawingml/2006/diagram" xmlns:o="urn:schemas-microsoft-com:office:office" xmlns:v="urn:schemas-microsoft-com:vml" xmlns:pvml="urn:schemas-microsoft-com:office:powerpoint" xmlns:com="http://schemas.openxmlformats.org/drawingml/2006/compatibility" xmlns:p14="http://schemas.microsoft.com/office/powerpoint/2010/main" xmlns:p15="http://schemas.microsoft.com/office/powerpoint/2012/main" xmlns:ahyp="http://schemas.microsoft.com/office/drawing/2018/hyperlinkcolor" showMasterPhAnim="0" showMasterSp="0">
+<p:notes xmlns:a="http://schemas.openxmlformats.org/drawingml/2006/main" xmlns:r="http://schemas.openxmlformats.org/officeDocument/2006/relationships" xmlns:p="http://schemas.openxmlformats.org/presentationml/2006/main" showMasterSp="0" showMasterPhAnim="0">
   <p:cSld>
     <p:spTree>
       <p:nvGrpSpPr>
-        <p:cNvPr id="228" name="Shape 228"/>
+        <p:cNvPr id="1" name="Shape 228"/>
         <p:cNvGrpSpPr/>
         <p:nvPr/>
       </p:nvGrpSpPr>
@@ -3626,9 +3792,11 @@
       <p:sp>
         <p:nvSpPr>
           <p:cNvPr id="229" name="Google Shape;229;g6fc4d32752_0_348:notes"/>
-          <p:cNvSpPr/>
+          <p:cNvSpPr>
+            <a:spLocks noGrp="1" noRot="1" noChangeAspect="1"/>
+          </p:cNvSpPr>
           <p:nvPr>
-            <p:ph idx="2" type="sldImg"/>
+            <p:ph type="sldImg" idx="2"/>
           </p:nvPr>
         </p:nvSpPr>
         <p:spPr>
@@ -3637,9 +3805,13 @@
             <a:ext cx="6096000" cy="3429000"/>
           </a:xfrm>
           <a:custGeom>
-            <a:rect b="b" l="l" r="r" t="t"/>
+            <a:avLst/>
+            <a:gdLst/>
+            <a:ahLst/>
+            <a:cxnLst/>
+            <a:rect l="l" t="t" r="r" b="b"/>
             <a:pathLst>
-              <a:path extrusionOk="0" h="120000" w="120000">
+              <a:path w="120000" h="120000" extrusionOk="0">
                 <a:moveTo>
                   <a:pt x="0" y="0"/>
                 </a:moveTo>
@@ -3661,9 +3833,11 @@
       <p:sp>
         <p:nvSpPr>
           <p:cNvPr id="230" name="Google Shape;230;g6fc4d32752_0_348:notes"/>
-          <p:cNvSpPr txBox="1"/>
+          <p:cNvSpPr txBox="1">
+            <a:spLocks noGrp="1"/>
+          </p:cNvSpPr>
           <p:nvPr>
-            <p:ph idx="1" type="body"/>
+            <p:ph type="body" idx="1"/>
           </p:nvPr>
         </p:nvSpPr>
         <p:spPr>
@@ -3676,12 +3850,12 @@
           </a:prstGeom>
         </p:spPr>
         <p:txBody>
-          <a:bodyPr anchorCtr="0" anchor="t" bIns="91425" lIns="91425" spcFirstLastPara="1" rIns="91425" wrap="square" tIns="91425">
+          <a:bodyPr spcFirstLastPara="1" wrap="square" lIns="91425" tIns="91425" rIns="91425" bIns="91425" anchor="t" anchorCtr="0">
             <a:noAutofit/>
           </a:bodyPr>
           <a:lstStyle/>
           <a:p>
-            <a:pPr indent="0" lvl="0" marL="0" rtl="0" algn="l">
+            <a:pPr marL="0" lvl="0" indent="0" algn="l" rtl="0">
               <a:spcBef>
                 <a:spcPts val="0"/>
               </a:spcBef>
@@ -3690,9 +3864,6 @@
               </a:spcAft>
               <a:buNone/>
             </a:pPr>
-            <a:r>
-              <a:t/>
-            </a:r>
             <a:endParaRPr/>
           </a:p>
         </p:txBody>
@@ -3706,11 +3877,11 @@
 </file>
 
 <file path=ppt/notesSlides/notesSlide37.xml><?xml version="1.0" encoding="utf-8"?>
-<p:notes xmlns:a="http://schemas.openxmlformats.org/drawingml/2006/main" xmlns:r="http://schemas.openxmlformats.org/officeDocument/2006/relationships" xmlns:mc="http://schemas.openxmlformats.org/markup-compatibility/2006" xmlns:mv="urn:schemas-microsoft-com:mac:vml" xmlns:p="http://schemas.openxmlformats.org/presentationml/2006/main" xmlns:c="http://schemas.openxmlformats.org/drawingml/2006/chart" xmlns:dgm="http://schemas.openxmlformats.org/drawingml/2006/diagram" xmlns:o="urn:schemas-microsoft-com:office:office" xmlns:v="urn:schemas-microsoft-com:vml" xmlns:pvml="urn:schemas-microsoft-com:office:powerpoint" xmlns:com="http://schemas.openxmlformats.org/drawingml/2006/compatibility" xmlns:p14="http://schemas.microsoft.com/office/powerpoint/2010/main" xmlns:p15="http://schemas.microsoft.com/office/powerpoint/2012/main" xmlns:ahyp="http://schemas.microsoft.com/office/drawing/2018/hyperlinkcolor" showMasterPhAnim="0" showMasterSp="0">
+<p:notes xmlns:a="http://schemas.openxmlformats.org/drawingml/2006/main" xmlns:r="http://schemas.openxmlformats.org/officeDocument/2006/relationships" xmlns:p="http://schemas.openxmlformats.org/presentationml/2006/main" showMasterSp="0" showMasterPhAnim="0">
   <p:cSld>
     <p:spTree>
       <p:nvGrpSpPr>
-        <p:cNvPr id="233" name="Shape 233"/>
+        <p:cNvPr id="1" name="Shape 233"/>
         <p:cNvGrpSpPr/>
         <p:nvPr/>
       </p:nvGrpSpPr>
@@ -3725,9 +3896,11 @@
       <p:sp>
         <p:nvSpPr>
           <p:cNvPr id="234" name="Google Shape;234;g6fc4d32752_0_353:notes"/>
-          <p:cNvSpPr/>
+          <p:cNvSpPr>
+            <a:spLocks noGrp="1" noRot="1" noChangeAspect="1"/>
+          </p:cNvSpPr>
           <p:nvPr>
-            <p:ph idx="2" type="sldImg"/>
+            <p:ph type="sldImg" idx="2"/>
           </p:nvPr>
         </p:nvSpPr>
         <p:spPr>
@@ -3736,9 +3909,13 @@
             <a:ext cx="6096000" cy="3429000"/>
           </a:xfrm>
           <a:custGeom>
-            <a:rect b="b" l="l" r="r" t="t"/>
+            <a:avLst/>
+            <a:gdLst/>
+            <a:ahLst/>
+            <a:cxnLst/>
+            <a:rect l="l" t="t" r="r" b="b"/>
             <a:pathLst>
-              <a:path extrusionOk="0" h="120000" w="120000">
+              <a:path w="120000" h="120000" extrusionOk="0">
                 <a:moveTo>
                   <a:pt x="0" y="0"/>
                 </a:moveTo>
@@ -3760,9 +3937,11 @@
       <p:sp>
         <p:nvSpPr>
           <p:cNvPr id="235" name="Google Shape;235;g6fc4d32752_0_353:notes"/>
-          <p:cNvSpPr txBox="1"/>
+          <p:cNvSpPr txBox="1">
+            <a:spLocks noGrp="1"/>
+          </p:cNvSpPr>
           <p:nvPr>
-            <p:ph idx="1" type="body"/>
+            <p:ph type="body" idx="1"/>
           </p:nvPr>
         </p:nvSpPr>
         <p:spPr>
@@ -3775,12 +3954,12 @@
           </a:prstGeom>
         </p:spPr>
         <p:txBody>
-          <a:bodyPr anchorCtr="0" anchor="t" bIns="91425" lIns="91425" spcFirstLastPara="1" rIns="91425" wrap="square" tIns="91425">
+          <a:bodyPr spcFirstLastPara="1" wrap="square" lIns="91425" tIns="91425" rIns="91425" bIns="91425" anchor="t" anchorCtr="0">
             <a:noAutofit/>
           </a:bodyPr>
           <a:lstStyle/>
           <a:p>
-            <a:pPr indent="0" lvl="0" marL="0" rtl="0" algn="l">
+            <a:pPr marL="0" lvl="0" indent="0" algn="l" rtl="0">
               <a:spcBef>
                 <a:spcPts val="0"/>
               </a:spcBef>
@@ -3789,9 +3968,6 @@
               </a:spcAft>
               <a:buNone/>
             </a:pPr>
-            <a:r>
-              <a:t/>
-            </a:r>
             <a:endParaRPr/>
           </a:p>
         </p:txBody>
@@ -3805,11 +3981,11 @@
 </file>
 
 <file path=ppt/notesSlides/notesSlide38.xml><?xml version="1.0" encoding="utf-8"?>
-<p:notes xmlns:a="http://schemas.openxmlformats.org/drawingml/2006/main" xmlns:r="http://schemas.openxmlformats.org/officeDocument/2006/relationships" xmlns:mc="http://schemas.openxmlformats.org/markup-compatibility/2006" xmlns:mv="urn:schemas-microsoft-com:mac:vml" xmlns:p="http://schemas.openxmlformats.org/presentationml/2006/main" xmlns:c="http://schemas.openxmlformats.org/drawingml/2006/chart" xmlns:dgm="http://schemas.openxmlformats.org/drawingml/2006/diagram" xmlns:o="urn:schemas-microsoft-com:office:office" xmlns:v="urn:schemas-microsoft-com:vml" xmlns:pvml="urn:schemas-microsoft-com:office:powerpoint" xmlns:com="http://schemas.openxmlformats.org/drawingml/2006/compatibility" xmlns:p14="http://schemas.microsoft.com/office/powerpoint/2010/main" xmlns:p15="http://schemas.microsoft.com/office/powerpoint/2012/main" xmlns:ahyp="http://schemas.microsoft.com/office/drawing/2018/hyperlinkcolor" showMasterPhAnim="0" showMasterSp="0">
+<p:notes xmlns:a="http://schemas.openxmlformats.org/drawingml/2006/main" xmlns:r="http://schemas.openxmlformats.org/officeDocument/2006/relationships" xmlns:p="http://schemas.openxmlformats.org/presentationml/2006/main" showMasterSp="0" showMasterPhAnim="0">
   <p:cSld>
     <p:spTree>
       <p:nvGrpSpPr>
-        <p:cNvPr id="238" name="Shape 238"/>
+        <p:cNvPr id="1" name="Shape 238"/>
         <p:cNvGrpSpPr/>
         <p:nvPr/>
       </p:nvGrpSpPr>
@@ -3824,9 +4000,11 @@
       <p:sp>
         <p:nvSpPr>
           <p:cNvPr id="239" name="Google Shape;239;g6fc4d32752_0_357:notes"/>
-          <p:cNvSpPr/>
+          <p:cNvSpPr>
+            <a:spLocks noGrp="1" noRot="1" noChangeAspect="1"/>
+          </p:cNvSpPr>
           <p:nvPr>
-            <p:ph idx="2" type="sldImg"/>
+            <p:ph type="sldImg" idx="2"/>
           </p:nvPr>
         </p:nvSpPr>
         <p:spPr>
@@ -3835,9 +4013,13 @@
             <a:ext cx="6096000" cy="3429000"/>
           </a:xfrm>
           <a:custGeom>
-            <a:rect b="b" l="l" r="r" t="t"/>
+            <a:avLst/>
+            <a:gdLst/>
+            <a:ahLst/>
+            <a:cxnLst/>
+            <a:rect l="l" t="t" r="r" b="b"/>
             <a:pathLst>
-              <a:path extrusionOk="0" h="120000" w="120000">
+              <a:path w="120000" h="120000" extrusionOk="0">
                 <a:moveTo>
                   <a:pt x="0" y="0"/>
                 </a:moveTo>
@@ -3859,9 +4041,11 @@
       <p:sp>
         <p:nvSpPr>
           <p:cNvPr id="240" name="Google Shape;240;g6fc4d32752_0_357:notes"/>
-          <p:cNvSpPr txBox="1"/>
+          <p:cNvSpPr txBox="1">
+            <a:spLocks noGrp="1"/>
+          </p:cNvSpPr>
           <p:nvPr>
-            <p:ph idx="1" type="body"/>
+            <p:ph type="body" idx="1"/>
           </p:nvPr>
         </p:nvSpPr>
         <p:spPr>
@@ -3874,12 +4058,12 @@
           </a:prstGeom>
         </p:spPr>
         <p:txBody>
-          <a:bodyPr anchorCtr="0" anchor="t" bIns="91425" lIns="91425" spcFirstLastPara="1" rIns="91425" wrap="square" tIns="91425">
+          <a:bodyPr spcFirstLastPara="1" wrap="square" lIns="91425" tIns="91425" rIns="91425" bIns="91425" anchor="t" anchorCtr="0">
             <a:noAutofit/>
           </a:bodyPr>
           <a:lstStyle/>
           <a:p>
-            <a:pPr indent="0" lvl="0" marL="0" rtl="0" algn="l">
+            <a:pPr marL="0" lvl="0" indent="0" algn="l" rtl="0">
               <a:spcBef>
                 <a:spcPts val="0"/>
               </a:spcBef>
@@ -3888,9 +4072,6 @@
               </a:spcAft>
               <a:buNone/>
             </a:pPr>
-            <a:r>
-              <a:t/>
-            </a:r>
             <a:endParaRPr/>
           </a:p>
         </p:txBody>
@@ -3904,11 +4085,11 @@
 </file>
 
 <file path=ppt/notesSlides/notesSlide39.xml><?xml version="1.0" encoding="utf-8"?>
-<p:notes xmlns:a="http://schemas.openxmlformats.org/drawingml/2006/main" xmlns:r="http://schemas.openxmlformats.org/officeDocument/2006/relationships" xmlns:mc="http://schemas.openxmlformats.org/markup-compatibility/2006" xmlns:mv="urn:schemas-microsoft-com:mac:vml" xmlns:p="http://schemas.openxmlformats.org/presentationml/2006/main" xmlns:c="http://schemas.openxmlformats.org/drawingml/2006/chart" xmlns:dgm="http://schemas.openxmlformats.org/drawingml/2006/diagram" xmlns:o="urn:schemas-microsoft-com:office:office" xmlns:v="urn:schemas-microsoft-com:vml" xmlns:pvml="urn:schemas-microsoft-com:office:powerpoint" xmlns:com="http://schemas.openxmlformats.org/drawingml/2006/compatibility" xmlns:p14="http://schemas.microsoft.com/office/powerpoint/2010/main" xmlns:p15="http://schemas.microsoft.com/office/powerpoint/2012/main" xmlns:ahyp="http://schemas.microsoft.com/office/drawing/2018/hyperlinkcolor" showMasterPhAnim="0" showMasterSp="0">
+<p:notes xmlns:a="http://schemas.openxmlformats.org/drawingml/2006/main" xmlns:r="http://schemas.openxmlformats.org/officeDocument/2006/relationships" xmlns:p="http://schemas.openxmlformats.org/presentationml/2006/main" showMasterSp="0" showMasterPhAnim="0">
   <p:cSld>
     <p:spTree>
       <p:nvGrpSpPr>
-        <p:cNvPr id="243" name="Shape 243"/>
+        <p:cNvPr id="1" name="Shape 243"/>
         <p:cNvGrpSpPr/>
         <p:nvPr/>
       </p:nvGrpSpPr>
@@ -3923,9 +4104,11 @@
       <p:sp>
         <p:nvSpPr>
           <p:cNvPr id="244" name="Google Shape;244;g6fc4d32752_0_361:notes"/>
-          <p:cNvSpPr/>
+          <p:cNvSpPr>
+            <a:spLocks noGrp="1" noRot="1" noChangeAspect="1"/>
+          </p:cNvSpPr>
           <p:nvPr>
-            <p:ph idx="2" type="sldImg"/>
+            <p:ph type="sldImg" idx="2"/>
           </p:nvPr>
         </p:nvSpPr>
         <p:spPr>
@@ -3934,9 +4117,13 @@
             <a:ext cx="6096000" cy="3429000"/>
           </a:xfrm>
           <a:custGeom>
-            <a:rect b="b" l="l" r="r" t="t"/>
+            <a:avLst/>
+            <a:gdLst/>
+            <a:ahLst/>
+            <a:cxnLst/>
+            <a:rect l="l" t="t" r="r" b="b"/>
             <a:pathLst>
-              <a:path extrusionOk="0" h="120000" w="120000">
+              <a:path w="120000" h="120000" extrusionOk="0">
                 <a:moveTo>
                   <a:pt x="0" y="0"/>
                 </a:moveTo>
@@ -3958,9 +4145,11 @@
       <p:sp>
         <p:nvSpPr>
           <p:cNvPr id="245" name="Google Shape;245;g6fc4d32752_0_361:notes"/>
-          <p:cNvSpPr txBox="1"/>
+          <p:cNvSpPr txBox="1">
+            <a:spLocks noGrp="1"/>
+          </p:cNvSpPr>
           <p:nvPr>
-            <p:ph idx="1" type="body"/>
+            <p:ph type="body" idx="1"/>
           </p:nvPr>
         </p:nvSpPr>
         <p:spPr>
@@ -3973,12 +4162,12 @@
           </a:prstGeom>
         </p:spPr>
         <p:txBody>
-          <a:bodyPr anchorCtr="0" anchor="t" bIns="91425" lIns="91425" spcFirstLastPara="1" rIns="91425" wrap="square" tIns="91425">
+          <a:bodyPr spcFirstLastPara="1" wrap="square" lIns="91425" tIns="91425" rIns="91425" bIns="91425" anchor="t" anchorCtr="0">
             <a:noAutofit/>
           </a:bodyPr>
           <a:lstStyle/>
           <a:p>
-            <a:pPr indent="0" lvl="0" marL="0" rtl="0" algn="l">
+            <a:pPr marL="0" lvl="0" indent="0" algn="l" rtl="0">
               <a:spcBef>
                 <a:spcPts val="0"/>
               </a:spcBef>
@@ -3987,9 +4176,6 @@
               </a:spcAft>
               <a:buNone/>
             </a:pPr>
-            <a:r>
-              <a:t/>
-            </a:r>
             <a:endParaRPr/>
           </a:p>
         </p:txBody>
@@ -4003,11 +4189,11 @@
 </file>
 
 <file path=ppt/notesSlides/notesSlide4.xml><?xml version="1.0" encoding="utf-8"?>
-<p:notes xmlns:a="http://schemas.openxmlformats.org/drawingml/2006/main" xmlns:r="http://schemas.openxmlformats.org/officeDocument/2006/relationships" xmlns:mc="http://schemas.openxmlformats.org/markup-compatibility/2006" xmlns:mv="urn:schemas-microsoft-com:mac:vml" xmlns:p="http://schemas.openxmlformats.org/presentationml/2006/main" xmlns:c="http://schemas.openxmlformats.org/drawingml/2006/chart" xmlns:dgm="http://schemas.openxmlformats.org/drawingml/2006/diagram" xmlns:o="urn:schemas-microsoft-com:office:office" xmlns:v="urn:schemas-microsoft-com:vml" xmlns:pvml="urn:schemas-microsoft-com:office:powerpoint" xmlns:com="http://schemas.openxmlformats.org/drawingml/2006/compatibility" xmlns:p14="http://schemas.microsoft.com/office/powerpoint/2010/main" xmlns:p15="http://schemas.microsoft.com/office/powerpoint/2012/main" xmlns:ahyp="http://schemas.microsoft.com/office/drawing/2018/hyperlinkcolor" showMasterPhAnim="0" showMasterSp="0">
+<p:notes xmlns:a="http://schemas.openxmlformats.org/drawingml/2006/main" xmlns:r="http://schemas.openxmlformats.org/officeDocument/2006/relationships" xmlns:p="http://schemas.openxmlformats.org/presentationml/2006/main" showMasterSp="0" showMasterPhAnim="0">
   <p:cSld>
     <p:spTree>
       <p:nvGrpSpPr>
-        <p:cNvPr id="66" name="Shape 66"/>
+        <p:cNvPr id="1" name="Shape 66"/>
         <p:cNvGrpSpPr/>
         <p:nvPr/>
       </p:nvGrpSpPr>
@@ -4022,9 +4208,11 @@
       <p:sp>
         <p:nvSpPr>
           <p:cNvPr id="67" name="Google Shape;67;g6fc4d32752_0_4:notes"/>
-          <p:cNvSpPr/>
+          <p:cNvSpPr>
+            <a:spLocks noGrp="1" noRot="1" noChangeAspect="1"/>
+          </p:cNvSpPr>
           <p:nvPr>
-            <p:ph idx="2" type="sldImg"/>
+            <p:ph type="sldImg" idx="2"/>
           </p:nvPr>
         </p:nvSpPr>
         <p:spPr>
@@ -4033,9 +4221,13 @@
             <a:ext cx="6096000" cy="3429000"/>
           </a:xfrm>
           <a:custGeom>
-            <a:rect b="b" l="l" r="r" t="t"/>
+            <a:avLst/>
+            <a:gdLst/>
+            <a:ahLst/>
+            <a:cxnLst/>
+            <a:rect l="l" t="t" r="r" b="b"/>
             <a:pathLst>
-              <a:path extrusionOk="0" h="120000" w="120000">
+              <a:path w="120000" h="120000" extrusionOk="0">
                 <a:moveTo>
                   <a:pt x="0" y="0"/>
                 </a:moveTo>
@@ -4057,9 +4249,11 @@
       <p:sp>
         <p:nvSpPr>
           <p:cNvPr id="68" name="Google Shape;68;g6fc4d32752_0_4:notes"/>
-          <p:cNvSpPr txBox="1"/>
+          <p:cNvSpPr txBox="1">
+            <a:spLocks noGrp="1"/>
+          </p:cNvSpPr>
           <p:nvPr>
-            <p:ph idx="1" type="body"/>
+            <p:ph type="body" idx="1"/>
           </p:nvPr>
         </p:nvSpPr>
         <p:spPr>
@@ -4072,12 +4266,12 @@
           </a:prstGeom>
         </p:spPr>
         <p:txBody>
-          <a:bodyPr anchorCtr="0" anchor="t" bIns="91425" lIns="91425" spcFirstLastPara="1" rIns="91425" wrap="square" tIns="91425">
+          <a:bodyPr spcFirstLastPara="1" wrap="square" lIns="91425" tIns="91425" rIns="91425" bIns="91425" anchor="t" anchorCtr="0">
             <a:noAutofit/>
           </a:bodyPr>
           <a:lstStyle/>
           <a:p>
-            <a:pPr indent="0" lvl="0" marL="0" rtl="0" algn="l">
+            <a:pPr marL="0" lvl="0" indent="0" algn="l" rtl="0">
               <a:spcBef>
                 <a:spcPts val="0"/>
               </a:spcBef>
@@ -4086,9 +4280,6 @@
               </a:spcAft>
               <a:buNone/>
             </a:pPr>
-            <a:r>
-              <a:t/>
-            </a:r>
             <a:endParaRPr/>
           </a:p>
         </p:txBody>
@@ -4102,11 +4293,11 @@
 </file>
 
 <file path=ppt/notesSlides/notesSlide40.xml><?xml version="1.0" encoding="utf-8"?>
-<p:notes xmlns:a="http://schemas.openxmlformats.org/drawingml/2006/main" xmlns:r="http://schemas.openxmlformats.org/officeDocument/2006/relationships" xmlns:mc="http://schemas.openxmlformats.org/markup-compatibility/2006" xmlns:mv="urn:schemas-microsoft-com:mac:vml" xmlns:p="http://schemas.openxmlformats.org/presentationml/2006/main" xmlns:c="http://schemas.openxmlformats.org/drawingml/2006/chart" xmlns:dgm="http://schemas.openxmlformats.org/drawingml/2006/diagram" xmlns:o="urn:schemas-microsoft-com:office:office" xmlns:v="urn:schemas-microsoft-com:vml" xmlns:pvml="urn:schemas-microsoft-com:office:powerpoint" xmlns:com="http://schemas.openxmlformats.org/drawingml/2006/compatibility" xmlns:p14="http://schemas.microsoft.com/office/powerpoint/2010/main" xmlns:p15="http://schemas.microsoft.com/office/powerpoint/2012/main" xmlns:ahyp="http://schemas.microsoft.com/office/drawing/2018/hyperlinkcolor" showMasterPhAnim="0" showMasterSp="0">
+<p:notes xmlns:a="http://schemas.openxmlformats.org/drawingml/2006/main" xmlns:r="http://schemas.openxmlformats.org/officeDocument/2006/relationships" xmlns:p="http://schemas.openxmlformats.org/presentationml/2006/main" showMasterSp="0" showMasterPhAnim="0">
   <p:cSld>
     <p:spTree>
       <p:nvGrpSpPr>
-        <p:cNvPr id="248" name="Shape 248"/>
+        <p:cNvPr id="1" name="Shape 248"/>
         <p:cNvGrpSpPr/>
         <p:nvPr/>
       </p:nvGrpSpPr>
@@ -4121,9 +4312,11 @@
       <p:sp>
         <p:nvSpPr>
           <p:cNvPr id="249" name="Google Shape;249;g6fc4d32752_0_365:notes"/>
-          <p:cNvSpPr/>
+          <p:cNvSpPr>
+            <a:spLocks noGrp="1" noRot="1" noChangeAspect="1"/>
+          </p:cNvSpPr>
           <p:nvPr>
-            <p:ph idx="2" type="sldImg"/>
+            <p:ph type="sldImg" idx="2"/>
           </p:nvPr>
         </p:nvSpPr>
         <p:spPr>
@@ -4132,9 +4325,13 @@
             <a:ext cx="6096000" cy="3429000"/>
           </a:xfrm>
           <a:custGeom>
-            <a:rect b="b" l="l" r="r" t="t"/>
+            <a:avLst/>
+            <a:gdLst/>
+            <a:ahLst/>
+            <a:cxnLst/>
+            <a:rect l="l" t="t" r="r" b="b"/>
             <a:pathLst>
-              <a:path extrusionOk="0" h="120000" w="120000">
+              <a:path w="120000" h="120000" extrusionOk="0">
                 <a:moveTo>
                   <a:pt x="0" y="0"/>
                 </a:moveTo>
@@ -4156,9 +4353,11 @@
       <p:sp>
         <p:nvSpPr>
           <p:cNvPr id="250" name="Google Shape;250;g6fc4d32752_0_365:notes"/>
-          <p:cNvSpPr txBox="1"/>
+          <p:cNvSpPr txBox="1">
+            <a:spLocks noGrp="1"/>
+          </p:cNvSpPr>
           <p:nvPr>
-            <p:ph idx="1" type="body"/>
+            <p:ph type="body" idx="1"/>
           </p:nvPr>
         </p:nvSpPr>
         <p:spPr>
@@ -4171,12 +4370,12 @@
           </a:prstGeom>
         </p:spPr>
         <p:txBody>
-          <a:bodyPr anchorCtr="0" anchor="t" bIns="91425" lIns="91425" spcFirstLastPara="1" rIns="91425" wrap="square" tIns="91425">
+          <a:bodyPr spcFirstLastPara="1" wrap="square" lIns="91425" tIns="91425" rIns="91425" bIns="91425" anchor="t" anchorCtr="0">
             <a:noAutofit/>
           </a:bodyPr>
           <a:lstStyle/>
           <a:p>
-            <a:pPr indent="0" lvl="0" marL="0" rtl="0" algn="l">
+            <a:pPr marL="0" lvl="0" indent="0" algn="l" rtl="0">
               <a:spcBef>
                 <a:spcPts val="0"/>
               </a:spcBef>
@@ -4185,108 +4384,6 @@
               </a:spcAft>
               <a:buNone/>
             </a:pPr>
-            <a:r>
-              <a:t/>
-            </a:r>
-            <a:endParaRPr/>
-          </a:p>
-        </p:txBody>
-      </p:sp>
-    </p:spTree>
-  </p:cSld>
-  <p:clrMapOvr>
-    <a:masterClrMapping/>
-  </p:clrMapOvr>
-</p:notes>
-</file>
-
-<file path=ppt/notesSlides/notesSlide41.xml><?xml version="1.0" encoding="utf-8"?>
-<p:notes xmlns:a="http://schemas.openxmlformats.org/drawingml/2006/main" xmlns:r="http://schemas.openxmlformats.org/officeDocument/2006/relationships" xmlns:mc="http://schemas.openxmlformats.org/markup-compatibility/2006" xmlns:mv="urn:schemas-microsoft-com:mac:vml" xmlns:p="http://schemas.openxmlformats.org/presentationml/2006/main" xmlns:c="http://schemas.openxmlformats.org/drawingml/2006/chart" xmlns:dgm="http://schemas.openxmlformats.org/drawingml/2006/diagram" xmlns:o="urn:schemas-microsoft-com:office:office" xmlns:v="urn:schemas-microsoft-com:vml" xmlns:pvml="urn:schemas-microsoft-com:office:powerpoint" xmlns:com="http://schemas.openxmlformats.org/drawingml/2006/compatibility" xmlns:p14="http://schemas.microsoft.com/office/powerpoint/2010/main" xmlns:p15="http://schemas.microsoft.com/office/powerpoint/2012/main" xmlns:ahyp="http://schemas.microsoft.com/office/drawing/2018/hyperlinkcolor" showMasterPhAnim="0" showMasterSp="0">
-  <p:cSld>
-    <p:spTree>
-      <p:nvGrpSpPr>
-        <p:cNvPr id="253" name="Shape 253"/>
-        <p:cNvGrpSpPr/>
-        <p:nvPr/>
-      </p:nvGrpSpPr>
-      <p:grpSpPr>
-        <a:xfrm>
-          <a:off x="0" y="0"/>
-          <a:ext cx="0" cy="0"/>
-          <a:chOff x="0" y="0"/>
-          <a:chExt cx="0" cy="0"/>
-        </a:xfrm>
-      </p:grpSpPr>
-      <p:sp>
-        <p:nvSpPr>
-          <p:cNvPr id="254" name="Google Shape;254;g622b22db76_0_138:notes"/>
-          <p:cNvSpPr/>
-          <p:nvPr>
-            <p:ph idx="2" type="sldImg"/>
-          </p:nvPr>
-        </p:nvSpPr>
-        <p:spPr>
-          <a:xfrm>
-            <a:off x="381300" y="685800"/>
-            <a:ext cx="6096000" cy="3429000"/>
-          </a:xfrm>
-          <a:custGeom>
-            <a:rect b="b" l="l" r="r" t="t"/>
-            <a:pathLst>
-              <a:path extrusionOk="0" h="120000" w="120000">
-                <a:moveTo>
-                  <a:pt x="0" y="0"/>
-                </a:moveTo>
-                <a:lnTo>
-                  <a:pt x="120000" y="0"/>
-                </a:lnTo>
-                <a:lnTo>
-                  <a:pt x="120000" y="120000"/>
-                </a:lnTo>
-                <a:lnTo>
-                  <a:pt x="0" y="120000"/>
-                </a:lnTo>
-                <a:close/>
-              </a:path>
-            </a:pathLst>
-          </a:custGeom>
-        </p:spPr>
-      </p:sp>
-      <p:sp>
-        <p:nvSpPr>
-          <p:cNvPr id="255" name="Google Shape;255;g622b22db76_0_138:notes"/>
-          <p:cNvSpPr txBox="1"/>
-          <p:nvPr>
-            <p:ph idx="1" type="body"/>
-          </p:nvPr>
-        </p:nvSpPr>
-        <p:spPr>
-          <a:xfrm>
-            <a:off x="685800" y="4343400"/>
-            <a:ext cx="5486400" cy="4114800"/>
-          </a:xfrm>
-          <a:prstGeom prst="rect">
-            <a:avLst/>
-          </a:prstGeom>
-        </p:spPr>
-        <p:txBody>
-          <a:bodyPr anchorCtr="0" anchor="t" bIns="91425" lIns="91425" spcFirstLastPara="1" rIns="91425" wrap="square" tIns="91425">
-            <a:noAutofit/>
-          </a:bodyPr>
-          <a:lstStyle/>
-          <a:p>
-            <a:pPr indent="0" lvl="0" marL="0" rtl="0" algn="l">
-              <a:spcBef>
-                <a:spcPts val="0"/>
-              </a:spcBef>
-              <a:spcAft>
-                <a:spcPts val="0"/>
-              </a:spcAft>
-              <a:buNone/>
-            </a:pPr>
-            <a:r>
-              <a:t/>
-            </a:r>
             <a:endParaRPr/>
           </a:p>
         </p:txBody>
@@ -4300,11 +4397,11 @@
 </file>
 
 <file path=ppt/notesSlides/notesSlide5.xml><?xml version="1.0" encoding="utf-8"?>
-<p:notes xmlns:a="http://schemas.openxmlformats.org/drawingml/2006/main" xmlns:r="http://schemas.openxmlformats.org/officeDocument/2006/relationships" xmlns:mc="http://schemas.openxmlformats.org/markup-compatibility/2006" xmlns:mv="urn:schemas-microsoft-com:mac:vml" xmlns:p="http://schemas.openxmlformats.org/presentationml/2006/main" xmlns:c="http://schemas.openxmlformats.org/drawingml/2006/chart" xmlns:dgm="http://schemas.openxmlformats.org/drawingml/2006/diagram" xmlns:o="urn:schemas-microsoft-com:office:office" xmlns:v="urn:schemas-microsoft-com:vml" xmlns:pvml="urn:schemas-microsoft-com:office:powerpoint" xmlns:com="http://schemas.openxmlformats.org/drawingml/2006/compatibility" xmlns:p14="http://schemas.microsoft.com/office/powerpoint/2010/main" xmlns:p15="http://schemas.microsoft.com/office/powerpoint/2012/main" xmlns:ahyp="http://schemas.microsoft.com/office/drawing/2018/hyperlinkcolor" showMasterPhAnim="0" showMasterSp="0">
+<p:notes xmlns:a="http://schemas.openxmlformats.org/drawingml/2006/main" xmlns:r="http://schemas.openxmlformats.org/officeDocument/2006/relationships" xmlns:p="http://schemas.openxmlformats.org/presentationml/2006/main" showMasterSp="0" showMasterPhAnim="0">
   <p:cSld>
     <p:spTree>
       <p:nvGrpSpPr>
-        <p:cNvPr id="71" name="Shape 71"/>
+        <p:cNvPr id="1" name="Shape 71"/>
         <p:cNvGrpSpPr/>
         <p:nvPr/>
       </p:nvGrpSpPr>
@@ -4319,20 +4416,26 @@
       <p:sp>
         <p:nvSpPr>
           <p:cNvPr id="72" name="Google Shape;72;g629292945b_0_52:notes"/>
-          <p:cNvSpPr/>
+          <p:cNvSpPr>
+            <a:spLocks noGrp="1" noRot="1" noChangeAspect="1"/>
+          </p:cNvSpPr>
           <p:nvPr>
-            <p:ph idx="2" type="sldImg"/>
+            <p:ph type="sldImg" idx="2"/>
           </p:nvPr>
         </p:nvSpPr>
         <p:spPr>
           <a:xfrm>
-            <a:off x="381300" y="685800"/>
+            <a:off x="381000" y="685800"/>
             <a:ext cx="6096000" cy="3429000"/>
           </a:xfrm>
           <a:custGeom>
-            <a:rect b="b" l="l" r="r" t="t"/>
+            <a:avLst/>
+            <a:gdLst/>
+            <a:ahLst/>
+            <a:cxnLst/>
+            <a:rect l="l" t="t" r="r" b="b"/>
             <a:pathLst>
-              <a:path extrusionOk="0" h="120000" w="120000">
+              <a:path w="120000" h="120000" extrusionOk="0">
                 <a:moveTo>
                   <a:pt x="0" y="0"/>
                 </a:moveTo>
@@ -4354,9 +4457,11 @@
       <p:sp>
         <p:nvSpPr>
           <p:cNvPr id="73" name="Google Shape;73;g629292945b_0_52:notes"/>
-          <p:cNvSpPr txBox="1"/>
+          <p:cNvSpPr txBox="1">
+            <a:spLocks noGrp="1"/>
+          </p:cNvSpPr>
           <p:nvPr>
-            <p:ph idx="1" type="body"/>
+            <p:ph type="body" idx="1"/>
           </p:nvPr>
         </p:nvSpPr>
         <p:spPr>
@@ -4369,12 +4474,12 @@
           </a:prstGeom>
         </p:spPr>
         <p:txBody>
-          <a:bodyPr anchorCtr="0" anchor="t" bIns="91425" lIns="91425" spcFirstLastPara="1" rIns="91425" wrap="square" tIns="91425">
+          <a:bodyPr spcFirstLastPara="1" wrap="square" lIns="91425" tIns="91425" rIns="91425" bIns="91425" anchor="t" anchorCtr="0">
             <a:noAutofit/>
           </a:bodyPr>
           <a:lstStyle/>
           <a:p>
-            <a:pPr indent="0" lvl="0" marL="0" rtl="0" algn="l">
+            <a:pPr marL="0" lvl="0" indent="0" algn="l" rtl="0">
               <a:spcBef>
                 <a:spcPts val="0"/>
               </a:spcBef>
@@ -4383,9 +4488,6 @@
               </a:spcAft>
               <a:buNone/>
             </a:pPr>
-            <a:r>
-              <a:t/>
-            </a:r>
             <a:endParaRPr/>
           </a:p>
         </p:txBody>
@@ -4399,11 +4501,11 @@
 </file>
 
 <file path=ppt/notesSlides/notesSlide6.xml><?xml version="1.0" encoding="utf-8"?>
-<p:notes xmlns:a="http://schemas.openxmlformats.org/drawingml/2006/main" xmlns:r="http://schemas.openxmlformats.org/officeDocument/2006/relationships" xmlns:mc="http://schemas.openxmlformats.org/markup-compatibility/2006" xmlns:mv="urn:schemas-microsoft-com:mac:vml" xmlns:p="http://schemas.openxmlformats.org/presentationml/2006/main" xmlns:c="http://schemas.openxmlformats.org/drawingml/2006/chart" xmlns:dgm="http://schemas.openxmlformats.org/drawingml/2006/diagram" xmlns:o="urn:schemas-microsoft-com:office:office" xmlns:v="urn:schemas-microsoft-com:vml" xmlns:pvml="urn:schemas-microsoft-com:office:powerpoint" xmlns:com="http://schemas.openxmlformats.org/drawingml/2006/compatibility" xmlns:p14="http://schemas.microsoft.com/office/powerpoint/2010/main" xmlns:p15="http://schemas.microsoft.com/office/powerpoint/2012/main" xmlns:ahyp="http://schemas.microsoft.com/office/drawing/2018/hyperlinkcolor" showMasterPhAnim="0" showMasterSp="0">
+<p:notes xmlns:a="http://schemas.openxmlformats.org/drawingml/2006/main" xmlns:r="http://schemas.openxmlformats.org/officeDocument/2006/relationships" xmlns:p="http://schemas.openxmlformats.org/presentationml/2006/main" showMasterSp="0" showMasterPhAnim="0">
   <p:cSld>
     <p:spTree>
       <p:nvGrpSpPr>
-        <p:cNvPr id="77" name="Shape 77"/>
+        <p:cNvPr id="1" name="Shape 77"/>
         <p:cNvGrpSpPr/>
         <p:nvPr/>
       </p:nvGrpSpPr>
@@ -4418,9 +4520,11 @@
       <p:sp>
         <p:nvSpPr>
           <p:cNvPr id="78" name="Google Shape;78;g6fc4d32752_0_181:notes"/>
-          <p:cNvSpPr/>
+          <p:cNvSpPr>
+            <a:spLocks noGrp="1" noRot="1" noChangeAspect="1"/>
+          </p:cNvSpPr>
           <p:nvPr>
-            <p:ph idx="2" type="sldImg"/>
+            <p:ph type="sldImg" idx="2"/>
           </p:nvPr>
         </p:nvSpPr>
         <p:spPr>
@@ -4429,9 +4533,13 @@
             <a:ext cx="6096000" cy="3429000"/>
           </a:xfrm>
           <a:custGeom>
-            <a:rect b="b" l="l" r="r" t="t"/>
+            <a:avLst/>
+            <a:gdLst/>
+            <a:ahLst/>
+            <a:cxnLst/>
+            <a:rect l="l" t="t" r="r" b="b"/>
             <a:pathLst>
-              <a:path extrusionOk="0" h="120000" w="120000">
+              <a:path w="120000" h="120000" extrusionOk="0">
                 <a:moveTo>
                   <a:pt x="0" y="0"/>
                 </a:moveTo>
@@ -4453,9 +4561,11 @@
       <p:sp>
         <p:nvSpPr>
           <p:cNvPr id="79" name="Google Shape;79;g6fc4d32752_0_181:notes"/>
-          <p:cNvSpPr txBox="1"/>
+          <p:cNvSpPr txBox="1">
+            <a:spLocks noGrp="1"/>
+          </p:cNvSpPr>
           <p:nvPr>
-            <p:ph idx="1" type="body"/>
+            <p:ph type="body" idx="1"/>
           </p:nvPr>
         </p:nvSpPr>
         <p:spPr>
@@ -4468,12 +4578,12 @@
           </a:prstGeom>
         </p:spPr>
         <p:txBody>
-          <a:bodyPr anchorCtr="0" anchor="t" bIns="91425" lIns="91425" spcFirstLastPara="1" rIns="91425" wrap="square" tIns="91425">
+          <a:bodyPr spcFirstLastPara="1" wrap="square" lIns="91425" tIns="91425" rIns="91425" bIns="91425" anchor="t" anchorCtr="0">
             <a:noAutofit/>
           </a:bodyPr>
           <a:lstStyle/>
           <a:p>
-            <a:pPr indent="0" lvl="0" marL="0" rtl="0" algn="l">
+            <a:pPr marL="0" lvl="0" indent="0" algn="l" rtl="0">
               <a:spcBef>
                 <a:spcPts val="0"/>
               </a:spcBef>
@@ -4482,9 +4592,6 @@
               </a:spcAft>
               <a:buNone/>
             </a:pPr>
-            <a:r>
-              <a:t/>
-            </a:r>
             <a:endParaRPr/>
           </a:p>
         </p:txBody>
@@ -4498,11 +4605,11 @@
 </file>
 
 <file path=ppt/notesSlides/notesSlide7.xml><?xml version="1.0" encoding="utf-8"?>
-<p:notes xmlns:a="http://schemas.openxmlformats.org/drawingml/2006/main" xmlns:r="http://schemas.openxmlformats.org/officeDocument/2006/relationships" xmlns:mc="http://schemas.openxmlformats.org/markup-compatibility/2006" xmlns:mv="urn:schemas-microsoft-com:mac:vml" xmlns:p="http://schemas.openxmlformats.org/presentationml/2006/main" xmlns:c="http://schemas.openxmlformats.org/drawingml/2006/chart" xmlns:dgm="http://schemas.openxmlformats.org/drawingml/2006/diagram" xmlns:o="urn:schemas-microsoft-com:office:office" xmlns:v="urn:schemas-microsoft-com:vml" xmlns:pvml="urn:schemas-microsoft-com:office:powerpoint" xmlns:com="http://schemas.openxmlformats.org/drawingml/2006/compatibility" xmlns:p14="http://schemas.microsoft.com/office/powerpoint/2010/main" xmlns:p15="http://schemas.microsoft.com/office/powerpoint/2012/main" xmlns:ahyp="http://schemas.microsoft.com/office/drawing/2018/hyperlinkcolor" showMasterPhAnim="0" showMasterSp="0">
+<p:notes xmlns:a="http://schemas.openxmlformats.org/drawingml/2006/main" xmlns:r="http://schemas.openxmlformats.org/officeDocument/2006/relationships" xmlns:p="http://schemas.openxmlformats.org/presentationml/2006/main" showMasterSp="0" showMasterPhAnim="0">
   <p:cSld>
     <p:spTree>
       <p:nvGrpSpPr>
-        <p:cNvPr id="82" name="Shape 82"/>
+        <p:cNvPr id="1" name="Shape 82"/>
         <p:cNvGrpSpPr/>
         <p:nvPr/>
       </p:nvGrpSpPr>
@@ -4517,9 +4624,11 @@
       <p:sp>
         <p:nvSpPr>
           <p:cNvPr id="83" name="Google Shape;83;g6fc4d32752_0_185:notes"/>
-          <p:cNvSpPr/>
+          <p:cNvSpPr>
+            <a:spLocks noGrp="1" noRot="1" noChangeAspect="1"/>
+          </p:cNvSpPr>
           <p:nvPr>
-            <p:ph idx="2" type="sldImg"/>
+            <p:ph type="sldImg" idx="2"/>
           </p:nvPr>
         </p:nvSpPr>
         <p:spPr>
@@ -4528,9 +4637,13 @@
             <a:ext cx="6096000" cy="3429000"/>
           </a:xfrm>
           <a:custGeom>
-            <a:rect b="b" l="l" r="r" t="t"/>
+            <a:avLst/>
+            <a:gdLst/>
+            <a:ahLst/>
+            <a:cxnLst/>
+            <a:rect l="l" t="t" r="r" b="b"/>
             <a:pathLst>
-              <a:path extrusionOk="0" h="120000" w="120000">
+              <a:path w="120000" h="120000" extrusionOk="0">
                 <a:moveTo>
                   <a:pt x="0" y="0"/>
                 </a:moveTo>
@@ -4552,9 +4665,11 @@
       <p:sp>
         <p:nvSpPr>
           <p:cNvPr id="84" name="Google Shape;84;g6fc4d32752_0_185:notes"/>
-          <p:cNvSpPr txBox="1"/>
+          <p:cNvSpPr txBox="1">
+            <a:spLocks noGrp="1"/>
+          </p:cNvSpPr>
           <p:nvPr>
-            <p:ph idx="1" type="body"/>
+            <p:ph type="body" idx="1"/>
           </p:nvPr>
         </p:nvSpPr>
         <p:spPr>
@@ -4567,12 +4682,12 @@
           </a:prstGeom>
         </p:spPr>
         <p:txBody>
-          <a:bodyPr anchorCtr="0" anchor="t" bIns="91425" lIns="91425" spcFirstLastPara="1" rIns="91425" wrap="square" tIns="91425">
+          <a:bodyPr spcFirstLastPara="1" wrap="square" lIns="91425" tIns="91425" rIns="91425" bIns="91425" anchor="t" anchorCtr="0">
             <a:noAutofit/>
           </a:bodyPr>
           <a:lstStyle/>
           <a:p>
-            <a:pPr indent="0" lvl="0" marL="0" rtl="0" algn="l">
+            <a:pPr marL="0" lvl="0" indent="0" algn="l" rtl="0">
               <a:spcBef>
                 <a:spcPts val="0"/>
               </a:spcBef>
@@ -4581,9 +4696,6 @@
               </a:spcAft>
               <a:buNone/>
             </a:pPr>
-            <a:r>
-              <a:t/>
-            </a:r>
             <a:endParaRPr/>
           </a:p>
         </p:txBody>
@@ -4597,11 +4709,11 @@
 </file>
 
 <file path=ppt/notesSlides/notesSlide8.xml><?xml version="1.0" encoding="utf-8"?>
-<p:notes xmlns:a="http://schemas.openxmlformats.org/drawingml/2006/main" xmlns:r="http://schemas.openxmlformats.org/officeDocument/2006/relationships" xmlns:mc="http://schemas.openxmlformats.org/markup-compatibility/2006" xmlns:mv="urn:schemas-microsoft-com:mac:vml" xmlns:p="http://schemas.openxmlformats.org/presentationml/2006/main" xmlns:c="http://schemas.openxmlformats.org/drawingml/2006/chart" xmlns:dgm="http://schemas.openxmlformats.org/drawingml/2006/diagram" xmlns:o="urn:schemas-microsoft-com:office:office" xmlns:v="urn:schemas-microsoft-com:vml" xmlns:pvml="urn:schemas-microsoft-com:office:powerpoint" xmlns:com="http://schemas.openxmlformats.org/drawingml/2006/compatibility" xmlns:p14="http://schemas.microsoft.com/office/powerpoint/2010/main" xmlns:p15="http://schemas.microsoft.com/office/powerpoint/2012/main" xmlns:ahyp="http://schemas.microsoft.com/office/drawing/2018/hyperlinkcolor" showMasterPhAnim="0" showMasterSp="0">
+<p:notes xmlns:a="http://schemas.openxmlformats.org/drawingml/2006/main" xmlns:r="http://schemas.openxmlformats.org/officeDocument/2006/relationships" xmlns:p="http://schemas.openxmlformats.org/presentationml/2006/main" showMasterSp="0" showMasterPhAnim="0">
   <p:cSld>
     <p:spTree>
       <p:nvGrpSpPr>
-        <p:cNvPr id="87" name="Shape 87"/>
+        <p:cNvPr id="1" name="Shape 87"/>
         <p:cNvGrpSpPr/>
         <p:nvPr/>
       </p:nvGrpSpPr>
@@ -4616,9 +4728,11 @@
       <p:sp>
         <p:nvSpPr>
           <p:cNvPr id="88" name="Google Shape;88;g6fc4d32752_0_189:notes"/>
-          <p:cNvSpPr/>
+          <p:cNvSpPr>
+            <a:spLocks noGrp="1" noRot="1" noChangeAspect="1"/>
+          </p:cNvSpPr>
           <p:nvPr>
-            <p:ph idx="2" type="sldImg"/>
+            <p:ph type="sldImg" idx="2"/>
           </p:nvPr>
         </p:nvSpPr>
         <p:spPr>
@@ -4627,9 +4741,13 @@
             <a:ext cx="6096000" cy="3429000"/>
           </a:xfrm>
           <a:custGeom>
-            <a:rect b="b" l="l" r="r" t="t"/>
+            <a:avLst/>
+            <a:gdLst/>
+            <a:ahLst/>
+            <a:cxnLst/>
+            <a:rect l="l" t="t" r="r" b="b"/>
             <a:pathLst>
-              <a:path extrusionOk="0" h="120000" w="120000">
+              <a:path w="120000" h="120000" extrusionOk="0">
                 <a:moveTo>
                   <a:pt x="0" y="0"/>
                 </a:moveTo>
@@ -4651,9 +4769,11 @@
       <p:sp>
         <p:nvSpPr>
           <p:cNvPr id="89" name="Google Shape;89;g6fc4d32752_0_189:notes"/>
-          <p:cNvSpPr txBox="1"/>
+          <p:cNvSpPr txBox="1">
+            <a:spLocks noGrp="1"/>
+          </p:cNvSpPr>
           <p:nvPr>
-            <p:ph idx="1" type="body"/>
+            <p:ph type="body" idx="1"/>
           </p:nvPr>
         </p:nvSpPr>
         <p:spPr>
@@ -4666,12 +4786,12 @@
           </a:prstGeom>
         </p:spPr>
         <p:txBody>
-          <a:bodyPr anchorCtr="0" anchor="t" bIns="91425" lIns="91425" spcFirstLastPara="1" rIns="91425" wrap="square" tIns="91425">
+          <a:bodyPr spcFirstLastPara="1" wrap="square" lIns="91425" tIns="91425" rIns="91425" bIns="91425" anchor="t" anchorCtr="0">
             <a:noAutofit/>
           </a:bodyPr>
           <a:lstStyle/>
           <a:p>
-            <a:pPr indent="0" lvl="0" marL="0" rtl="0" algn="l">
+            <a:pPr marL="0" lvl="0" indent="0" algn="l" rtl="0">
               <a:spcBef>
                 <a:spcPts val="0"/>
               </a:spcBef>
@@ -4680,9 +4800,6 @@
               </a:spcAft>
               <a:buNone/>
             </a:pPr>
-            <a:r>
-              <a:t/>
-            </a:r>
             <a:endParaRPr/>
           </a:p>
         </p:txBody>
@@ -4696,11 +4813,11 @@
 </file>
 
 <file path=ppt/notesSlides/notesSlide9.xml><?xml version="1.0" encoding="utf-8"?>
-<p:notes xmlns:a="http://schemas.openxmlformats.org/drawingml/2006/main" xmlns:r="http://schemas.openxmlformats.org/officeDocument/2006/relationships" xmlns:mc="http://schemas.openxmlformats.org/markup-compatibility/2006" xmlns:mv="urn:schemas-microsoft-com:mac:vml" xmlns:p="http://schemas.openxmlformats.org/presentationml/2006/main" xmlns:c="http://schemas.openxmlformats.org/drawingml/2006/chart" xmlns:dgm="http://schemas.openxmlformats.org/drawingml/2006/diagram" xmlns:o="urn:schemas-microsoft-com:office:office" xmlns:v="urn:schemas-microsoft-com:vml" xmlns:pvml="urn:schemas-microsoft-com:office:powerpoint" xmlns:com="http://schemas.openxmlformats.org/drawingml/2006/compatibility" xmlns:p14="http://schemas.microsoft.com/office/powerpoint/2010/main" xmlns:p15="http://schemas.microsoft.com/office/powerpoint/2012/main" xmlns:ahyp="http://schemas.microsoft.com/office/drawing/2018/hyperlinkcolor" showMasterPhAnim="0" showMasterSp="0">
+<p:notes xmlns:a="http://schemas.openxmlformats.org/drawingml/2006/main" xmlns:r="http://schemas.openxmlformats.org/officeDocument/2006/relationships" xmlns:p="http://schemas.openxmlformats.org/presentationml/2006/main" showMasterSp="0" showMasterPhAnim="0">
   <p:cSld>
     <p:spTree>
       <p:nvGrpSpPr>
-        <p:cNvPr id="92" name="Shape 92"/>
+        <p:cNvPr id="1" name="Shape 92"/>
         <p:cNvGrpSpPr/>
         <p:nvPr/>
       </p:nvGrpSpPr>
@@ -4715,9 +4832,11 @@
       <p:sp>
         <p:nvSpPr>
           <p:cNvPr id="93" name="Google Shape;93;g6fc4d32752_0_193:notes"/>
-          <p:cNvSpPr/>
+          <p:cNvSpPr>
+            <a:spLocks noGrp="1" noRot="1" noChangeAspect="1"/>
+          </p:cNvSpPr>
           <p:nvPr>
-            <p:ph idx="2" type="sldImg"/>
+            <p:ph type="sldImg" idx="2"/>
           </p:nvPr>
         </p:nvSpPr>
         <p:spPr>
@@ -4726,9 +4845,13 @@
             <a:ext cx="6096000" cy="3429000"/>
           </a:xfrm>
           <a:custGeom>
-            <a:rect b="b" l="l" r="r" t="t"/>
+            <a:avLst/>
+            <a:gdLst/>
+            <a:ahLst/>
+            <a:cxnLst/>
+            <a:rect l="l" t="t" r="r" b="b"/>
             <a:pathLst>
-              <a:path extrusionOk="0" h="120000" w="120000">
+              <a:path w="120000" h="120000" extrusionOk="0">
                 <a:moveTo>
                   <a:pt x="0" y="0"/>
                 </a:moveTo>
@@ -4750,9 +4873,11 @@
       <p:sp>
         <p:nvSpPr>
           <p:cNvPr id="94" name="Google Shape;94;g6fc4d32752_0_193:notes"/>
-          <p:cNvSpPr txBox="1"/>
+          <p:cNvSpPr txBox="1">
+            <a:spLocks noGrp="1"/>
+          </p:cNvSpPr>
           <p:nvPr>
-            <p:ph idx="1" type="body"/>
+            <p:ph type="body" idx="1"/>
           </p:nvPr>
         </p:nvSpPr>
         <p:spPr>
@@ -4765,12 +4890,12 @@
           </a:prstGeom>
         </p:spPr>
         <p:txBody>
-          <a:bodyPr anchorCtr="0" anchor="t" bIns="91425" lIns="91425" spcFirstLastPara="1" rIns="91425" wrap="square" tIns="91425">
+          <a:bodyPr spcFirstLastPara="1" wrap="square" lIns="91425" tIns="91425" rIns="91425" bIns="91425" anchor="t" anchorCtr="0">
             <a:noAutofit/>
           </a:bodyPr>
           <a:lstStyle/>
           <a:p>
-            <a:pPr indent="0" lvl="0" marL="0" rtl="0" algn="l">
+            <a:pPr marL="0" lvl="0" indent="0" algn="l" rtl="0">
               <a:spcBef>
                 <a:spcPts val="0"/>
               </a:spcBef>
@@ -4779,9 +4904,6 @@
               </a:spcAft>
               <a:buNone/>
             </a:pPr>
-            <a:r>
-              <a:t/>
-            </a:r>
             <a:endParaRPr/>
           </a:p>
         </p:txBody>
@@ -4795,18 +4917,19 @@
 </file>
 
 <file path=ppt/slideLayouts/slideLayout1.xml><?xml version="1.0" encoding="utf-8"?>
-<p:sldLayout xmlns:a="http://schemas.openxmlformats.org/drawingml/2006/main" xmlns:r="http://schemas.openxmlformats.org/officeDocument/2006/relationships" xmlns:mc="http://schemas.openxmlformats.org/markup-compatibility/2006" xmlns:mv="urn:schemas-microsoft-com:mac:vml" xmlns:p="http://schemas.openxmlformats.org/presentationml/2006/main" xmlns:c="http://schemas.openxmlformats.org/drawingml/2006/chart" xmlns:dgm="http://schemas.openxmlformats.org/drawingml/2006/diagram" xmlns:o="urn:schemas-microsoft-com:office:office" xmlns:v="urn:schemas-microsoft-com:vml" xmlns:pvml="urn:schemas-microsoft-com:office:powerpoint" xmlns:com="http://schemas.openxmlformats.org/drawingml/2006/compatibility" xmlns:p14="http://schemas.microsoft.com/office/powerpoint/2010/main" xmlns:p15="http://schemas.microsoft.com/office/powerpoint/2012/main" xmlns:ahyp="http://schemas.microsoft.com/office/drawing/2018/hyperlinkcolor" matchingName="Title slide" type="title">
+<p:sldLayout xmlns:a="http://schemas.openxmlformats.org/drawingml/2006/main" xmlns:r="http://schemas.openxmlformats.org/officeDocument/2006/relationships" xmlns:p="http://schemas.openxmlformats.org/presentationml/2006/main" matchingName="Title slide" type="title">
   <p:cSld name="TITLE">
     <p:bg>
       <p:bgPr>
         <a:solidFill>
           <a:srgbClr val="FFA000"/>
         </a:solidFill>
+        <a:effectLst/>
       </p:bgPr>
     </p:bg>
     <p:spTree>
       <p:nvGrpSpPr>
-        <p:cNvPr id="9" name="Shape 9"/>
+        <p:cNvPr id="1" name="Shape 9"/>
         <p:cNvGrpSpPr/>
         <p:nvPr/>
       </p:nvGrpSpPr>
@@ -4821,7 +4944,9 @@
       <p:sp>
         <p:nvSpPr>
           <p:cNvPr id="10" name="Google Shape;10;p2"/>
-          <p:cNvSpPr txBox="1"/>
+          <p:cNvSpPr txBox="1">
+            <a:spLocks noGrp="1"/>
+          </p:cNvSpPr>
           <p:nvPr>
             <p:ph type="ctrTitle"/>
           </p:nvPr>
@@ -4836,7 +4961,7 @@
           </a:prstGeom>
         </p:spPr>
         <p:txBody>
-          <a:bodyPr anchorCtr="0" anchor="b" bIns="91425" lIns="91425" spcFirstLastPara="1" rIns="91425" wrap="square" tIns="91425">
+          <a:bodyPr spcFirstLastPara="1" wrap="square" lIns="91425" tIns="91425" rIns="91425" bIns="91425" anchor="b" anchorCtr="0">
             <a:noAutofit/>
           </a:bodyPr>
           <a:lstStyle>
@@ -5048,15 +5173,19 @@
               </a:defRPr>
             </a:lvl9pPr>
           </a:lstStyle>
-          <a:p/>
+          <a:p>
+            <a:endParaRPr/>
+          </a:p>
         </p:txBody>
       </p:sp>
       <p:sp>
         <p:nvSpPr>
           <p:cNvPr id="11" name="Google Shape;11;p2"/>
-          <p:cNvSpPr txBox="1"/>
+          <p:cNvSpPr txBox="1">
+            <a:spLocks noGrp="1"/>
+          </p:cNvSpPr>
           <p:nvPr>
-            <p:ph idx="1" type="subTitle"/>
+            <p:ph type="subTitle" idx="1"/>
           </p:nvPr>
         </p:nvSpPr>
         <p:spPr>
@@ -5069,7 +5198,7 @@
           </a:prstGeom>
         </p:spPr>
         <p:txBody>
-          <a:bodyPr anchorCtr="0" anchor="t" bIns="91425" lIns="91425" spcFirstLastPara="1" rIns="91425" wrap="square" tIns="91425">
+          <a:bodyPr spcFirstLastPara="1" wrap="square" lIns="91425" tIns="91425" rIns="91425" bIns="91425" anchor="t" anchorCtr="0">
             <a:noAutofit/>
           </a:bodyPr>
           <a:lstStyle>
@@ -5212,15 +5341,19 @@
               <a:defRPr sz="2800"/>
             </a:lvl9pPr>
           </a:lstStyle>
-          <a:p/>
+          <a:p>
+            <a:endParaRPr/>
+          </a:p>
         </p:txBody>
       </p:sp>
       <p:sp>
         <p:nvSpPr>
           <p:cNvPr id="12" name="Google Shape;12;p2"/>
-          <p:cNvSpPr txBox="1"/>
+          <p:cNvSpPr txBox="1">
+            <a:spLocks noGrp="1"/>
+          </p:cNvSpPr>
           <p:nvPr>
-            <p:ph idx="12" type="sldNum"/>
+            <p:ph type="sldNum" idx="12"/>
           </p:nvPr>
         </p:nvSpPr>
         <p:spPr>
@@ -5233,7 +5366,7 @@
           </a:prstGeom>
         </p:spPr>
         <p:txBody>
-          <a:bodyPr anchorCtr="0" anchor="ctr" bIns="91425" lIns="91425" spcFirstLastPara="1" rIns="91425" wrap="square" tIns="91425">
+          <a:bodyPr spcFirstLastPara="1" wrap="square" lIns="91425" tIns="91425" rIns="91425" bIns="91425" anchor="ctr" anchorCtr="0">
             <a:noAutofit/>
           </a:bodyPr>
           <a:lstStyle>
@@ -5275,7 +5408,7 @@
             </a:lvl9pPr>
           </a:lstStyle>
           <a:p>
-            <a:pPr indent="0" lvl="0" marL="0" rtl="0" algn="r">
+            <a:pPr marL="0" lvl="0" indent="0" algn="r" rtl="0">
               <a:spcBef>
                 <a:spcPts val="0"/>
               </a:spcBef>
@@ -5301,11 +5434,11 @@
 </file>
 
 <file path=ppt/slideLayouts/slideLayout10.xml><?xml version="1.0" encoding="utf-8"?>
-<p:sldLayout xmlns:a="http://schemas.openxmlformats.org/drawingml/2006/main" xmlns:r="http://schemas.openxmlformats.org/officeDocument/2006/relationships" xmlns:mc="http://schemas.openxmlformats.org/markup-compatibility/2006" xmlns:mv="urn:schemas-microsoft-com:mac:vml" xmlns:p="http://schemas.openxmlformats.org/presentationml/2006/main" xmlns:c="http://schemas.openxmlformats.org/drawingml/2006/chart" xmlns:dgm="http://schemas.openxmlformats.org/drawingml/2006/diagram" xmlns:o="urn:schemas-microsoft-com:office:office" xmlns:v="urn:schemas-microsoft-com:vml" xmlns:pvml="urn:schemas-microsoft-com:office:powerpoint" xmlns:com="http://schemas.openxmlformats.org/drawingml/2006/compatibility" xmlns:p14="http://schemas.microsoft.com/office/powerpoint/2010/main" xmlns:p15="http://schemas.microsoft.com/office/powerpoint/2012/main" xmlns:ahyp="http://schemas.microsoft.com/office/drawing/2018/hyperlinkcolor" matchingName="Big number">
+<p:sldLayout xmlns:a="http://schemas.openxmlformats.org/drawingml/2006/main" xmlns:r="http://schemas.openxmlformats.org/officeDocument/2006/relationships" xmlns:p="http://schemas.openxmlformats.org/presentationml/2006/main" matchingName="Big number">
   <p:cSld name="BIG_NUMBER">
     <p:spTree>
       <p:nvGrpSpPr>
-        <p:cNvPr id="44" name="Shape 44"/>
+        <p:cNvPr id="1" name="Shape 44"/>
         <p:cNvGrpSpPr/>
         <p:nvPr/>
       </p:nvGrpSpPr>
@@ -5320,9 +5453,11 @@
       <p:sp>
         <p:nvSpPr>
           <p:cNvPr id="45" name="Google Shape;45;p11"/>
-          <p:cNvSpPr txBox="1"/>
+          <p:cNvSpPr txBox="1">
+            <a:spLocks noGrp="1"/>
+          </p:cNvSpPr>
           <p:nvPr>
-            <p:ph hasCustomPrompt="1" type="title"/>
+            <p:ph type="title" hasCustomPrompt="1"/>
           </p:nvPr>
         </p:nvSpPr>
         <p:spPr>
@@ -5335,7 +5470,7 @@
           </a:prstGeom>
         </p:spPr>
         <p:txBody>
-          <a:bodyPr anchorCtr="0" anchor="b" bIns="91425" lIns="91425" spcFirstLastPara="1" rIns="91425" wrap="square" tIns="91425">
+          <a:bodyPr spcFirstLastPara="1" wrap="square" lIns="91425" tIns="91425" rIns="91425" bIns="91425" anchor="b" anchorCtr="0">
             <a:noAutofit/>
           </a:bodyPr>
           <a:lstStyle>
@@ -5449,9 +5584,11 @@
       <p:sp>
         <p:nvSpPr>
           <p:cNvPr id="46" name="Google Shape;46;p11"/>
-          <p:cNvSpPr txBox="1"/>
+          <p:cNvSpPr txBox="1">
+            <a:spLocks noGrp="1"/>
+          </p:cNvSpPr>
           <p:nvPr>
-            <p:ph idx="1" type="body"/>
+            <p:ph type="body" idx="1"/>
           </p:nvPr>
         </p:nvSpPr>
         <p:spPr>
@@ -5464,11 +5601,11 @@
           </a:prstGeom>
         </p:spPr>
         <p:txBody>
-          <a:bodyPr anchorCtr="0" anchor="t" bIns="91425" lIns="91425" spcFirstLastPara="1" rIns="91425" wrap="square" tIns="91425">
+          <a:bodyPr spcFirstLastPara="1" wrap="square" lIns="91425" tIns="91425" rIns="91425" bIns="91425" anchor="t" anchorCtr="0">
             <a:noAutofit/>
           </a:bodyPr>
           <a:lstStyle>
-            <a:lvl1pPr indent="-342900" lvl="0" marL="457200" algn="ctr">
+            <a:lvl1pPr marL="457200" lvl="0" indent="-342900" algn="ctr">
               <a:spcBef>
                 <a:spcPts val="0"/>
               </a:spcBef>
@@ -5479,7 +5616,7 @@
               <a:buChar char="●"/>
               <a:defRPr/>
             </a:lvl1pPr>
-            <a:lvl2pPr indent="-317500" lvl="1" marL="914400" algn="ctr">
+            <a:lvl2pPr marL="914400" lvl="1" indent="-317500" algn="ctr">
               <a:spcBef>
                 <a:spcPts val="1600"/>
               </a:spcBef>
@@ -5490,7 +5627,7 @@
               <a:buChar char="○"/>
               <a:defRPr/>
             </a:lvl2pPr>
-            <a:lvl3pPr indent="-317500" lvl="2" marL="1371600" algn="ctr">
+            <a:lvl3pPr marL="1371600" lvl="2" indent="-317500" algn="ctr">
               <a:spcBef>
                 <a:spcPts val="1600"/>
               </a:spcBef>
@@ -5501,7 +5638,7 @@
               <a:buChar char="■"/>
               <a:defRPr/>
             </a:lvl3pPr>
-            <a:lvl4pPr indent="-317500" lvl="3" marL="1828800" algn="ctr">
+            <a:lvl4pPr marL="1828800" lvl="3" indent="-317500" algn="ctr">
               <a:spcBef>
                 <a:spcPts val="1600"/>
               </a:spcBef>
@@ -5512,7 +5649,7 @@
               <a:buChar char="●"/>
               <a:defRPr/>
             </a:lvl4pPr>
-            <a:lvl5pPr indent="-317500" lvl="4" marL="2286000" algn="ctr">
+            <a:lvl5pPr marL="2286000" lvl="4" indent="-317500" algn="ctr">
               <a:spcBef>
                 <a:spcPts val="1600"/>
               </a:spcBef>
@@ -5523,7 +5660,7 @@
               <a:buChar char="○"/>
               <a:defRPr/>
             </a:lvl5pPr>
-            <a:lvl6pPr indent="-317500" lvl="5" marL="2743200" algn="ctr">
+            <a:lvl6pPr marL="2743200" lvl="5" indent="-317500" algn="ctr">
               <a:spcBef>
                 <a:spcPts val="1600"/>
               </a:spcBef>
@@ -5534,7 +5671,7 @@
               <a:buChar char="■"/>
               <a:defRPr/>
             </a:lvl6pPr>
-            <a:lvl7pPr indent="-317500" lvl="6" marL="3200400" algn="ctr">
+            <a:lvl7pPr marL="3200400" lvl="6" indent="-317500" algn="ctr">
               <a:spcBef>
                 <a:spcPts val="1600"/>
               </a:spcBef>
@@ -5545,7 +5682,7 @@
               <a:buChar char="●"/>
               <a:defRPr/>
             </a:lvl7pPr>
-            <a:lvl8pPr indent="-317500" lvl="7" marL="3657600" algn="ctr">
+            <a:lvl8pPr marL="3657600" lvl="7" indent="-317500" algn="ctr">
               <a:spcBef>
                 <a:spcPts val="1600"/>
               </a:spcBef>
@@ -5556,7 +5693,7 @@
               <a:buChar char="○"/>
               <a:defRPr/>
             </a:lvl8pPr>
-            <a:lvl9pPr indent="-317500" lvl="8" marL="4114800" algn="ctr">
+            <a:lvl9pPr marL="4114800" lvl="8" indent="-317500" algn="ctr">
               <a:spcBef>
                 <a:spcPts val="1600"/>
               </a:spcBef>
@@ -5568,15 +5705,19 @@
               <a:defRPr/>
             </a:lvl9pPr>
           </a:lstStyle>
-          <a:p/>
+          <a:p>
+            <a:endParaRPr/>
+          </a:p>
         </p:txBody>
       </p:sp>
       <p:sp>
         <p:nvSpPr>
           <p:cNvPr id="47" name="Google Shape;47;p11"/>
-          <p:cNvSpPr txBox="1"/>
+          <p:cNvSpPr txBox="1">
+            <a:spLocks noGrp="1"/>
+          </p:cNvSpPr>
           <p:nvPr>
-            <p:ph idx="12" type="sldNum"/>
+            <p:ph type="sldNum" idx="12"/>
           </p:nvPr>
         </p:nvSpPr>
         <p:spPr>
@@ -5589,7 +5730,7 @@
           </a:prstGeom>
         </p:spPr>
         <p:txBody>
-          <a:bodyPr anchorCtr="0" anchor="ctr" bIns="91425" lIns="91425" spcFirstLastPara="1" rIns="91425" wrap="square" tIns="91425">
+          <a:bodyPr spcFirstLastPara="1" wrap="square" lIns="91425" tIns="91425" rIns="91425" bIns="91425" anchor="ctr" anchorCtr="0">
             <a:noAutofit/>
           </a:bodyPr>
           <a:lstStyle>
@@ -5631,7 +5772,7 @@
             </a:lvl9pPr>
           </a:lstStyle>
           <a:p>
-            <a:pPr indent="0" lvl="0" marL="0" rtl="0" algn="r">
+            <a:pPr marL="0" lvl="0" indent="0" algn="r" rtl="0">
               <a:spcBef>
                 <a:spcPts val="0"/>
               </a:spcBef>
@@ -5657,11 +5798,11 @@
 </file>
 
 <file path=ppt/slideLayouts/slideLayout11.xml><?xml version="1.0" encoding="utf-8"?>
-<p:sldLayout xmlns:a="http://schemas.openxmlformats.org/drawingml/2006/main" xmlns:r="http://schemas.openxmlformats.org/officeDocument/2006/relationships" xmlns:mc="http://schemas.openxmlformats.org/markup-compatibility/2006" xmlns:mv="urn:schemas-microsoft-com:mac:vml" xmlns:p="http://schemas.openxmlformats.org/presentationml/2006/main" xmlns:c="http://schemas.openxmlformats.org/drawingml/2006/chart" xmlns:dgm="http://schemas.openxmlformats.org/drawingml/2006/diagram" xmlns:o="urn:schemas-microsoft-com:office:office" xmlns:v="urn:schemas-microsoft-com:vml" xmlns:pvml="urn:schemas-microsoft-com:office:powerpoint" xmlns:com="http://schemas.openxmlformats.org/drawingml/2006/compatibility" xmlns:p14="http://schemas.microsoft.com/office/powerpoint/2010/main" xmlns:p15="http://schemas.microsoft.com/office/powerpoint/2012/main" xmlns:ahyp="http://schemas.microsoft.com/office/drawing/2018/hyperlinkcolor" matchingName="Blank" type="blank">
+<p:sldLayout xmlns:a="http://schemas.openxmlformats.org/drawingml/2006/main" xmlns:r="http://schemas.openxmlformats.org/officeDocument/2006/relationships" xmlns:p="http://schemas.openxmlformats.org/presentationml/2006/main" matchingName="Blank" type="blank">
   <p:cSld name="BLANK">
     <p:spTree>
       <p:nvGrpSpPr>
-        <p:cNvPr id="48" name="Shape 48"/>
+        <p:cNvPr id="1" name="Shape 48"/>
         <p:cNvGrpSpPr/>
         <p:nvPr/>
       </p:nvGrpSpPr>
@@ -5676,9 +5817,11 @@
       <p:sp>
         <p:nvSpPr>
           <p:cNvPr id="49" name="Google Shape;49;p12"/>
-          <p:cNvSpPr txBox="1"/>
+          <p:cNvSpPr txBox="1">
+            <a:spLocks noGrp="1"/>
+          </p:cNvSpPr>
           <p:nvPr>
-            <p:ph idx="12" type="sldNum"/>
+            <p:ph type="sldNum" idx="12"/>
           </p:nvPr>
         </p:nvSpPr>
         <p:spPr>
@@ -5691,7 +5834,7 @@
           </a:prstGeom>
         </p:spPr>
         <p:txBody>
-          <a:bodyPr anchorCtr="0" anchor="ctr" bIns="91425" lIns="91425" spcFirstLastPara="1" rIns="91425" wrap="square" tIns="91425">
+          <a:bodyPr spcFirstLastPara="1" wrap="square" lIns="91425" tIns="91425" rIns="91425" bIns="91425" anchor="ctr" anchorCtr="0">
             <a:noAutofit/>
           </a:bodyPr>
           <a:lstStyle>
@@ -5733,7 +5876,7 @@
             </a:lvl9pPr>
           </a:lstStyle>
           <a:p>
-            <a:pPr indent="0" lvl="0" marL="0" rtl="0" algn="r">
+            <a:pPr marL="0" lvl="0" indent="0" algn="r" rtl="0">
               <a:spcBef>
                 <a:spcPts val="0"/>
               </a:spcBef>
@@ -5759,11 +5902,11 @@
 </file>
 
 <file path=ppt/slideLayouts/slideLayout2.xml><?xml version="1.0" encoding="utf-8"?>
-<p:sldLayout xmlns:a="http://schemas.openxmlformats.org/drawingml/2006/main" xmlns:r="http://schemas.openxmlformats.org/officeDocument/2006/relationships" xmlns:mc="http://schemas.openxmlformats.org/markup-compatibility/2006" xmlns:mv="urn:schemas-microsoft-com:mac:vml" xmlns:p="http://schemas.openxmlformats.org/presentationml/2006/main" xmlns:c="http://schemas.openxmlformats.org/drawingml/2006/chart" xmlns:dgm="http://schemas.openxmlformats.org/drawingml/2006/diagram" xmlns:o="urn:schemas-microsoft-com:office:office" xmlns:v="urn:schemas-microsoft-com:vml" xmlns:pvml="urn:schemas-microsoft-com:office:powerpoint" xmlns:com="http://schemas.openxmlformats.org/drawingml/2006/compatibility" xmlns:p14="http://schemas.microsoft.com/office/powerpoint/2010/main" xmlns:p15="http://schemas.microsoft.com/office/powerpoint/2012/main" xmlns:ahyp="http://schemas.microsoft.com/office/drawing/2018/hyperlinkcolor" matchingName="Section header" type="secHead">
+<p:sldLayout xmlns:a="http://schemas.openxmlformats.org/drawingml/2006/main" xmlns:r="http://schemas.openxmlformats.org/officeDocument/2006/relationships" xmlns:p="http://schemas.openxmlformats.org/presentationml/2006/main" matchingName="Section header" type="secHead">
   <p:cSld name="SECTION_HEADER">
     <p:spTree>
       <p:nvGrpSpPr>
-        <p:cNvPr id="13" name="Shape 13"/>
+        <p:cNvPr id="1" name="Shape 13"/>
         <p:cNvGrpSpPr/>
         <p:nvPr/>
       </p:nvGrpSpPr>
@@ -5778,7 +5921,9 @@
       <p:sp>
         <p:nvSpPr>
           <p:cNvPr id="14" name="Google Shape;14;p3"/>
-          <p:cNvSpPr txBox="1"/>
+          <p:cNvSpPr txBox="1">
+            <a:spLocks noGrp="1"/>
+          </p:cNvSpPr>
           <p:nvPr>
             <p:ph type="title"/>
           </p:nvPr>
@@ -5793,7 +5938,7 @@
           </a:prstGeom>
         </p:spPr>
         <p:txBody>
-          <a:bodyPr anchorCtr="0" anchor="ctr" bIns="91425" lIns="91425" spcFirstLastPara="1" rIns="91425" wrap="square" tIns="91425">
+          <a:bodyPr spcFirstLastPara="1" wrap="square" lIns="91425" tIns="91425" rIns="91425" bIns="91425" anchor="ctr" anchorCtr="0">
             <a:noAutofit/>
           </a:bodyPr>
           <a:lstStyle>
@@ -5909,15 +6054,19 @@
               <a:defRPr sz="3600"/>
             </a:lvl9pPr>
           </a:lstStyle>
-          <a:p/>
+          <a:p>
+            <a:endParaRPr/>
+          </a:p>
         </p:txBody>
       </p:sp>
       <p:sp>
         <p:nvSpPr>
           <p:cNvPr id="15" name="Google Shape;15;p3"/>
-          <p:cNvSpPr txBox="1"/>
+          <p:cNvSpPr txBox="1">
+            <a:spLocks noGrp="1"/>
+          </p:cNvSpPr>
           <p:nvPr>
-            <p:ph idx="12" type="sldNum"/>
+            <p:ph type="sldNum" idx="12"/>
           </p:nvPr>
         </p:nvSpPr>
         <p:spPr>
@@ -5930,7 +6079,7 @@
           </a:prstGeom>
         </p:spPr>
         <p:txBody>
-          <a:bodyPr anchorCtr="0" anchor="ctr" bIns="91425" lIns="91425" spcFirstLastPara="1" rIns="91425" wrap="square" tIns="91425">
+          <a:bodyPr spcFirstLastPara="1" wrap="square" lIns="91425" tIns="91425" rIns="91425" bIns="91425" anchor="ctr" anchorCtr="0">
             <a:noAutofit/>
           </a:bodyPr>
           <a:lstStyle>
@@ -5972,7 +6121,7 @@
             </a:lvl9pPr>
           </a:lstStyle>
           <a:p>
-            <a:pPr indent="0" lvl="0" marL="0" rtl="0" algn="r">
+            <a:pPr marL="0" lvl="0" indent="0" algn="r" rtl="0">
               <a:spcBef>
                 <a:spcPts val="0"/>
               </a:spcBef>
@@ -5998,11 +6147,11 @@
 </file>
 
 <file path=ppt/slideLayouts/slideLayout3.xml><?xml version="1.0" encoding="utf-8"?>
-<p:sldLayout xmlns:a="http://schemas.openxmlformats.org/drawingml/2006/main" xmlns:r="http://schemas.openxmlformats.org/officeDocument/2006/relationships" xmlns:mc="http://schemas.openxmlformats.org/markup-compatibility/2006" xmlns:mv="urn:schemas-microsoft-com:mac:vml" xmlns:p="http://schemas.openxmlformats.org/presentationml/2006/main" xmlns:c="http://schemas.openxmlformats.org/drawingml/2006/chart" xmlns:dgm="http://schemas.openxmlformats.org/drawingml/2006/diagram" xmlns:o="urn:schemas-microsoft-com:office:office" xmlns:v="urn:schemas-microsoft-com:vml" xmlns:pvml="urn:schemas-microsoft-com:office:powerpoint" xmlns:com="http://schemas.openxmlformats.org/drawingml/2006/compatibility" xmlns:p14="http://schemas.microsoft.com/office/powerpoint/2010/main" xmlns:p15="http://schemas.microsoft.com/office/powerpoint/2012/main" xmlns:ahyp="http://schemas.microsoft.com/office/drawing/2018/hyperlinkcolor" matchingName="Title and body" type="tx">
+<p:sldLayout xmlns:a="http://schemas.openxmlformats.org/drawingml/2006/main" xmlns:r="http://schemas.openxmlformats.org/officeDocument/2006/relationships" xmlns:p="http://schemas.openxmlformats.org/presentationml/2006/main" matchingName="Title and body" type="tx">
   <p:cSld name="TITLE_AND_BODY">
     <p:spTree>
       <p:nvGrpSpPr>
-        <p:cNvPr id="16" name="Shape 16"/>
+        <p:cNvPr id="1" name="Shape 16"/>
         <p:cNvGrpSpPr/>
         <p:nvPr/>
       </p:nvGrpSpPr>
@@ -6017,7 +6166,9 @@
       <p:sp>
         <p:nvSpPr>
           <p:cNvPr id="17" name="Google Shape;17;p4"/>
-          <p:cNvSpPr txBox="1"/>
+          <p:cNvSpPr txBox="1">
+            <a:spLocks noGrp="1"/>
+          </p:cNvSpPr>
           <p:nvPr>
             <p:ph type="title"/>
           </p:nvPr>
@@ -6032,7 +6183,7 @@
           </a:prstGeom>
         </p:spPr>
         <p:txBody>
-          <a:bodyPr anchorCtr="0" anchor="t" bIns="91425" lIns="91425" spcFirstLastPara="1" rIns="91425" wrap="square" tIns="91425">
+          <a:bodyPr spcFirstLastPara="1" wrap="square" lIns="91425" tIns="91425" rIns="91425" bIns="91425" anchor="t" anchorCtr="0">
             <a:noAutofit/>
           </a:bodyPr>
           <a:lstStyle>
@@ -6136,15 +6287,19 @@
               <a:defRPr/>
             </a:lvl9pPr>
           </a:lstStyle>
-          <a:p/>
+          <a:p>
+            <a:endParaRPr/>
+          </a:p>
         </p:txBody>
       </p:sp>
       <p:sp>
         <p:nvSpPr>
           <p:cNvPr id="18" name="Google Shape;18;p4"/>
-          <p:cNvSpPr txBox="1"/>
+          <p:cNvSpPr txBox="1">
+            <a:spLocks noGrp="1"/>
+          </p:cNvSpPr>
           <p:nvPr>
-            <p:ph idx="1" type="body"/>
+            <p:ph type="body" idx="1"/>
           </p:nvPr>
         </p:nvSpPr>
         <p:spPr>
@@ -6157,11 +6312,11 @@
           </a:prstGeom>
         </p:spPr>
         <p:txBody>
-          <a:bodyPr anchorCtr="0" anchor="t" bIns="91425" lIns="91425" spcFirstLastPara="1" rIns="91425" wrap="square" tIns="91425">
+          <a:bodyPr spcFirstLastPara="1" wrap="square" lIns="91425" tIns="91425" rIns="91425" bIns="91425" anchor="t" anchorCtr="0">
             <a:noAutofit/>
           </a:bodyPr>
           <a:lstStyle>
-            <a:lvl1pPr indent="-342900" lvl="0" marL="457200">
+            <a:lvl1pPr marL="457200" lvl="0" indent="-342900">
               <a:spcBef>
                 <a:spcPts val="0"/>
               </a:spcBef>
@@ -6172,7 +6327,7 @@
               <a:buChar char="●"/>
               <a:defRPr/>
             </a:lvl1pPr>
-            <a:lvl2pPr indent="-317500" lvl="1" marL="914400">
+            <a:lvl2pPr marL="914400" lvl="1" indent="-317500">
               <a:spcBef>
                 <a:spcPts val="1600"/>
               </a:spcBef>
@@ -6183,7 +6338,7 @@
               <a:buChar char="○"/>
               <a:defRPr/>
             </a:lvl2pPr>
-            <a:lvl3pPr indent="-317500" lvl="2" marL="1371600">
+            <a:lvl3pPr marL="1371600" lvl="2" indent="-317500">
               <a:spcBef>
                 <a:spcPts val="1600"/>
               </a:spcBef>
@@ -6194,7 +6349,7 @@
               <a:buChar char="■"/>
               <a:defRPr/>
             </a:lvl3pPr>
-            <a:lvl4pPr indent="-317500" lvl="3" marL="1828800">
+            <a:lvl4pPr marL="1828800" lvl="3" indent="-317500">
               <a:spcBef>
                 <a:spcPts val="1600"/>
               </a:spcBef>
@@ -6205,7 +6360,7 @@
               <a:buChar char="●"/>
               <a:defRPr/>
             </a:lvl4pPr>
-            <a:lvl5pPr indent="-317500" lvl="4" marL="2286000">
+            <a:lvl5pPr marL="2286000" lvl="4" indent="-317500">
               <a:spcBef>
                 <a:spcPts val="1600"/>
               </a:spcBef>
@@ -6216,7 +6371,7 @@
               <a:buChar char="○"/>
               <a:defRPr/>
             </a:lvl5pPr>
-            <a:lvl6pPr indent="-317500" lvl="5" marL="2743200">
+            <a:lvl6pPr marL="2743200" lvl="5" indent="-317500">
               <a:spcBef>
                 <a:spcPts val="1600"/>
               </a:spcBef>
@@ -6227,7 +6382,7 @@
               <a:buChar char="■"/>
               <a:defRPr/>
             </a:lvl6pPr>
-            <a:lvl7pPr indent="-317500" lvl="6" marL="3200400">
+            <a:lvl7pPr marL="3200400" lvl="6" indent="-317500">
               <a:spcBef>
                 <a:spcPts val="1600"/>
               </a:spcBef>
@@ -6238,7 +6393,7 @@
               <a:buChar char="●"/>
               <a:defRPr/>
             </a:lvl7pPr>
-            <a:lvl8pPr indent="-317500" lvl="7" marL="3657600">
+            <a:lvl8pPr marL="3657600" lvl="7" indent="-317500">
               <a:spcBef>
                 <a:spcPts val="1600"/>
               </a:spcBef>
@@ -6249,7 +6404,7 @@
               <a:buChar char="○"/>
               <a:defRPr/>
             </a:lvl8pPr>
-            <a:lvl9pPr indent="-317500" lvl="8" marL="4114800">
+            <a:lvl9pPr marL="4114800" lvl="8" indent="-317500">
               <a:spcBef>
                 <a:spcPts val="1600"/>
               </a:spcBef>
@@ -6261,15 +6416,19 @@
               <a:defRPr/>
             </a:lvl9pPr>
           </a:lstStyle>
-          <a:p/>
+          <a:p>
+            <a:endParaRPr/>
+          </a:p>
         </p:txBody>
       </p:sp>
       <p:sp>
         <p:nvSpPr>
           <p:cNvPr id="19" name="Google Shape;19;p4"/>
-          <p:cNvSpPr txBox="1"/>
+          <p:cNvSpPr txBox="1">
+            <a:spLocks noGrp="1"/>
+          </p:cNvSpPr>
           <p:nvPr>
-            <p:ph idx="12" type="sldNum"/>
+            <p:ph type="sldNum" idx="12"/>
           </p:nvPr>
         </p:nvSpPr>
         <p:spPr>
@@ -6282,7 +6441,7 @@
           </a:prstGeom>
         </p:spPr>
         <p:txBody>
-          <a:bodyPr anchorCtr="0" anchor="ctr" bIns="91425" lIns="91425" spcFirstLastPara="1" rIns="91425" wrap="square" tIns="91425">
+          <a:bodyPr spcFirstLastPara="1" wrap="square" lIns="91425" tIns="91425" rIns="91425" bIns="91425" anchor="ctr" anchorCtr="0">
             <a:noAutofit/>
           </a:bodyPr>
           <a:lstStyle>
@@ -6324,7 +6483,7 @@
             </a:lvl9pPr>
           </a:lstStyle>
           <a:p>
-            <a:pPr indent="0" lvl="0" marL="0" rtl="0" algn="r">
+            <a:pPr marL="0" lvl="0" indent="0" algn="r" rtl="0">
               <a:spcBef>
                 <a:spcPts val="0"/>
               </a:spcBef>
@@ -6350,11 +6509,11 @@
 </file>
 
 <file path=ppt/slideLayouts/slideLayout4.xml><?xml version="1.0" encoding="utf-8"?>
-<p:sldLayout xmlns:a="http://schemas.openxmlformats.org/drawingml/2006/main" xmlns:r="http://schemas.openxmlformats.org/officeDocument/2006/relationships" xmlns:mc="http://schemas.openxmlformats.org/markup-compatibility/2006" xmlns:mv="urn:schemas-microsoft-com:mac:vml" xmlns:p="http://schemas.openxmlformats.org/presentationml/2006/main" xmlns:c="http://schemas.openxmlformats.org/drawingml/2006/chart" xmlns:dgm="http://schemas.openxmlformats.org/drawingml/2006/diagram" xmlns:o="urn:schemas-microsoft-com:office:office" xmlns:v="urn:schemas-microsoft-com:vml" xmlns:pvml="urn:schemas-microsoft-com:office:powerpoint" xmlns:com="http://schemas.openxmlformats.org/drawingml/2006/compatibility" xmlns:p14="http://schemas.microsoft.com/office/powerpoint/2010/main" xmlns:p15="http://schemas.microsoft.com/office/powerpoint/2012/main" xmlns:ahyp="http://schemas.microsoft.com/office/drawing/2018/hyperlinkcolor" matchingName="Title and two columns" type="twoColTx">
+<p:sldLayout xmlns:a="http://schemas.openxmlformats.org/drawingml/2006/main" xmlns:r="http://schemas.openxmlformats.org/officeDocument/2006/relationships" xmlns:p="http://schemas.openxmlformats.org/presentationml/2006/main" matchingName="Title and two columns" type="twoColTx">
   <p:cSld name="TITLE_AND_TWO_COLUMNS">
     <p:spTree>
       <p:nvGrpSpPr>
-        <p:cNvPr id="20" name="Shape 20"/>
+        <p:cNvPr id="1" name="Shape 20"/>
         <p:cNvGrpSpPr/>
         <p:nvPr/>
       </p:nvGrpSpPr>
@@ -6369,7 +6528,9 @@
       <p:sp>
         <p:nvSpPr>
           <p:cNvPr id="21" name="Google Shape;21;p5"/>
-          <p:cNvSpPr txBox="1"/>
+          <p:cNvSpPr txBox="1">
+            <a:spLocks noGrp="1"/>
+          </p:cNvSpPr>
           <p:nvPr>
             <p:ph type="title"/>
           </p:nvPr>
@@ -6384,7 +6545,7 @@
           </a:prstGeom>
         </p:spPr>
         <p:txBody>
-          <a:bodyPr anchorCtr="0" anchor="t" bIns="91425" lIns="91425" spcFirstLastPara="1" rIns="91425" wrap="square" tIns="91425">
+          <a:bodyPr spcFirstLastPara="1" wrap="square" lIns="91425" tIns="91425" rIns="91425" bIns="91425" anchor="t" anchorCtr="0">
             <a:noAutofit/>
           </a:bodyPr>
           <a:lstStyle>
@@ -6488,15 +6649,19 @@
               <a:defRPr/>
             </a:lvl9pPr>
           </a:lstStyle>
-          <a:p/>
+          <a:p>
+            <a:endParaRPr/>
+          </a:p>
         </p:txBody>
       </p:sp>
       <p:sp>
         <p:nvSpPr>
           <p:cNvPr id="22" name="Google Shape;22;p5"/>
-          <p:cNvSpPr txBox="1"/>
+          <p:cNvSpPr txBox="1">
+            <a:spLocks noGrp="1"/>
+          </p:cNvSpPr>
           <p:nvPr>
-            <p:ph idx="1" type="body"/>
+            <p:ph type="body" idx="1"/>
           </p:nvPr>
         </p:nvSpPr>
         <p:spPr>
@@ -6509,11 +6674,11 @@
           </a:prstGeom>
         </p:spPr>
         <p:txBody>
-          <a:bodyPr anchorCtr="0" anchor="t" bIns="91425" lIns="91425" spcFirstLastPara="1" rIns="91425" wrap="square" tIns="91425">
+          <a:bodyPr spcFirstLastPara="1" wrap="square" lIns="91425" tIns="91425" rIns="91425" bIns="91425" anchor="t" anchorCtr="0">
             <a:noAutofit/>
           </a:bodyPr>
           <a:lstStyle>
-            <a:lvl1pPr indent="-317500" lvl="0" marL="457200">
+            <a:lvl1pPr marL="457200" lvl="0" indent="-317500">
               <a:spcBef>
                 <a:spcPts val="0"/>
               </a:spcBef>
@@ -6524,7 +6689,7 @@
               <a:buChar char="●"/>
               <a:defRPr sz="1400"/>
             </a:lvl1pPr>
-            <a:lvl2pPr indent="-304800" lvl="1" marL="914400">
+            <a:lvl2pPr marL="914400" lvl="1" indent="-304800">
               <a:spcBef>
                 <a:spcPts val="1600"/>
               </a:spcBef>
@@ -6535,7 +6700,7 @@
               <a:buChar char="○"/>
               <a:defRPr sz="1200"/>
             </a:lvl2pPr>
-            <a:lvl3pPr indent="-304800" lvl="2" marL="1371600">
+            <a:lvl3pPr marL="1371600" lvl="2" indent="-304800">
               <a:spcBef>
                 <a:spcPts val="1600"/>
               </a:spcBef>
@@ -6546,7 +6711,7 @@
               <a:buChar char="■"/>
               <a:defRPr sz="1200"/>
             </a:lvl3pPr>
-            <a:lvl4pPr indent="-304800" lvl="3" marL="1828800">
+            <a:lvl4pPr marL="1828800" lvl="3" indent="-304800">
               <a:spcBef>
                 <a:spcPts val="1600"/>
               </a:spcBef>
@@ -6557,7 +6722,7 @@
               <a:buChar char="●"/>
               <a:defRPr sz="1200"/>
             </a:lvl4pPr>
-            <a:lvl5pPr indent="-304800" lvl="4" marL="2286000">
+            <a:lvl5pPr marL="2286000" lvl="4" indent="-304800">
               <a:spcBef>
                 <a:spcPts val="1600"/>
               </a:spcBef>
@@ -6568,7 +6733,7 @@
               <a:buChar char="○"/>
               <a:defRPr sz="1200"/>
             </a:lvl5pPr>
-            <a:lvl6pPr indent="-304800" lvl="5" marL="2743200">
+            <a:lvl6pPr marL="2743200" lvl="5" indent="-304800">
               <a:spcBef>
                 <a:spcPts val="1600"/>
               </a:spcBef>
@@ -6579,7 +6744,7 @@
               <a:buChar char="■"/>
               <a:defRPr sz="1200"/>
             </a:lvl6pPr>
-            <a:lvl7pPr indent="-304800" lvl="6" marL="3200400">
+            <a:lvl7pPr marL="3200400" lvl="6" indent="-304800">
               <a:spcBef>
                 <a:spcPts val="1600"/>
               </a:spcBef>
@@ -6590,7 +6755,7 @@
               <a:buChar char="●"/>
               <a:defRPr sz="1200"/>
             </a:lvl7pPr>
-            <a:lvl8pPr indent="-304800" lvl="7" marL="3657600">
+            <a:lvl8pPr marL="3657600" lvl="7" indent="-304800">
               <a:spcBef>
                 <a:spcPts val="1600"/>
               </a:spcBef>
@@ -6601,7 +6766,7 @@
               <a:buChar char="○"/>
               <a:defRPr sz="1200"/>
             </a:lvl8pPr>
-            <a:lvl9pPr indent="-304800" lvl="8" marL="4114800">
+            <a:lvl9pPr marL="4114800" lvl="8" indent="-304800">
               <a:spcBef>
                 <a:spcPts val="1600"/>
               </a:spcBef>
@@ -6613,15 +6778,19 @@
               <a:defRPr sz="1200"/>
             </a:lvl9pPr>
           </a:lstStyle>
-          <a:p/>
+          <a:p>
+            <a:endParaRPr/>
+          </a:p>
         </p:txBody>
       </p:sp>
       <p:sp>
         <p:nvSpPr>
           <p:cNvPr id="23" name="Google Shape;23;p5"/>
-          <p:cNvSpPr txBox="1"/>
+          <p:cNvSpPr txBox="1">
+            <a:spLocks noGrp="1"/>
+          </p:cNvSpPr>
           <p:nvPr>
-            <p:ph idx="2" type="body"/>
+            <p:ph type="body" idx="2"/>
           </p:nvPr>
         </p:nvSpPr>
         <p:spPr>
@@ -6634,11 +6803,11 @@
           </a:prstGeom>
         </p:spPr>
         <p:txBody>
-          <a:bodyPr anchorCtr="0" anchor="t" bIns="91425" lIns="91425" spcFirstLastPara="1" rIns="91425" wrap="square" tIns="91425">
+          <a:bodyPr spcFirstLastPara="1" wrap="square" lIns="91425" tIns="91425" rIns="91425" bIns="91425" anchor="t" anchorCtr="0">
             <a:noAutofit/>
           </a:bodyPr>
           <a:lstStyle>
-            <a:lvl1pPr indent="-317500" lvl="0" marL="457200">
+            <a:lvl1pPr marL="457200" lvl="0" indent="-317500">
               <a:spcBef>
                 <a:spcPts val="0"/>
               </a:spcBef>
@@ -6649,7 +6818,7 @@
               <a:buChar char="●"/>
               <a:defRPr sz="1400"/>
             </a:lvl1pPr>
-            <a:lvl2pPr indent="-304800" lvl="1" marL="914400">
+            <a:lvl2pPr marL="914400" lvl="1" indent="-304800">
               <a:spcBef>
                 <a:spcPts val="1600"/>
               </a:spcBef>
@@ -6660,7 +6829,7 @@
               <a:buChar char="○"/>
               <a:defRPr sz="1200"/>
             </a:lvl2pPr>
-            <a:lvl3pPr indent="-304800" lvl="2" marL="1371600">
+            <a:lvl3pPr marL="1371600" lvl="2" indent="-304800">
               <a:spcBef>
                 <a:spcPts val="1600"/>
               </a:spcBef>
@@ -6671,7 +6840,7 @@
               <a:buChar char="■"/>
               <a:defRPr sz="1200"/>
             </a:lvl3pPr>
-            <a:lvl4pPr indent="-304800" lvl="3" marL="1828800">
+            <a:lvl4pPr marL="1828800" lvl="3" indent="-304800">
               <a:spcBef>
                 <a:spcPts val="1600"/>
               </a:spcBef>
@@ -6682,7 +6851,7 @@
               <a:buChar char="●"/>
               <a:defRPr sz="1200"/>
             </a:lvl4pPr>
-            <a:lvl5pPr indent="-304800" lvl="4" marL="2286000">
+            <a:lvl5pPr marL="2286000" lvl="4" indent="-304800">
               <a:spcBef>
                 <a:spcPts val="1600"/>
               </a:spcBef>
@@ -6693,7 +6862,7 @@
               <a:buChar char="○"/>
               <a:defRPr sz="1200"/>
             </a:lvl5pPr>
-            <a:lvl6pPr indent="-304800" lvl="5" marL="2743200">
+            <a:lvl6pPr marL="2743200" lvl="5" indent="-304800">
               <a:spcBef>
                 <a:spcPts val="1600"/>
               </a:spcBef>
@@ -6704,7 +6873,7 @@
               <a:buChar char="■"/>
               <a:defRPr sz="1200"/>
             </a:lvl6pPr>
-            <a:lvl7pPr indent="-304800" lvl="6" marL="3200400">
+            <a:lvl7pPr marL="3200400" lvl="6" indent="-304800">
               <a:spcBef>
                 <a:spcPts val="1600"/>
               </a:spcBef>
@@ -6715,7 +6884,7 @@
               <a:buChar char="●"/>
               <a:defRPr sz="1200"/>
             </a:lvl7pPr>
-            <a:lvl8pPr indent="-304800" lvl="7" marL="3657600">
+            <a:lvl8pPr marL="3657600" lvl="7" indent="-304800">
               <a:spcBef>
                 <a:spcPts val="1600"/>
               </a:spcBef>
@@ -6726,7 +6895,7 @@
               <a:buChar char="○"/>
               <a:defRPr sz="1200"/>
             </a:lvl8pPr>
-            <a:lvl9pPr indent="-304800" lvl="8" marL="4114800">
+            <a:lvl9pPr marL="4114800" lvl="8" indent="-304800">
               <a:spcBef>
                 <a:spcPts val="1600"/>
               </a:spcBef>
@@ -6738,15 +6907,19 @@
               <a:defRPr sz="1200"/>
             </a:lvl9pPr>
           </a:lstStyle>
-          <a:p/>
+          <a:p>
+            <a:endParaRPr/>
+          </a:p>
         </p:txBody>
       </p:sp>
       <p:sp>
         <p:nvSpPr>
           <p:cNvPr id="24" name="Google Shape;24;p5"/>
-          <p:cNvSpPr txBox="1"/>
+          <p:cNvSpPr txBox="1">
+            <a:spLocks noGrp="1"/>
+          </p:cNvSpPr>
           <p:nvPr>
-            <p:ph idx="12" type="sldNum"/>
+            <p:ph type="sldNum" idx="12"/>
           </p:nvPr>
         </p:nvSpPr>
         <p:spPr>
@@ -6759,7 +6932,7 @@
           </a:prstGeom>
         </p:spPr>
         <p:txBody>
-          <a:bodyPr anchorCtr="0" anchor="ctr" bIns="91425" lIns="91425" spcFirstLastPara="1" rIns="91425" wrap="square" tIns="91425">
+          <a:bodyPr spcFirstLastPara="1" wrap="square" lIns="91425" tIns="91425" rIns="91425" bIns="91425" anchor="ctr" anchorCtr="0">
             <a:noAutofit/>
           </a:bodyPr>
           <a:lstStyle>
@@ -6801,7 +6974,7 @@
             </a:lvl9pPr>
           </a:lstStyle>
           <a:p>
-            <a:pPr indent="0" lvl="0" marL="0" rtl="0" algn="r">
+            <a:pPr marL="0" lvl="0" indent="0" algn="r" rtl="0">
               <a:spcBef>
                 <a:spcPts val="0"/>
               </a:spcBef>
@@ -6827,11 +7000,11 @@
 </file>
 
 <file path=ppt/slideLayouts/slideLayout5.xml><?xml version="1.0" encoding="utf-8"?>
-<p:sldLayout xmlns:a="http://schemas.openxmlformats.org/drawingml/2006/main" xmlns:r="http://schemas.openxmlformats.org/officeDocument/2006/relationships" xmlns:mc="http://schemas.openxmlformats.org/markup-compatibility/2006" xmlns:mv="urn:schemas-microsoft-com:mac:vml" xmlns:p="http://schemas.openxmlformats.org/presentationml/2006/main" xmlns:c="http://schemas.openxmlformats.org/drawingml/2006/chart" xmlns:dgm="http://schemas.openxmlformats.org/drawingml/2006/diagram" xmlns:o="urn:schemas-microsoft-com:office:office" xmlns:v="urn:schemas-microsoft-com:vml" xmlns:pvml="urn:schemas-microsoft-com:office:powerpoint" xmlns:com="http://schemas.openxmlformats.org/drawingml/2006/compatibility" xmlns:p14="http://schemas.microsoft.com/office/powerpoint/2010/main" xmlns:p15="http://schemas.microsoft.com/office/powerpoint/2012/main" xmlns:ahyp="http://schemas.microsoft.com/office/drawing/2018/hyperlinkcolor" matchingName="Title only" type="titleOnly">
+<p:sldLayout xmlns:a="http://schemas.openxmlformats.org/drawingml/2006/main" xmlns:r="http://schemas.openxmlformats.org/officeDocument/2006/relationships" xmlns:p="http://schemas.openxmlformats.org/presentationml/2006/main" matchingName="Title only" type="titleOnly">
   <p:cSld name="TITLE_ONLY">
     <p:spTree>
       <p:nvGrpSpPr>
-        <p:cNvPr id="25" name="Shape 25"/>
+        <p:cNvPr id="1" name="Shape 25"/>
         <p:cNvGrpSpPr/>
         <p:nvPr/>
       </p:nvGrpSpPr>
@@ -6846,7 +7019,9 @@
       <p:sp>
         <p:nvSpPr>
           <p:cNvPr id="26" name="Google Shape;26;p6"/>
-          <p:cNvSpPr txBox="1"/>
+          <p:cNvSpPr txBox="1">
+            <a:spLocks noGrp="1"/>
+          </p:cNvSpPr>
           <p:nvPr>
             <p:ph type="title"/>
           </p:nvPr>
@@ -6861,7 +7036,7 @@
           </a:prstGeom>
         </p:spPr>
         <p:txBody>
-          <a:bodyPr anchorCtr="0" anchor="t" bIns="91425" lIns="91425" spcFirstLastPara="1" rIns="91425" wrap="square" tIns="91425">
+          <a:bodyPr spcFirstLastPara="1" wrap="square" lIns="91425" tIns="91425" rIns="91425" bIns="91425" anchor="t" anchorCtr="0">
             <a:noAutofit/>
           </a:bodyPr>
           <a:lstStyle>
@@ -6965,15 +7140,19 @@
               <a:defRPr/>
             </a:lvl9pPr>
           </a:lstStyle>
-          <a:p/>
+          <a:p>
+            <a:endParaRPr/>
+          </a:p>
         </p:txBody>
       </p:sp>
       <p:sp>
         <p:nvSpPr>
           <p:cNvPr id="27" name="Google Shape;27;p6"/>
-          <p:cNvSpPr txBox="1"/>
+          <p:cNvSpPr txBox="1">
+            <a:spLocks noGrp="1"/>
+          </p:cNvSpPr>
           <p:nvPr>
-            <p:ph idx="12" type="sldNum"/>
+            <p:ph type="sldNum" idx="12"/>
           </p:nvPr>
         </p:nvSpPr>
         <p:spPr>
@@ -6986,7 +7165,7 @@
           </a:prstGeom>
         </p:spPr>
         <p:txBody>
-          <a:bodyPr anchorCtr="0" anchor="ctr" bIns="91425" lIns="91425" spcFirstLastPara="1" rIns="91425" wrap="square" tIns="91425">
+          <a:bodyPr spcFirstLastPara="1" wrap="square" lIns="91425" tIns="91425" rIns="91425" bIns="91425" anchor="ctr" anchorCtr="0">
             <a:noAutofit/>
           </a:bodyPr>
           <a:lstStyle>
@@ -7028,7 +7207,7 @@
             </a:lvl9pPr>
           </a:lstStyle>
           <a:p>
-            <a:pPr indent="0" lvl="0" marL="0" rtl="0" algn="r">
+            <a:pPr marL="0" lvl="0" indent="0" algn="r" rtl="0">
               <a:spcBef>
                 <a:spcPts val="0"/>
               </a:spcBef>
@@ -7054,11 +7233,11 @@
 </file>
 
 <file path=ppt/slideLayouts/slideLayout6.xml><?xml version="1.0" encoding="utf-8"?>
-<p:sldLayout xmlns:a="http://schemas.openxmlformats.org/drawingml/2006/main" xmlns:r="http://schemas.openxmlformats.org/officeDocument/2006/relationships" xmlns:mc="http://schemas.openxmlformats.org/markup-compatibility/2006" xmlns:mv="urn:schemas-microsoft-com:mac:vml" xmlns:p="http://schemas.openxmlformats.org/presentationml/2006/main" xmlns:c="http://schemas.openxmlformats.org/drawingml/2006/chart" xmlns:dgm="http://schemas.openxmlformats.org/drawingml/2006/diagram" xmlns:o="urn:schemas-microsoft-com:office:office" xmlns:v="urn:schemas-microsoft-com:vml" xmlns:pvml="urn:schemas-microsoft-com:office:powerpoint" xmlns:com="http://schemas.openxmlformats.org/drawingml/2006/compatibility" xmlns:p14="http://schemas.microsoft.com/office/powerpoint/2010/main" xmlns:p15="http://schemas.microsoft.com/office/powerpoint/2012/main" xmlns:ahyp="http://schemas.microsoft.com/office/drawing/2018/hyperlinkcolor" matchingName="One column text">
+<p:sldLayout xmlns:a="http://schemas.openxmlformats.org/drawingml/2006/main" xmlns:r="http://schemas.openxmlformats.org/officeDocument/2006/relationships" xmlns:p="http://schemas.openxmlformats.org/presentationml/2006/main" matchingName="One column text">
   <p:cSld name="ONE_COLUMN_TEXT">
     <p:spTree>
       <p:nvGrpSpPr>
-        <p:cNvPr id="28" name="Shape 28"/>
+        <p:cNvPr id="1" name="Shape 28"/>
         <p:cNvGrpSpPr/>
         <p:nvPr/>
       </p:nvGrpSpPr>
@@ -7073,7 +7252,9 @@
       <p:sp>
         <p:nvSpPr>
           <p:cNvPr id="29" name="Google Shape;29;p7"/>
-          <p:cNvSpPr txBox="1"/>
+          <p:cNvSpPr txBox="1">
+            <a:spLocks noGrp="1"/>
+          </p:cNvSpPr>
           <p:nvPr>
             <p:ph type="title"/>
           </p:nvPr>
@@ -7088,7 +7269,7 @@
           </a:prstGeom>
         </p:spPr>
         <p:txBody>
-          <a:bodyPr anchorCtr="0" anchor="b" bIns="91425" lIns="91425" spcFirstLastPara="1" rIns="91425" wrap="square" tIns="91425">
+          <a:bodyPr spcFirstLastPara="1" wrap="square" lIns="91425" tIns="91425" rIns="91425" bIns="91425" anchor="b" anchorCtr="0">
             <a:noAutofit/>
           </a:bodyPr>
           <a:lstStyle>
@@ -7192,15 +7373,19 @@
               <a:defRPr sz="2400"/>
             </a:lvl9pPr>
           </a:lstStyle>
-          <a:p/>
+          <a:p>
+            <a:endParaRPr/>
+          </a:p>
         </p:txBody>
       </p:sp>
       <p:sp>
         <p:nvSpPr>
           <p:cNvPr id="30" name="Google Shape;30;p7"/>
-          <p:cNvSpPr txBox="1"/>
+          <p:cNvSpPr txBox="1">
+            <a:spLocks noGrp="1"/>
+          </p:cNvSpPr>
           <p:nvPr>
-            <p:ph idx="1" type="body"/>
+            <p:ph type="body" idx="1"/>
           </p:nvPr>
         </p:nvSpPr>
         <p:spPr>
@@ -7213,11 +7398,11 @@
           </a:prstGeom>
         </p:spPr>
         <p:txBody>
-          <a:bodyPr anchorCtr="0" anchor="t" bIns="91425" lIns="91425" spcFirstLastPara="1" rIns="91425" wrap="square" tIns="91425">
+          <a:bodyPr spcFirstLastPara="1" wrap="square" lIns="91425" tIns="91425" rIns="91425" bIns="91425" anchor="t" anchorCtr="0">
             <a:noAutofit/>
           </a:bodyPr>
           <a:lstStyle>
-            <a:lvl1pPr indent="-304800" lvl="0" marL="457200">
+            <a:lvl1pPr marL="457200" lvl="0" indent="-304800">
               <a:spcBef>
                 <a:spcPts val="0"/>
               </a:spcBef>
@@ -7228,7 +7413,7 @@
               <a:buChar char="●"/>
               <a:defRPr sz="1200"/>
             </a:lvl1pPr>
-            <a:lvl2pPr indent="-304800" lvl="1" marL="914400">
+            <a:lvl2pPr marL="914400" lvl="1" indent="-304800">
               <a:spcBef>
                 <a:spcPts val="1600"/>
               </a:spcBef>
@@ -7239,7 +7424,7 @@
               <a:buChar char="○"/>
               <a:defRPr sz="1200"/>
             </a:lvl2pPr>
-            <a:lvl3pPr indent="-304800" lvl="2" marL="1371600">
+            <a:lvl3pPr marL="1371600" lvl="2" indent="-304800">
               <a:spcBef>
                 <a:spcPts val="1600"/>
               </a:spcBef>
@@ -7250,7 +7435,7 @@
               <a:buChar char="■"/>
               <a:defRPr sz="1200"/>
             </a:lvl3pPr>
-            <a:lvl4pPr indent="-304800" lvl="3" marL="1828800">
+            <a:lvl4pPr marL="1828800" lvl="3" indent="-304800">
               <a:spcBef>
                 <a:spcPts val="1600"/>
               </a:spcBef>
@@ -7261,7 +7446,7 @@
               <a:buChar char="●"/>
               <a:defRPr sz="1200"/>
             </a:lvl4pPr>
-            <a:lvl5pPr indent="-304800" lvl="4" marL="2286000">
+            <a:lvl5pPr marL="2286000" lvl="4" indent="-304800">
               <a:spcBef>
                 <a:spcPts val="1600"/>
               </a:spcBef>
@@ -7272,7 +7457,7 @@
               <a:buChar char="○"/>
               <a:defRPr sz="1200"/>
             </a:lvl5pPr>
-            <a:lvl6pPr indent="-304800" lvl="5" marL="2743200">
+            <a:lvl6pPr marL="2743200" lvl="5" indent="-304800">
               <a:spcBef>
                 <a:spcPts val="1600"/>
               </a:spcBef>
@@ -7283,7 +7468,7 @@
               <a:buChar char="■"/>
               <a:defRPr sz="1200"/>
             </a:lvl6pPr>
-            <a:lvl7pPr indent="-304800" lvl="6" marL="3200400">
+            <a:lvl7pPr marL="3200400" lvl="6" indent="-304800">
               <a:spcBef>
                 <a:spcPts val="1600"/>
               </a:spcBef>
@@ -7294,7 +7479,7 @@
               <a:buChar char="●"/>
               <a:defRPr sz="1200"/>
             </a:lvl7pPr>
-            <a:lvl8pPr indent="-304800" lvl="7" marL="3657600">
+            <a:lvl8pPr marL="3657600" lvl="7" indent="-304800">
               <a:spcBef>
                 <a:spcPts val="1600"/>
               </a:spcBef>
@@ -7305,7 +7490,7 @@
               <a:buChar char="○"/>
               <a:defRPr sz="1200"/>
             </a:lvl8pPr>
-            <a:lvl9pPr indent="-304800" lvl="8" marL="4114800">
+            <a:lvl9pPr marL="4114800" lvl="8" indent="-304800">
               <a:spcBef>
                 <a:spcPts val="1600"/>
               </a:spcBef>
@@ -7317,15 +7502,19 @@
               <a:defRPr sz="1200"/>
             </a:lvl9pPr>
           </a:lstStyle>
-          <a:p/>
+          <a:p>
+            <a:endParaRPr/>
+          </a:p>
         </p:txBody>
       </p:sp>
       <p:sp>
         <p:nvSpPr>
           <p:cNvPr id="31" name="Google Shape;31;p7"/>
-          <p:cNvSpPr txBox="1"/>
+          <p:cNvSpPr txBox="1">
+            <a:spLocks noGrp="1"/>
+          </p:cNvSpPr>
           <p:nvPr>
-            <p:ph idx="12" type="sldNum"/>
+            <p:ph type="sldNum" idx="12"/>
           </p:nvPr>
         </p:nvSpPr>
         <p:spPr>
@@ -7338,7 +7527,7 @@
           </a:prstGeom>
         </p:spPr>
         <p:txBody>
-          <a:bodyPr anchorCtr="0" anchor="ctr" bIns="91425" lIns="91425" spcFirstLastPara="1" rIns="91425" wrap="square" tIns="91425">
+          <a:bodyPr spcFirstLastPara="1" wrap="square" lIns="91425" tIns="91425" rIns="91425" bIns="91425" anchor="ctr" anchorCtr="0">
             <a:noAutofit/>
           </a:bodyPr>
           <a:lstStyle>
@@ -7380,7 +7569,7 @@
             </a:lvl9pPr>
           </a:lstStyle>
           <a:p>
-            <a:pPr indent="0" lvl="0" marL="0" rtl="0" algn="r">
+            <a:pPr marL="0" lvl="0" indent="0" algn="r" rtl="0">
               <a:spcBef>
                 <a:spcPts val="0"/>
               </a:spcBef>
@@ -7406,11 +7595,11 @@
 </file>
 
 <file path=ppt/slideLayouts/slideLayout7.xml><?xml version="1.0" encoding="utf-8"?>
-<p:sldLayout xmlns:a="http://schemas.openxmlformats.org/drawingml/2006/main" xmlns:r="http://schemas.openxmlformats.org/officeDocument/2006/relationships" xmlns:mc="http://schemas.openxmlformats.org/markup-compatibility/2006" xmlns:mv="urn:schemas-microsoft-com:mac:vml" xmlns:p="http://schemas.openxmlformats.org/presentationml/2006/main" xmlns:c="http://schemas.openxmlformats.org/drawingml/2006/chart" xmlns:dgm="http://schemas.openxmlformats.org/drawingml/2006/diagram" xmlns:o="urn:schemas-microsoft-com:office:office" xmlns:v="urn:schemas-microsoft-com:vml" xmlns:pvml="urn:schemas-microsoft-com:office:powerpoint" xmlns:com="http://schemas.openxmlformats.org/drawingml/2006/compatibility" xmlns:p14="http://schemas.microsoft.com/office/powerpoint/2010/main" xmlns:p15="http://schemas.microsoft.com/office/powerpoint/2012/main" xmlns:ahyp="http://schemas.microsoft.com/office/drawing/2018/hyperlinkcolor" matchingName="Main point">
+<p:sldLayout xmlns:a="http://schemas.openxmlformats.org/drawingml/2006/main" xmlns:r="http://schemas.openxmlformats.org/officeDocument/2006/relationships" xmlns:p="http://schemas.openxmlformats.org/presentationml/2006/main" matchingName="Main point">
   <p:cSld name="MAIN_POINT">
     <p:spTree>
       <p:nvGrpSpPr>
-        <p:cNvPr id="32" name="Shape 32"/>
+        <p:cNvPr id="1" name="Shape 32"/>
         <p:cNvGrpSpPr/>
         <p:nvPr/>
       </p:nvGrpSpPr>
@@ -7425,7 +7614,9 @@
       <p:sp>
         <p:nvSpPr>
           <p:cNvPr id="33" name="Google Shape;33;p8"/>
-          <p:cNvSpPr txBox="1"/>
+          <p:cNvSpPr txBox="1">
+            <a:spLocks noGrp="1"/>
+          </p:cNvSpPr>
           <p:nvPr>
             <p:ph type="title"/>
           </p:nvPr>
@@ -7440,7 +7631,7 @@
           </a:prstGeom>
         </p:spPr>
         <p:txBody>
-          <a:bodyPr anchorCtr="0" anchor="ctr" bIns="91425" lIns="91425" spcFirstLastPara="1" rIns="91425" wrap="square" tIns="91425">
+          <a:bodyPr spcFirstLastPara="1" wrap="square" lIns="91425" tIns="91425" rIns="91425" bIns="91425" anchor="ctr" anchorCtr="0">
             <a:noAutofit/>
           </a:bodyPr>
           <a:lstStyle>
@@ -7544,15 +7735,19 @@
               <a:defRPr sz="4800"/>
             </a:lvl9pPr>
           </a:lstStyle>
-          <a:p/>
+          <a:p>
+            <a:endParaRPr/>
+          </a:p>
         </p:txBody>
       </p:sp>
       <p:sp>
         <p:nvSpPr>
           <p:cNvPr id="34" name="Google Shape;34;p8"/>
-          <p:cNvSpPr txBox="1"/>
+          <p:cNvSpPr txBox="1">
+            <a:spLocks noGrp="1"/>
+          </p:cNvSpPr>
           <p:nvPr>
-            <p:ph idx="12" type="sldNum"/>
+            <p:ph type="sldNum" idx="12"/>
           </p:nvPr>
         </p:nvSpPr>
         <p:spPr>
@@ -7565,7 +7760,7 @@
           </a:prstGeom>
         </p:spPr>
         <p:txBody>
-          <a:bodyPr anchorCtr="0" anchor="ctr" bIns="91425" lIns="91425" spcFirstLastPara="1" rIns="91425" wrap="square" tIns="91425">
+          <a:bodyPr spcFirstLastPara="1" wrap="square" lIns="91425" tIns="91425" rIns="91425" bIns="91425" anchor="ctr" anchorCtr="0">
             <a:noAutofit/>
           </a:bodyPr>
           <a:lstStyle>
@@ -7607,7 +7802,7 @@
             </a:lvl9pPr>
           </a:lstStyle>
           <a:p>
-            <a:pPr indent="0" lvl="0" marL="0" rtl="0" algn="r">
+            <a:pPr marL="0" lvl="0" indent="0" algn="r" rtl="0">
               <a:spcBef>
                 <a:spcPts val="0"/>
               </a:spcBef>
@@ -7633,11 +7828,11 @@
 </file>
 
 <file path=ppt/slideLayouts/slideLayout8.xml><?xml version="1.0" encoding="utf-8"?>
-<p:sldLayout xmlns:a="http://schemas.openxmlformats.org/drawingml/2006/main" xmlns:r="http://schemas.openxmlformats.org/officeDocument/2006/relationships" xmlns:mc="http://schemas.openxmlformats.org/markup-compatibility/2006" xmlns:mv="urn:schemas-microsoft-com:mac:vml" xmlns:p="http://schemas.openxmlformats.org/presentationml/2006/main" xmlns:c="http://schemas.openxmlformats.org/drawingml/2006/chart" xmlns:dgm="http://schemas.openxmlformats.org/drawingml/2006/diagram" xmlns:o="urn:schemas-microsoft-com:office:office" xmlns:v="urn:schemas-microsoft-com:vml" xmlns:pvml="urn:schemas-microsoft-com:office:powerpoint" xmlns:com="http://schemas.openxmlformats.org/drawingml/2006/compatibility" xmlns:p14="http://schemas.microsoft.com/office/powerpoint/2010/main" xmlns:p15="http://schemas.microsoft.com/office/powerpoint/2012/main" xmlns:ahyp="http://schemas.microsoft.com/office/drawing/2018/hyperlinkcolor" matchingName="Section title and description">
+<p:sldLayout xmlns:a="http://schemas.openxmlformats.org/drawingml/2006/main" xmlns:r="http://schemas.openxmlformats.org/officeDocument/2006/relationships" xmlns:p="http://schemas.openxmlformats.org/presentationml/2006/main" matchingName="Section title and description">
   <p:cSld name="SECTION_TITLE_AND_DESCRIPTION">
     <p:spTree>
       <p:nvGrpSpPr>
-        <p:cNvPr id="35" name="Shape 35"/>
+        <p:cNvPr id="1" name="Shape 35"/>
         <p:cNvGrpSpPr/>
         <p:nvPr/>
       </p:nvGrpSpPr>
@@ -7671,12 +7866,12 @@
           </a:ln>
         </p:spPr>
         <p:txBody>
-          <a:bodyPr anchorCtr="0" anchor="ctr" bIns="91425" lIns="91425" spcFirstLastPara="1" rIns="91425" wrap="square" tIns="91425">
+          <a:bodyPr spcFirstLastPara="1" wrap="square" lIns="91425" tIns="91425" rIns="91425" bIns="91425" anchor="ctr" anchorCtr="0">
             <a:noAutofit/>
           </a:bodyPr>
           <a:lstStyle/>
           <a:p>
-            <a:pPr indent="0" lvl="0" marL="0" rtl="0" algn="l">
+            <a:pPr marL="0" lvl="0" indent="0" algn="l" rtl="0">
               <a:spcBef>
                 <a:spcPts val="0"/>
               </a:spcBef>
@@ -7685,9 +7880,6 @@
               </a:spcAft>
               <a:buNone/>
             </a:pPr>
-            <a:r>
-              <a:t/>
-            </a:r>
             <a:endParaRPr/>
           </a:p>
         </p:txBody>
@@ -7695,7 +7887,9 @@
       <p:sp>
         <p:nvSpPr>
           <p:cNvPr id="37" name="Google Shape;37;p9"/>
-          <p:cNvSpPr txBox="1"/>
+          <p:cNvSpPr txBox="1">
+            <a:spLocks noGrp="1"/>
+          </p:cNvSpPr>
           <p:nvPr>
             <p:ph type="title"/>
           </p:nvPr>
@@ -7710,7 +7904,7 @@
           </a:prstGeom>
         </p:spPr>
         <p:txBody>
-          <a:bodyPr anchorCtr="0" anchor="b" bIns="91425" lIns="91425" spcFirstLastPara="1" rIns="91425" wrap="square" tIns="91425">
+          <a:bodyPr spcFirstLastPara="1" wrap="square" lIns="91425" tIns="91425" rIns="91425" bIns="91425" anchor="b" anchorCtr="0">
             <a:noAutofit/>
           </a:bodyPr>
           <a:lstStyle>
@@ -7814,15 +8008,19 @@
               <a:defRPr sz="4200"/>
             </a:lvl9pPr>
           </a:lstStyle>
-          <a:p/>
+          <a:p>
+            <a:endParaRPr/>
+          </a:p>
         </p:txBody>
       </p:sp>
       <p:sp>
         <p:nvSpPr>
           <p:cNvPr id="38" name="Google Shape;38;p9"/>
-          <p:cNvSpPr txBox="1"/>
+          <p:cNvSpPr txBox="1">
+            <a:spLocks noGrp="1"/>
+          </p:cNvSpPr>
           <p:nvPr>
-            <p:ph idx="1" type="subTitle"/>
+            <p:ph type="subTitle" idx="1"/>
           </p:nvPr>
         </p:nvSpPr>
         <p:spPr>
@@ -7835,7 +8033,7 @@
           </a:prstGeom>
         </p:spPr>
         <p:txBody>
-          <a:bodyPr anchorCtr="0" anchor="t" bIns="91425" lIns="91425" spcFirstLastPara="1" rIns="91425" wrap="square" tIns="91425">
+          <a:bodyPr spcFirstLastPara="1" wrap="square" lIns="91425" tIns="91425" rIns="91425" bIns="91425" anchor="t" anchorCtr="0">
             <a:noAutofit/>
           </a:bodyPr>
           <a:lstStyle>
@@ -7966,15 +8164,19 @@
               <a:defRPr sz="2100"/>
             </a:lvl9pPr>
           </a:lstStyle>
-          <a:p/>
+          <a:p>
+            <a:endParaRPr/>
+          </a:p>
         </p:txBody>
       </p:sp>
       <p:sp>
         <p:nvSpPr>
           <p:cNvPr id="39" name="Google Shape;39;p9"/>
-          <p:cNvSpPr txBox="1"/>
+          <p:cNvSpPr txBox="1">
+            <a:spLocks noGrp="1"/>
+          </p:cNvSpPr>
           <p:nvPr>
-            <p:ph idx="2" type="body"/>
+            <p:ph type="body" idx="2"/>
           </p:nvPr>
         </p:nvSpPr>
         <p:spPr>
@@ -7987,11 +8189,11 @@
           </a:prstGeom>
         </p:spPr>
         <p:txBody>
-          <a:bodyPr anchorCtr="0" anchor="ctr" bIns="91425" lIns="91425" spcFirstLastPara="1" rIns="91425" wrap="square" tIns="91425">
+          <a:bodyPr spcFirstLastPara="1" wrap="square" lIns="91425" tIns="91425" rIns="91425" bIns="91425" anchor="ctr" anchorCtr="0">
             <a:noAutofit/>
           </a:bodyPr>
           <a:lstStyle>
-            <a:lvl1pPr indent="-342900" lvl="0" marL="457200">
+            <a:lvl1pPr marL="457200" lvl="0" indent="-342900">
               <a:spcBef>
                 <a:spcPts val="0"/>
               </a:spcBef>
@@ -8002,7 +8204,7 @@
               <a:buChar char="●"/>
               <a:defRPr/>
             </a:lvl1pPr>
-            <a:lvl2pPr indent="-317500" lvl="1" marL="914400">
+            <a:lvl2pPr marL="914400" lvl="1" indent="-317500">
               <a:spcBef>
                 <a:spcPts val="1600"/>
               </a:spcBef>
@@ -8013,7 +8215,7 @@
               <a:buChar char="○"/>
               <a:defRPr/>
             </a:lvl2pPr>
-            <a:lvl3pPr indent="-317500" lvl="2" marL="1371600">
+            <a:lvl3pPr marL="1371600" lvl="2" indent="-317500">
               <a:spcBef>
                 <a:spcPts val="1600"/>
               </a:spcBef>
@@ -8024,7 +8226,7 @@
               <a:buChar char="■"/>
               <a:defRPr/>
             </a:lvl3pPr>
-            <a:lvl4pPr indent="-317500" lvl="3" marL="1828800">
+            <a:lvl4pPr marL="1828800" lvl="3" indent="-317500">
               <a:spcBef>
                 <a:spcPts val="1600"/>
               </a:spcBef>
@@ -8035,7 +8237,7 @@
               <a:buChar char="●"/>
               <a:defRPr/>
             </a:lvl4pPr>
-            <a:lvl5pPr indent="-317500" lvl="4" marL="2286000">
+            <a:lvl5pPr marL="2286000" lvl="4" indent="-317500">
               <a:spcBef>
                 <a:spcPts val="1600"/>
               </a:spcBef>
@@ -8046,7 +8248,7 @@
               <a:buChar char="○"/>
               <a:defRPr/>
             </a:lvl5pPr>
-            <a:lvl6pPr indent="-317500" lvl="5" marL="2743200">
+            <a:lvl6pPr marL="2743200" lvl="5" indent="-317500">
               <a:spcBef>
                 <a:spcPts val="1600"/>
               </a:spcBef>
@@ -8057,7 +8259,7 @@
               <a:buChar char="■"/>
               <a:defRPr/>
             </a:lvl6pPr>
-            <a:lvl7pPr indent="-317500" lvl="6" marL="3200400">
+            <a:lvl7pPr marL="3200400" lvl="6" indent="-317500">
               <a:spcBef>
                 <a:spcPts val="1600"/>
               </a:spcBef>
@@ -8068,7 +8270,7 @@
               <a:buChar char="●"/>
               <a:defRPr/>
             </a:lvl7pPr>
-            <a:lvl8pPr indent="-317500" lvl="7" marL="3657600">
+            <a:lvl8pPr marL="3657600" lvl="7" indent="-317500">
               <a:spcBef>
                 <a:spcPts val="1600"/>
               </a:spcBef>
@@ -8079,7 +8281,7 @@
               <a:buChar char="○"/>
               <a:defRPr/>
             </a:lvl8pPr>
-            <a:lvl9pPr indent="-317500" lvl="8" marL="4114800">
+            <a:lvl9pPr marL="4114800" lvl="8" indent="-317500">
               <a:spcBef>
                 <a:spcPts val="1600"/>
               </a:spcBef>
@@ -8091,15 +8293,19 @@
               <a:defRPr/>
             </a:lvl9pPr>
           </a:lstStyle>
-          <a:p/>
+          <a:p>
+            <a:endParaRPr/>
+          </a:p>
         </p:txBody>
       </p:sp>
       <p:sp>
         <p:nvSpPr>
           <p:cNvPr id="40" name="Google Shape;40;p9"/>
-          <p:cNvSpPr txBox="1"/>
+          <p:cNvSpPr txBox="1">
+            <a:spLocks noGrp="1"/>
+          </p:cNvSpPr>
           <p:nvPr>
-            <p:ph idx="12" type="sldNum"/>
+            <p:ph type="sldNum" idx="12"/>
           </p:nvPr>
         </p:nvSpPr>
         <p:spPr>
@@ -8112,7 +8318,7 @@
           </a:prstGeom>
         </p:spPr>
         <p:txBody>
-          <a:bodyPr anchorCtr="0" anchor="ctr" bIns="91425" lIns="91425" spcFirstLastPara="1" rIns="91425" wrap="square" tIns="91425">
+          <a:bodyPr spcFirstLastPara="1" wrap="square" lIns="91425" tIns="91425" rIns="91425" bIns="91425" anchor="ctr" anchorCtr="0">
             <a:noAutofit/>
           </a:bodyPr>
           <a:lstStyle>
@@ -8154,7 +8360,7 @@
             </a:lvl9pPr>
           </a:lstStyle>
           <a:p>
-            <a:pPr indent="0" lvl="0" marL="0" rtl="0" algn="r">
+            <a:pPr marL="0" lvl="0" indent="0" algn="r" rtl="0">
               <a:spcBef>
                 <a:spcPts val="0"/>
               </a:spcBef>
@@ -8180,11 +8386,11 @@
 </file>
 
 <file path=ppt/slideLayouts/slideLayout9.xml><?xml version="1.0" encoding="utf-8"?>
-<p:sldLayout xmlns:a="http://schemas.openxmlformats.org/drawingml/2006/main" xmlns:r="http://schemas.openxmlformats.org/officeDocument/2006/relationships" xmlns:mc="http://schemas.openxmlformats.org/markup-compatibility/2006" xmlns:mv="urn:schemas-microsoft-com:mac:vml" xmlns:p="http://schemas.openxmlformats.org/presentationml/2006/main" xmlns:c="http://schemas.openxmlformats.org/drawingml/2006/chart" xmlns:dgm="http://schemas.openxmlformats.org/drawingml/2006/diagram" xmlns:o="urn:schemas-microsoft-com:office:office" xmlns:v="urn:schemas-microsoft-com:vml" xmlns:pvml="urn:schemas-microsoft-com:office:powerpoint" xmlns:com="http://schemas.openxmlformats.org/drawingml/2006/compatibility" xmlns:p14="http://schemas.microsoft.com/office/powerpoint/2010/main" xmlns:p15="http://schemas.microsoft.com/office/powerpoint/2012/main" xmlns:ahyp="http://schemas.microsoft.com/office/drawing/2018/hyperlinkcolor" matchingName="Caption">
+<p:sldLayout xmlns:a="http://schemas.openxmlformats.org/drawingml/2006/main" xmlns:r="http://schemas.openxmlformats.org/officeDocument/2006/relationships" xmlns:p="http://schemas.openxmlformats.org/presentationml/2006/main" matchingName="Caption">
   <p:cSld name="CAPTION_ONLY">
     <p:spTree>
       <p:nvGrpSpPr>
-        <p:cNvPr id="41" name="Shape 41"/>
+        <p:cNvPr id="1" name="Shape 41"/>
         <p:cNvGrpSpPr/>
         <p:nvPr/>
       </p:nvGrpSpPr>
@@ -8199,9 +8405,11 @@
       <p:sp>
         <p:nvSpPr>
           <p:cNvPr id="42" name="Google Shape;42;p10"/>
-          <p:cNvSpPr txBox="1"/>
+          <p:cNvSpPr txBox="1">
+            <a:spLocks noGrp="1"/>
+          </p:cNvSpPr>
           <p:nvPr>
-            <p:ph idx="1" type="body"/>
+            <p:ph type="body" idx="1"/>
           </p:nvPr>
         </p:nvSpPr>
         <p:spPr>
@@ -8214,11 +8422,11 @@
           </a:prstGeom>
         </p:spPr>
         <p:txBody>
-          <a:bodyPr anchorCtr="0" anchor="ctr" bIns="91425" lIns="91425" spcFirstLastPara="1" rIns="91425" wrap="square" tIns="91425">
+          <a:bodyPr spcFirstLastPara="1" wrap="square" lIns="91425" tIns="91425" rIns="91425" bIns="91425" anchor="ctr" anchorCtr="0">
             <a:noAutofit/>
           </a:bodyPr>
           <a:lstStyle>
-            <a:lvl1pPr indent="-228600" lvl="0" marL="457200">
+            <a:lvl1pPr marL="457200" lvl="0" indent="-228600">
               <a:lnSpc>
                 <a:spcPct val="100000"/>
               </a:lnSpc>
@@ -8233,15 +8441,19 @@
               <a:defRPr/>
             </a:lvl1pPr>
           </a:lstStyle>
-          <a:p/>
+          <a:p>
+            <a:endParaRPr/>
+          </a:p>
         </p:txBody>
       </p:sp>
       <p:sp>
         <p:nvSpPr>
           <p:cNvPr id="43" name="Google Shape;43;p10"/>
-          <p:cNvSpPr txBox="1"/>
+          <p:cNvSpPr txBox="1">
+            <a:spLocks noGrp="1"/>
+          </p:cNvSpPr>
           <p:nvPr>
-            <p:ph idx="12" type="sldNum"/>
+            <p:ph type="sldNum" idx="12"/>
           </p:nvPr>
         </p:nvSpPr>
         <p:spPr>
@@ -8254,7 +8466,7 @@
           </a:prstGeom>
         </p:spPr>
         <p:txBody>
-          <a:bodyPr anchorCtr="0" anchor="ctr" bIns="91425" lIns="91425" spcFirstLastPara="1" rIns="91425" wrap="square" tIns="91425">
+          <a:bodyPr spcFirstLastPara="1" wrap="square" lIns="91425" tIns="91425" rIns="91425" bIns="91425" anchor="ctr" anchorCtr="0">
             <a:noAutofit/>
           </a:bodyPr>
           <a:lstStyle>
@@ -8296,7 +8508,7 @@
             </a:lvl9pPr>
           </a:lstStyle>
           <a:p>
-            <a:pPr indent="0" lvl="0" marL="0" rtl="0" algn="r">
+            <a:pPr marL="0" lvl="0" indent="0" algn="r" rtl="0">
               <a:spcBef>
                 <a:spcPts val="0"/>
               </a:spcBef>
@@ -8322,18 +8534,19 @@
 </file>
 
 <file path=ppt/slideMasters/slideMaster1.xml><?xml version="1.0" encoding="utf-8"?>
-<p:sldMaster xmlns:a="http://schemas.openxmlformats.org/drawingml/2006/main" xmlns:r="http://schemas.openxmlformats.org/officeDocument/2006/relationships" xmlns:mc="http://schemas.openxmlformats.org/markup-compatibility/2006" xmlns:mv="urn:schemas-microsoft-com:mac:vml" xmlns:p="http://schemas.openxmlformats.org/presentationml/2006/main" xmlns:c="http://schemas.openxmlformats.org/drawingml/2006/chart" xmlns:dgm="http://schemas.openxmlformats.org/drawingml/2006/diagram" xmlns:o="urn:schemas-microsoft-com:office:office" xmlns:v="urn:schemas-microsoft-com:vml" xmlns:pvml="urn:schemas-microsoft-com:office:powerpoint" xmlns:com="http://schemas.openxmlformats.org/drawingml/2006/compatibility" xmlns:p14="http://schemas.microsoft.com/office/powerpoint/2010/main" xmlns:p15="http://schemas.microsoft.com/office/powerpoint/2012/main" xmlns:ahyp="http://schemas.microsoft.com/office/drawing/2018/hyperlinkcolor">
+<p:sldMaster xmlns:a="http://schemas.openxmlformats.org/drawingml/2006/main" xmlns:r="http://schemas.openxmlformats.org/officeDocument/2006/relationships" xmlns:p="http://schemas.openxmlformats.org/presentationml/2006/main">
   <p:cSld name="simple-light-2">
     <p:bg>
       <p:bgPr>
         <a:solidFill>
           <a:schemeClr val="lt1"/>
         </a:solidFill>
+        <a:effectLst/>
       </p:bgPr>
     </p:bg>
     <p:spTree>
       <p:nvGrpSpPr>
-        <p:cNvPr id="5" name="Shape 5"/>
+        <p:cNvPr id="1" name="Shape 5"/>
         <p:cNvGrpSpPr/>
         <p:nvPr/>
       </p:nvGrpSpPr>
@@ -8348,7 +8561,9 @@
       <p:sp>
         <p:nvSpPr>
           <p:cNvPr id="6" name="Google Shape;6;p1"/>
-          <p:cNvSpPr txBox="1"/>
+          <p:cNvSpPr txBox="1">
+            <a:spLocks noGrp="1"/>
+          </p:cNvSpPr>
           <p:nvPr>
             <p:ph type="title"/>
           </p:nvPr>
@@ -8367,7 +8582,7 @@
           </a:ln>
         </p:spPr>
         <p:txBody>
-          <a:bodyPr anchorCtr="0" anchor="t" bIns="91425" lIns="91425" spcFirstLastPara="1" rIns="91425" wrap="square" tIns="91425">
+          <a:bodyPr spcFirstLastPara="1" wrap="square" lIns="91425" tIns="91425" rIns="91425" bIns="91425" anchor="t" anchorCtr="0">
             <a:noAutofit/>
           </a:bodyPr>
           <a:lstStyle>
@@ -8534,15 +8749,19 @@
               </a:defRPr>
             </a:lvl9pPr>
           </a:lstStyle>
-          <a:p/>
+          <a:p>
+            <a:endParaRPr/>
+          </a:p>
         </p:txBody>
       </p:sp>
       <p:sp>
         <p:nvSpPr>
           <p:cNvPr id="7" name="Google Shape;7;p1"/>
-          <p:cNvSpPr txBox="1"/>
+          <p:cNvSpPr txBox="1">
+            <a:spLocks noGrp="1"/>
+          </p:cNvSpPr>
           <p:nvPr>
-            <p:ph idx="1" type="body"/>
+            <p:ph type="body" idx="1"/>
           </p:nvPr>
         </p:nvSpPr>
         <p:spPr>
@@ -8559,11 +8778,11 @@
           </a:ln>
         </p:spPr>
         <p:txBody>
-          <a:bodyPr anchorCtr="0" anchor="t" bIns="91425" lIns="91425" spcFirstLastPara="1" rIns="91425" wrap="square" tIns="91425">
+          <a:bodyPr spcFirstLastPara="1" wrap="square" lIns="91425" tIns="91425" rIns="91425" bIns="91425" anchor="t" anchorCtr="0">
             <a:noAutofit/>
           </a:bodyPr>
           <a:lstStyle>
-            <a:lvl1pPr indent="-342900" lvl="0" marL="457200">
+            <a:lvl1pPr marL="457200" lvl="0" indent="-342900">
               <a:lnSpc>
                 <a:spcPct val="115000"/>
               </a:lnSpc>
@@ -8584,7 +8803,7 @@
                 </a:solidFill>
               </a:defRPr>
             </a:lvl1pPr>
-            <a:lvl2pPr indent="-317500" lvl="1" marL="914400">
+            <a:lvl2pPr marL="914400" lvl="1" indent="-317500">
               <a:lnSpc>
                 <a:spcPct val="115000"/>
               </a:lnSpc>
@@ -8605,7 +8824,7 @@
                 </a:solidFill>
               </a:defRPr>
             </a:lvl2pPr>
-            <a:lvl3pPr indent="-317500" lvl="2" marL="1371600">
+            <a:lvl3pPr marL="1371600" lvl="2" indent="-317500">
               <a:lnSpc>
                 <a:spcPct val="115000"/>
               </a:lnSpc>
@@ -8626,7 +8845,7 @@
                 </a:solidFill>
               </a:defRPr>
             </a:lvl3pPr>
-            <a:lvl4pPr indent="-317500" lvl="3" marL="1828800">
+            <a:lvl4pPr marL="1828800" lvl="3" indent="-317500">
               <a:lnSpc>
                 <a:spcPct val="115000"/>
               </a:lnSpc>
@@ -8647,7 +8866,7 @@
                 </a:solidFill>
               </a:defRPr>
             </a:lvl4pPr>
-            <a:lvl5pPr indent="-317500" lvl="4" marL="2286000">
+            <a:lvl5pPr marL="2286000" lvl="4" indent="-317500">
               <a:lnSpc>
                 <a:spcPct val="115000"/>
               </a:lnSpc>
@@ -8668,7 +8887,7 @@
                 </a:solidFill>
               </a:defRPr>
             </a:lvl5pPr>
-            <a:lvl6pPr indent="-317500" lvl="5" marL="2743200">
+            <a:lvl6pPr marL="2743200" lvl="5" indent="-317500">
               <a:lnSpc>
                 <a:spcPct val="115000"/>
               </a:lnSpc>
@@ -8689,7 +8908,7 @@
                 </a:solidFill>
               </a:defRPr>
             </a:lvl6pPr>
-            <a:lvl7pPr indent="-317500" lvl="6" marL="3200400">
+            <a:lvl7pPr marL="3200400" lvl="6" indent="-317500">
               <a:lnSpc>
                 <a:spcPct val="115000"/>
               </a:lnSpc>
@@ -8710,7 +8929,7 @@
                 </a:solidFill>
               </a:defRPr>
             </a:lvl7pPr>
-            <a:lvl8pPr indent="-317500" lvl="7" marL="3657600">
+            <a:lvl8pPr marL="3657600" lvl="7" indent="-317500">
               <a:lnSpc>
                 <a:spcPct val="115000"/>
               </a:lnSpc>
@@ -8731,7 +8950,7 @@
                 </a:solidFill>
               </a:defRPr>
             </a:lvl8pPr>
-            <a:lvl9pPr indent="-317500" lvl="8" marL="4114800">
+            <a:lvl9pPr marL="4114800" lvl="8" indent="-317500">
               <a:lnSpc>
                 <a:spcPct val="115000"/>
               </a:lnSpc>
@@ -8753,15 +8972,19 @@
               </a:defRPr>
             </a:lvl9pPr>
           </a:lstStyle>
-          <a:p/>
+          <a:p>
+            <a:endParaRPr/>
+          </a:p>
         </p:txBody>
       </p:sp>
       <p:sp>
         <p:nvSpPr>
           <p:cNvPr id="8" name="Google Shape;8;p1"/>
-          <p:cNvSpPr txBox="1"/>
+          <p:cNvSpPr txBox="1">
+            <a:spLocks noGrp="1"/>
+          </p:cNvSpPr>
           <p:nvPr>
-            <p:ph idx="12" type="sldNum"/>
+            <p:ph type="sldNum" idx="12"/>
           </p:nvPr>
         </p:nvSpPr>
         <p:spPr>
@@ -8778,7 +9001,7 @@
           </a:ln>
         </p:spPr>
         <p:txBody>
-          <a:bodyPr anchorCtr="0" anchor="ctr" bIns="91425" lIns="91425" spcFirstLastPara="1" rIns="91425" wrap="square" tIns="91425">
+          <a:bodyPr spcFirstLastPara="1" wrap="square" lIns="91425" tIns="91425" rIns="91425" bIns="91425" anchor="ctr" anchorCtr="0">
             <a:noAutofit/>
           </a:bodyPr>
           <a:lstStyle>
@@ -8856,7 +9079,7 @@
             </a:lvl9pPr>
           </a:lstStyle>
           <a:p>
-            <a:pPr indent="0" lvl="0" marL="0" rtl="0" algn="r">
+            <a:pPr marL="0" lvl="0" indent="0" algn="r" rtl="0">
               <a:spcBef>
                 <a:spcPts val="0"/>
               </a:spcBef>
@@ -8875,7 +9098,7 @@
       </p:sp>
     </p:spTree>
   </p:cSld>
-  <p:clrMap accent1="accent1" accent2="accent2" accent3="accent3" accent4="accent4" accent5="accent5" accent6="accent6" bg1="lt1" bg2="dk2" tx1="dk1" tx2="lt2" folHlink="folHlink" hlink="hlink"/>
+  <p:clrMap bg1="lt1" tx1="dk1" bg2="dk2" tx2="lt2" accent1="accent1" accent2="accent2" accent3="accent3" accent4="accent4" accent5="accent5" accent6="accent6" hlink="hlink" folHlink="folHlink"/>
   <p:sldLayoutIdLst>
     <p:sldLayoutId id="2147483648" r:id="rId1"/>
     <p:sldLayoutId id="2147483649" r:id="rId2"/>
@@ -8889,10 +9112,10 @@
     <p:sldLayoutId id="2147483657" r:id="rId10"/>
     <p:sldLayoutId id="2147483658" r:id="rId11"/>
   </p:sldLayoutIdLst>
-  <p:hf dt="0" ftr="0" hdr="0" sldNum="0"/>
+  <p:hf sldNum="0" hdr="0" ftr="0" dt="0"/>
   <p:txStyles>
     <p:titleStyle>
-      <a:defPPr lvl="0" marR="0" rtl="0" algn="l">
+      <a:defPPr marR="0" lvl="0" algn="l" rtl="0">
         <a:lnSpc>
           <a:spcPct val="100000"/>
         </a:lnSpc>
@@ -8903,7 +9126,7 @@
           <a:spcPts val="0"/>
         </a:spcAft>
       </a:defPPr>
-      <a:lvl1pPr lvl="0" marR="0" rtl="0" algn="l">
+      <a:lvl1pPr marR="0" lvl="0" algn="l" rtl="0">
         <a:lnSpc>
           <a:spcPct val="100000"/>
         </a:lnSpc>
@@ -8917,7 +9140,7 @@
           <a:srgbClr val="000000"/>
         </a:buClr>
         <a:buFont typeface="Arial"/>
-        <a:defRPr b="0" i="0" sz="1400" u="none" cap="none" strike="noStrike">
+        <a:defRPr sz="1400" b="0" i="0" u="none" strike="noStrike" cap="none">
           <a:solidFill>
             <a:srgbClr val="000000"/>
           </a:solidFill>
@@ -8927,7 +9150,7 @@
           <a:sym typeface="Arial"/>
         </a:defRPr>
       </a:lvl1pPr>
-      <a:lvl2pPr lvl="1" marR="0" rtl="0" algn="l">
+      <a:lvl2pPr marR="0" lvl="1" algn="l" rtl="0">
         <a:lnSpc>
           <a:spcPct val="100000"/>
         </a:lnSpc>
@@ -8941,7 +9164,7 @@
           <a:srgbClr val="000000"/>
         </a:buClr>
         <a:buFont typeface="Arial"/>
-        <a:defRPr b="0" i="0" sz="1400" u="none" cap="none" strike="noStrike">
+        <a:defRPr sz="1400" b="0" i="0" u="none" strike="noStrike" cap="none">
           <a:solidFill>
             <a:srgbClr val="000000"/>
           </a:solidFill>
@@ -8951,7 +9174,7 @@
           <a:sym typeface="Arial"/>
         </a:defRPr>
       </a:lvl2pPr>
-      <a:lvl3pPr lvl="2" marR="0" rtl="0" algn="l">
+      <a:lvl3pPr marR="0" lvl="2" algn="l" rtl="0">
         <a:lnSpc>
           <a:spcPct val="100000"/>
         </a:lnSpc>
@@ -8965,7 +9188,7 @@
           <a:srgbClr val="000000"/>
         </a:buClr>
         <a:buFont typeface="Arial"/>
-        <a:defRPr b="0" i="0" sz="1400" u="none" cap="none" strike="noStrike">
+        <a:defRPr sz="1400" b="0" i="0" u="none" strike="noStrike" cap="none">
           <a:solidFill>
             <a:srgbClr val="000000"/>
           </a:solidFill>
@@ -8975,7 +9198,7 @@
           <a:sym typeface="Arial"/>
         </a:defRPr>
       </a:lvl3pPr>
-      <a:lvl4pPr lvl="3" marR="0" rtl="0" algn="l">
+      <a:lvl4pPr marR="0" lvl="3" algn="l" rtl="0">
         <a:lnSpc>
           <a:spcPct val="100000"/>
         </a:lnSpc>
@@ -8989,7 +9212,7 @@
           <a:srgbClr val="000000"/>
         </a:buClr>
         <a:buFont typeface="Arial"/>
-        <a:defRPr b="0" i="0" sz="1400" u="none" cap="none" strike="noStrike">
+        <a:defRPr sz="1400" b="0" i="0" u="none" strike="noStrike" cap="none">
           <a:solidFill>
             <a:srgbClr val="000000"/>
           </a:solidFill>
@@ -8999,7 +9222,7 @@
           <a:sym typeface="Arial"/>
         </a:defRPr>
       </a:lvl4pPr>
-      <a:lvl5pPr lvl="4" marR="0" rtl="0" algn="l">
+      <a:lvl5pPr marR="0" lvl="4" algn="l" rtl="0">
         <a:lnSpc>
           <a:spcPct val="100000"/>
         </a:lnSpc>
@@ -9013,7 +9236,7 @@
           <a:srgbClr val="000000"/>
         </a:buClr>
         <a:buFont typeface="Arial"/>
-        <a:defRPr b="0" i="0" sz="1400" u="none" cap="none" strike="noStrike">
+        <a:defRPr sz="1400" b="0" i="0" u="none" strike="noStrike" cap="none">
           <a:solidFill>
             <a:srgbClr val="000000"/>
           </a:solidFill>
@@ -9023,7 +9246,7 @@
           <a:sym typeface="Arial"/>
         </a:defRPr>
       </a:lvl5pPr>
-      <a:lvl6pPr lvl="5" marR="0" rtl="0" algn="l">
+      <a:lvl6pPr marR="0" lvl="5" algn="l" rtl="0">
         <a:lnSpc>
           <a:spcPct val="100000"/>
         </a:lnSpc>
@@ -9037,7 +9260,7 @@
           <a:srgbClr val="000000"/>
         </a:buClr>
         <a:buFont typeface="Arial"/>
-        <a:defRPr b="0" i="0" sz="1400" u="none" cap="none" strike="noStrike">
+        <a:defRPr sz="1400" b="0" i="0" u="none" strike="noStrike" cap="none">
           <a:solidFill>
             <a:srgbClr val="000000"/>
           </a:solidFill>
@@ -9047,7 +9270,7 @@
           <a:sym typeface="Arial"/>
         </a:defRPr>
       </a:lvl6pPr>
-      <a:lvl7pPr lvl="6" marR="0" rtl="0" algn="l">
+      <a:lvl7pPr marR="0" lvl="6" algn="l" rtl="0">
         <a:lnSpc>
           <a:spcPct val="100000"/>
         </a:lnSpc>
@@ -9061,7 +9284,7 @@
           <a:srgbClr val="000000"/>
         </a:buClr>
         <a:buFont typeface="Arial"/>
-        <a:defRPr b="0" i="0" sz="1400" u="none" cap="none" strike="noStrike">
+        <a:defRPr sz="1400" b="0" i="0" u="none" strike="noStrike" cap="none">
           <a:solidFill>
             <a:srgbClr val="000000"/>
           </a:solidFill>
@@ -9071,7 +9294,7 @@
           <a:sym typeface="Arial"/>
         </a:defRPr>
       </a:lvl7pPr>
-      <a:lvl8pPr lvl="7" marR="0" rtl="0" algn="l">
+      <a:lvl8pPr marR="0" lvl="7" algn="l" rtl="0">
         <a:lnSpc>
           <a:spcPct val="100000"/>
         </a:lnSpc>
@@ -9085,7 +9308,7 @@
           <a:srgbClr val="000000"/>
         </a:buClr>
         <a:buFont typeface="Arial"/>
-        <a:defRPr b="0" i="0" sz="1400" u="none" cap="none" strike="noStrike">
+        <a:defRPr sz="1400" b="0" i="0" u="none" strike="noStrike" cap="none">
           <a:solidFill>
             <a:srgbClr val="000000"/>
           </a:solidFill>
@@ -9095,7 +9318,7 @@
           <a:sym typeface="Arial"/>
         </a:defRPr>
       </a:lvl8pPr>
-      <a:lvl9pPr lvl="8" marR="0" rtl="0" algn="l">
+      <a:lvl9pPr marR="0" lvl="8" algn="l" rtl="0">
         <a:lnSpc>
           <a:spcPct val="100000"/>
         </a:lnSpc>
@@ -9109,7 +9332,7 @@
           <a:srgbClr val="000000"/>
         </a:buClr>
         <a:buFont typeface="Arial"/>
-        <a:defRPr b="0" i="0" sz="1400" u="none" cap="none" strike="noStrike">
+        <a:defRPr sz="1400" b="0" i="0" u="none" strike="noStrike" cap="none">
           <a:solidFill>
             <a:srgbClr val="000000"/>
           </a:solidFill>
@@ -9121,7 +9344,7 @@
       </a:lvl9pPr>
     </p:titleStyle>
     <p:bodyStyle>
-      <a:defPPr lvl="0" marR="0" rtl="0" algn="l">
+      <a:defPPr marR="0" lvl="0" algn="l" rtl="0">
         <a:lnSpc>
           <a:spcPct val="100000"/>
         </a:lnSpc>
@@ -9132,7 +9355,7 @@
           <a:spcPts val="0"/>
         </a:spcAft>
       </a:defPPr>
-      <a:lvl1pPr lvl="0" marR="0" rtl="0" algn="l">
+      <a:lvl1pPr marR="0" lvl="0" algn="l" rtl="0">
         <a:lnSpc>
           <a:spcPct val="100000"/>
         </a:lnSpc>
@@ -9146,7 +9369,7 @@
           <a:srgbClr val="000000"/>
         </a:buClr>
         <a:buFont typeface="Arial"/>
-        <a:defRPr b="0" i="0" sz="1400" u="none" cap="none" strike="noStrike">
+        <a:defRPr sz="1400" b="0" i="0" u="none" strike="noStrike" cap="none">
           <a:solidFill>
             <a:srgbClr val="000000"/>
           </a:solidFill>
@@ -9156,7 +9379,7 @@
           <a:sym typeface="Arial"/>
         </a:defRPr>
       </a:lvl1pPr>
-      <a:lvl2pPr lvl="1" marR="0" rtl="0" algn="l">
+      <a:lvl2pPr marR="0" lvl="1" algn="l" rtl="0">
         <a:lnSpc>
           <a:spcPct val="100000"/>
         </a:lnSpc>
@@ -9170,7 +9393,7 @@
           <a:srgbClr val="000000"/>
         </a:buClr>
         <a:buFont typeface="Arial"/>
-        <a:defRPr b="0" i="0" sz="1400" u="none" cap="none" strike="noStrike">
+        <a:defRPr sz="1400" b="0" i="0" u="none" strike="noStrike" cap="none">
           <a:solidFill>
             <a:srgbClr val="000000"/>
           </a:solidFill>
@@ -9180,7 +9403,7 @@
           <a:sym typeface="Arial"/>
         </a:defRPr>
       </a:lvl2pPr>
-      <a:lvl3pPr lvl="2" marR="0" rtl="0" algn="l">
+      <a:lvl3pPr marR="0" lvl="2" algn="l" rtl="0">
         <a:lnSpc>
           <a:spcPct val="100000"/>
         </a:lnSpc>
@@ -9194,7 +9417,7 @@
           <a:srgbClr val="000000"/>
         </a:buClr>
         <a:buFont typeface="Arial"/>
-        <a:defRPr b="0" i="0" sz="1400" u="none" cap="none" strike="noStrike">
+        <a:defRPr sz="1400" b="0" i="0" u="none" strike="noStrike" cap="none">
           <a:solidFill>
             <a:srgbClr val="000000"/>
           </a:solidFill>
@@ -9204,7 +9427,7 @@
           <a:sym typeface="Arial"/>
         </a:defRPr>
       </a:lvl3pPr>
-      <a:lvl4pPr lvl="3" marR="0" rtl="0" algn="l">
+      <a:lvl4pPr marR="0" lvl="3" algn="l" rtl="0">
         <a:lnSpc>
           <a:spcPct val="100000"/>
         </a:lnSpc>
@@ -9218,7 +9441,7 @@
           <a:srgbClr val="000000"/>
         </a:buClr>
         <a:buFont typeface="Arial"/>
-        <a:defRPr b="0" i="0" sz="1400" u="none" cap="none" strike="noStrike">
+        <a:defRPr sz="1400" b="0" i="0" u="none" strike="noStrike" cap="none">
           <a:solidFill>
             <a:srgbClr val="000000"/>
           </a:solidFill>
@@ -9228,7 +9451,7 @@
           <a:sym typeface="Arial"/>
         </a:defRPr>
       </a:lvl4pPr>
-      <a:lvl5pPr lvl="4" marR="0" rtl="0" algn="l">
+      <a:lvl5pPr marR="0" lvl="4" algn="l" rtl="0">
         <a:lnSpc>
           <a:spcPct val="100000"/>
         </a:lnSpc>
@@ -9242,7 +9465,7 @@
           <a:srgbClr val="000000"/>
         </a:buClr>
         <a:buFont typeface="Arial"/>
-        <a:defRPr b="0" i="0" sz="1400" u="none" cap="none" strike="noStrike">
+        <a:defRPr sz="1400" b="0" i="0" u="none" strike="noStrike" cap="none">
           <a:solidFill>
             <a:srgbClr val="000000"/>
           </a:solidFill>
@@ -9252,7 +9475,7 @@
           <a:sym typeface="Arial"/>
         </a:defRPr>
       </a:lvl5pPr>
-      <a:lvl6pPr lvl="5" marR="0" rtl="0" algn="l">
+      <a:lvl6pPr marR="0" lvl="5" algn="l" rtl="0">
         <a:lnSpc>
           <a:spcPct val="100000"/>
         </a:lnSpc>
@@ -9266,7 +9489,7 @@
           <a:srgbClr val="000000"/>
         </a:buClr>
         <a:buFont typeface="Arial"/>
-        <a:defRPr b="0" i="0" sz="1400" u="none" cap="none" strike="noStrike">
+        <a:defRPr sz="1400" b="0" i="0" u="none" strike="noStrike" cap="none">
           <a:solidFill>
             <a:srgbClr val="000000"/>
           </a:solidFill>
@@ -9276,7 +9499,7 @@
           <a:sym typeface="Arial"/>
         </a:defRPr>
       </a:lvl6pPr>
-      <a:lvl7pPr lvl="6" marR="0" rtl="0" algn="l">
+      <a:lvl7pPr marR="0" lvl="6" algn="l" rtl="0">
         <a:lnSpc>
           <a:spcPct val="100000"/>
         </a:lnSpc>
@@ -9290,7 +9513,7 @@
           <a:srgbClr val="000000"/>
         </a:buClr>
         <a:buFont typeface="Arial"/>
-        <a:defRPr b="0" i="0" sz="1400" u="none" cap="none" strike="noStrike">
+        <a:defRPr sz="1400" b="0" i="0" u="none" strike="noStrike" cap="none">
           <a:solidFill>
             <a:srgbClr val="000000"/>
           </a:solidFill>
@@ -9300,7 +9523,7 @@
           <a:sym typeface="Arial"/>
         </a:defRPr>
       </a:lvl7pPr>
-      <a:lvl8pPr lvl="7" marR="0" rtl="0" algn="l">
+      <a:lvl8pPr marR="0" lvl="7" algn="l" rtl="0">
         <a:lnSpc>
           <a:spcPct val="100000"/>
         </a:lnSpc>
@@ -9314,7 +9537,7 @@
           <a:srgbClr val="000000"/>
         </a:buClr>
         <a:buFont typeface="Arial"/>
-        <a:defRPr b="0" i="0" sz="1400" u="none" cap="none" strike="noStrike">
+        <a:defRPr sz="1400" b="0" i="0" u="none" strike="noStrike" cap="none">
           <a:solidFill>
             <a:srgbClr val="000000"/>
           </a:solidFill>
@@ -9324,7 +9547,7 @@
           <a:sym typeface="Arial"/>
         </a:defRPr>
       </a:lvl8pPr>
-      <a:lvl9pPr lvl="8" marR="0" rtl="0" algn="l">
+      <a:lvl9pPr marR="0" lvl="8" algn="l" rtl="0">
         <a:lnSpc>
           <a:spcPct val="100000"/>
         </a:lnSpc>
@@ -9338,7 +9561,7 @@
           <a:srgbClr val="000000"/>
         </a:buClr>
         <a:buFont typeface="Arial"/>
-        <a:defRPr b="0" i="0" sz="1400" u="none" cap="none" strike="noStrike">
+        <a:defRPr sz="1400" b="0" i="0" u="none" strike="noStrike" cap="none">
           <a:solidFill>
             <a:srgbClr val="000000"/>
           </a:solidFill>
@@ -9350,7 +9573,7 @@
       </a:lvl9pPr>
     </p:bodyStyle>
     <p:otherStyle>
-      <a:defPPr lvl="0" marR="0" rtl="0" algn="l">
+      <a:defPPr marR="0" lvl="0" algn="l" rtl="0">
         <a:lnSpc>
           <a:spcPct val="100000"/>
         </a:lnSpc>
@@ -9361,7 +9584,7 @@
           <a:spcPts val="0"/>
         </a:spcAft>
       </a:defPPr>
-      <a:lvl1pPr lvl="0" marR="0" rtl="0" algn="l">
+      <a:lvl1pPr marR="0" lvl="0" algn="l" rtl="0">
         <a:lnSpc>
           <a:spcPct val="100000"/>
         </a:lnSpc>
@@ -9375,7 +9598,7 @@
           <a:srgbClr val="000000"/>
         </a:buClr>
         <a:buFont typeface="Arial"/>
-        <a:defRPr b="0" i="0" sz="1400" u="none" cap="none" strike="noStrike">
+        <a:defRPr sz="1400" b="0" i="0" u="none" strike="noStrike" cap="none">
           <a:solidFill>
             <a:srgbClr val="000000"/>
           </a:solidFill>
@@ -9385,7 +9608,7 @@
           <a:sym typeface="Arial"/>
         </a:defRPr>
       </a:lvl1pPr>
-      <a:lvl2pPr lvl="1" marR="0" rtl="0" algn="l">
+      <a:lvl2pPr marR="0" lvl="1" algn="l" rtl="0">
         <a:lnSpc>
           <a:spcPct val="100000"/>
         </a:lnSpc>
@@ -9399,7 +9622,7 @@
           <a:srgbClr val="000000"/>
         </a:buClr>
         <a:buFont typeface="Arial"/>
-        <a:defRPr b="0" i="0" sz="1400" u="none" cap="none" strike="noStrike">
+        <a:defRPr sz="1400" b="0" i="0" u="none" strike="noStrike" cap="none">
           <a:solidFill>
             <a:srgbClr val="000000"/>
           </a:solidFill>
@@ -9409,7 +9632,7 @@
           <a:sym typeface="Arial"/>
         </a:defRPr>
       </a:lvl2pPr>
-      <a:lvl3pPr lvl="2" marR="0" rtl="0" algn="l">
+      <a:lvl3pPr marR="0" lvl="2" algn="l" rtl="0">
         <a:lnSpc>
           <a:spcPct val="100000"/>
         </a:lnSpc>
@@ -9423,7 +9646,7 @@
           <a:srgbClr val="000000"/>
         </a:buClr>
         <a:buFont typeface="Arial"/>
-        <a:defRPr b="0" i="0" sz="1400" u="none" cap="none" strike="noStrike">
+        <a:defRPr sz="1400" b="0" i="0" u="none" strike="noStrike" cap="none">
           <a:solidFill>
             <a:srgbClr val="000000"/>
           </a:solidFill>
@@ -9433,7 +9656,7 @@
           <a:sym typeface="Arial"/>
         </a:defRPr>
       </a:lvl3pPr>
-      <a:lvl4pPr lvl="3" marR="0" rtl="0" algn="l">
+      <a:lvl4pPr marR="0" lvl="3" algn="l" rtl="0">
         <a:lnSpc>
           <a:spcPct val="100000"/>
         </a:lnSpc>
@@ -9447,7 +9670,7 @@
           <a:srgbClr val="000000"/>
         </a:buClr>
         <a:buFont typeface="Arial"/>
-        <a:defRPr b="0" i="0" sz="1400" u="none" cap="none" strike="noStrike">
+        <a:defRPr sz="1400" b="0" i="0" u="none" strike="noStrike" cap="none">
           <a:solidFill>
             <a:srgbClr val="000000"/>
           </a:solidFill>
@@ -9457,7 +9680,7 @@
           <a:sym typeface="Arial"/>
         </a:defRPr>
       </a:lvl4pPr>
-      <a:lvl5pPr lvl="4" marR="0" rtl="0" algn="l">
+      <a:lvl5pPr marR="0" lvl="4" algn="l" rtl="0">
         <a:lnSpc>
           <a:spcPct val="100000"/>
         </a:lnSpc>
@@ -9471,7 +9694,7 @@
           <a:srgbClr val="000000"/>
         </a:buClr>
         <a:buFont typeface="Arial"/>
-        <a:defRPr b="0" i="0" sz="1400" u="none" cap="none" strike="noStrike">
+        <a:defRPr sz="1400" b="0" i="0" u="none" strike="noStrike" cap="none">
           <a:solidFill>
             <a:srgbClr val="000000"/>
           </a:solidFill>
@@ -9481,7 +9704,7 @@
           <a:sym typeface="Arial"/>
         </a:defRPr>
       </a:lvl5pPr>
-      <a:lvl6pPr lvl="5" marR="0" rtl="0" algn="l">
+      <a:lvl6pPr marR="0" lvl="5" algn="l" rtl="0">
         <a:lnSpc>
           <a:spcPct val="100000"/>
         </a:lnSpc>
@@ -9495,7 +9718,7 @@
           <a:srgbClr val="000000"/>
         </a:buClr>
         <a:buFont typeface="Arial"/>
-        <a:defRPr b="0" i="0" sz="1400" u="none" cap="none" strike="noStrike">
+        <a:defRPr sz="1400" b="0" i="0" u="none" strike="noStrike" cap="none">
           <a:solidFill>
             <a:srgbClr val="000000"/>
           </a:solidFill>
@@ -9505,7 +9728,7 @@
           <a:sym typeface="Arial"/>
         </a:defRPr>
       </a:lvl6pPr>
-      <a:lvl7pPr lvl="6" marR="0" rtl="0" algn="l">
+      <a:lvl7pPr marR="0" lvl="6" algn="l" rtl="0">
         <a:lnSpc>
           <a:spcPct val="100000"/>
         </a:lnSpc>
@@ -9519,7 +9742,7 @@
           <a:srgbClr val="000000"/>
         </a:buClr>
         <a:buFont typeface="Arial"/>
-        <a:defRPr b="0" i="0" sz="1400" u="none" cap="none" strike="noStrike">
+        <a:defRPr sz="1400" b="0" i="0" u="none" strike="noStrike" cap="none">
           <a:solidFill>
             <a:srgbClr val="000000"/>
           </a:solidFill>
@@ -9529,7 +9752,7 @@
           <a:sym typeface="Arial"/>
         </a:defRPr>
       </a:lvl7pPr>
-      <a:lvl8pPr lvl="7" marR="0" rtl="0" algn="l">
+      <a:lvl8pPr marR="0" lvl="7" algn="l" rtl="0">
         <a:lnSpc>
           <a:spcPct val="100000"/>
         </a:lnSpc>
@@ -9543,7 +9766,7 @@
           <a:srgbClr val="000000"/>
         </a:buClr>
         <a:buFont typeface="Arial"/>
-        <a:defRPr b="0" i="0" sz="1400" u="none" cap="none" strike="noStrike">
+        <a:defRPr sz="1400" b="0" i="0" u="none" strike="noStrike" cap="none">
           <a:solidFill>
             <a:srgbClr val="000000"/>
           </a:solidFill>
@@ -9553,7 +9776,7 @@
           <a:sym typeface="Arial"/>
         </a:defRPr>
       </a:lvl8pPr>
-      <a:lvl9pPr lvl="8" marR="0" rtl="0" algn="l">
+      <a:lvl9pPr marR="0" lvl="8" algn="l" rtl="0">
         <a:lnSpc>
           <a:spcPct val="100000"/>
         </a:lnSpc>
@@ -9567,7 +9790,7 @@
           <a:srgbClr val="000000"/>
         </a:buClr>
         <a:buFont typeface="Arial"/>
-        <a:defRPr b="0" i="0" sz="1400" u="none" cap="none" strike="noStrike">
+        <a:defRPr sz="1400" b="0" i="0" u="none" strike="noStrike" cap="none">
           <a:solidFill>
             <a:srgbClr val="000000"/>
           </a:solidFill>
@@ -9583,18 +9806,19 @@
 </file>
 
 <file path=ppt/slides/slide1.xml><?xml version="1.0" encoding="utf-8"?>
-<p:sld xmlns:a="http://schemas.openxmlformats.org/drawingml/2006/main" xmlns:r="http://schemas.openxmlformats.org/officeDocument/2006/relationships" xmlns:mc="http://schemas.openxmlformats.org/markup-compatibility/2006" xmlns:mv="urn:schemas-microsoft-com:mac:vml" xmlns:p="http://schemas.openxmlformats.org/presentationml/2006/main" xmlns:c="http://schemas.openxmlformats.org/drawingml/2006/chart" xmlns:dgm="http://schemas.openxmlformats.org/drawingml/2006/diagram" xmlns:o="urn:schemas-microsoft-com:office:office" xmlns:v="urn:schemas-microsoft-com:vml" xmlns:pvml="urn:schemas-microsoft-com:office:powerpoint" xmlns:com="http://schemas.openxmlformats.org/drawingml/2006/compatibility" xmlns:p14="http://schemas.microsoft.com/office/powerpoint/2010/main" xmlns:p15="http://schemas.microsoft.com/office/powerpoint/2012/main" xmlns:ahyp="http://schemas.microsoft.com/office/drawing/2018/hyperlinkcolor">
+<p:sld xmlns:a="http://schemas.openxmlformats.org/drawingml/2006/main" xmlns:r="http://schemas.openxmlformats.org/officeDocument/2006/relationships" xmlns:p="http://schemas.openxmlformats.org/presentationml/2006/main">
   <p:cSld>
     <p:bg>
       <p:bgPr>
         <a:solidFill>
           <a:srgbClr val="ED5565"/>
         </a:solidFill>
+        <a:effectLst/>
       </p:bgPr>
     </p:bg>
     <p:spTree>
       <p:nvGrpSpPr>
-        <p:cNvPr id="53" name="Shape 53"/>
+        <p:cNvPr id="1" name="Shape 53"/>
         <p:cNvGrpSpPr/>
         <p:nvPr/>
       </p:nvGrpSpPr>
@@ -9609,7 +9833,9 @@
       <p:sp>
         <p:nvSpPr>
           <p:cNvPr id="54" name="Google Shape;54;p13"/>
-          <p:cNvSpPr txBox="1"/>
+          <p:cNvSpPr txBox="1">
+            <a:spLocks noGrp="1"/>
+          </p:cNvSpPr>
           <p:nvPr>
             <p:ph type="ctrTitle"/>
           </p:nvPr>
@@ -9624,12 +9850,12 @@
           </a:prstGeom>
         </p:spPr>
         <p:txBody>
-          <a:bodyPr anchorCtr="0" anchor="b" bIns="91425" lIns="91425" spcFirstLastPara="1" rIns="91425" wrap="square" tIns="91425">
+          <a:bodyPr spcFirstLastPara="1" wrap="square" lIns="91425" tIns="91425" rIns="91425" bIns="91425" anchor="b" anchorCtr="0">
             <a:noAutofit/>
           </a:bodyPr>
           <a:lstStyle/>
           <a:p>
-            <a:pPr indent="0" lvl="0" marL="0" rtl="0" algn="ctr">
+            <a:pPr marL="0" lvl="0" indent="0" algn="ctr" rtl="0">
               <a:spcBef>
                 <a:spcPts val="0"/>
               </a:spcBef>
@@ -9649,9 +9875,11 @@
       <p:sp>
         <p:nvSpPr>
           <p:cNvPr id="55" name="Google Shape;55;p13"/>
-          <p:cNvSpPr txBox="1"/>
+          <p:cNvSpPr txBox="1">
+            <a:spLocks noGrp="1"/>
+          </p:cNvSpPr>
           <p:nvPr>
-            <p:ph idx="1" type="subTitle"/>
+            <p:ph type="subTitle" idx="1"/>
           </p:nvPr>
         </p:nvSpPr>
         <p:spPr>
@@ -9664,12 +9892,12 @@
           </a:prstGeom>
         </p:spPr>
         <p:txBody>
-          <a:bodyPr anchorCtr="0" anchor="t" bIns="91425" lIns="91425" spcFirstLastPara="1" rIns="91425" wrap="square" tIns="91425">
+          <a:bodyPr spcFirstLastPara="1" wrap="square" lIns="91425" tIns="91425" rIns="91425" bIns="91425" anchor="t" anchorCtr="0">
             <a:noAutofit/>
           </a:bodyPr>
           <a:lstStyle/>
           <a:p>
-            <a:pPr indent="0" lvl="0" marL="0" rtl="0" algn="ctr">
+            <a:pPr marL="0" lvl="0" indent="0" algn="ctr" rtl="0">
               <a:spcBef>
                 <a:spcPts val="0"/>
               </a:spcBef>
@@ -9695,11 +9923,11 @@
 </file>
 
 <file path=ppt/slides/slide10.xml><?xml version="1.0" encoding="utf-8"?>
-<p:sld xmlns:a="http://schemas.openxmlformats.org/drawingml/2006/main" xmlns:r="http://schemas.openxmlformats.org/officeDocument/2006/relationships" xmlns:mc="http://schemas.openxmlformats.org/markup-compatibility/2006" xmlns:mv="urn:schemas-microsoft-com:mac:vml" xmlns:p="http://schemas.openxmlformats.org/presentationml/2006/main" xmlns:c="http://schemas.openxmlformats.org/drawingml/2006/chart" xmlns:dgm="http://schemas.openxmlformats.org/drawingml/2006/diagram" xmlns:o="urn:schemas-microsoft-com:office:office" xmlns:v="urn:schemas-microsoft-com:vml" xmlns:pvml="urn:schemas-microsoft-com:office:powerpoint" xmlns:com="http://schemas.openxmlformats.org/drawingml/2006/compatibility" xmlns:p14="http://schemas.microsoft.com/office/powerpoint/2010/main" xmlns:p15="http://schemas.microsoft.com/office/powerpoint/2012/main" xmlns:ahyp="http://schemas.microsoft.com/office/drawing/2018/hyperlinkcolor">
+<p:sld xmlns:a="http://schemas.openxmlformats.org/drawingml/2006/main" xmlns:r="http://schemas.openxmlformats.org/officeDocument/2006/relationships" xmlns:p="http://schemas.openxmlformats.org/presentationml/2006/main">
   <p:cSld>
     <p:spTree>
       <p:nvGrpSpPr>
-        <p:cNvPr id="100" name="Shape 100"/>
+        <p:cNvPr id="1" name="Shape 100"/>
         <p:cNvGrpSpPr/>
         <p:nvPr/>
       </p:nvGrpSpPr>
@@ -9731,12 +9959,12 @@
           </a:ln>
         </p:spPr>
         <p:txBody>
-          <a:bodyPr anchorCtr="0" anchor="ctr" bIns="91425" lIns="91425" spcFirstLastPara="1" rIns="91425" wrap="square" tIns="91425">
+          <a:bodyPr spcFirstLastPara="1" wrap="square" lIns="91425" tIns="91425" rIns="91425" bIns="91425" anchor="ctr" anchorCtr="0">
             <a:noAutofit/>
           </a:bodyPr>
           <a:lstStyle/>
           <a:p>
-            <a:pPr indent="0" lvl="0" marL="0" rtl="0" algn="l">
+            <a:pPr marL="0" lvl="0" indent="0" algn="l" rtl="0">
               <a:spcBef>
                 <a:spcPts val="0"/>
               </a:spcBef>
@@ -9790,11 +10018,11 @@
 </file>
 
 <file path=ppt/slides/slide11.xml><?xml version="1.0" encoding="utf-8"?>
-<p:sld xmlns:a="http://schemas.openxmlformats.org/drawingml/2006/main" xmlns:r="http://schemas.openxmlformats.org/officeDocument/2006/relationships" xmlns:mc="http://schemas.openxmlformats.org/markup-compatibility/2006" xmlns:mv="urn:schemas-microsoft-com:mac:vml" xmlns:p="http://schemas.openxmlformats.org/presentationml/2006/main" xmlns:c="http://schemas.openxmlformats.org/drawingml/2006/chart" xmlns:dgm="http://schemas.openxmlformats.org/drawingml/2006/diagram" xmlns:o="urn:schemas-microsoft-com:office:office" xmlns:v="urn:schemas-microsoft-com:vml" xmlns:pvml="urn:schemas-microsoft-com:office:powerpoint" xmlns:com="http://schemas.openxmlformats.org/drawingml/2006/compatibility" xmlns:p14="http://schemas.microsoft.com/office/powerpoint/2010/main" xmlns:p15="http://schemas.microsoft.com/office/powerpoint/2012/main" xmlns:ahyp="http://schemas.microsoft.com/office/drawing/2018/hyperlinkcolor">
+<p:sld xmlns:a="http://schemas.openxmlformats.org/drawingml/2006/main" xmlns:r="http://schemas.openxmlformats.org/officeDocument/2006/relationships" xmlns:p="http://schemas.openxmlformats.org/presentationml/2006/main">
   <p:cSld>
     <p:spTree>
       <p:nvGrpSpPr>
-        <p:cNvPr id="105" name="Shape 105"/>
+        <p:cNvPr id="1" name="Shape 105"/>
         <p:cNvGrpSpPr/>
         <p:nvPr/>
       </p:nvGrpSpPr>
@@ -9826,12 +10054,12 @@
           </a:ln>
         </p:spPr>
         <p:txBody>
-          <a:bodyPr anchorCtr="0" anchor="ctr" bIns="91425" lIns="91425" spcFirstLastPara="1" rIns="91425" wrap="square" tIns="91425">
+          <a:bodyPr spcFirstLastPara="1" wrap="square" lIns="91425" tIns="91425" rIns="91425" bIns="91425" anchor="ctr" anchorCtr="0">
             <a:noAutofit/>
           </a:bodyPr>
           <a:lstStyle/>
           <a:p>
-            <a:pPr indent="0" lvl="0" marL="0" rtl="0" algn="ctr">
+            <a:pPr marL="0" lvl="0" indent="0" algn="ctr" rtl="0">
               <a:spcBef>
                 <a:spcPts val="0"/>
               </a:spcBef>
@@ -9871,11 +10099,11 @@
 </file>
 
 <file path=ppt/slides/slide12.xml><?xml version="1.0" encoding="utf-8"?>
-<p:sld xmlns:a="http://schemas.openxmlformats.org/drawingml/2006/main" xmlns:r="http://schemas.openxmlformats.org/officeDocument/2006/relationships" xmlns:mc="http://schemas.openxmlformats.org/markup-compatibility/2006" xmlns:mv="urn:schemas-microsoft-com:mac:vml" xmlns:p="http://schemas.openxmlformats.org/presentationml/2006/main" xmlns:c="http://schemas.openxmlformats.org/drawingml/2006/chart" xmlns:dgm="http://schemas.openxmlformats.org/drawingml/2006/diagram" xmlns:o="urn:schemas-microsoft-com:office:office" xmlns:v="urn:schemas-microsoft-com:vml" xmlns:pvml="urn:schemas-microsoft-com:office:powerpoint" xmlns:com="http://schemas.openxmlformats.org/drawingml/2006/compatibility" xmlns:p14="http://schemas.microsoft.com/office/powerpoint/2010/main" xmlns:p15="http://schemas.microsoft.com/office/powerpoint/2012/main" xmlns:ahyp="http://schemas.microsoft.com/office/drawing/2018/hyperlinkcolor">
+<p:sld xmlns:a="http://schemas.openxmlformats.org/drawingml/2006/main" xmlns:r="http://schemas.openxmlformats.org/officeDocument/2006/relationships" xmlns:p="http://schemas.openxmlformats.org/presentationml/2006/main">
   <p:cSld>
     <p:spTree>
       <p:nvGrpSpPr>
-        <p:cNvPr id="110" name="Shape 110"/>
+        <p:cNvPr id="1" name="Shape 110"/>
         <p:cNvGrpSpPr/>
         <p:nvPr/>
       </p:nvGrpSpPr>
@@ -9907,12 +10135,12 @@
           </a:ln>
         </p:spPr>
         <p:txBody>
-          <a:bodyPr anchorCtr="0" anchor="ctr" bIns="91425" lIns="91425" spcFirstLastPara="1" rIns="91425" wrap="square" tIns="91425">
+          <a:bodyPr spcFirstLastPara="1" wrap="square" lIns="91425" tIns="91425" rIns="91425" bIns="91425" anchor="ctr" anchorCtr="0">
             <a:noAutofit/>
           </a:bodyPr>
           <a:lstStyle/>
           <a:p>
-            <a:pPr indent="0" lvl="0" marL="0" rtl="0" algn="l">
+            <a:pPr marL="0" lvl="0" indent="0" algn="l" rtl="0">
               <a:spcBef>
                 <a:spcPts val="0"/>
               </a:spcBef>
@@ -9978,11 +10206,11 @@
 </file>
 
 <file path=ppt/slides/slide13.xml><?xml version="1.0" encoding="utf-8"?>
-<p:sld xmlns:a="http://schemas.openxmlformats.org/drawingml/2006/main" xmlns:r="http://schemas.openxmlformats.org/officeDocument/2006/relationships" xmlns:mc="http://schemas.openxmlformats.org/markup-compatibility/2006" xmlns:mv="urn:schemas-microsoft-com:mac:vml" xmlns:p="http://schemas.openxmlformats.org/presentationml/2006/main" xmlns:c="http://schemas.openxmlformats.org/drawingml/2006/chart" xmlns:dgm="http://schemas.openxmlformats.org/drawingml/2006/diagram" xmlns:o="urn:schemas-microsoft-com:office:office" xmlns:v="urn:schemas-microsoft-com:vml" xmlns:pvml="urn:schemas-microsoft-com:office:powerpoint" xmlns:com="http://schemas.openxmlformats.org/drawingml/2006/compatibility" xmlns:p14="http://schemas.microsoft.com/office/powerpoint/2010/main" xmlns:p15="http://schemas.microsoft.com/office/powerpoint/2012/main" xmlns:ahyp="http://schemas.microsoft.com/office/drawing/2018/hyperlinkcolor">
+<p:sld xmlns:a="http://schemas.openxmlformats.org/drawingml/2006/main" xmlns:r="http://schemas.openxmlformats.org/officeDocument/2006/relationships" xmlns:p="http://schemas.openxmlformats.org/presentationml/2006/main">
   <p:cSld>
     <p:spTree>
       <p:nvGrpSpPr>
-        <p:cNvPr id="115" name="Shape 115"/>
+        <p:cNvPr id="1" name="Shape 115"/>
         <p:cNvGrpSpPr/>
         <p:nvPr/>
       </p:nvGrpSpPr>
@@ -10014,12 +10242,12 @@
           </a:ln>
         </p:spPr>
         <p:txBody>
-          <a:bodyPr anchorCtr="0" anchor="ctr" bIns="91425" lIns="91425" spcFirstLastPara="1" rIns="91425" wrap="square" tIns="91425">
+          <a:bodyPr spcFirstLastPara="1" wrap="square" lIns="91425" tIns="91425" rIns="91425" bIns="91425" anchor="ctr" anchorCtr="0">
             <a:noAutofit/>
           </a:bodyPr>
           <a:lstStyle/>
           <a:p>
-            <a:pPr indent="0" lvl="0" marL="0" rtl="0" algn="l">
+            <a:pPr marL="0" lvl="0" indent="0" algn="l" rtl="0">
               <a:spcBef>
                 <a:spcPts val="0"/>
               </a:spcBef>
@@ -10085,11 +10313,11 @@
 </file>
 
 <file path=ppt/slides/slide14.xml><?xml version="1.0" encoding="utf-8"?>
-<p:sld xmlns:a="http://schemas.openxmlformats.org/drawingml/2006/main" xmlns:r="http://schemas.openxmlformats.org/officeDocument/2006/relationships" xmlns:mc="http://schemas.openxmlformats.org/markup-compatibility/2006" xmlns:mv="urn:schemas-microsoft-com:mac:vml" xmlns:p="http://schemas.openxmlformats.org/presentationml/2006/main" xmlns:c="http://schemas.openxmlformats.org/drawingml/2006/chart" xmlns:dgm="http://schemas.openxmlformats.org/drawingml/2006/diagram" xmlns:o="urn:schemas-microsoft-com:office:office" xmlns:v="urn:schemas-microsoft-com:vml" xmlns:pvml="urn:schemas-microsoft-com:office:powerpoint" xmlns:com="http://schemas.openxmlformats.org/drawingml/2006/compatibility" xmlns:p14="http://schemas.microsoft.com/office/powerpoint/2010/main" xmlns:p15="http://schemas.microsoft.com/office/powerpoint/2012/main" xmlns:ahyp="http://schemas.microsoft.com/office/drawing/2018/hyperlinkcolor">
+<p:sld xmlns:a="http://schemas.openxmlformats.org/drawingml/2006/main" xmlns:r="http://schemas.openxmlformats.org/officeDocument/2006/relationships" xmlns:p="http://schemas.openxmlformats.org/presentationml/2006/main">
   <p:cSld>
     <p:spTree>
       <p:nvGrpSpPr>
-        <p:cNvPr id="120" name="Shape 120"/>
+        <p:cNvPr id="1" name="Shape 120"/>
         <p:cNvGrpSpPr/>
         <p:nvPr/>
       </p:nvGrpSpPr>
@@ -10121,12 +10349,12 @@
           </a:ln>
         </p:spPr>
         <p:txBody>
-          <a:bodyPr anchorCtr="0" anchor="ctr" bIns="91425" lIns="91425" spcFirstLastPara="1" rIns="91425" wrap="square" tIns="91425">
+          <a:bodyPr spcFirstLastPara="1" wrap="square" lIns="91425" tIns="91425" rIns="91425" bIns="91425" anchor="ctr" anchorCtr="0">
             <a:noAutofit/>
           </a:bodyPr>
           <a:lstStyle/>
           <a:p>
-            <a:pPr indent="0" lvl="0" marL="0" rtl="0" algn="l">
+            <a:pPr marL="0" lvl="0" indent="0" algn="l" rtl="0">
               <a:spcBef>
                 <a:spcPts val="0"/>
               </a:spcBef>
@@ -10168,11 +10396,11 @@
 </file>
 
 <file path=ppt/slides/slide15.xml><?xml version="1.0" encoding="utf-8"?>
-<p:sld xmlns:a="http://schemas.openxmlformats.org/drawingml/2006/main" xmlns:r="http://schemas.openxmlformats.org/officeDocument/2006/relationships" xmlns:mc="http://schemas.openxmlformats.org/markup-compatibility/2006" xmlns:mv="urn:schemas-microsoft-com:mac:vml" xmlns:p="http://schemas.openxmlformats.org/presentationml/2006/main" xmlns:c="http://schemas.openxmlformats.org/drawingml/2006/chart" xmlns:dgm="http://schemas.openxmlformats.org/drawingml/2006/diagram" xmlns:o="urn:schemas-microsoft-com:office:office" xmlns:v="urn:schemas-microsoft-com:vml" xmlns:pvml="urn:schemas-microsoft-com:office:powerpoint" xmlns:com="http://schemas.openxmlformats.org/drawingml/2006/compatibility" xmlns:p14="http://schemas.microsoft.com/office/powerpoint/2010/main" xmlns:p15="http://schemas.microsoft.com/office/powerpoint/2012/main" xmlns:ahyp="http://schemas.microsoft.com/office/drawing/2018/hyperlinkcolor">
+<p:sld xmlns:a="http://schemas.openxmlformats.org/drawingml/2006/main" xmlns:r="http://schemas.openxmlformats.org/officeDocument/2006/relationships" xmlns:p="http://schemas.openxmlformats.org/presentationml/2006/main">
   <p:cSld>
     <p:spTree>
       <p:nvGrpSpPr>
-        <p:cNvPr id="125" name="Shape 125"/>
+        <p:cNvPr id="1" name="Shape 125"/>
         <p:cNvGrpSpPr/>
         <p:nvPr/>
       </p:nvGrpSpPr>
@@ -10204,12 +10432,12 @@
           </a:ln>
         </p:spPr>
         <p:txBody>
-          <a:bodyPr anchorCtr="0" anchor="ctr" bIns="91425" lIns="91425" spcFirstLastPara="1" rIns="91425" wrap="square" tIns="91425">
+          <a:bodyPr spcFirstLastPara="1" wrap="square" lIns="91425" tIns="91425" rIns="91425" bIns="91425" anchor="ctr" anchorCtr="0">
             <a:noAutofit/>
           </a:bodyPr>
           <a:lstStyle/>
           <a:p>
-            <a:pPr indent="0" lvl="0" marL="0" rtl="0" algn="l">
+            <a:pPr marL="0" lvl="0" indent="0" algn="l" rtl="0">
               <a:spcBef>
                 <a:spcPts val="0"/>
               </a:spcBef>
@@ -10275,11 +10503,11 @@
 </file>
 
 <file path=ppt/slides/slide16.xml><?xml version="1.0" encoding="utf-8"?>
-<p:sld xmlns:a="http://schemas.openxmlformats.org/drawingml/2006/main" xmlns:r="http://schemas.openxmlformats.org/officeDocument/2006/relationships" xmlns:mc="http://schemas.openxmlformats.org/markup-compatibility/2006" xmlns:mv="urn:schemas-microsoft-com:mac:vml" xmlns:p="http://schemas.openxmlformats.org/presentationml/2006/main" xmlns:c="http://schemas.openxmlformats.org/drawingml/2006/chart" xmlns:dgm="http://schemas.openxmlformats.org/drawingml/2006/diagram" xmlns:o="urn:schemas-microsoft-com:office:office" xmlns:v="urn:schemas-microsoft-com:vml" xmlns:pvml="urn:schemas-microsoft-com:office:powerpoint" xmlns:com="http://schemas.openxmlformats.org/drawingml/2006/compatibility" xmlns:p14="http://schemas.microsoft.com/office/powerpoint/2010/main" xmlns:p15="http://schemas.microsoft.com/office/powerpoint/2012/main" xmlns:ahyp="http://schemas.microsoft.com/office/drawing/2018/hyperlinkcolor">
+<p:sld xmlns:a="http://schemas.openxmlformats.org/drawingml/2006/main" xmlns:r="http://schemas.openxmlformats.org/officeDocument/2006/relationships" xmlns:p="http://schemas.openxmlformats.org/presentationml/2006/main">
   <p:cSld>
     <p:spTree>
       <p:nvGrpSpPr>
-        <p:cNvPr id="130" name="Shape 130"/>
+        <p:cNvPr id="1" name="Shape 130"/>
         <p:cNvGrpSpPr/>
         <p:nvPr/>
       </p:nvGrpSpPr>
@@ -10311,12 +10539,12 @@
           </a:ln>
         </p:spPr>
         <p:txBody>
-          <a:bodyPr anchorCtr="0" anchor="ctr" bIns="91425" lIns="91425" spcFirstLastPara="1" rIns="91425" wrap="square" tIns="91425">
+          <a:bodyPr spcFirstLastPara="1" wrap="square" lIns="91425" tIns="91425" rIns="91425" bIns="91425" anchor="ctr" anchorCtr="0">
             <a:noAutofit/>
           </a:bodyPr>
           <a:lstStyle/>
           <a:p>
-            <a:pPr indent="0" lvl="0" marL="0" rtl="0" algn="ctr">
+            <a:pPr marL="0" lvl="0" indent="0" algn="ctr" rtl="0">
               <a:spcBef>
                 <a:spcPts val="0"/>
               </a:spcBef>
@@ -10356,11 +10584,11 @@
 </file>
 
 <file path=ppt/slides/slide17.xml><?xml version="1.0" encoding="utf-8"?>
-<p:sld xmlns:a="http://schemas.openxmlformats.org/drawingml/2006/main" xmlns:r="http://schemas.openxmlformats.org/officeDocument/2006/relationships" xmlns:mc="http://schemas.openxmlformats.org/markup-compatibility/2006" xmlns:mv="urn:schemas-microsoft-com:mac:vml" xmlns:p="http://schemas.openxmlformats.org/presentationml/2006/main" xmlns:c="http://schemas.openxmlformats.org/drawingml/2006/chart" xmlns:dgm="http://schemas.openxmlformats.org/drawingml/2006/diagram" xmlns:o="urn:schemas-microsoft-com:office:office" xmlns:v="urn:schemas-microsoft-com:vml" xmlns:pvml="urn:schemas-microsoft-com:office:powerpoint" xmlns:com="http://schemas.openxmlformats.org/drawingml/2006/compatibility" xmlns:p14="http://schemas.microsoft.com/office/powerpoint/2010/main" xmlns:p15="http://schemas.microsoft.com/office/powerpoint/2012/main" xmlns:ahyp="http://schemas.microsoft.com/office/drawing/2018/hyperlinkcolor">
+<p:sld xmlns:a="http://schemas.openxmlformats.org/drawingml/2006/main" xmlns:r="http://schemas.openxmlformats.org/officeDocument/2006/relationships" xmlns:p="http://schemas.openxmlformats.org/presentationml/2006/main">
   <p:cSld>
     <p:spTree>
       <p:nvGrpSpPr>
-        <p:cNvPr id="135" name="Shape 135"/>
+        <p:cNvPr id="1" name="Shape 135"/>
         <p:cNvGrpSpPr/>
         <p:nvPr/>
       </p:nvGrpSpPr>
@@ -10392,12 +10620,12 @@
           </a:ln>
         </p:spPr>
         <p:txBody>
-          <a:bodyPr anchorCtr="0" anchor="ctr" bIns="91425" lIns="91425" spcFirstLastPara="1" rIns="91425" wrap="square" tIns="91425">
+          <a:bodyPr spcFirstLastPara="1" wrap="square" lIns="91425" tIns="91425" rIns="91425" bIns="91425" anchor="ctr" anchorCtr="0">
             <a:noAutofit/>
           </a:bodyPr>
           <a:lstStyle/>
           <a:p>
-            <a:pPr indent="0" lvl="0" marL="0" rtl="0" algn="l">
+            <a:pPr marL="0" lvl="0" indent="0" algn="l" rtl="0">
               <a:spcBef>
                 <a:spcPts val="0"/>
               </a:spcBef>
@@ -10439,18 +10667,19 @@
 </file>
 
 <file path=ppt/slides/slide18.xml><?xml version="1.0" encoding="utf-8"?>
-<p:sld xmlns:a="http://schemas.openxmlformats.org/drawingml/2006/main" xmlns:r="http://schemas.openxmlformats.org/officeDocument/2006/relationships" xmlns:mc="http://schemas.openxmlformats.org/markup-compatibility/2006" xmlns:mv="urn:schemas-microsoft-com:mac:vml" xmlns:p="http://schemas.openxmlformats.org/presentationml/2006/main" xmlns:c="http://schemas.openxmlformats.org/drawingml/2006/chart" xmlns:dgm="http://schemas.openxmlformats.org/drawingml/2006/diagram" xmlns:o="urn:schemas-microsoft-com:office:office" xmlns:v="urn:schemas-microsoft-com:vml" xmlns:pvml="urn:schemas-microsoft-com:office:powerpoint" xmlns:com="http://schemas.openxmlformats.org/drawingml/2006/compatibility" xmlns:p14="http://schemas.microsoft.com/office/powerpoint/2010/main" xmlns:p15="http://schemas.microsoft.com/office/powerpoint/2012/main" xmlns:ahyp="http://schemas.microsoft.com/office/drawing/2018/hyperlinkcolor">
+<p:sld xmlns:a="http://schemas.openxmlformats.org/drawingml/2006/main" xmlns:r="http://schemas.openxmlformats.org/officeDocument/2006/relationships" xmlns:p="http://schemas.openxmlformats.org/presentationml/2006/main">
   <p:cSld>
     <p:bg>
       <p:bgPr>
         <a:solidFill>
           <a:srgbClr val="666666"/>
         </a:solidFill>
+        <a:effectLst/>
       </p:bgPr>
     </p:bg>
     <p:spTree>
       <p:nvGrpSpPr>
-        <p:cNvPr id="140" name="Shape 140"/>
+        <p:cNvPr id="1" name="Shape 140"/>
         <p:cNvGrpSpPr/>
         <p:nvPr/>
       </p:nvGrpSpPr>
@@ -10482,12 +10711,12 @@
           </a:ln>
         </p:spPr>
         <p:txBody>
-          <a:bodyPr anchorCtr="0" anchor="ctr" bIns="91425" lIns="91425" spcFirstLastPara="1" rIns="91425" wrap="square" tIns="91425">
+          <a:bodyPr spcFirstLastPara="1" wrap="square" lIns="91425" tIns="91425" rIns="91425" bIns="91425" anchor="ctr" anchorCtr="0">
             <a:noAutofit/>
           </a:bodyPr>
           <a:lstStyle/>
           <a:p>
-            <a:pPr indent="0" lvl="0" marL="0" rtl="0" algn="ctr">
+            <a:pPr marL="0" lvl="0" indent="0" algn="ctr" rtl="0">
               <a:lnSpc>
                 <a:spcPct val="146739"/>
               </a:lnSpc>
@@ -10522,7 +10751,7 @@
             </a:endParaRPr>
           </a:p>
           <a:p>
-            <a:pPr indent="0" lvl="0" marL="0" rtl="0" algn="ctr">
+            <a:pPr marL="0" lvl="0" indent="0" algn="ctr" rtl="0">
               <a:lnSpc>
                 <a:spcPct val="146739"/>
               </a:lnSpc>
@@ -10567,18 +10796,19 @@
 </file>
 
 <file path=ppt/slides/slide19.xml><?xml version="1.0" encoding="utf-8"?>
-<p:sld xmlns:a="http://schemas.openxmlformats.org/drawingml/2006/main" xmlns:r="http://schemas.openxmlformats.org/officeDocument/2006/relationships" xmlns:mc="http://schemas.openxmlformats.org/markup-compatibility/2006" xmlns:mv="urn:schemas-microsoft-com:mac:vml" xmlns:p="http://schemas.openxmlformats.org/presentationml/2006/main" xmlns:c="http://schemas.openxmlformats.org/drawingml/2006/chart" xmlns:dgm="http://schemas.openxmlformats.org/drawingml/2006/diagram" xmlns:o="urn:schemas-microsoft-com:office:office" xmlns:v="urn:schemas-microsoft-com:vml" xmlns:pvml="urn:schemas-microsoft-com:office:powerpoint" xmlns:com="http://schemas.openxmlformats.org/drawingml/2006/compatibility" xmlns:p14="http://schemas.microsoft.com/office/powerpoint/2010/main" xmlns:p15="http://schemas.microsoft.com/office/powerpoint/2012/main" xmlns:ahyp="http://schemas.microsoft.com/office/drawing/2018/hyperlinkcolor">
+<p:sld xmlns:a="http://schemas.openxmlformats.org/drawingml/2006/main" xmlns:r="http://schemas.openxmlformats.org/officeDocument/2006/relationships" xmlns:p="http://schemas.openxmlformats.org/presentationml/2006/main">
   <p:cSld>
     <p:bg>
       <p:bgPr>
         <a:solidFill>
           <a:srgbClr val="666666"/>
         </a:solidFill>
+        <a:effectLst/>
       </p:bgPr>
     </p:bg>
     <p:spTree>
       <p:nvGrpSpPr>
-        <p:cNvPr id="145" name="Shape 145"/>
+        <p:cNvPr id="1" name="Shape 145"/>
         <p:cNvGrpSpPr/>
         <p:nvPr/>
       </p:nvGrpSpPr>
@@ -10610,12 +10840,12 @@
           </a:ln>
         </p:spPr>
         <p:txBody>
-          <a:bodyPr anchorCtr="0" anchor="ctr" bIns="91425" lIns="91425" spcFirstLastPara="1" rIns="91425" wrap="square" tIns="91425">
+          <a:bodyPr spcFirstLastPara="1" wrap="square" lIns="91425" tIns="91425" rIns="91425" bIns="91425" anchor="ctr" anchorCtr="0">
             <a:noAutofit/>
           </a:bodyPr>
           <a:lstStyle/>
           <a:p>
-            <a:pPr indent="0" lvl="0" marL="0" rtl="0" algn="ctr">
+            <a:pPr marL="0" lvl="0" indent="0" algn="ctr" rtl="0">
               <a:lnSpc>
                 <a:spcPct val="146739"/>
               </a:lnSpc>
@@ -10710,7 +10940,7 @@
             </a:endParaRPr>
           </a:p>
           <a:p>
-            <a:pPr indent="0" lvl="0" marL="0" rtl="0" algn="ctr">
+            <a:pPr marL="0" lvl="0" indent="0" algn="ctr" rtl="0">
               <a:lnSpc>
                 <a:spcPct val="146739"/>
               </a:lnSpc>
@@ -10755,11 +10985,11 @@
 </file>
 
 <file path=ppt/slides/slide2.xml><?xml version="1.0" encoding="utf-8"?>
-<p:sld xmlns:a="http://schemas.openxmlformats.org/drawingml/2006/main" xmlns:r="http://schemas.openxmlformats.org/officeDocument/2006/relationships" xmlns:mc="http://schemas.openxmlformats.org/markup-compatibility/2006" xmlns:mv="urn:schemas-microsoft-com:mac:vml" xmlns:p="http://schemas.openxmlformats.org/presentationml/2006/main" xmlns:c="http://schemas.openxmlformats.org/drawingml/2006/chart" xmlns:dgm="http://schemas.openxmlformats.org/drawingml/2006/diagram" xmlns:o="urn:schemas-microsoft-com:office:office" xmlns:v="urn:schemas-microsoft-com:vml" xmlns:pvml="urn:schemas-microsoft-com:office:powerpoint" xmlns:com="http://schemas.openxmlformats.org/drawingml/2006/compatibility" xmlns:p14="http://schemas.microsoft.com/office/powerpoint/2010/main" xmlns:p15="http://schemas.microsoft.com/office/powerpoint/2012/main" xmlns:ahyp="http://schemas.microsoft.com/office/drawing/2018/hyperlinkcolor">
+<p:sld xmlns:a="http://schemas.openxmlformats.org/drawingml/2006/main" xmlns:r="http://schemas.openxmlformats.org/officeDocument/2006/relationships" xmlns:p="http://schemas.openxmlformats.org/presentationml/2006/main">
   <p:cSld>
     <p:spTree>
       <p:nvGrpSpPr>
-        <p:cNvPr id="59" name="Shape 59"/>
+        <p:cNvPr id="1" name="Shape 59"/>
         <p:cNvGrpSpPr/>
         <p:nvPr/>
       </p:nvGrpSpPr>
@@ -10791,12 +11021,12 @@
           </a:ln>
         </p:spPr>
         <p:txBody>
-          <a:bodyPr anchorCtr="0" anchor="ctr" bIns="91425" lIns="91425" spcFirstLastPara="1" rIns="91425" wrap="square" tIns="91425">
+          <a:bodyPr spcFirstLastPara="1" wrap="square" lIns="91425" tIns="91425" rIns="91425" bIns="91425" anchor="ctr" anchorCtr="0">
             <a:noAutofit/>
           </a:bodyPr>
           <a:lstStyle/>
           <a:p>
-            <a:pPr indent="0" lvl="0" marL="0" rtl="0" algn="l">
+            <a:pPr marL="0" lvl="0" indent="0" algn="l" rtl="0">
               <a:spcBef>
                 <a:spcPts val="0"/>
               </a:spcBef>
@@ -10828,7 +11058,7 @@
             </a:endParaRPr>
           </a:p>
           <a:p>
-            <a:pPr indent="0" lvl="0" marL="0" rtl="0" algn="l">
+            <a:pPr marL="0" lvl="0" indent="0" algn="l" rtl="0">
               <a:spcBef>
                 <a:spcPts val="0"/>
               </a:spcBef>
@@ -10870,18 +11100,19 @@
 </file>
 
 <file path=ppt/slides/slide20.xml><?xml version="1.0" encoding="utf-8"?>
-<p:sld xmlns:a="http://schemas.openxmlformats.org/drawingml/2006/main" xmlns:r="http://schemas.openxmlformats.org/officeDocument/2006/relationships" xmlns:mc="http://schemas.openxmlformats.org/markup-compatibility/2006" xmlns:mv="urn:schemas-microsoft-com:mac:vml" xmlns:p="http://schemas.openxmlformats.org/presentationml/2006/main" xmlns:c="http://schemas.openxmlformats.org/drawingml/2006/chart" xmlns:dgm="http://schemas.openxmlformats.org/drawingml/2006/diagram" xmlns:o="urn:schemas-microsoft-com:office:office" xmlns:v="urn:schemas-microsoft-com:vml" xmlns:pvml="urn:schemas-microsoft-com:office:powerpoint" xmlns:com="http://schemas.openxmlformats.org/drawingml/2006/compatibility" xmlns:p14="http://schemas.microsoft.com/office/powerpoint/2010/main" xmlns:p15="http://schemas.microsoft.com/office/powerpoint/2012/main" xmlns:ahyp="http://schemas.microsoft.com/office/drawing/2018/hyperlinkcolor">
+<p:sld xmlns:a="http://schemas.openxmlformats.org/drawingml/2006/main" xmlns:r="http://schemas.openxmlformats.org/officeDocument/2006/relationships" xmlns:p="http://schemas.openxmlformats.org/presentationml/2006/main">
   <p:cSld>
     <p:bg>
       <p:bgPr>
         <a:solidFill>
           <a:srgbClr val="ED5565"/>
         </a:solidFill>
+        <a:effectLst/>
       </p:bgPr>
     </p:bg>
     <p:spTree>
       <p:nvGrpSpPr>
-        <p:cNvPr id="150" name="Shape 150"/>
+        <p:cNvPr id="1" name="Shape 150"/>
         <p:cNvGrpSpPr/>
         <p:nvPr/>
       </p:nvGrpSpPr>
@@ -10896,7 +11127,9 @@
       <p:sp>
         <p:nvSpPr>
           <p:cNvPr id="151" name="Google Shape;151;p32"/>
-          <p:cNvSpPr txBox="1"/>
+          <p:cNvSpPr txBox="1">
+            <a:spLocks noGrp="1"/>
+          </p:cNvSpPr>
           <p:nvPr>
             <p:ph type="ctrTitle"/>
           </p:nvPr>
@@ -10911,12 +11144,12 @@
           </a:prstGeom>
         </p:spPr>
         <p:txBody>
-          <a:bodyPr anchorCtr="0" anchor="b" bIns="91425" lIns="91425" spcFirstLastPara="1" rIns="91425" wrap="square" tIns="91425">
+          <a:bodyPr spcFirstLastPara="1" wrap="square" lIns="91425" tIns="91425" rIns="91425" bIns="91425" anchor="b" anchorCtr="0">
             <a:noAutofit/>
           </a:bodyPr>
           <a:lstStyle/>
           <a:p>
-            <a:pPr indent="0" lvl="0" marL="0" rtl="0" algn="ctr">
+            <a:pPr marL="0" lvl="0" indent="0" algn="ctr" rtl="0">
               <a:spcBef>
                 <a:spcPts val="0"/>
               </a:spcBef>
@@ -10926,19 +11159,21 @@
               <a:buNone/>
             </a:pPr>
             <a:r>
-              <a:rPr lang="en-GB" sz="6000"/>
+              <a:rPr lang="en-GB" sz="6000" dirty="0"/>
               <a:t>Typography in CSS</a:t>
             </a:r>
-            <a:endParaRPr sz="6000"/>
+            <a:endParaRPr sz="6000" dirty="0"/>
           </a:p>
         </p:txBody>
       </p:sp>
       <p:sp>
         <p:nvSpPr>
           <p:cNvPr id="152" name="Google Shape;152;p32"/>
-          <p:cNvSpPr txBox="1"/>
+          <p:cNvSpPr txBox="1">
+            <a:spLocks noGrp="1"/>
+          </p:cNvSpPr>
           <p:nvPr>
-            <p:ph idx="1" type="subTitle"/>
+            <p:ph type="subTitle" idx="1"/>
           </p:nvPr>
         </p:nvSpPr>
         <p:spPr>
@@ -10951,12 +11186,12 @@
           </a:prstGeom>
         </p:spPr>
         <p:txBody>
-          <a:bodyPr anchorCtr="0" anchor="t" bIns="91425" lIns="91425" spcFirstLastPara="1" rIns="91425" wrap="square" tIns="91425">
+          <a:bodyPr spcFirstLastPara="1" wrap="square" lIns="91425" tIns="91425" rIns="91425" bIns="91425" anchor="t" anchorCtr="0">
             <a:noAutofit/>
           </a:bodyPr>
           <a:lstStyle/>
           <a:p>
-            <a:pPr indent="0" lvl="0" marL="0" rtl="0" algn="ctr">
+            <a:pPr marL="0" lvl="0" indent="0" algn="ctr" rtl="0">
               <a:spcBef>
                 <a:spcPts val="0"/>
               </a:spcBef>
@@ -10966,10 +11201,10 @@
               <a:buNone/>
             </a:pPr>
             <a:r>
-              <a:rPr lang="en-GB"/>
-              <a:t>A hobby for people who hate hobbies.</a:t>
+              <a:rPr lang="en-GB" dirty="0"/>
+              <a:t> </a:t>
             </a:r>
-            <a:endParaRPr/>
+            <a:endParaRPr dirty="0"/>
           </a:p>
         </p:txBody>
       </p:sp>
@@ -10982,11 +11217,11 @@
 </file>
 
 <file path=ppt/slides/slide21.xml><?xml version="1.0" encoding="utf-8"?>
-<p:sld xmlns:a="http://schemas.openxmlformats.org/drawingml/2006/main" xmlns:r="http://schemas.openxmlformats.org/officeDocument/2006/relationships" xmlns:mc="http://schemas.openxmlformats.org/markup-compatibility/2006" xmlns:mv="urn:schemas-microsoft-com:mac:vml" xmlns:p="http://schemas.openxmlformats.org/presentationml/2006/main" xmlns:c="http://schemas.openxmlformats.org/drawingml/2006/chart" xmlns:dgm="http://schemas.openxmlformats.org/drawingml/2006/diagram" xmlns:o="urn:schemas-microsoft-com:office:office" xmlns:v="urn:schemas-microsoft-com:vml" xmlns:pvml="urn:schemas-microsoft-com:office:powerpoint" xmlns:com="http://schemas.openxmlformats.org/drawingml/2006/compatibility" xmlns:p14="http://schemas.microsoft.com/office/powerpoint/2010/main" xmlns:p15="http://schemas.microsoft.com/office/powerpoint/2012/main" xmlns:ahyp="http://schemas.microsoft.com/office/drawing/2018/hyperlinkcolor">
+<p:sld xmlns:a="http://schemas.openxmlformats.org/drawingml/2006/main" xmlns:r="http://schemas.openxmlformats.org/officeDocument/2006/relationships" xmlns:p="http://schemas.openxmlformats.org/presentationml/2006/main">
   <p:cSld>
     <p:spTree>
       <p:nvGrpSpPr>
-        <p:cNvPr id="156" name="Shape 156"/>
+        <p:cNvPr id="1" name="Shape 156"/>
         <p:cNvGrpSpPr/>
         <p:nvPr/>
       </p:nvGrpSpPr>
@@ -11018,12 +11253,12 @@
           </a:ln>
         </p:spPr>
         <p:txBody>
-          <a:bodyPr anchorCtr="0" anchor="ctr" bIns="91425" lIns="91425" spcFirstLastPara="1" rIns="91425" wrap="square" tIns="91425">
+          <a:bodyPr spcFirstLastPara="1" wrap="square" lIns="91425" tIns="91425" rIns="91425" bIns="91425" anchor="ctr" anchorCtr="0">
             <a:noAutofit/>
           </a:bodyPr>
           <a:lstStyle/>
           <a:p>
-            <a:pPr indent="0" lvl="0" marL="0" rtl="0" algn="l">
+            <a:pPr marL="0" lvl="0" indent="0" algn="l" rtl="0">
               <a:spcBef>
                 <a:spcPts val="0"/>
               </a:spcBef>
@@ -11065,11 +11300,11 @@
 </file>
 
 <file path=ppt/slides/slide22.xml><?xml version="1.0" encoding="utf-8"?>
-<p:sld xmlns:a="http://schemas.openxmlformats.org/drawingml/2006/main" xmlns:r="http://schemas.openxmlformats.org/officeDocument/2006/relationships" xmlns:mc="http://schemas.openxmlformats.org/markup-compatibility/2006" xmlns:mv="urn:schemas-microsoft-com:mac:vml" xmlns:p="http://schemas.openxmlformats.org/presentationml/2006/main" xmlns:c="http://schemas.openxmlformats.org/drawingml/2006/chart" xmlns:dgm="http://schemas.openxmlformats.org/drawingml/2006/diagram" xmlns:o="urn:schemas-microsoft-com:office:office" xmlns:v="urn:schemas-microsoft-com:vml" xmlns:pvml="urn:schemas-microsoft-com:office:powerpoint" xmlns:com="http://schemas.openxmlformats.org/drawingml/2006/compatibility" xmlns:p14="http://schemas.microsoft.com/office/powerpoint/2010/main" xmlns:p15="http://schemas.microsoft.com/office/powerpoint/2012/main" xmlns:ahyp="http://schemas.microsoft.com/office/drawing/2018/hyperlinkcolor">
+<p:sld xmlns:a="http://schemas.openxmlformats.org/drawingml/2006/main" xmlns:r="http://schemas.openxmlformats.org/officeDocument/2006/relationships" xmlns:p="http://schemas.openxmlformats.org/presentationml/2006/main">
   <p:cSld>
     <p:spTree>
       <p:nvGrpSpPr>
-        <p:cNvPr id="161" name="Shape 161"/>
+        <p:cNvPr id="1" name="Shape 161"/>
         <p:cNvGrpSpPr/>
         <p:nvPr/>
       </p:nvGrpSpPr>
@@ -11101,12 +11336,12 @@
           </a:ln>
         </p:spPr>
         <p:txBody>
-          <a:bodyPr anchorCtr="0" anchor="ctr" bIns="91425" lIns="91425" spcFirstLastPara="1" rIns="91425" wrap="square" tIns="91425">
+          <a:bodyPr spcFirstLastPara="1" wrap="square" lIns="91425" tIns="91425" rIns="91425" bIns="91425" anchor="ctr" anchorCtr="0">
             <a:noAutofit/>
           </a:bodyPr>
           <a:lstStyle/>
           <a:p>
-            <a:pPr indent="0" lvl="0" marL="0" rtl="0" algn="l">
+            <a:pPr marL="0" lvl="0" indent="0" algn="l" rtl="0">
               <a:spcBef>
                 <a:spcPts val="0"/>
               </a:spcBef>
@@ -11148,18 +11383,19 @@
 </file>
 
 <file path=ppt/slides/slide23.xml><?xml version="1.0" encoding="utf-8"?>
-<p:sld xmlns:a="http://schemas.openxmlformats.org/drawingml/2006/main" xmlns:r="http://schemas.openxmlformats.org/officeDocument/2006/relationships" xmlns:mc="http://schemas.openxmlformats.org/markup-compatibility/2006" xmlns:mv="urn:schemas-microsoft-com:mac:vml" xmlns:p="http://schemas.openxmlformats.org/presentationml/2006/main" xmlns:c="http://schemas.openxmlformats.org/drawingml/2006/chart" xmlns:dgm="http://schemas.openxmlformats.org/drawingml/2006/diagram" xmlns:o="urn:schemas-microsoft-com:office:office" xmlns:v="urn:schemas-microsoft-com:vml" xmlns:pvml="urn:schemas-microsoft-com:office:powerpoint" xmlns:com="http://schemas.openxmlformats.org/drawingml/2006/compatibility" xmlns:p14="http://schemas.microsoft.com/office/powerpoint/2010/main" xmlns:p15="http://schemas.microsoft.com/office/powerpoint/2012/main" xmlns:ahyp="http://schemas.microsoft.com/office/drawing/2018/hyperlinkcolor">
+<p:sld xmlns:a="http://schemas.openxmlformats.org/drawingml/2006/main" xmlns:r="http://schemas.openxmlformats.org/officeDocument/2006/relationships" xmlns:p="http://schemas.openxmlformats.org/presentationml/2006/main">
   <p:cSld>
     <p:bg>
       <p:bgPr>
         <a:solidFill>
           <a:srgbClr val="666666"/>
         </a:solidFill>
+        <a:effectLst/>
       </p:bgPr>
     </p:bg>
     <p:spTree>
       <p:nvGrpSpPr>
-        <p:cNvPr id="166" name="Shape 166"/>
+        <p:cNvPr id="1" name="Shape 166"/>
         <p:cNvGrpSpPr/>
         <p:nvPr/>
       </p:nvGrpSpPr>
@@ -11191,12 +11427,12 @@
           </a:ln>
         </p:spPr>
         <p:txBody>
-          <a:bodyPr anchorCtr="0" anchor="ctr" bIns="91425" lIns="91425" spcFirstLastPara="1" rIns="91425" wrap="square" tIns="91425">
+          <a:bodyPr spcFirstLastPara="1" wrap="square" lIns="91425" tIns="91425" rIns="91425" bIns="91425" anchor="ctr" anchorCtr="0">
             <a:noAutofit/>
           </a:bodyPr>
           <a:lstStyle/>
           <a:p>
-            <a:pPr indent="0" lvl="0" marL="0" rtl="0" algn="l">
+            <a:pPr marL="0" lvl="0" indent="0" algn="l" rtl="0">
               <a:lnSpc>
                 <a:spcPct val="115000"/>
               </a:lnSpc>
@@ -11243,7 +11479,7 @@
             </a:endParaRPr>
           </a:p>
           <a:p>
-            <a:pPr indent="457200" lvl="0" marL="0" rtl="0" algn="l">
+            <a:pPr marL="0" lvl="0" indent="457200" algn="l" rtl="0">
               <a:lnSpc>
                 <a:spcPct val="115000"/>
               </a:lnSpc>
@@ -11278,7 +11514,7 @@
             </a:endParaRPr>
           </a:p>
           <a:p>
-            <a:pPr indent="0" lvl="0" marL="0" rtl="0" algn="l">
+            <a:pPr marL="0" lvl="0" indent="0" algn="l" rtl="0">
               <a:lnSpc>
                 <a:spcPct val="115000"/>
               </a:lnSpc>
@@ -11354,7 +11590,7 @@
             </a:endParaRPr>
           </a:p>
           <a:p>
-            <a:pPr indent="0" lvl="0" marL="0" rtl="0" algn="l">
+            <a:pPr marL="0" lvl="0" indent="0" algn="l" rtl="0">
               <a:lnSpc>
                 <a:spcPct val="115000"/>
               </a:lnSpc>
@@ -11406,7 +11642,7 @@
             </a:endParaRPr>
           </a:p>
           <a:p>
-            <a:pPr indent="0" lvl="0" marL="0" rtl="0" algn="l">
+            <a:pPr marL="0" lvl="0" indent="0" algn="l" rtl="0">
               <a:lnSpc>
                 <a:spcPct val="115000"/>
               </a:lnSpc>
@@ -11458,7 +11694,7 @@
             </a:endParaRPr>
           </a:p>
           <a:p>
-            <a:pPr indent="0" lvl="0" marL="0" rtl="0" algn="l">
+            <a:pPr marL="0" lvl="0" indent="0" algn="l" rtl="0">
               <a:lnSpc>
                 <a:spcPct val="115000"/>
               </a:lnSpc>
@@ -11510,7 +11746,7 @@
             </a:endParaRPr>
           </a:p>
           <a:p>
-            <a:pPr indent="0" lvl="0" marL="0" rtl="0" algn="l">
+            <a:pPr marL="0" lvl="0" indent="0" algn="l" rtl="0">
               <a:lnSpc>
                 <a:spcPct val="115000"/>
               </a:lnSpc>
@@ -11591,11 +11827,11 @@
 </file>
 
 <file path=ppt/slides/slide24.xml><?xml version="1.0" encoding="utf-8"?>
-<p:sld xmlns:a="http://schemas.openxmlformats.org/drawingml/2006/main" xmlns:r="http://schemas.openxmlformats.org/officeDocument/2006/relationships" xmlns:mc="http://schemas.openxmlformats.org/markup-compatibility/2006" xmlns:mv="urn:schemas-microsoft-com:mac:vml" xmlns:p="http://schemas.openxmlformats.org/presentationml/2006/main" xmlns:c="http://schemas.openxmlformats.org/drawingml/2006/chart" xmlns:dgm="http://schemas.openxmlformats.org/drawingml/2006/diagram" xmlns:o="urn:schemas-microsoft-com:office:office" xmlns:v="urn:schemas-microsoft-com:vml" xmlns:pvml="urn:schemas-microsoft-com:office:powerpoint" xmlns:com="http://schemas.openxmlformats.org/drawingml/2006/compatibility" xmlns:p14="http://schemas.microsoft.com/office/powerpoint/2010/main" xmlns:p15="http://schemas.microsoft.com/office/powerpoint/2012/main" xmlns:ahyp="http://schemas.microsoft.com/office/drawing/2018/hyperlinkcolor">
+<p:sld xmlns:a="http://schemas.openxmlformats.org/drawingml/2006/main" xmlns:r="http://schemas.openxmlformats.org/officeDocument/2006/relationships" xmlns:p="http://schemas.openxmlformats.org/presentationml/2006/main">
   <p:cSld>
     <p:spTree>
       <p:nvGrpSpPr>
-        <p:cNvPr id="171" name="Shape 171"/>
+        <p:cNvPr id="1" name="Shape 171"/>
         <p:cNvGrpSpPr/>
         <p:nvPr/>
       </p:nvGrpSpPr>
@@ -11627,12 +11863,12 @@
           </a:ln>
         </p:spPr>
         <p:txBody>
-          <a:bodyPr anchorCtr="0" anchor="ctr" bIns="91425" lIns="91425" spcFirstLastPara="1" rIns="91425" wrap="square" tIns="91425">
+          <a:bodyPr spcFirstLastPara="1" wrap="square" lIns="91425" tIns="91425" rIns="91425" bIns="91425" anchor="ctr" anchorCtr="0">
             <a:noAutofit/>
           </a:bodyPr>
           <a:lstStyle/>
           <a:p>
-            <a:pPr indent="0" lvl="0" marL="0" rtl="0" algn="l">
+            <a:pPr marL="0" lvl="0" indent="0" algn="l" rtl="0">
               <a:spcBef>
                 <a:spcPts val="0"/>
               </a:spcBef>
@@ -11674,18 +11910,19 @@
 </file>
 
 <file path=ppt/slides/slide25.xml><?xml version="1.0" encoding="utf-8"?>
-<p:sld xmlns:a="http://schemas.openxmlformats.org/drawingml/2006/main" xmlns:r="http://schemas.openxmlformats.org/officeDocument/2006/relationships" xmlns:mc="http://schemas.openxmlformats.org/markup-compatibility/2006" xmlns:mv="urn:schemas-microsoft-com:mac:vml" xmlns:p="http://schemas.openxmlformats.org/presentationml/2006/main" xmlns:c="http://schemas.openxmlformats.org/drawingml/2006/chart" xmlns:dgm="http://schemas.openxmlformats.org/drawingml/2006/diagram" xmlns:o="urn:schemas-microsoft-com:office:office" xmlns:v="urn:schemas-microsoft-com:vml" xmlns:pvml="urn:schemas-microsoft-com:office:powerpoint" xmlns:com="http://schemas.openxmlformats.org/drawingml/2006/compatibility" xmlns:p14="http://schemas.microsoft.com/office/powerpoint/2010/main" xmlns:p15="http://schemas.microsoft.com/office/powerpoint/2012/main" xmlns:ahyp="http://schemas.microsoft.com/office/drawing/2018/hyperlinkcolor">
+<p:sld xmlns:a="http://schemas.openxmlformats.org/drawingml/2006/main" xmlns:r="http://schemas.openxmlformats.org/officeDocument/2006/relationships" xmlns:p="http://schemas.openxmlformats.org/presentationml/2006/main">
   <p:cSld>
     <p:bg>
       <p:bgPr>
         <a:solidFill>
           <a:srgbClr val="666666"/>
         </a:solidFill>
+        <a:effectLst/>
       </p:bgPr>
     </p:bg>
     <p:spTree>
       <p:nvGrpSpPr>
-        <p:cNvPr id="176" name="Shape 176"/>
+        <p:cNvPr id="1" name="Shape 176"/>
         <p:cNvGrpSpPr/>
         <p:nvPr/>
       </p:nvGrpSpPr>
@@ -11717,12 +11954,12 @@
           </a:ln>
         </p:spPr>
         <p:txBody>
-          <a:bodyPr anchorCtr="0" anchor="ctr" bIns="91425" lIns="91425" spcFirstLastPara="1" rIns="91425" wrap="square" tIns="91425">
+          <a:bodyPr spcFirstLastPara="1" wrap="square" lIns="91425" tIns="91425" rIns="91425" bIns="91425" anchor="ctr" anchorCtr="0">
             <a:noAutofit/>
           </a:bodyPr>
           <a:lstStyle/>
           <a:p>
-            <a:pPr indent="0" lvl="0" marL="0" rtl="0" algn="ctr">
+            <a:pPr marL="0" lvl="0" indent="0" algn="ctr" rtl="0">
               <a:lnSpc>
                 <a:spcPct val="146739"/>
               </a:lnSpc>
@@ -11817,7 +12054,7 @@
             </a:endParaRPr>
           </a:p>
           <a:p>
-            <a:pPr indent="0" lvl="0" marL="0" rtl="0" algn="ctr">
+            <a:pPr marL="0" lvl="0" indent="0" algn="ctr" rtl="0">
               <a:lnSpc>
                 <a:spcPct val="146739"/>
               </a:lnSpc>
@@ -11862,18 +12099,19 @@
 </file>
 
 <file path=ppt/slides/slide26.xml><?xml version="1.0" encoding="utf-8"?>
-<p:sld xmlns:a="http://schemas.openxmlformats.org/drawingml/2006/main" xmlns:r="http://schemas.openxmlformats.org/officeDocument/2006/relationships" xmlns:mc="http://schemas.openxmlformats.org/markup-compatibility/2006" xmlns:mv="urn:schemas-microsoft-com:mac:vml" xmlns:p="http://schemas.openxmlformats.org/presentationml/2006/main" xmlns:c="http://schemas.openxmlformats.org/drawingml/2006/chart" xmlns:dgm="http://schemas.openxmlformats.org/drawingml/2006/diagram" xmlns:o="urn:schemas-microsoft-com:office:office" xmlns:v="urn:schemas-microsoft-com:vml" xmlns:pvml="urn:schemas-microsoft-com:office:powerpoint" xmlns:com="http://schemas.openxmlformats.org/drawingml/2006/compatibility" xmlns:p14="http://schemas.microsoft.com/office/powerpoint/2010/main" xmlns:p15="http://schemas.microsoft.com/office/powerpoint/2012/main" xmlns:ahyp="http://schemas.microsoft.com/office/drawing/2018/hyperlinkcolor">
+<p:sld xmlns:a="http://schemas.openxmlformats.org/drawingml/2006/main" xmlns:r="http://schemas.openxmlformats.org/officeDocument/2006/relationships" xmlns:p="http://schemas.openxmlformats.org/presentationml/2006/main">
   <p:cSld>
     <p:bg>
       <p:bgPr>
         <a:solidFill>
           <a:srgbClr val="666666"/>
         </a:solidFill>
+        <a:effectLst/>
       </p:bgPr>
     </p:bg>
     <p:spTree>
       <p:nvGrpSpPr>
-        <p:cNvPr id="181" name="Shape 181"/>
+        <p:cNvPr id="1" name="Shape 181"/>
         <p:cNvGrpSpPr/>
         <p:nvPr/>
       </p:nvGrpSpPr>
@@ -11905,12 +12143,12 @@
           </a:ln>
         </p:spPr>
         <p:txBody>
-          <a:bodyPr anchorCtr="0" anchor="ctr" bIns="91425" lIns="91425" spcFirstLastPara="1" rIns="91425" wrap="square" tIns="91425">
+          <a:bodyPr spcFirstLastPara="1" wrap="square" lIns="91425" tIns="91425" rIns="91425" bIns="91425" anchor="ctr" anchorCtr="0">
             <a:noAutofit/>
           </a:bodyPr>
           <a:lstStyle/>
           <a:p>
-            <a:pPr indent="0" lvl="0" marL="0" rtl="0" algn="ctr">
+            <a:pPr marL="0" lvl="0" indent="0" algn="ctr" rtl="0">
               <a:lnSpc>
                 <a:spcPct val="146739"/>
               </a:lnSpc>
@@ -12005,7 +12243,7 @@
             </a:endParaRPr>
           </a:p>
           <a:p>
-            <a:pPr indent="0" lvl="0" marL="0" rtl="0" algn="ctr">
+            <a:pPr marL="0" lvl="0" indent="0" algn="ctr" rtl="0">
               <a:lnSpc>
                 <a:spcPct val="146739"/>
               </a:lnSpc>
@@ -12050,18 +12288,19 @@
 </file>
 
 <file path=ppt/slides/slide27.xml><?xml version="1.0" encoding="utf-8"?>
-<p:sld xmlns:a="http://schemas.openxmlformats.org/drawingml/2006/main" xmlns:r="http://schemas.openxmlformats.org/officeDocument/2006/relationships" xmlns:mc="http://schemas.openxmlformats.org/markup-compatibility/2006" xmlns:mv="urn:schemas-microsoft-com:mac:vml" xmlns:p="http://schemas.openxmlformats.org/presentationml/2006/main" xmlns:c="http://schemas.openxmlformats.org/drawingml/2006/chart" xmlns:dgm="http://schemas.openxmlformats.org/drawingml/2006/diagram" xmlns:o="urn:schemas-microsoft-com:office:office" xmlns:v="urn:schemas-microsoft-com:vml" xmlns:pvml="urn:schemas-microsoft-com:office:powerpoint" xmlns:com="http://schemas.openxmlformats.org/drawingml/2006/compatibility" xmlns:p14="http://schemas.microsoft.com/office/powerpoint/2010/main" xmlns:p15="http://schemas.microsoft.com/office/powerpoint/2012/main" xmlns:ahyp="http://schemas.microsoft.com/office/drawing/2018/hyperlinkcolor">
+<p:sld xmlns:a="http://schemas.openxmlformats.org/drawingml/2006/main" xmlns:r="http://schemas.openxmlformats.org/officeDocument/2006/relationships" xmlns:p="http://schemas.openxmlformats.org/presentationml/2006/main">
   <p:cSld>
     <p:bg>
       <p:bgPr>
         <a:solidFill>
           <a:srgbClr val="666666"/>
         </a:solidFill>
+        <a:effectLst/>
       </p:bgPr>
     </p:bg>
     <p:spTree>
       <p:nvGrpSpPr>
-        <p:cNvPr id="186" name="Shape 186"/>
+        <p:cNvPr id="1" name="Shape 186"/>
         <p:cNvGrpSpPr/>
         <p:nvPr/>
       </p:nvGrpSpPr>
@@ -12093,12 +12332,12 @@
           </a:ln>
         </p:spPr>
         <p:txBody>
-          <a:bodyPr anchorCtr="0" anchor="ctr" bIns="91425" lIns="91425" spcFirstLastPara="1" rIns="91425" wrap="square" tIns="91425">
+          <a:bodyPr spcFirstLastPara="1" wrap="square" lIns="91425" tIns="91425" rIns="91425" bIns="91425" anchor="ctr" anchorCtr="0">
             <a:noAutofit/>
           </a:bodyPr>
           <a:lstStyle/>
           <a:p>
-            <a:pPr indent="0" lvl="0" marL="0" rtl="0" algn="ctr">
+            <a:pPr marL="0" lvl="0" indent="0" algn="ctr" rtl="0">
               <a:lnSpc>
                 <a:spcPct val="146739"/>
               </a:lnSpc>
@@ -12156,19 +12395,7 @@
                 <a:cs typeface="Consolas"/>
                 <a:sym typeface="Consolas"/>
               </a:rPr>
-              <a:t>700</a:t>
-            </a:r>
-            <a:r>
-              <a:rPr lang="en-GB" sz="3000">
-                <a:solidFill>
-                  <a:srgbClr val="FBC02D"/>
-                </a:solidFill>
-                <a:latin typeface="Consolas"/>
-                <a:ea typeface="Consolas"/>
-                <a:cs typeface="Consolas"/>
-                <a:sym typeface="Consolas"/>
-              </a:rPr>
-              <a:t>; </a:t>
+              <a:t>700; </a:t>
             </a:r>
             <a:endParaRPr sz="3000">
               <a:solidFill>
@@ -12181,7 +12408,7 @@
             </a:endParaRPr>
           </a:p>
           <a:p>
-            <a:pPr indent="0" lvl="0" marL="0" rtl="0" algn="ctr">
+            <a:pPr marL="0" lvl="0" indent="0" algn="ctr" rtl="0">
               <a:lnSpc>
                 <a:spcPct val="146739"/>
               </a:lnSpc>
@@ -12226,18 +12453,19 @@
 </file>
 
 <file path=ppt/slides/slide28.xml><?xml version="1.0" encoding="utf-8"?>
-<p:sld xmlns:a="http://schemas.openxmlformats.org/drawingml/2006/main" xmlns:r="http://schemas.openxmlformats.org/officeDocument/2006/relationships" xmlns:mc="http://schemas.openxmlformats.org/markup-compatibility/2006" xmlns:mv="urn:schemas-microsoft-com:mac:vml" xmlns:p="http://schemas.openxmlformats.org/presentationml/2006/main" xmlns:c="http://schemas.openxmlformats.org/drawingml/2006/chart" xmlns:dgm="http://schemas.openxmlformats.org/drawingml/2006/diagram" xmlns:o="urn:schemas-microsoft-com:office:office" xmlns:v="urn:schemas-microsoft-com:vml" xmlns:pvml="urn:schemas-microsoft-com:office:powerpoint" xmlns:com="http://schemas.openxmlformats.org/drawingml/2006/compatibility" xmlns:p14="http://schemas.microsoft.com/office/powerpoint/2010/main" xmlns:p15="http://schemas.microsoft.com/office/powerpoint/2012/main" xmlns:ahyp="http://schemas.microsoft.com/office/drawing/2018/hyperlinkcolor">
+<p:sld xmlns:a="http://schemas.openxmlformats.org/drawingml/2006/main" xmlns:r="http://schemas.openxmlformats.org/officeDocument/2006/relationships" xmlns:p="http://schemas.openxmlformats.org/presentationml/2006/main">
   <p:cSld>
     <p:bg>
       <p:bgPr>
         <a:solidFill>
           <a:srgbClr val="666666"/>
         </a:solidFill>
+        <a:effectLst/>
       </p:bgPr>
     </p:bg>
     <p:spTree>
       <p:nvGrpSpPr>
-        <p:cNvPr id="191" name="Shape 191"/>
+        <p:cNvPr id="1" name="Shape 191"/>
         <p:cNvGrpSpPr/>
         <p:nvPr/>
       </p:nvGrpSpPr>
@@ -12269,12 +12497,12 @@
           </a:ln>
         </p:spPr>
         <p:txBody>
-          <a:bodyPr anchorCtr="0" anchor="ctr" bIns="91425" lIns="91425" spcFirstLastPara="1" rIns="91425" wrap="square" tIns="91425">
+          <a:bodyPr spcFirstLastPara="1" wrap="square" lIns="91425" tIns="91425" rIns="91425" bIns="91425" anchor="ctr" anchorCtr="0">
             <a:noAutofit/>
           </a:bodyPr>
           <a:lstStyle/>
           <a:p>
-            <a:pPr indent="0" lvl="0" marL="0" rtl="0" algn="ctr">
+            <a:pPr marL="0" lvl="0" indent="0" algn="ctr" rtl="0">
               <a:lnSpc>
                 <a:spcPct val="115000"/>
               </a:lnSpc>
@@ -12309,7 +12537,7 @@
             </a:endParaRPr>
           </a:p>
           <a:p>
-            <a:pPr indent="0" lvl="0" marL="0" rtl="0" algn="ctr">
+            <a:pPr marL="0" lvl="0" indent="0" algn="ctr" rtl="0">
               <a:lnSpc>
                 <a:spcPct val="115000"/>
               </a:lnSpc>
@@ -12349,7 +12577,7 @@
             </a:endParaRPr>
           </a:p>
           <a:p>
-            <a:pPr indent="0" lvl="0" marL="0" rtl="0" algn="ctr">
+            <a:pPr marL="0" lvl="0" indent="0" algn="ctr" rtl="0">
               <a:lnSpc>
                 <a:spcPct val="115000"/>
               </a:lnSpc>
@@ -12389,7 +12617,7 @@
             </a:endParaRPr>
           </a:p>
           <a:p>
-            <a:pPr indent="0" lvl="0" marL="0" rtl="0" algn="ctr">
+            <a:pPr marL="0" lvl="0" indent="0" algn="ctr" rtl="0">
               <a:lnSpc>
                 <a:spcPct val="115000"/>
               </a:lnSpc>
@@ -12429,7 +12657,7 @@
             </a:endParaRPr>
           </a:p>
           <a:p>
-            <a:pPr indent="0" lvl="0" marL="0" rtl="0" algn="ctr">
+            <a:pPr marL="0" lvl="0" indent="0" algn="ctr" rtl="0">
               <a:lnSpc>
                 <a:spcPct val="115000"/>
               </a:lnSpc>
@@ -12469,7 +12697,7 @@
             </a:endParaRPr>
           </a:p>
           <a:p>
-            <a:pPr indent="0" lvl="0" marL="0" rtl="0" algn="ctr">
+            <a:pPr marL="0" lvl="0" indent="0" algn="ctr" rtl="0">
               <a:lnSpc>
                 <a:spcPct val="115000"/>
               </a:lnSpc>
@@ -12509,7 +12737,7 @@
             </a:endParaRPr>
           </a:p>
           <a:p>
-            <a:pPr indent="0" lvl="0" marL="0" rtl="0" algn="ctr">
+            <a:pPr marL="0" lvl="0" indent="0" algn="ctr" rtl="0">
               <a:lnSpc>
                 <a:spcPct val="115000"/>
               </a:lnSpc>
@@ -12549,7 +12777,7 @@
             </a:endParaRPr>
           </a:p>
           <a:p>
-            <a:pPr indent="0" lvl="0" marL="0" rtl="0" algn="ctr">
+            <a:pPr marL="0" lvl="0" indent="0" algn="ctr" rtl="0">
               <a:lnSpc>
                 <a:spcPct val="115000"/>
               </a:lnSpc>
@@ -12589,7 +12817,7 @@
             </a:endParaRPr>
           </a:p>
           <a:p>
-            <a:pPr indent="0" lvl="0" marL="0" rtl="0" algn="ctr">
+            <a:pPr marL="0" lvl="0" indent="0" algn="ctr" rtl="0">
               <a:lnSpc>
                 <a:spcPct val="115000"/>
               </a:lnSpc>
@@ -12634,18 +12862,19 @@
 </file>
 
 <file path=ppt/slides/slide29.xml><?xml version="1.0" encoding="utf-8"?>
-<p:sld xmlns:a="http://schemas.openxmlformats.org/drawingml/2006/main" xmlns:r="http://schemas.openxmlformats.org/officeDocument/2006/relationships" xmlns:mc="http://schemas.openxmlformats.org/markup-compatibility/2006" xmlns:mv="urn:schemas-microsoft-com:mac:vml" xmlns:p="http://schemas.openxmlformats.org/presentationml/2006/main" xmlns:c="http://schemas.openxmlformats.org/drawingml/2006/chart" xmlns:dgm="http://schemas.openxmlformats.org/drawingml/2006/diagram" xmlns:o="urn:schemas-microsoft-com:office:office" xmlns:v="urn:schemas-microsoft-com:vml" xmlns:pvml="urn:schemas-microsoft-com:office:powerpoint" xmlns:com="http://schemas.openxmlformats.org/drawingml/2006/compatibility" xmlns:p14="http://schemas.microsoft.com/office/powerpoint/2010/main" xmlns:p15="http://schemas.microsoft.com/office/powerpoint/2012/main" xmlns:ahyp="http://schemas.microsoft.com/office/drawing/2018/hyperlinkcolor">
+<p:sld xmlns:a="http://schemas.openxmlformats.org/drawingml/2006/main" xmlns:r="http://schemas.openxmlformats.org/officeDocument/2006/relationships" xmlns:p="http://schemas.openxmlformats.org/presentationml/2006/main">
   <p:cSld>
     <p:bg>
       <p:bgPr>
         <a:solidFill>
           <a:srgbClr val="666666"/>
         </a:solidFill>
+        <a:effectLst/>
       </p:bgPr>
     </p:bg>
     <p:spTree>
       <p:nvGrpSpPr>
-        <p:cNvPr id="196" name="Shape 196"/>
+        <p:cNvPr id="1" name="Shape 196"/>
         <p:cNvGrpSpPr/>
         <p:nvPr/>
       </p:nvGrpSpPr>
@@ -12677,12 +12906,12 @@
           </a:ln>
         </p:spPr>
         <p:txBody>
-          <a:bodyPr anchorCtr="0" anchor="ctr" bIns="91425" lIns="91425" spcFirstLastPara="1" rIns="91425" wrap="square" tIns="91425">
+          <a:bodyPr spcFirstLastPara="1" wrap="square" lIns="91425" tIns="91425" rIns="91425" bIns="91425" anchor="ctr" anchorCtr="0">
             <a:noAutofit/>
           </a:bodyPr>
           <a:lstStyle/>
           <a:p>
-            <a:pPr indent="0" lvl="0" marL="0" rtl="0" algn="ctr">
+            <a:pPr marL="0" lvl="0" indent="0" algn="ctr" rtl="0">
               <a:lnSpc>
                 <a:spcPct val="146739"/>
               </a:lnSpc>
@@ -12717,7 +12946,7 @@
             </a:endParaRPr>
           </a:p>
           <a:p>
-            <a:pPr indent="0" lvl="0" marL="0" rtl="0" algn="ctr">
+            <a:pPr marL="0" lvl="0" indent="0" algn="ctr" rtl="0">
               <a:lnSpc>
                 <a:spcPct val="146739"/>
               </a:lnSpc>
@@ -12729,9 +12958,6 @@
               </a:spcAft>
               <a:buNone/>
             </a:pPr>
-            <a:r>
-              <a:t/>
-            </a:r>
             <a:endParaRPr sz="2400">
               <a:solidFill>
                 <a:schemeClr val="lt1"/>
@@ -12743,7 +12969,7 @@
             </a:endParaRPr>
           </a:p>
           <a:p>
-            <a:pPr indent="0" lvl="0" marL="0" rtl="0" algn="ctr">
+            <a:pPr marL="0" lvl="0" indent="0" algn="ctr" rtl="0">
               <a:lnSpc>
                 <a:spcPct val="146739"/>
               </a:lnSpc>
@@ -12793,11 +13019,11 @@
 </file>
 
 <file path=ppt/slides/slide3.xml><?xml version="1.0" encoding="utf-8"?>
-<p:sld xmlns:a="http://schemas.openxmlformats.org/drawingml/2006/main" xmlns:r="http://schemas.openxmlformats.org/officeDocument/2006/relationships" xmlns:mc="http://schemas.openxmlformats.org/markup-compatibility/2006" xmlns:mv="urn:schemas-microsoft-com:mac:vml" xmlns:p="http://schemas.openxmlformats.org/presentationml/2006/main" xmlns:c="http://schemas.openxmlformats.org/drawingml/2006/chart" xmlns:dgm="http://schemas.openxmlformats.org/drawingml/2006/diagram" xmlns:o="urn:schemas-microsoft-com:office:office" xmlns:v="urn:schemas-microsoft-com:vml" xmlns:pvml="urn:schemas-microsoft-com:office:powerpoint" xmlns:com="http://schemas.openxmlformats.org/drawingml/2006/compatibility" xmlns:p14="http://schemas.microsoft.com/office/powerpoint/2010/main" xmlns:p15="http://schemas.microsoft.com/office/powerpoint/2012/main" xmlns:ahyp="http://schemas.microsoft.com/office/drawing/2018/hyperlinkcolor">
+<p:sld xmlns:a="http://schemas.openxmlformats.org/drawingml/2006/main" xmlns:r="http://schemas.openxmlformats.org/officeDocument/2006/relationships" xmlns:p="http://schemas.openxmlformats.org/presentationml/2006/main">
   <p:cSld>
     <p:spTree>
       <p:nvGrpSpPr>
-        <p:cNvPr id="64" name="Shape 64"/>
+        <p:cNvPr id="1" name="Shape 64"/>
         <p:cNvGrpSpPr/>
         <p:nvPr/>
       </p:nvGrpSpPr>
@@ -12829,12 +13055,12 @@
           </a:ln>
         </p:spPr>
         <p:txBody>
-          <a:bodyPr anchorCtr="0" anchor="ctr" bIns="91425" lIns="91425" spcFirstLastPara="1" rIns="91425" wrap="square" tIns="91425">
+          <a:bodyPr spcFirstLastPara="1" wrap="square" lIns="91425" tIns="91425" rIns="91425" bIns="91425" anchor="ctr" anchorCtr="0">
             <a:noAutofit/>
           </a:bodyPr>
           <a:lstStyle/>
           <a:p>
-            <a:pPr indent="0" lvl="0" marL="0" rtl="0" algn="l">
+            <a:pPr marL="0" lvl="0" indent="0" algn="l" rtl="0">
               <a:spcBef>
                 <a:spcPts val="0"/>
               </a:spcBef>
@@ -12900,18 +13126,19 @@
 </file>
 
 <file path=ppt/slides/slide30.xml><?xml version="1.0" encoding="utf-8"?>
-<p:sld xmlns:a="http://schemas.openxmlformats.org/drawingml/2006/main" xmlns:r="http://schemas.openxmlformats.org/officeDocument/2006/relationships" xmlns:mc="http://schemas.openxmlformats.org/markup-compatibility/2006" xmlns:mv="urn:schemas-microsoft-com:mac:vml" xmlns:p="http://schemas.openxmlformats.org/presentationml/2006/main" xmlns:c="http://schemas.openxmlformats.org/drawingml/2006/chart" xmlns:dgm="http://schemas.openxmlformats.org/drawingml/2006/diagram" xmlns:o="urn:schemas-microsoft-com:office:office" xmlns:v="urn:schemas-microsoft-com:vml" xmlns:pvml="urn:schemas-microsoft-com:office:powerpoint" xmlns:com="http://schemas.openxmlformats.org/drawingml/2006/compatibility" xmlns:p14="http://schemas.microsoft.com/office/powerpoint/2010/main" xmlns:p15="http://schemas.microsoft.com/office/powerpoint/2012/main" xmlns:ahyp="http://schemas.microsoft.com/office/drawing/2018/hyperlinkcolor">
+<p:sld xmlns:a="http://schemas.openxmlformats.org/drawingml/2006/main" xmlns:r="http://schemas.openxmlformats.org/officeDocument/2006/relationships" xmlns:p="http://schemas.openxmlformats.org/presentationml/2006/main">
   <p:cSld>
     <p:bg>
       <p:bgPr>
         <a:solidFill>
           <a:srgbClr val="666666"/>
         </a:solidFill>
+        <a:effectLst/>
       </p:bgPr>
     </p:bg>
     <p:spTree>
       <p:nvGrpSpPr>
-        <p:cNvPr id="201" name="Shape 201"/>
+        <p:cNvPr id="1" name="Shape 201"/>
         <p:cNvGrpSpPr/>
         <p:nvPr/>
       </p:nvGrpSpPr>
@@ -12943,12 +13170,12 @@
           </a:ln>
         </p:spPr>
         <p:txBody>
-          <a:bodyPr anchorCtr="0" anchor="ctr" bIns="91425" lIns="91425" spcFirstLastPara="1" rIns="91425" wrap="square" tIns="91425">
+          <a:bodyPr spcFirstLastPara="1" wrap="square" lIns="91425" tIns="91425" rIns="91425" bIns="91425" anchor="ctr" anchorCtr="0">
             <a:noAutofit/>
           </a:bodyPr>
           <a:lstStyle/>
           <a:p>
-            <a:pPr indent="0" lvl="0" marL="0" rtl="0" algn="ctr">
+            <a:pPr marL="0" lvl="0" indent="0" algn="ctr" rtl="0">
               <a:lnSpc>
                 <a:spcPct val="146739"/>
               </a:lnSpc>
@@ -13006,19 +13233,7 @@
                 <a:cs typeface="Consolas"/>
                 <a:sym typeface="Consolas"/>
               </a:rPr>
-              <a:t>normal | italic | oblique</a:t>
-            </a:r>
-            <a:r>
-              <a:rPr lang="en-GB" sz="3000">
-                <a:solidFill>
-                  <a:srgbClr val="FBC02D"/>
-                </a:solidFill>
-                <a:latin typeface="Consolas"/>
-                <a:ea typeface="Consolas"/>
-                <a:cs typeface="Consolas"/>
-                <a:sym typeface="Consolas"/>
-              </a:rPr>
-              <a:t>; </a:t>
+              <a:t>normal | italic | oblique; </a:t>
             </a:r>
             <a:endParaRPr sz="3000">
               <a:solidFill>
@@ -13031,7 +13246,7 @@
             </a:endParaRPr>
           </a:p>
           <a:p>
-            <a:pPr indent="0" lvl="0" marL="0" rtl="0" algn="ctr">
+            <a:pPr marL="0" lvl="0" indent="0" algn="ctr" rtl="0">
               <a:lnSpc>
                 <a:spcPct val="146739"/>
               </a:lnSpc>
@@ -13076,18 +13291,19 @@
 </file>
 
 <file path=ppt/slides/slide31.xml><?xml version="1.0" encoding="utf-8"?>
-<p:sld xmlns:a="http://schemas.openxmlformats.org/drawingml/2006/main" xmlns:r="http://schemas.openxmlformats.org/officeDocument/2006/relationships" xmlns:mc="http://schemas.openxmlformats.org/markup-compatibility/2006" xmlns:mv="urn:schemas-microsoft-com:mac:vml" xmlns:p="http://schemas.openxmlformats.org/presentationml/2006/main" xmlns:c="http://schemas.openxmlformats.org/drawingml/2006/chart" xmlns:dgm="http://schemas.openxmlformats.org/drawingml/2006/diagram" xmlns:o="urn:schemas-microsoft-com:office:office" xmlns:v="urn:schemas-microsoft-com:vml" xmlns:pvml="urn:schemas-microsoft-com:office:powerpoint" xmlns:com="http://schemas.openxmlformats.org/drawingml/2006/compatibility" xmlns:p14="http://schemas.microsoft.com/office/powerpoint/2010/main" xmlns:p15="http://schemas.microsoft.com/office/powerpoint/2012/main" xmlns:ahyp="http://schemas.microsoft.com/office/drawing/2018/hyperlinkcolor">
+<p:sld xmlns:a="http://schemas.openxmlformats.org/drawingml/2006/main" xmlns:r="http://schemas.openxmlformats.org/officeDocument/2006/relationships" xmlns:p="http://schemas.openxmlformats.org/presentationml/2006/main">
   <p:cSld>
     <p:bg>
       <p:bgPr>
         <a:solidFill>
           <a:srgbClr val="666666"/>
         </a:solidFill>
+        <a:effectLst/>
       </p:bgPr>
     </p:bg>
     <p:spTree>
       <p:nvGrpSpPr>
-        <p:cNvPr id="206" name="Shape 206"/>
+        <p:cNvPr id="1" name="Shape 206"/>
         <p:cNvGrpSpPr/>
         <p:nvPr/>
       </p:nvGrpSpPr>
@@ -13119,12 +13335,12 @@
           </a:ln>
         </p:spPr>
         <p:txBody>
-          <a:bodyPr anchorCtr="0" anchor="ctr" bIns="91425" lIns="91425" spcFirstLastPara="1" rIns="91425" wrap="square" tIns="91425">
+          <a:bodyPr spcFirstLastPara="1" wrap="square" lIns="91425" tIns="91425" rIns="91425" bIns="91425" anchor="ctr" anchorCtr="0">
             <a:noAutofit/>
           </a:bodyPr>
           <a:lstStyle/>
           <a:p>
-            <a:pPr indent="0" lvl="0" marL="0" rtl="0" algn="ctr">
+            <a:pPr marL="0" lvl="0" indent="0" algn="ctr" rtl="0">
               <a:lnSpc>
                 <a:spcPct val="146739"/>
               </a:lnSpc>
@@ -13182,19 +13398,7 @@
                 <a:cs typeface="Consolas"/>
                 <a:sym typeface="Consolas"/>
               </a:rPr>
-              <a:t>small-caps</a:t>
-            </a:r>
-            <a:r>
-              <a:rPr lang="en-GB" sz="3000">
-                <a:solidFill>
-                  <a:srgbClr val="FBC02D"/>
-                </a:solidFill>
-                <a:latin typeface="Consolas"/>
-                <a:ea typeface="Consolas"/>
-                <a:cs typeface="Consolas"/>
-                <a:sym typeface="Consolas"/>
-              </a:rPr>
-              <a:t>; </a:t>
+              <a:t>small-caps; </a:t>
             </a:r>
             <a:endParaRPr sz="3000">
               <a:solidFill>
@@ -13207,7 +13411,7 @@
             </a:endParaRPr>
           </a:p>
           <a:p>
-            <a:pPr indent="0" lvl="0" marL="0" rtl="0" algn="ctr">
+            <a:pPr marL="0" lvl="0" indent="0" algn="ctr" rtl="0">
               <a:lnSpc>
                 <a:spcPct val="146739"/>
               </a:lnSpc>
@@ -13252,18 +13456,19 @@
 </file>
 
 <file path=ppt/slides/slide32.xml><?xml version="1.0" encoding="utf-8"?>
-<p:sld xmlns:a="http://schemas.openxmlformats.org/drawingml/2006/main" xmlns:r="http://schemas.openxmlformats.org/officeDocument/2006/relationships" xmlns:mc="http://schemas.openxmlformats.org/markup-compatibility/2006" xmlns:mv="urn:schemas-microsoft-com:mac:vml" xmlns:p="http://schemas.openxmlformats.org/presentationml/2006/main" xmlns:c="http://schemas.openxmlformats.org/drawingml/2006/chart" xmlns:dgm="http://schemas.openxmlformats.org/drawingml/2006/diagram" xmlns:o="urn:schemas-microsoft-com:office:office" xmlns:v="urn:schemas-microsoft-com:vml" xmlns:pvml="urn:schemas-microsoft-com:office:powerpoint" xmlns:com="http://schemas.openxmlformats.org/drawingml/2006/compatibility" xmlns:p14="http://schemas.microsoft.com/office/powerpoint/2010/main" xmlns:p15="http://schemas.microsoft.com/office/powerpoint/2012/main" xmlns:ahyp="http://schemas.microsoft.com/office/drawing/2018/hyperlinkcolor">
+<p:sld xmlns:a="http://schemas.openxmlformats.org/drawingml/2006/main" xmlns:r="http://schemas.openxmlformats.org/officeDocument/2006/relationships" xmlns:p="http://schemas.openxmlformats.org/presentationml/2006/main">
   <p:cSld>
     <p:bg>
       <p:bgPr>
         <a:solidFill>
           <a:srgbClr val="666666"/>
         </a:solidFill>
+        <a:effectLst/>
       </p:bgPr>
     </p:bg>
     <p:spTree>
       <p:nvGrpSpPr>
-        <p:cNvPr id="211" name="Shape 211"/>
+        <p:cNvPr id="1" name="Shape 211"/>
         <p:cNvGrpSpPr/>
         <p:nvPr/>
       </p:nvGrpSpPr>
@@ -13295,12 +13500,12 @@
           </a:ln>
         </p:spPr>
         <p:txBody>
-          <a:bodyPr anchorCtr="0" anchor="ctr" bIns="91425" lIns="91425" spcFirstLastPara="1" rIns="91425" wrap="square" tIns="91425">
+          <a:bodyPr spcFirstLastPara="1" wrap="square" lIns="91425" tIns="91425" rIns="91425" bIns="91425" anchor="ctr" anchorCtr="0">
             <a:noAutofit/>
           </a:bodyPr>
           <a:lstStyle/>
           <a:p>
-            <a:pPr indent="0" lvl="0" marL="0" rtl="0" algn="ctr">
+            <a:pPr marL="0" lvl="0" indent="0" algn="ctr" rtl="0">
               <a:lnSpc>
                 <a:spcPct val="146739"/>
               </a:lnSpc>
@@ -13334,19 +13539,7 @@
                 <a:cs typeface="Consolas"/>
                 <a:sym typeface="Consolas"/>
               </a:rPr>
-              <a:t>: </a:t>
-            </a:r>
-            <a:r>
-              <a:rPr lang="en-GB" sz="2400">
-                <a:solidFill>
-                  <a:srgbClr val="FBC02D"/>
-                </a:solidFill>
-                <a:latin typeface="Consolas"/>
-                <a:ea typeface="Consolas"/>
-                <a:cs typeface="Consolas"/>
-                <a:sym typeface="Consolas"/>
-              </a:rPr>
-              <a:t>ultra-condensed | extra-condensed | condensed | semi-condensed | normal | semi-expanded | expanded | extra-expanded | ultra-expanded</a:t>
+              <a:t>: ultra-condensed | extra-condensed | condensed | semi-condensed | normal | semi-expanded | expanded | extra-expanded | ultra-expanded</a:t>
             </a:r>
             <a:r>
               <a:rPr lang="en-GB" sz="3000">
@@ -13371,7 +13564,7 @@
             </a:endParaRPr>
           </a:p>
           <a:p>
-            <a:pPr indent="0" lvl="0" marL="0" rtl="0" algn="ctr">
+            <a:pPr marL="0" lvl="0" indent="0" algn="ctr" rtl="0">
               <a:lnSpc>
                 <a:spcPct val="146739"/>
               </a:lnSpc>
@@ -13416,18 +13609,19 @@
 </file>
 
 <file path=ppt/slides/slide33.xml><?xml version="1.0" encoding="utf-8"?>
-<p:sld xmlns:a="http://schemas.openxmlformats.org/drawingml/2006/main" xmlns:r="http://schemas.openxmlformats.org/officeDocument/2006/relationships" xmlns:mc="http://schemas.openxmlformats.org/markup-compatibility/2006" xmlns:mv="urn:schemas-microsoft-com:mac:vml" xmlns:p="http://schemas.openxmlformats.org/presentationml/2006/main" xmlns:c="http://schemas.openxmlformats.org/drawingml/2006/chart" xmlns:dgm="http://schemas.openxmlformats.org/drawingml/2006/diagram" xmlns:o="urn:schemas-microsoft-com:office:office" xmlns:v="urn:schemas-microsoft-com:vml" xmlns:pvml="urn:schemas-microsoft-com:office:powerpoint" xmlns:com="http://schemas.openxmlformats.org/drawingml/2006/compatibility" xmlns:p14="http://schemas.microsoft.com/office/powerpoint/2010/main" xmlns:p15="http://schemas.microsoft.com/office/powerpoint/2012/main" xmlns:ahyp="http://schemas.microsoft.com/office/drawing/2018/hyperlinkcolor">
+<p:sld xmlns:a="http://schemas.openxmlformats.org/drawingml/2006/main" xmlns:r="http://schemas.openxmlformats.org/officeDocument/2006/relationships" xmlns:p="http://schemas.openxmlformats.org/presentationml/2006/main">
   <p:cSld>
     <p:bg>
       <p:bgPr>
         <a:solidFill>
           <a:srgbClr val="666666"/>
         </a:solidFill>
+        <a:effectLst/>
       </p:bgPr>
     </p:bg>
     <p:spTree>
       <p:nvGrpSpPr>
-        <p:cNvPr id="216" name="Shape 216"/>
+        <p:cNvPr id="1" name="Shape 216"/>
         <p:cNvGrpSpPr/>
         <p:nvPr/>
       </p:nvGrpSpPr>
@@ -13459,12 +13653,12 @@
           </a:ln>
         </p:spPr>
         <p:txBody>
-          <a:bodyPr anchorCtr="0" anchor="ctr" bIns="91425" lIns="91425" spcFirstLastPara="1" rIns="91425" wrap="square" tIns="91425">
+          <a:bodyPr spcFirstLastPara="1" wrap="square" lIns="91425" tIns="91425" rIns="91425" bIns="91425" anchor="ctr" anchorCtr="0">
             <a:noAutofit/>
           </a:bodyPr>
           <a:lstStyle/>
           <a:p>
-            <a:pPr indent="0" lvl="0" marL="0" rtl="0" algn="ctr">
+            <a:pPr marL="0" lvl="0" indent="0" algn="ctr" rtl="0">
               <a:lnSpc>
                 <a:spcPct val="146739"/>
               </a:lnSpc>
@@ -13511,7 +13705,7 @@
             </a:endParaRPr>
           </a:p>
           <a:p>
-            <a:pPr indent="0" lvl="0" marL="0" rtl="0" algn="ctr">
+            <a:pPr marL="0" lvl="0" indent="0" algn="ctr" rtl="0">
               <a:lnSpc>
                 <a:spcPct val="146739"/>
               </a:lnSpc>
@@ -13533,19 +13727,7 @@
                 <a:cs typeface="Consolas"/>
                 <a:sym typeface="Consolas"/>
               </a:rPr>
-              <a:t>Defines the amount of space above and below inline elements</a:t>
-            </a:r>
-            <a:r>
-              <a:rPr lang="en-GB" sz="2400">
-                <a:solidFill>
-                  <a:schemeClr val="lt1"/>
-                </a:solidFill>
-                <a:latin typeface="Consolas"/>
-                <a:ea typeface="Consolas"/>
-                <a:cs typeface="Consolas"/>
-                <a:sym typeface="Consolas"/>
-              </a:rPr>
-              <a:t>.</a:t>
+              <a:t>Defines the amount of space above and below inline elements.</a:t>
             </a:r>
             <a:endParaRPr sz="2400">
               <a:solidFill>
@@ -13568,11 +13750,11 @@
 </file>
 
 <file path=ppt/slides/slide34.xml><?xml version="1.0" encoding="utf-8"?>
-<p:sld xmlns:a="http://schemas.openxmlformats.org/drawingml/2006/main" xmlns:r="http://schemas.openxmlformats.org/officeDocument/2006/relationships" xmlns:mc="http://schemas.openxmlformats.org/markup-compatibility/2006" xmlns:mv="urn:schemas-microsoft-com:mac:vml" xmlns:p="http://schemas.openxmlformats.org/presentationml/2006/main" xmlns:c="http://schemas.openxmlformats.org/drawingml/2006/chart" xmlns:dgm="http://schemas.openxmlformats.org/drawingml/2006/diagram" xmlns:o="urn:schemas-microsoft-com:office:office" xmlns:v="urn:schemas-microsoft-com:vml" xmlns:pvml="urn:schemas-microsoft-com:office:powerpoint" xmlns:com="http://schemas.openxmlformats.org/drawingml/2006/compatibility" xmlns:p14="http://schemas.microsoft.com/office/powerpoint/2010/main" xmlns:p15="http://schemas.microsoft.com/office/powerpoint/2012/main" xmlns:ahyp="http://schemas.microsoft.com/office/drawing/2018/hyperlinkcolor">
+<p:sld xmlns:a="http://schemas.openxmlformats.org/drawingml/2006/main" xmlns:r="http://schemas.openxmlformats.org/officeDocument/2006/relationships" xmlns:p="http://schemas.openxmlformats.org/presentationml/2006/main">
   <p:cSld>
     <p:spTree>
       <p:nvGrpSpPr>
-        <p:cNvPr id="221" name="Shape 221"/>
+        <p:cNvPr id="1" name="Shape 221"/>
         <p:cNvGrpSpPr/>
         <p:nvPr/>
       </p:nvGrpSpPr>
@@ -13604,12 +13786,12 @@
           </a:ln>
         </p:spPr>
         <p:txBody>
-          <a:bodyPr anchorCtr="0" anchor="ctr" bIns="91425" lIns="91425" spcFirstLastPara="1" rIns="91425" wrap="square" tIns="91425">
+          <a:bodyPr spcFirstLastPara="1" wrap="square" lIns="91425" tIns="91425" rIns="91425" bIns="91425" anchor="ctr" anchorCtr="0">
             <a:noAutofit/>
           </a:bodyPr>
           <a:lstStyle/>
           <a:p>
-            <a:pPr indent="0" lvl="0" marL="0" rtl="0" algn="l">
+            <a:pPr marL="0" lvl="0" indent="0" algn="l" rtl="0">
               <a:spcBef>
                 <a:spcPts val="0"/>
               </a:spcBef>
@@ -13675,18 +13857,19 @@
 </file>
 
 <file path=ppt/slides/slide35.xml><?xml version="1.0" encoding="utf-8"?>
-<p:sld xmlns:a="http://schemas.openxmlformats.org/drawingml/2006/main" xmlns:r="http://schemas.openxmlformats.org/officeDocument/2006/relationships" xmlns:mc="http://schemas.openxmlformats.org/markup-compatibility/2006" xmlns:mv="urn:schemas-microsoft-com:mac:vml" xmlns:p="http://schemas.openxmlformats.org/presentationml/2006/main" xmlns:c="http://schemas.openxmlformats.org/drawingml/2006/chart" xmlns:dgm="http://schemas.openxmlformats.org/drawingml/2006/diagram" xmlns:o="urn:schemas-microsoft-com:office:office" xmlns:v="urn:schemas-microsoft-com:vml" xmlns:pvml="urn:schemas-microsoft-com:office:powerpoint" xmlns:com="http://schemas.openxmlformats.org/drawingml/2006/compatibility" xmlns:p14="http://schemas.microsoft.com/office/powerpoint/2010/main" xmlns:p15="http://schemas.microsoft.com/office/powerpoint/2012/main" xmlns:ahyp="http://schemas.microsoft.com/office/drawing/2018/hyperlinkcolor">
+<p:sld xmlns:a="http://schemas.openxmlformats.org/drawingml/2006/main" xmlns:r="http://schemas.openxmlformats.org/officeDocument/2006/relationships" xmlns:p="http://schemas.openxmlformats.org/presentationml/2006/main">
   <p:cSld>
     <p:bg>
       <p:bgPr>
         <a:solidFill>
           <a:srgbClr val="666666"/>
         </a:solidFill>
+        <a:effectLst/>
       </p:bgPr>
     </p:bg>
     <p:spTree>
       <p:nvGrpSpPr>
-        <p:cNvPr id="226" name="Shape 226"/>
+        <p:cNvPr id="1" name="Shape 226"/>
         <p:cNvGrpSpPr/>
         <p:nvPr/>
       </p:nvGrpSpPr>
@@ -13718,12 +13901,12 @@
           </a:ln>
         </p:spPr>
         <p:txBody>
-          <a:bodyPr anchorCtr="0" anchor="ctr" bIns="91425" lIns="91425" spcFirstLastPara="1" rIns="91425" wrap="square" tIns="91425">
+          <a:bodyPr spcFirstLastPara="1" wrap="square" lIns="91425" tIns="91425" rIns="91425" bIns="91425" anchor="ctr" anchorCtr="0">
             <a:noAutofit/>
           </a:bodyPr>
           <a:lstStyle/>
           <a:p>
-            <a:pPr indent="0" lvl="0" marL="0" rtl="0" algn="ctr">
+            <a:pPr marL="0" lvl="0" indent="0" algn="ctr" rtl="0">
               <a:lnSpc>
                 <a:spcPct val="146739"/>
               </a:lnSpc>
@@ -13757,19 +13940,7 @@
                 <a:cs typeface="Consolas"/>
                 <a:sym typeface="Consolas"/>
               </a:rPr>
-              <a:t>: </a:t>
-            </a:r>
-            <a:r>
-              <a:rPr lang="en-GB" sz="3000">
-                <a:solidFill>
-                  <a:srgbClr val="FBC02D"/>
-                </a:solidFill>
-                <a:latin typeface="Consolas"/>
-                <a:ea typeface="Consolas"/>
-                <a:cs typeface="Consolas"/>
-                <a:sym typeface="Consolas"/>
-              </a:rPr>
-              <a:t>font-style font-variant font-weight font-size/line-height font-family;</a:t>
+              <a:t>: font-style font-variant font-weight font-size/line-height font-family;</a:t>
             </a:r>
             <a:endParaRPr sz="2400">
               <a:solidFill>
@@ -13792,18 +13963,19 @@
 </file>
 
 <file path=ppt/slides/slide36.xml><?xml version="1.0" encoding="utf-8"?>
-<p:sld xmlns:a="http://schemas.openxmlformats.org/drawingml/2006/main" xmlns:r="http://schemas.openxmlformats.org/officeDocument/2006/relationships" xmlns:mc="http://schemas.openxmlformats.org/markup-compatibility/2006" xmlns:mv="urn:schemas-microsoft-com:mac:vml" xmlns:p="http://schemas.openxmlformats.org/presentationml/2006/main" xmlns:c="http://schemas.openxmlformats.org/drawingml/2006/chart" xmlns:dgm="http://schemas.openxmlformats.org/drawingml/2006/diagram" xmlns:o="urn:schemas-microsoft-com:office:office" xmlns:v="urn:schemas-microsoft-com:vml" xmlns:pvml="urn:schemas-microsoft-com:office:powerpoint" xmlns:com="http://schemas.openxmlformats.org/drawingml/2006/compatibility" xmlns:p14="http://schemas.microsoft.com/office/powerpoint/2010/main" xmlns:p15="http://schemas.microsoft.com/office/powerpoint/2012/main" xmlns:ahyp="http://schemas.microsoft.com/office/drawing/2018/hyperlinkcolor">
+<p:sld xmlns:a="http://schemas.openxmlformats.org/drawingml/2006/main" xmlns:r="http://schemas.openxmlformats.org/officeDocument/2006/relationships" xmlns:p="http://schemas.openxmlformats.org/presentationml/2006/main">
   <p:cSld>
     <p:bg>
       <p:bgPr>
         <a:solidFill>
           <a:srgbClr val="666666"/>
         </a:solidFill>
+        <a:effectLst/>
       </p:bgPr>
     </p:bg>
     <p:spTree>
       <p:nvGrpSpPr>
-        <p:cNvPr id="231" name="Shape 231"/>
+        <p:cNvPr id="1" name="Shape 231"/>
         <p:cNvGrpSpPr/>
         <p:nvPr/>
       </p:nvGrpSpPr>
@@ -13835,12 +14007,12 @@
           </a:ln>
         </p:spPr>
         <p:txBody>
-          <a:bodyPr anchorCtr="0" anchor="ctr" bIns="91425" lIns="91425" spcFirstLastPara="1" rIns="91425" wrap="square" tIns="91425">
+          <a:bodyPr spcFirstLastPara="1" wrap="square" lIns="91425" tIns="91425" rIns="91425" bIns="91425" anchor="ctr" anchorCtr="0">
             <a:noAutofit/>
           </a:bodyPr>
           <a:lstStyle/>
           <a:p>
-            <a:pPr indent="0" lvl="0" marL="0" rtl="0" algn="l">
+            <a:pPr marL="0" lvl="0" indent="0" algn="l" rtl="0">
               <a:lnSpc>
                 <a:spcPct val="146739"/>
               </a:lnSpc>
@@ -13904,7 +14076,7 @@
             </a:endParaRPr>
           </a:p>
           <a:p>
-            <a:pPr indent="0" lvl="0" marL="0" rtl="0" algn="l">
+            <a:pPr marL="0" lvl="0" indent="0" algn="l" rtl="0">
               <a:lnSpc>
                 <a:spcPct val="146739"/>
               </a:lnSpc>
@@ -13963,7 +14135,7 @@
             </a:endParaRPr>
           </a:p>
           <a:p>
-            <a:pPr indent="457200" lvl="0" marL="0" rtl="0" algn="l">
+            <a:pPr marL="0" lvl="0" indent="457200" algn="l" rtl="0">
               <a:lnSpc>
                 <a:spcPct val="146739"/>
               </a:lnSpc>
@@ -13998,7 +14170,7 @@
             </a:endParaRPr>
           </a:p>
           <a:p>
-            <a:pPr indent="457200" lvl="0" marL="0" rtl="0" algn="l">
+            <a:pPr marL="0" lvl="0" indent="457200" algn="l" rtl="0">
               <a:lnSpc>
                 <a:spcPct val="146739"/>
               </a:lnSpc>
@@ -14038,7 +14210,7 @@
             </a:endParaRPr>
           </a:p>
           <a:p>
-            <a:pPr indent="0" lvl="0" marL="0" rtl="0" algn="l">
+            <a:pPr marL="0" lvl="0" indent="0" algn="l" rtl="0">
               <a:lnSpc>
                 <a:spcPct val="146739"/>
               </a:lnSpc>
@@ -14083,11 +14255,11 @@
 </file>
 
 <file path=ppt/slides/slide37.xml><?xml version="1.0" encoding="utf-8"?>
-<p:sld xmlns:a="http://schemas.openxmlformats.org/drawingml/2006/main" xmlns:r="http://schemas.openxmlformats.org/officeDocument/2006/relationships" xmlns:mc="http://schemas.openxmlformats.org/markup-compatibility/2006" xmlns:mv="urn:schemas-microsoft-com:mac:vml" xmlns:p="http://schemas.openxmlformats.org/presentationml/2006/main" xmlns:c="http://schemas.openxmlformats.org/drawingml/2006/chart" xmlns:dgm="http://schemas.openxmlformats.org/drawingml/2006/diagram" xmlns:o="urn:schemas-microsoft-com:office:office" xmlns:v="urn:schemas-microsoft-com:vml" xmlns:pvml="urn:schemas-microsoft-com:office:powerpoint" xmlns:com="http://schemas.openxmlformats.org/drawingml/2006/compatibility" xmlns:p14="http://schemas.microsoft.com/office/powerpoint/2010/main" xmlns:p15="http://schemas.microsoft.com/office/powerpoint/2012/main" xmlns:ahyp="http://schemas.microsoft.com/office/drawing/2018/hyperlinkcolor">
+<p:sld xmlns:a="http://schemas.openxmlformats.org/drawingml/2006/main" xmlns:r="http://schemas.openxmlformats.org/officeDocument/2006/relationships" xmlns:p="http://schemas.openxmlformats.org/presentationml/2006/main">
   <p:cSld>
     <p:spTree>
       <p:nvGrpSpPr>
-        <p:cNvPr id="236" name="Shape 236"/>
+        <p:cNvPr id="1" name="Shape 236"/>
         <p:cNvGrpSpPr/>
         <p:nvPr/>
       </p:nvGrpSpPr>
@@ -14119,12 +14291,12 @@
           </a:ln>
         </p:spPr>
         <p:txBody>
-          <a:bodyPr anchorCtr="0" anchor="ctr" bIns="91425" lIns="91425" spcFirstLastPara="1" rIns="91425" wrap="square" tIns="91425">
+          <a:bodyPr spcFirstLastPara="1" wrap="square" lIns="91425" tIns="91425" rIns="91425" bIns="91425" anchor="ctr" anchorCtr="0">
             <a:noAutofit/>
           </a:bodyPr>
           <a:lstStyle/>
           <a:p>
-            <a:pPr indent="0" lvl="0" marL="0" rtl="0" algn="l">
+            <a:pPr marL="0" lvl="0" indent="0" algn="l" rtl="0">
               <a:spcBef>
                 <a:spcPts val="0"/>
               </a:spcBef>
@@ -14166,18 +14338,19 @@
 </file>
 
 <file path=ppt/slides/slide38.xml><?xml version="1.0" encoding="utf-8"?>
-<p:sld xmlns:a="http://schemas.openxmlformats.org/drawingml/2006/main" xmlns:r="http://schemas.openxmlformats.org/officeDocument/2006/relationships" xmlns:mc="http://schemas.openxmlformats.org/markup-compatibility/2006" xmlns:mv="urn:schemas-microsoft-com:mac:vml" xmlns:p="http://schemas.openxmlformats.org/presentationml/2006/main" xmlns:c="http://schemas.openxmlformats.org/drawingml/2006/chart" xmlns:dgm="http://schemas.openxmlformats.org/drawingml/2006/diagram" xmlns:o="urn:schemas-microsoft-com:office:office" xmlns:v="urn:schemas-microsoft-com:vml" xmlns:pvml="urn:schemas-microsoft-com:office:powerpoint" xmlns:com="http://schemas.openxmlformats.org/drawingml/2006/compatibility" xmlns:p14="http://schemas.microsoft.com/office/powerpoint/2010/main" xmlns:p15="http://schemas.microsoft.com/office/powerpoint/2012/main" xmlns:ahyp="http://schemas.microsoft.com/office/drawing/2018/hyperlinkcolor">
+<p:sld xmlns:a="http://schemas.openxmlformats.org/drawingml/2006/main" xmlns:r="http://schemas.openxmlformats.org/officeDocument/2006/relationships" xmlns:p="http://schemas.openxmlformats.org/presentationml/2006/main">
   <p:cSld>
     <p:bg>
       <p:bgPr>
         <a:solidFill>
           <a:srgbClr val="666666"/>
         </a:solidFill>
+        <a:effectLst/>
       </p:bgPr>
     </p:bg>
     <p:spTree>
       <p:nvGrpSpPr>
-        <p:cNvPr id="241" name="Shape 241"/>
+        <p:cNvPr id="1" name="Shape 241"/>
         <p:cNvGrpSpPr/>
         <p:nvPr/>
       </p:nvGrpSpPr>
@@ -14209,12 +14382,12 @@
           </a:ln>
         </p:spPr>
         <p:txBody>
-          <a:bodyPr anchorCtr="0" anchor="ctr" bIns="91425" lIns="91425" spcFirstLastPara="1" rIns="91425" wrap="square" tIns="91425">
+          <a:bodyPr spcFirstLastPara="1" wrap="square" lIns="91425" tIns="91425" rIns="91425" bIns="91425" anchor="ctr" anchorCtr="0">
             <a:noAutofit/>
           </a:bodyPr>
           <a:lstStyle/>
           <a:p>
-            <a:pPr indent="0" lvl="0" marL="0" rtl="0" algn="l">
+            <a:pPr marL="0" lvl="0" indent="0" algn="l" rtl="0">
               <a:lnSpc>
                 <a:spcPct val="115000"/>
               </a:lnSpc>
@@ -14302,7 +14475,7 @@
             </a:endParaRPr>
           </a:p>
           <a:p>
-            <a:pPr indent="0" lvl="0" marL="0" rtl="0" algn="l">
+            <a:pPr marL="0" lvl="0" indent="0" algn="l" rtl="0">
               <a:lnSpc>
                 <a:spcPct val="146739"/>
               </a:lnSpc>
@@ -14395,11 +14568,11 @@
 </file>
 
 <file path=ppt/slides/slide39.xml><?xml version="1.0" encoding="utf-8"?>
-<p:sld xmlns:a="http://schemas.openxmlformats.org/drawingml/2006/main" xmlns:r="http://schemas.openxmlformats.org/officeDocument/2006/relationships" xmlns:mc="http://schemas.openxmlformats.org/markup-compatibility/2006" xmlns:mv="urn:schemas-microsoft-com:mac:vml" xmlns:p="http://schemas.openxmlformats.org/presentationml/2006/main" xmlns:c="http://schemas.openxmlformats.org/drawingml/2006/chart" xmlns:dgm="http://schemas.openxmlformats.org/drawingml/2006/diagram" xmlns:o="urn:schemas-microsoft-com:office:office" xmlns:v="urn:schemas-microsoft-com:vml" xmlns:pvml="urn:schemas-microsoft-com:office:powerpoint" xmlns:com="http://schemas.openxmlformats.org/drawingml/2006/compatibility" xmlns:p14="http://schemas.microsoft.com/office/powerpoint/2010/main" xmlns:p15="http://schemas.microsoft.com/office/powerpoint/2012/main" xmlns:ahyp="http://schemas.microsoft.com/office/drawing/2018/hyperlinkcolor">
+<p:sld xmlns:a="http://schemas.openxmlformats.org/drawingml/2006/main" xmlns:r="http://schemas.openxmlformats.org/officeDocument/2006/relationships" xmlns:p="http://schemas.openxmlformats.org/presentationml/2006/main">
   <p:cSld>
     <p:spTree>
       <p:nvGrpSpPr>
-        <p:cNvPr id="246" name="Shape 246"/>
+        <p:cNvPr id="1" name="Shape 246"/>
         <p:cNvGrpSpPr/>
         <p:nvPr/>
       </p:nvGrpSpPr>
@@ -14431,12 +14604,12 @@
           </a:ln>
         </p:spPr>
         <p:txBody>
-          <a:bodyPr anchorCtr="0" anchor="ctr" bIns="91425" lIns="91425" spcFirstLastPara="1" rIns="91425" wrap="square" tIns="91425">
+          <a:bodyPr spcFirstLastPara="1" wrap="square" lIns="91425" tIns="91425" rIns="91425" bIns="91425" anchor="ctr" anchorCtr="0">
             <a:noAutofit/>
           </a:bodyPr>
           <a:lstStyle/>
           <a:p>
-            <a:pPr indent="0" lvl="0" marL="0" rtl="0" algn="l">
+            <a:pPr marL="0" lvl="0" indent="0" algn="l" rtl="0">
               <a:spcBef>
                 <a:spcPts val="0"/>
               </a:spcBef>
@@ -14478,11 +14651,11 @@
 </file>
 
 <file path=ppt/slides/slide4.xml><?xml version="1.0" encoding="utf-8"?>
-<p:sld xmlns:a="http://schemas.openxmlformats.org/drawingml/2006/main" xmlns:r="http://schemas.openxmlformats.org/officeDocument/2006/relationships" xmlns:mc="http://schemas.openxmlformats.org/markup-compatibility/2006" xmlns:mv="urn:schemas-microsoft-com:mac:vml" xmlns:p="http://schemas.openxmlformats.org/presentationml/2006/main" xmlns:c="http://schemas.openxmlformats.org/drawingml/2006/chart" xmlns:dgm="http://schemas.openxmlformats.org/drawingml/2006/diagram" xmlns:o="urn:schemas-microsoft-com:office:office" xmlns:v="urn:schemas-microsoft-com:vml" xmlns:pvml="urn:schemas-microsoft-com:office:powerpoint" xmlns:com="http://schemas.openxmlformats.org/drawingml/2006/compatibility" xmlns:p14="http://schemas.microsoft.com/office/powerpoint/2010/main" xmlns:p15="http://schemas.microsoft.com/office/powerpoint/2012/main" xmlns:ahyp="http://schemas.microsoft.com/office/drawing/2018/hyperlinkcolor">
+<p:sld xmlns:a="http://schemas.openxmlformats.org/drawingml/2006/main" xmlns:r="http://schemas.openxmlformats.org/officeDocument/2006/relationships" xmlns:p="http://schemas.openxmlformats.org/presentationml/2006/main">
   <p:cSld>
     <p:spTree>
       <p:nvGrpSpPr>
-        <p:cNvPr id="69" name="Shape 69"/>
+        <p:cNvPr id="1" name="Shape 69"/>
         <p:cNvGrpSpPr/>
         <p:nvPr/>
       </p:nvGrpSpPr>
@@ -14514,12 +14687,12 @@
           </a:ln>
         </p:spPr>
         <p:txBody>
-          <a:bodyPr anchorCtr="0" anchor="ctr" bIns="91425" lIns="91425" spcFirstLastPara="1" rIns="91425" wrap="square" tIns="91425">
+          <a:bodyPr spcFirstLastPara="1" wrap="square" lIns="91425" tIns="91425" rIns="91425" bIns="91425" anchor="ctr" anchorCtr="0">
             <a:noAutofit/>
           </a:bodyPr>
           <a:lstStyle/>
           <a:p>
-            <a:pPr indent="0" lvl="0" marL="0" rtl="0" algn="l">
+            <a:pPr marL="0" lvl="0" indent="0" algn="l" rtl="0">
               <a:spcBef>
                 <a:spcPts val="0"/>
               </a:spcBef>
@@ -14585,18 +14758,19 @@
 </file>
 
 <file path=ppt/slides/slide40.xml><?xml version="1.0" encoding="utf-8"?>
-<p:sld xmlns:a="http://schemas.openxmlformats.org/drawingml/2006/main" xmlns:r="http://schemas.openxmlformats.org/officeDocument/2006/relationships" xmlns:mc="http://schemas.openxmlformats.org/markup-compatibility/2006" xmlns:mv="urn:schemas-microsoft-com:mac:vml" xmlns:p="http://schemas.openxmlformats.org/presentationml/2006/main" xmlns:c="http://schemas.openxmlformats.org/drawingml/2006/chart" xmlns:dgm="http://schemas.openxmlformats.org/drawingml/2006/diagram" xmlns:o="urn:schemas-microsoft-com:office:office" xmlns:v="urn:schemas-microsoft-com:vml" xmlns:pvml="urn:schemas-microsoft-com:office:powerpoint" xmlns:com="http://schemas.openxmlformats.org/drawingml/2006/compatibility" xmlns:p14="http://schemas.microsoft.com/office/powerpoint/2010/main" xmlns:p15="http://schemas.microsoft.com/office/powerpoint/2012/main" xmlns:ahyp="http://schemas.microsoft.com/office/drawing/2018/hyperlinkcolor">
+<p:sld xmlns:a="http://schemas.openxmlformats.org/drawingml/2006/main" xmlns:r="http://schemas.openxmlformats.org/officeDocument/2006/relationships" xmlns:p="http://schemas.openxmlformats.org/presentationml/2006/main">
   <p:cSld>
     <p:bg>
       <p:bgPr>
         <a:solidFill>
           <a:srgbClr val="666666"/>
         </a:solidFill>
+        <a:effectLst/>
       </p:bgPr>
     </p:bg>
     <p:spTree>
       <p:nvGrpSpPr>
-        <p:cNvPr id="251" name="Shape 251"/>
+        <p:cNvPr id="1" name="Shape 251"/>
         <p:cNvGrpSpPr/>
         <p:nvPr/>
       </p:nvGrpSpPr>
@@ -14628,12 +14802,12 @@
           </a:ln>
         </p:spPr>
         <p:txBody>
-          <a:bodyPr anchorCtr="0" anchor="ctr" bIns="91425" lIns="91425" spcFirstLastPara="1" rIns="91425" wrap="square" tIns="91425">
+          <a:bodyPr spcFirstLastPara="1" wrap="square" lIns="91425" tIns="91425" rIns="91425" bIns="91425" anchor="ctr" anchorCtr="0">
             <a:noAutofit/>
           </a:bodyPr>
           <a:lstStyle/>
           <a:p>
-            <a:pPr indent="0" lvl="0" marL="0" rtl="0" algn="l">
+            <a:pPr marL="0" lvl="0" indent="0" algn="l" rtl="0">
               <a:lnSpc>
                 <a:spcPct val="115000"/>
               </a:lnSpc>
@@ -14744,7 +14918,7 @@
             </a:endParaRPr>
           </a:p>
           <a:p>
-            <a:pPr indent="0" lvl="0" marL="0" rtl="0" algn="l">
+            <a:pPr marL="0" lvl="0" indent="0" algn="l" rtl="0">
               <a:lnSpc>
                 <a:spcPct val="146739"/>
               </a:lnSpc>
@@ -14812,166 +14986,20 @@
 </p:sld>
 </file>
 
-<file path=ppt/slides/slide41.xml><?xml version="1.0" encoding="utf-8"?>
-<p:sld xmlns:a="http://schemas.openxmlformats.org/drawingml/2006/main" xmlns:r="http://schemas.openxmlformats.org/officeDocument/2006/relationships" xmlns:mc="http://schemas.openxmlformats.org/markup-compatibility/2006" xmlns:mv="urn:schemas-microsoft-com:mac:vml" xmlns:p="http://schemas.openxmlformats.org/presentationml/2006/main" xmlns:c="http://schemas.openxmlformats.org/drawingml/2006/chart" xmlns:dgm="http://schemas.openxmlformats.org/drawingml/2006/diagram" xmlns:o="urn:schemas-microsoft-com:office:office" xmlns:v="urn:schemas-microsoft-com:vml" xmlns:pvml="urn:schemas-microsoft-com:office:powerpoint" xmlns:com="http://schemas.openxmlformats.org/drawingml/2006/compatibility" xmlns:p14="http://schemas.microsoft.com/office/powerpoint/2010/main" xmlns:p15="http://schemas.microsoft.com/office/powerpoint/2012/main" xmlns:ahyp="http://schemas.microsoft.com/office/drawing/2018/hyperlinkcolor">
-  <p:cSld>
-    <p:spTree>
-      <p:nvGrpSpPr>
-        <p:cNvPr id="256" name="Shape 256"/>
-        <p:cNvGrpSpPr/>
-        <p:nvPr/>
-      </p:nvGrpSpPr>
-      <p:grpSpPr>
-        <a:xfrm>
-          <a:off x="0" y="0"/>
-          <a:ext cx="0" cy="0"/>
-          <a:chOff x="0" y="0"/>
-          <a:chExt cx="0" cy="0"/>
-        </a:xfrm>
-      </p:grpSpPr>
-      <p:sp>
-        <p:nvSpPr>
-          <p:cNvPr id="257" name="Google Shape;257;p53"/>
-          <p:cNvSpPr txBox="1"/>
-          <p:nvPr/>
-        </p:nvSpPr>
-        <p:spPr>
-          <a:xfrm>
-            <a:off x="903600" y="1160850"/>
-            <a:ext cx="7336800" cy="2821800"/>
-          </a:xfrm>
-          <a:prstGeom prst="rect">
-            <a:avLst/>
-          </a:prstGeom>
-          <a:noFill/>
-          <a:ln>
-            <a:noFill/>
-          </a:ln>
-        </p:spPr>
-        <p:txBody>
-          <a:bodyPr anchorCtr="0" anchor="ctr" bIns="91425" lIns="91425" spcFirstLastPara="1" rIns="91425" wrap="square" tIns="91425">
-            <a:noAutofit/>
-          </a:bodyPr>
-          <a:lstStyle/>
-          <a:p>
-            <a:pPr indent="0" lvl="0" marL="0" rtl="0" algn="l">
-              <a:spcBef>
-                <a:spcPts val="0"/>
-              </a:spcBef>
-              <a:spcAft>
-                <a:spcPts val="0"/>
-              </a:spcAft>
-              <a:buNone/>
-            </a:pPr>
-            <a:r>
-              <a:rPr lang="en-GB" sz="3600">
-                <a:solidFill>
-                  <a:srgbClr val="ED5565"/>
-                </a:solidFill>
-                <a:latin typeface="Avenir"/>
-                <a:ea typeface="Avenir"/>
-                <a:cs typeface="Avenir"/>
-                <a:sym typeface="Avenir"/>
-              </a:rPr>
-              <a:t>Valerie Watson</a:t>
-            </a:r>
-            <a:endParaRPr sz="3600">
-              <a:solidFill>
-                <a:srgbClr val="ED5565"/>
-              </a:solidFill>
-              <a:latin typeface="Avenir"/>
-              <a:ea typeface="Avenir"/>
-              <a:cs typeface="Avenir"/>
-              <a:sym typeface="Avenir"/>
-            </a:endParaRPr>
-          </a:p>
-          <a:p>
-            <a:pPr indent="0" lvl="0" marL="0" rtl="0" algn="l">
-              <a:spcBef>
-                <a:spcPts val="0"/>
-              </a:spcBef>
-              <a:spcAft>
-                <a:spcPts val="0"/>
-              </a:spcAft>
-              <a:buNone/>
-            </a:pPr>
-            <a:r>
-              <a:rPr lang="en-GB" sz="3200">
-                <a:solidFill>
-                  <a:srgbClr val="4C5258"/>
-                </a:solidFill>
-                <a:latin typeface="Avenir"/>
-                <a:ea typeface="Avenir"/>
-                <a:cs typeface="Avenir"/>
-                <a:sym typeface="Avenir"/>
-              </a:rPr>
-              <a:t>she / her</a:t>
-            </a:r>
-            <a:endParaRPr sz="3200">
-              <a:solidFill>
-                <a:srgbClr val="4C5258"/>
-              </a:solidFill>
-              <a:latin typeface="Avenir"/>
-              <a:ea typeface="Avenir"/>
-              <a:cs typeface="Avenir"/>
-              <a:sym typeface="Avenir"/>
-            </a:endParaRPr>
-          </a:p>
-          <a:p>
-            <a:pPr indent="0" lvl="0" marL="0" rtl="0" algn="l">
-              <a:spcBef>
-                <a:spcPts val="0"/>
-              </a:spcBef>
-              <a:spcAft>
-                <a:spcPts val="0"/>
-              </a:spcAft>
-              <a:buNone/>
-            </a:pPr>
-            <a:r>
-              <a:rPr lang="en-GB" sz="3200">
-                <a:solidFill>
-                  <a:srgbClr val="4C5258"/>
-                </a:solidFill>
-                <a:latin typeface="Avenir"/>
-                <a:ea typeface="Avenir"/>
-                <a:cs typeface="Avenir"/>
-                <a:sym typeface="Avenir"/>
-              </a:rPr>
-              <a:t>vwatson@nait.ca</a:t>
-            </a:r>
-            <a:endParaRPr sz="3200">
-              <a:solidFill>
-                <a:srgbClr val="4C5258"/>
-              </a:solidFill>
-              <a:latin typeface="Avenir"/>
-              <a:ea typeface="Avenir"/>
-              <a:cs typeface="Avenir"/>
-              <a:sym typeface="Avenir"/>
-            </a:endParaRPr>
-          </a:p>
-        </p:txBody>
-      </p:sp>
-    </p:spTree>
-  </p:cSld>
-  <p:clrMapOvr>
-    <a:masterClrMapping/>
-  </p:clrMapOvr>
-</p:sld>
-</file>
-
 <file path=ppt/slides/slide5.xml><?xml version="1.0" encoding="utf-8"?>
-<p:sld xmlns:a="http://schemas.openxmlformats.org/drawingml/2006/main" xmlns:r="http://schemas.openxmlformats.org/officeDocument/2006/relationships" xmlns:mc="http://schemas.openxmlformats.org/markup-compatibility/2006" xmlns:mv="urn:schemas-microsoft-com:mac:vml" xmlns:p="http://schemas.openxmlformats.org/presentationml/2006/main" xmlns:c="http://schemas.openxmlformats.org/drawingml/2006/chart" xmlns:dgm="http://schemas.openxmlformats.org/drawingml/2006/diagram" xmlns:o="urn:schemas-microsoft-com:office:office" xmlns:v="urn:schemas-microsoft-com:vml" xmlns:pvml="urn:schemas-microsoft-com:office:powerpoint" xmlns:com="http://schemas.openxmlformats.org/drawingml/2006/compatibility" xmlns:p14="http://schemas.microsoft.com/office/powerpoint/2010/main" xmlns:p15="http://schemas.microsoft.com/office/powerpoint/2012/main" xmlns:ahyp="http://schemas.microsoft.com/office/drawing/2018/hyperlinkcolor">
+<p:sld xmlns:a="http://schemas.openxmlformats.org/drawingml/2006/main" xmlns:r="http://schemas.openxmlformats.org/officeDocument/2006/relationships" xmlns:p="http://schemas.openxmlformats.org/presentationml/2006/main">
   <p:cSld>
     <p:bg>
       <p:bgPr>
         <a:solidFill>
           <a:srgbClr val="ED5565"/>
         </a:solidFill>
+        <a:effectLst/>
       </p:bgPr>
     </p:bg>
     <p:spTree>
       <p:nvGrpSpPr>
-        <p:cNvPr id="74" name="Shape 74"/>
+        <p:cNvPr id="1" name="Shape 74"/>
         <p:cNvGrpSpPr/>
         <p:nvPr/>
       </p:nvGrpSpPr>
@@ -14986,7 +15014,9 @@
       <p:sp>
         <p:nvSpPr>
           <p:cNvPr id="75" name="Google Shape;75;p17"/>
-          <p:cNvSpPr txBox="1"/>
+          <p:cNvSpPr txBox="1">
+            <a:spLocks noGrp="1"/>
+          </p:cNvSpPr>
           <p:nvPr>
             <p:ph type="ctrTitle"/>
           </p:nvPr>
@@ -15001,12 +15031,12 @@
           </a:prstGeom>
         </p:spPr>
         <p:txBody>
-          <a:bodyPr anchorCtr="0" anchor="b" bIns="91425" lIns="91425" spcFirstLastPara="1" rIns="91425" wrap="square" tIns="91425">
+          <a:bodyPr spcFirstLastPara="1" wrap="square" lIns="91425" tIns="91425" rIns="91425" bIns="91425" anchor="b" anchorCtr="0">
             <a:noAutofit/>
           </a:bodyPr>
           <a:lstStyle/>
           <a:p>
-            <a:pPr indent="0" lvl="0" marL="0" rtl="0" algn="ctr">
+            <a:pPr marL="0" lvl="0" indent="0" algn="ctr" rtl="0">
               <a:spcBef>
                 <a:spcPts val="0"/>
               </a:spcBef>
@@ -15016,23 +15046,21 @@
               <a:buNone/>
             </a:pPr>
             <a:r>
-              <a:rPr lang="en-GB" sz="6000"/>
-              <a:t>Web Safe</a:t>
+              <a:rPr lang="en-GB" sz="6000" dirty="0"/>
+              <a:t>Web Safe Fonts</a:t>
             </a:r>
-            <a:r>
-              <a:rPr lang="en-GB" sz="6000"/>
-              <a:t> Fonts</a:t>
-            </a:r>
-            <a:endParaRPr sz="6000"/>
+            <a:endParaRPr sz="6000" dirty="0"/>
           </a:p>
         </p:txBody>
       </p:sp>
       <p:sp>
         <p:nvSpPr>
           <p:cNvPr id="76" name="Google Shape;76;p17"/>
-          <p:cNvSpPr txBox="1"/>
+          <p:cNvSpPr txBox="1">
+            <a:spLocks noGrp="1"/>
+          </p:cNvSpPr>
           <p:nvPr>
-            <p:ph idx="1" type="subTitle"/>
+            <p:ph type="subTitle" idx="1"/>
           </p:nvPr>
         </p:nvSpPr>
         <p:spPr>
@@ -15045,12 +15073,12 @@
           </a:prstGeom>
         </p:spPr>
         <p:txBody>
-          <a:bodyPr anchorCtr="0" anchor="t" bIns="91425" lIns="91425" spcFirstLastPara="1" rIns="91425" wrap="square" tIns="91425">
+          <a:bodyPr spcFirstLastPara="1" wrap="square" lIns="91425" tIns="91425" rIns="91425" bIns="91425" anchor="t" anchorCtr="0">
             <a:noAutofit/>
           </a:bodyPr>
           <a:lstStyle/>
           <a:p>
-            <a:pPr indent="0" lvl="0" marL="0" rtl="0" algn="ctr">
+            <a:pPr marL="0" lvl="0" indent="0" algn="ctr" rtl="0">
               <a:spcBef>
                 <a:spcPts val="0"/>
               </a:spcBef>
@@ -15060,10 +15088,10 @@
               <a:buNone/>
             </a:pPr>
             <a:r>
-              <a:rPr lang="en-GB"/>
-              <a:t>Let’s sing a song about safety … </a:t>
+              <a:rPr lang="en-CA" dirty="0"/>
+              <a:t> </a:t>
             </a:r>
-            <a:endParaRPr/>
+            <a:endParaRPr dirty="0"/>
           </a:p>
         </p:txBody>
       </p:sp>
@@ -15076,11 +15104,11 @@
 </file>
 
 <file path=ppt/slides/slide6.xml><?xml version="1.0" encoding="utf-8"?>
-<p:sld xmlns:a="http://schemas.openxmlformats.org/drawingml/2006/main" xmlns:r="http://schemas.openxmlformats.org/officeDocument/2006/relationships" xmlns:mc="http://schemas.openxmlformats.org/markup-compatibility/2006" xmlns:mv="urn:schemas-microsoft-com:mac:vml" xmlns:p="http://schemas.openxmlformats.org/presentationml/2006/main" xmlns:c="http://schemas.openxmlformats.org/drawingml/2006/chart" xmlns:dgm="http://schemas.openxmlformats.org/drawingml/2006/diagram" xmlns:o="urn:schemas-microsoft-com:office:office" xmlns:v="urn:schemas-microsoft-com:vml" xmlns:pvml="urn:schemas-microsoft-com:office:powerpoint" xmlns:com="http://schemas.openxmlformats.org/drawingml/2006/compatibility" xmlns:p14="http://schemas.microsoft.com/office/powerpoint/2010/main" xmlns:p15="http://schemas.microsoft.com/office/powerpoint/2012/main" xmlns:ahyp="http://schemas.microsoft.com/office/drawing/2018/hyperlinkcolor">
+<p:sld xmlns:a="http://schemas.openxmlformats.org/drawingml/2006/main" xmlns:r="http://schemas.openxmlformats.org/officeDocument/2006/relationships" xmlns:p="http://schemas.openxmlformats.org/presentationml/2006/main">
   <p:cSld>
     <p:spTree>
       <p:nvGrpSpPr>
-        <p:cNvPr id="80" name="Shape 80"/>
+        <p:cNvPr id="1" name="Shape 80"/>
         <p:cNvGrpSpPr/>
         <p:nvPr/>
       </p:nvGrpSpPr>
@@ -15112,12 +15140,12 @@
           </a:ln>
         </p:spPr>
         <p:txBody>
-          <a:bodyPr anchorCtr="0" anchor="ctr" bIns="91425" lIns="91425" spcFirstLastPara="1" rIns="91425" wrap="square" tIns="91425">
+          <a:bodyPr spcFirstLastPara="1" wrap="square" lIns="91425" tIns="91425" rIns="91425" bIns="91425" anchor="ctr" anchorCtr="0">
             <a:noAutofit/>
           </a:bodyPr>
           <a:lstStyle/>
           <a:p>
-            <a:pPr indent="0" lvl="0" marL="0" rtl="0" algn="l">
+            <a:pPr marL="0" lvl="0" indent="0" algn="l" rtl="0">
               <a:spcBef>
                 <a:spcPts val="0"/>
               </a:spcBef>
@@ -15183,11 +15211,11 @@
 </file>
 
 <file path=ppt/slides/slide7.xml><?xml version="1.0" encoding="utf-8"?>
-<p:sld xmlns:a="http://schemas.openxmlformats.org/drawingml/2006/main" xmlns:r="http://schemas.openxmlformats.org/officeDocument/2006/relationships" xmlns:mc="http://schemas.openxmlformats.org/markup-compatibility/2006" xmlns:mv="urn:schemas-microsoft-com:mac:vml" xmlns:p="http://schemas.openxmlformats.org/presentationml/2006/main" xmlns:c="http://schemas.openxmlformats.org/drawingml/2006/chart" xmlns:dgm="http://schemas.openxmlformats.org/drawingml/2006/diagram" xmlns:o="urn:schemas-microsoft-com:office:office" xmlns:v="urn:schemas-microsoft-com:vml" xmlns:pvml="urn:schemas-microsoft-com:office:powerpoint" xmlns:com="http://schemas.openxmlformats.org/drawingml/2006/compatibility" xmlns:p14="http://schemas.microsoft.com/office/powerpoint/2010/main" xmlns:p15="http://schemas.microsoft.com/office/powerpoint/2012/main" xmlns:ahyp="http://schemas.microsoft.com/office/drawing/2018/hyperlinkcolor">
+<p:sld xmlns:a="http://schemas.openxmlformats.org/drawingml/2006/main" xmlns:r="http://schemas.openxmlformats.org/officeDocument/2006/relationships" xmlns:p="http://schemas.openxmlformats.org/presentationml/2006/main">
   <p:cSld>
     <p:spTree>
       <p:nvGrpSpPr>
-        <p:cNvPr id="85" name="Shape 85"/>
+        <p:cNvPr id="1" name="Shape 85"/>
         <p:cNvGrpSpPr/>
         <p:nvPr/>
       </p:nvGrpSpPr>
@@ -15219,12 +15247,12 @@
           </a:ln>
         </p:spPr>
         <p:txBody>
-          <a:bodyPr anchorCtr="0" anchor="ctr" bIns="91425" lIns="91425" spcFirstLastPara="1" rIns="91425" wrap="square" tIns="91425">
+          <a:bodyPr spcFirstLastPara="1" wrap="square" lIns="91425" tIns="91425" rIns="91425" bIns="91425" anchor="ctr" anchorCtr="0">
             <a:noAutofit/>
           </a:bodyPr>
           <a:lstStyle/>
           <a:p>
-            <a:pPr indent="0" lvl="0" marL="0" rtl="0" algn="l">
+            <a:pPr marL="0" lvl="0" indent="0" algn="l" rtl="0">
               <a:spcBef>
                 <a:spcPts val="0"/>
               </a:spcBef>
@@ -15266,11 +15294,11 @@
 </file>
 
 <file path=ppt/slides/slide8.xml><?xml version="1.0" encoding="utf-8"?>
-<p:sld xmlns:a="http://schemas.openxmlformats.org/drawingml/2006/main" xmlns:r="http://schemas.openxmlformats.org/officeDocument/2006/relationships" xmlns:mc="http://schemas.openxmlformats.org/markup-compatibility/2006" xmlns:mv="urn:schemas-microsoft-com:mac:vml" xmlns:p="http://schemas.openxmlformats.org/presentationml/2006/main" xmlns:c="http://schemas.openxmlformats.org/drawingml/2006/chart" xmlns:dgm="http://schemas.openxmlformats.org/drawingml/2006/diagram" xmlns:o="urn:schemas-microsoft-com:office:office" xmlns:v="urn:schemas-microsoft-com:vml" xmlns:pvml="urn:schemas-microsoft-com:office:powerpoint" xmlns:com="http://schemas.openxmlformats.org/drawingml/2006/compatibility" xmlns:p14="http://schemas.microsoft.com/office/powerpoint/2010/main" xmlns:p15="http://schemas.microsoft.com/office/powerpoint/2012/main" xmlns:ahyp="http://schemas.microsoft.com/office/drawing/2018/hyperlinkcolor">
+<p:sld xmlns:a="http://schemas.openxmlformats.org/drawingml/2006/main" xmlns:r="http://schemas.openxmlformats.org/officeDocument/2006/relationships" xmlns:p="http://schemas.openxmlformats.org/presentationml/2006/main">
   <p:cSld>
     <p:spTree>
       <p:nvGrpSpPr>
-        <p:cNvPr id="90" name="Shape 90"/>
+        <p:cNvPr id="1" name="Shape 90"/>
         <p:cNvGrpSpPr/>
         <p:nvPr/>
       </p:nvGrpSpPr>
@@ -15302,12 +15330,12 @@
           </a:ln>
         </p:spPr>
         <p:txBody>
-          <a:bodyPr anchorCtr="0" anchor="ctr" bIns="91425" lIns="91425" spcFirstLastPara="1" rIns="91425" wrap="square" tIns="91425">
+          <a:bodyPr spcFirstLastPara="1" wrap="square" lIns="91425" tIns="91425" rIns="91425" bIns="91425" anchor="ctr" anchorCtr="0">
             <a:noAutofit/>
           </a:bodyPr>
           <a:lstStyle/>
           <a:p>
-            <a:pPr indent="0" lvl="0" marL="0" rtl="0" algn="l">
+            <a:pPr marL="0" lvl="0" indent="0" algn="l" rtl="0">
               <a:spcBef>
                 <a:spcPts val="0"/>
               </a:spcBef>
@@ -15373,11 +15401,11 @@
 </file>
 
 <file path=ppt/slides/slide9.xml><?xml version="1.0" encoding="utf-8"?>
-<p:sld xmlns:a="http://schemas.openxmlformats.org/drawingml/2006/main" xmlns:r="http://schemas.openxmlformats.org/officeDocument/2006/relationships" xmlns:mc="http://schemas.openxmlformats.org/markup-compatibility/2006" xmlns:mv="urn:schemas-microsoft-com:mac:vml" xmlns:p="http://schemas.openxmlformats.org/presentationml/2006/main" xmlns:c="http://schemas.openxmlformats.org/drawingml/2006/chart" xmlns:dgm="http://schemas.openxmlformats.org/drawingml/2006/diagram" xmlns:o="urn:schemas-microsoft-com:office:office" xmlns:v="urn:schemas-microsoft-com:vml" xmlns:pvml="urn:schemas-microsoft-com:office:powerpoint" xmlns:com="http://schemas.openxmlformats.org/drawingml/2006/compatibility" xmlns:p14="http://schemas.microsoft.com/office/powerpoint/2010/main" xmlns:p15="http://schemas.microsoft.com/office/powerpoint/2012/main" xmlns:ahyp="http://schemas.microsoft.com/office/drawing/2018/hyperlinkcolor">
+<p:sld xmlns:a="http://schemas.openxmlformats.org/drawingml/2006/main" xmlns:r="http://schemas.openxmlformats.org/officeDocument/2006/relationships" xmlns:p="http://schemas.openxmlformats.org/presentationml/2006/main">
   <p:cSld>
     <p:spTree>
       <p:nvGrpSpPr>
-        <p:cNvPr id="95" name="Shape 95"/>
+        <p:cNvPr id="1" name="Shape 95"/>
         <p:cNvGrpSpPr/>
         <p:nvPr/>
       </p:nvGrpSpPr>
@@ -15409,12 +15437,12 @@
           </a:ln>
         </p:spPr>
         <p:txBody>
-          <a:bodyPr anchorCtr="0" anchor="ctr" bIns="91425" lIns="91425" spcFirstLastPara="1" rIns="91425" wrap="square" tIns="91425">
+          <a:bodyPr spcFirstLastPara="1" wrap="square" lIns="91425" tIns="91425" rIns="91425" bIns="91425" anchor="ctr" anchorCtr="0">
             <a:noAutofit/>
           </a:bodyPr>
           <a:lstStyle/>
           <a:p>
-            <a:pPr indent="0" lvl="0" marL="0" rtl="0" algn="l">
+            <a:pPr marL="0" lvl="0" indent="0" algn="l" rtl="0">
               <a:spcBef>
                 <a:spcPts val="0"/>
               </a:spcBef>
@@ -15456,7 +15484,7 @@
 </file>
 
 <file path=ppt/theme/theme1.xml><?xml version="1.0" encoding="utf-8"?>
-<a:theme xmlns:a="http://schemas.openxmlformats.org/drawingml/2006/main" xmlns:r="http://schemas.openxmlformats.org/officeDocument/2006/relationships" name="Simple Light">
+<a:theme xmlns:a="http://schemas.openxmlformats.org/drawingml/2006/main" name="Simple Light">
   <a:themeElements>
     <a:clrScheme name="Simple Light">
       <a:dk1>
@@ -15731,11 +15759,13 @@
       </a:bgFillStyleLst>
     </a:fmtScheme>
   </a:themeElements>
+  <a:objectDefaults/>
+  <a:extraClrSchemeLst/>
 </a:theme>
 </file>
 
 <file path=ppt/theme/theme2.xml><?xml version="1.0" encoding="utf-8"?>
-<a:theme xmlns:a="http://schemas.openxmlformats.org/drawingml/2006/main" xmlns:r="http://schemas.openxmlformats.org/officeDocument/2006/relationships">
+<a:theme xmlns:a="http://schemas.openxmlformats.org/drawingml/2006/main">
   <a:themeElements>
     <a:clrScheme name="Default">
       <a:dk1>
@@ -16010,10 +16040,27 @@
       </a:bgFillStyleLst>
     </a:fmtScheme>
   </a:themeElements>
+  <a:objectDefaults/>
+  <a:extraClrSchemeLst/>
 </a:theme>
 </file>
 
 <file path=customXml/item1.xml><?xml version="1.0" encoding="utf-8"?>
+<p:properties xmlns:p="http://schemas.microsoft.com/office/2006/metadata/properties" xmlns:xsi="http://www.w3.org/2001/XMLSchema-instance" xmlns:pc="http://schemas.microsoft.com/office/infopath/2007/PartnerControls">
+  <documentManagement/>
+</p:properties>
+</file>
+
+<file path=customXml/item2.xml><?xml version="1.0" encoding="utf-8"?>
+<?mso-contentType ?>
+<FormTemplates xmlns="http://schemas.microsoft.com/sharepoint/v3/contenttype/forms">
+  <Display>DocumentLibraryForm</Display>
+  <Edit>DocumentLibraryForm</Edit>
+  <New>DocumentLibraryForm</New>
+</FormTemplates>
+</file>
+
+<file path=customXml/item3.xml><?xml version="1.0" encoding="utf-8"?>
 <ct:contentTypeSchema xmlns:ct="http://schemas.microsoft.com/office/2006/metadata/contentType" xmlns:ma="http://schemas.microsoft.com/office/2006/metadata/properties/metaAttributes" ct:_="" ma:_="" ma:contentTypeName="Document" ma:contentTypeID="0x010100999B4E8582394047AF2DB655FCB5DE2D" ma:contentTypeVersion="9" ma:contentTypeDescription="Create a new document." ma:contentTypeScope="" ma:versionID="c3a872e16aa598bfa55e345701532ed0">
   <xsd:schema xmlns:xsd="http://www.w3.org/2001/XMLSchema" xmlns:xs="http://www.w3.org/2001/XMLSchema" xmlns:p="http://schemas.microsoft.com/office/2006/metadata/properties" xmlns:ns2="6e3dbc66-9f84-4f9f-9703-360ecb3635c1" targetNamespace="http://schemas.microsoft.com/office/2006/metadata/properties" ma:root="true" ma:fieldsID="d4209907cebe97717466145e66cc3e7f" ns2:_="">
     <xsd:import namespace="6e3dbc66-9f84-4f9f-9703-360ecb3635c1"/>
@@ -16191,29 +16238,37 @@
 </ct:contentTypeSchema>
 </file>
 
-<file path=customXml/item2.xml><?xml version="1.0" encoding="utf-8"?>
-<?mso-contentType ?>
-<FormTemplates xmlns="http://schemas.microsoft.com/sharepoint/v3/contenttype/forms">
-  <Display>DocumentLibraryForm</Display>
-  <Edit>DocumentLibraryForm</Edit>
-  <New>DocumentLibraryForm</New>
-</FormTemplates>
-</file>
-
-<file path=customXml/item3.xml><?xml version="1.0" encoding="utf-8"?>
-<p:properties xmlns:p="http://schemas.microsoft.com/office/2006/metadata/properties" xmlns:xsi="http://www.w3.org/2001/XMLSchema-instance" xmlns:pc="http://schemas.microsoft.com/office/infopath/2007/PartnerControls">
-  <documentManagement/>
-</p:properties>
-</file>
-
 <file path=customXml/itemProps1.xml><?xml version="1.0" encoding="utf-8"?>
-<ds:datastoreItem xmlns:ds="http://schemas.openxmlformats.org/officeDocument/2006/customXml" ds:itemID="{A59DA574-70A6-428C-937A-D9C5BBCBC207}"/>
+<ds:datastoreItem xmlns:ds="http://schemas.openxmlformats.org/officeDocument/2006/customXml" ds:itemID="{D9F61CB7-CEF1-4437-A2DC-6D40967D4420}">
+  <ds:schemaRefs>
+    <ds:schemaRef ds:uri="http://schemas.microsoft.com/office/2006/metadata/properties"/>
+    <ds:schemaRef ds:uri="http://schemas.microsoft.com/office/infopath/2007/PartnerControls"/>
+  </ds:schemaRefs>
+</ds:datastoreItem>
 </file>
 
 <file path=customXml/itemProps2.xml><?xml version="1.0" encoding="utf-8"?>
-<ds:datastoreItem xmlns:ds="http://schemas.openxmlformats.org/officeDocument/2006/customXml" ds:itemID="{63E0B771-DDED-437E-BC86-A26FB4AB9243}"/>
+<ds:datastoreItem xmlns:ds="http://schemas.openxmlformats.org/officeDocument/2006/customXml" ds:itemID="{63E0B771-DDED-437E-BC86-A26FB4AB9243}">
+  <ds:schemaRefs>
+    <ds:schemaRef ds:uri="http://schemas.microsoft.com/sharepoint/v3/contenttype/forms"/>
+  </ds:schemaRefs>
+</ds:datastoreItem>
 </file>
 
 <file path=customXml/itemProps3.xml><?xml version="1.0" encoding="utf-8"?>
-<ds:datastoreItem xmlns:ds="http://schemas.openxmlformats.org/officeDocument/2006/customXml" ds:itemID="{D9F61CB7-CEF1-4437-A2DC-6D40967D4420}"/>
+<ds:datastoreItem xmlns:ds="http://schemas.openxmlformats.org/officeDocument/2006/customXml" ds:itemID="{A59DA574-70A6-428C-937A-D9C5BBCBC207}">
+  <ds:schemaRefs>
+    <ds:schemaRef ds:uri="http://schemas.microsoft.com/office/2006/metadata/contentType"/>
+    <ds:schemaRef ds:uri="http://schemas.microsoft.com/office/2006/metadata/properties/metaAttributes"/>
+    <ds:schemaRef ds:uri="http://www.w3.org/2001/XMLSchema"/>
+    <ds:schemaRef ds:uri="http://schemas.microsoft.com/office/2006/metadata/properties"/>
+    <ds:schemaRef ds:uri="6e3dbc66-9f84-4f9f-9703-360ecb3635c1"/>
+    <ds:schemaRef ds:uri="http://schemas.microsoft.com/office/2006/documentManagement/types"/>
+    <ds:schemaRef ds:uri="http://schemas.microsoft.com/office/infopath/2007/PartnerControls"/>
+    <ds:schemaRef ds:uri="http://schemas.openxmlformats.org/package/2006/metadata/core-properties"/>
+    <ds:schemaRef ds:uri="http://purl.org/dc/elements/1.1/"/>
+    <ds:schemaRef ds:uri="http://purl.org/dc/terms/"/>
+    <ds:schemaRef ds:uri="http://schemas.microsoft.com/internal/obd"/>
+  </ds:schemaRefs>
+</ds:datastoreItem>
 </file>